--- a/Presentation/CS598 DL4H Project Presentation.pptx
+++ b/Presentation/CS598 DL4H Project Presentation.pptx
@@ -23,7 +23,7 @@
   <p:notesSz cx="6858000" cy="9144000"/>
   <p:embeddedFontLst>
     <p:embeddedFont>
-      <p:font typeface="Proxima Nova" panose="020B0604020202020204" charset="0"/>
+      <p:font typeface="Proxima Nova" panose="02000506030000020004" pitchFamily="2" charset="0"/>
       <p:regular r:id="rId13"/>
       <p:bold r:id="rId14"/>
       <p:italic r:id="rId15"/>
@@ -8440,6 +8440,36 @@
             </a:r>
           </a:p>
           <a:p>
+            <a:pPr lvl="1">
+              <a:buFont typeface="Arial" panose="020B0604020202020204" pitchFamily="34" charset="0"/>
+              <a:buChar char="•"/>
+            </a:pPr>
+            <a:r>
+              <a:rPr lang="en-US" dirty="0"/>
+              <a:t>The ICD-9 Code hierarchy has been flattened.</a:t>
+            </a:r>
+          </a:p>
+          <a:p>
+            <a:pPr lvl="1">
+              <a:buFont typeface="Arial" panose="020B0604020202020204" pitchFamily="34" charset="0"/>
+              <a:buChar char="•"/>
+            </a:pPr>
+            <a:r>
+              <a:rPr lang="en-US" dirty="0"/>
+              <a:t>The result ICD codes follow 2 level depth - &lt;root, code&gt; (Ablation)</a:t>
+            </a:r>
+          </a:p>
+          <a:p>
+            <a:pPr lvl="1">
+              <a:buFont typeface="Arial" panose="020B0604020202020204" pitchFamily="34" charset="0"/>
+              <a:buChar char="•"/>
+            </a:pPr>
+            <a:r>
+              <a:rPr lang="en-US" dirty="0"/>
+              <a:t>Reduce the Poincare/negative to 1.</a:t>
+            </a:r>
+          </a:p>
+          <a:p>
             <a:pPr algn="l">
               <a:buFont typeface="Arial" panose="020B0604020202020204" pitchFamily="34" charset="0"/>
               <a:buChar char="•"/>
@@ -8450,6 +8480,26 @@
             </a:r>
           </a:p>
           <a:p>
+            <a:pPr lvl="1">
+              <a:buFont typeface="Arial" panose="020B0604020202020204" pitchFamily="34" charset="0"/>
+              <a:buChar char="•"/>
+            </a:pPr>
+            <a:r>
+              <a:rPr lang="en-US" dirty="0"/>
+              <a:t>The original design hypothesis for multilevel ICD-9 has been altered.</a:t>
+            </a:r>
+          </a:p>
+          <a:p>
+            <a:pPr lvl="1">
+              <a:buFont typeface="Arial" panose="020B0604020202020204" pitchFamily="34" charset="0"/>
+              <a:buChar char="•"/>
+            </a:pPr>
+            <a:r>
+              <a:rPr lang="en-US" dirty="0"/>
+              <a:t>Still using the same hyperparameters from the original paper to compare the changes.</a:t>
+            </a:r>
+          </a:p>
+          <a:p>
             <a:pPr algn="l">
               <a:buFont typeface="Arial" panose="020B0604020202020204" pitchFamily="34" charset="0"/>
               <a:buChar char="•"/>
@@ -8460,6 +8510,26 @@
             </a:r>
           </a:p>
           <a:p>
+            <a:pPr lvl="1">
+              <a:buFont typeface="Arial" panose="020B0604020202020204" pitchFamily="34" charset="0"/>
+              <a:buChar char="•"/>
+            </a:pPr>
+            <a:r>
+              <a:rPr lang="en-US" dirty="0"/>
+              <a:t>Flatten the ICD-9 hierarchy to &lt;root, code&gt; (only 2 level)</a:t>
+            </a:r>
+          </a:p>
+          <a:p>
+            <a:pPr lvl="1">
+              <a:buFont typeface="Arial" panose="020B0604020202020204" pitchFamily="34" charset="0"/>
+              <a:buChar char="•"/>
+            </a:pPr>
+            <a:r>
+              <a:rPr lang="en-US" dirty="0"/>
+              <a:t>The loss function should get worst.</a:t>
+            </a:r>
+          </a:p>
+          <a:p>
             <a:pPr algn="l">
               <a:buFont typeface="Arial" panose="020B0604020202020204" pitchFamily="34" charset="0"/>
               <a:buChar char="•"/>
@@ -8467,6 +8537,24 @@
             <a:r>
               <a:rPr lang="en-US" dirty="0"/>
               <a:t>Discuss any challenges encountered during the reproduction attempts</a:t>
+            </a:r>
+          </a:p>
+          <a:p>
+            <a:pPr lvl="1">
+              <a:buFont typeface="Arial" panose="020B0604020202020204" pitchFamily="34" charset="0"/>
+              <a:buChar char="•"/>
+            </a:pPr>
+            <a:r>
+              <a:rPr lang="en-US" dirty="0"/>
+              <a:t>Hardware limitations </a:t>
+            </a:r>
+            <a:r>
+              <a:rPr lang="en-US" dirty="0" err="1"/>
+              <a:t>e.g</a:t>
+            </a:r>
+            <a:r>
+              <a:rPr lang="en-US" dirty="0"/>
+              <a:t> GPU/CPU/RAM inadequate to run the entire dataset.</a:t>
             </a:r>
           </a:p>
           <a:p>

--- a/Presentation/CS598 DL4H Project Presentation.pptx
+++ b/Presentation/CS598 DL4H Project Presentation.pptx
@@ -1,29 +1,29 @@
 
 <file path=ppt/presentation.xml><?xml version="1.0" encoding="utf-8"?>
-<p:presentation xmlns:a="http://schemas.openxmlformats.org/drawingml/2006/main" xmlns:r="http://schemas.openxmlformats.org/officeDocument/2006/relationships" xmlns:p="http://schemas.openxmlformats.org/presentationml/2006/main" xmlns:m="http://schemas.openxmlformats.org/officeDocument/2006/math" xmlns:a14="http://schemas.microsoft.com/office/drawing/2010/main">
+<p:presentation xmlns:a="http://schemas.openxmlformats.org/drawingml/2006/main" xmlns:r="http://schemas.openxmlformats.org/officeDocument/2006/relationships" xmlns:p="http://schemas.openxmlformats.org/presentationml/2006/main">
   <p:sldMasterIdLst>
-    <p:sldMasterId id="2147483648" r:id="rId5"/>
+    <p:sldMasterId id="2147483648" r:id="rId1"/>
   </p:sldMasterIdLst>
   <p:notesMasterIdLst>
-    <p:notesMasterId r:id="rId7"/>
+    <p:notesMasterId r:id="rId16"/>
   </p:notesMasterIdLst>
   <p:sldIdLst>
-    <p:sldId id="256" r:id="rId8"/>
-    <p:sldId id="257" r:id="rId9"/>
-    <p:sldId id="258" r:id="rId10"/>
-    <p:sldId id="259" r:id="rId11"/>
-    <p:sldId id="260" r:id="rId12"/>
-    <p:sldId id="261" r:id="rId13"/>
-    <p:sldId id="262" r:id="rId14"/>
-    <p:sldId id="263" r:id="rId15"/>
-    <p:sldId id="264" r:id="rId16"/>
-    <p:sldId id="265" r:id="rId17"/>
-    <p:sldId id="266" r:id="rId18"/>
-    <p:sldId id="267" r:id="rId19"/>
-    <p:sldId id="268" r:id="rId20"/>
-    <p:sldId id="269" r:id="rId21"/>
+    <p:sldId id="256" r:id="rId2"/>
+    <p:sldId id="257" r:id="rId3"/>
+    <p:sldId id="258" r:id="rId4"/>
+    <p:sldId id="259" r:id="rId5"/>
+    <p:sldId id="260" r:id="rId6"/>
+    <p:sldId id="262" r:id="rId7"/>
+    <p:sldId id="263" r:id="rId8"/>
+    <p:sldId id="261" r:id="rId9"/>
+    <p:sldId id="264" r:id="rId10"/>
+    <p:sldId id="265" r:id="rId11"/>
+    <p:sldId id="266" r:id="rId12"/>
+    <p:sldId id="267" r:id="rId13"/>
+    <p:sldId id="268" r:id="rId14"/>
+    <p:sldId id="269" r:id="rId15"/>
   </p:sldIdLst>
-  <p:sldSz cx="9144000" cy="5143500"/>
+  <p:sldSz cx="9144000" cy="5143500" type="screen16x9"/>
   <p:notesSz cx="6858000" cy="9144000"/>
   <p:defaultTextStyle>
     <a:defPPr marL="0" marR="0" indent="0" algn="l" defTabSz="914400" rtl="0" fontAlgn="auto" latinLnBrk="1" hangingPunct="0">
@@ -41,7 +41,7 @@
       <a:buFontTx/>
       <a:buNone/>
       <a:tabLst/>
-      <a:defRPr b="0" baseline="0" cap="none" i="0" spc="0" strike="noStrike" sz="1800" u="none" kumimoji="0" normalizeH="0">
+      <a:defRPr kumimoji="0" sz="1800" b="0" i="0" u="none" strike="noStrike" cap="none" spc="0" normalizeH="0" baseline="0">
         <a:ln>
           <a:noFill/>
         </a:ln>
@@ -67,7 +67,7 @@
       <a:buFontTx/>
       <a:buNone/>
       <a:tabLst/>
-      <a:defRPr b="0" baseline="0" cap="none" i="0" spc="0" strike="noStrike" sz="1400" u="none" kumimoji="0" normalizeH="0">
+      <a:defRPr kumimoji="0" sz="1400" b="0" i="0" u="none" strike="noStrike" cap="none" spc="0" normalizeH="0" baseline="0">
         <a:ln>
           <a:noFill/>
         </a:ln>
@@ -97,7 +97,7 @@
       <a:buFontTx/>
       <a:buNone/>
       <a:tabLst/>
-      <a:defRPr b="0" baseline="0" cap="none" i="0" spc="0" strike="noStrike" sz="1400" u="none" kumimoji="0" normalizeH="0">
+      <a:defRPr kumimoji="0" sz="1400" b="0" i="0" u="none" strike="noStrike" cap="none" spc="0" normalizeH="0" baseline="0">
         <a:ln>
           <a:noFill/>
         </a:ln>
@@ -127,7 +127,7 @@
       <a:buFontTx/>
       <a:buNone/>
       <a:tabLst/>
-      <a:defRPr b="0" baseline="0" cap="none" i="0" spc="0" strike="noStrike" sz="1400" u="none" kumimoji="0" normalizeH="0">
+      <a:defRPr kumimoji="0" sz="1400" b="0" i="0" u="none" strike="noStrike" cap="none" spc="0" normalizeH="0" baseline="0">
         <a:ln>
           <a:noFill/>
         </a:ln>
@@ -157,7 +157,7 @@
       <a:buFontTx/>
       <a:buNone/>
       <a:tabLst/>
-      <a:defRPr b="0" baseline="0" cap="none" i="0" spc="0" strike="noStrike" sz="1400" u="none" kumimoji="0" normalizeH="0">
+      <a:defRPr kumimoji="0" sz="1400" b="0" i="0" u="none" strike="noStrike" cap="none" spc="0" normalizeH="0" baseline="0">
         <a:ln>
           <a:noFill/>
         </a:ln>
@@ -187,7 +187,7 @@
       <a:buFontTx/>
       <a:buNone/>
       <a:tabLst/>
-      <a:defRPr b="0" baseline="0" cap="none" i="0" spc="0" strike="noStrike" sz="1400" u="none" kumimoji="0" normalizeH="0">
+      <a:defRPr kumimoji="0" sz="1400" b="0" i="0" u="none" strike="noStrike" cap="none" spc="0" normalizeH="0" baseline="0">
         <a:ln>
           <a:noFill/>
         </a:ln>
@@ -217,7 +217,7 @@
       <a:buFontTx/>
       <a:buNone/>
       <a:tabLst/>
-      <a:defRPr b="0" baseline="0" cap="none" i="0" spc="0" strike="noStrike" sz="1400" u="none" kumimoji="0" normalizeH="0">
+      <a:defRPr kumimoji="0" sz="1400" b="0" i="0" u="none" strike="noStrike" cap="none" spc="0" normalizeH="0" baseline="0">
         <a:ln>
           <a:noFill/>
         </a:ln>
@@ -247,7 +247,7 @@
       <a:buFontTx/>
       <a:buNone/>
       <a:tabLst/>
-      <a:defRPr b="0" baseline="0" cap="none" i="0" spc="0" strike="noStrike" sz="1400" u="none" kumimoji="0" normalizeH="0">
+      <a:defRPr kumimoji="0" sz="1400" b="0" i="0" u="none" strike="noStrike" cap="none" spc="0" normalizeH="0" baseline="0">
         <a:ln>
           <a:noFill/>
         </a:ln>
@@ -277,7 +277,7 @@
       <a:buFontTx/>
       <a:buNone/>
       <a:tabLst/>
-      <a:defRPr b="0" baseline="0" cap="none" i="0" spc="0" strike="noStrike" sz="1400" u="none" kumimoji="0" normalizeH="0">
+      <a:defRPr kumimoji="0" sz="1400" b="0" i="0" u="none" strike="noStrike" cap="none" spc="0" normalizeH="0" baseline="0">
         <a:ln>
           <a:noFill/>
         </a:ln>
@@ -307,7 +307,7 @@
       <a:buFontTx/>
       <a:buNone/>
       <a:tabLst/>
-      <a:defRPr b="0" baseline="0" cap="none" i="0" spc="0" strike="noStrike" sz="1400" u="none" kumimoji="0" normalizeH="0">
+      <a:defRPr kumimoji="0" sz="1400" b="0" i="0" u="none" strike="noStrike" cap="none" spc="0" normalizeH="0" baseline="0">
         <a:ln>
           <a:noFill/>
         </a:ln>
@@ -326,13 +326,14 @@
 </p:presentation>
 </file>
 
-<file path=ppt/commentAuthors.xml><?xml version="1.0" encoding="utf-8"?>
-<p:cmAuthorLst xmlns:a="http://schemas.openxmlformats.org/drawingml/2006/main" xmlns:r="http://schemas.openxmlformats.org/officeDocument/2006/relationships" xmlns:p="http://schemas.openxmlformats.org/presentationml/2006/main" xmlns:m="http://schemas.openxmlformats.org/officeDocument/2006/math" xmlns:a14="http://schemas.microsoft.com/office/drawing/2010/main"/>
-</file>
-
 <file path=ppt/notesMasters/notesMaster1.xml><?xml version="1.0" encoding="utf-8"?>
-<p:notesMaster xmlns:a="http://schemas.openxmlformats.org/drawingml/2006/main" xmlns:r="http://schemas.openxmlformats.org/officeDocument/2006/relationships" xmlns:p="http://schemas.openxmlformats.org/presentationml/2006/main" xmlns:m="http://schemas.openxmlformats.org/officeDocument/2006/math" xmlns:a14="http://schemas.microsoft.com/office/drawing/2010/main">
+<p:notesMaster xmlns:a="http://schemas.openxmlformats.org/drawingml/2006/main" xmlns:r="http://schemas.openxmlformats.org/officeDocument/2006/relationships" xmlns:p="http://schemas.openxmlformats.org/presentationml/2006/main">
   <p:cSld>
+    <p:bg>
+      <p:bgRef idx="1001">
+        <a:schemeClr val="bg1"/>
+      </p:bgRef>
+    </p:bg>
     <p:spTree>
       <p:nvGrpSpPr>
         <p:cNvPr id="1" name=""/>
@@ -350,7 +351,9 @@
       <p:sp>
         <p:nvSpPr>
           <p:cNvPr id="110" name="Shape 110"/>
-          <p:cNvSpPr/>
+          <p:cNvSpPr>
+            <a:spLocks noGrp="1" noRot="1" noChangeAspect="1"/>
+          </p:cNvSpPr>
           <p:nvPr>
             <p:ph type="sldImg"/>
           </p:nvPr>
@@ -368,14 +371,16 @@
           <a:bodyPr/>
           <a:lstStyle/>
           <a:p>
-            <a:pPr/>
+            <a:endParaRPr/>
           </a:p>
         </p:txBody>
       </p:sp>
       <p:sp>
         <p:nvSpPr>
           <p:cNvPr id="111" name="Shape 111"/>
-          <p:cNvSpPr/>
+          <p:cNvSpPr>
+            <a:spLocks noGrp="1"/>
+          </p:cNvSpPr>
           <p:nvPr>
             <p:ph type="body" sz="quarter" idx="1"/>
           </p:nvPr>
@@ -393,7 +398,7 @@
           <a:bodyPr/>
           <a:lstStyle/>
           <a:p>
-            <a:pPr/>
+            <a:endParaRPr/>
           </a:p>
         </p:txBody>
       </p:sp>
@@ -478,13 +483,14 @@
 </file>
 
 <file path=ppt/slideLayouts/slideLayout1.xml><?xml version="1.0" encoding="utf-8"?>
-<p:sldLayout xmlns:a="http://schemas.openxmlformats.org/drawingml/2006/main" xmlns:r="http://schemas.openxmlformats.org/officeDocument/2006/relationships" xmlns:p="http://schemas.openxmlformats.org/presentationml/2006/main" xmlns:m="http://schemas.openxmlformats.org/officeDocument/2006/math" xmlns:a14="http://schemas.microsoft.com/office/drawing/2010/main" type="title" showMasterSp="0" showMasterPhAnim="1">
+<p:sldLayout xmlns:a="http://schemas.openxmlformats.org/drawingml/2006/main" xmlns:r="http://schemas.openxmlformats.org/officeDocument/2006/relationships" xmlns:p="http://schemas.openxmlformats.org/presentationml/2006/main" showMasterSp="0" type="title">
   <p:cSld name="TITLE">
     <p:bg>
       <p:bgPr>
         <a:solidFill>
           <a:srgbClr val="202729"/>
         </a:solidFill>
+        <a:effectLst/>
       </p:bgPr>
     </p:bg>
     <p:spTree>
@@ -525,14 +531,16 @@
           <a:bodyPr lIns="45719" rIns="45719"/>
           <a:lstStyle/>
           <a:p>
-            <a:pPr/>
+            <a:endParaRPr/>
           </a:p>
         </p:txBody>
       </p:sp>
       <p:sp>
         <p:nvSpPr>
           <p:cNvPr id="13" name="Title Text"/>
-          <p:cNvSpPr txBox="1"/>
+          <p:cNvSpPr txBox="1">
+            <a:spLocks noGrp="1"/>
+          </p:cNvSpPr>
           <p:nvPr>
             <p:ph type="title"/>
           </p:nvPr>
@@ -558,7 +566,6 @@
             </a:lvl1pPr>
           </a:lstStyle>
           <a:p>
-            <a:pPr/>
             <a:r>
               <a:t>Title Text</a:t>
             </a:r>
@@ -568,7 +575,9 @@
       <p:sp>
         <p:nvSpPr>
           <p:cNvPr id="14" name="Body Level One…"/>
-          <p:cNvSpPr txBox="1"/>
+          <p:cNvSpPr txBox="1">
+            <a:spLocks noGrp="1"/>
+          </p:cNvSpPr>
           <p:nvPr>
             <p:ph type="body" sz="quarter" idx="1"/>
           </p:nvPr>
@@ -657,7 +666,6 @@
             </a:lvl5pPr>
           </a:lstStyle>
           <a:p>
-            <a:pPr/>
             <a:r>
               <a:t>Body Level One</a:t>
             </a:r>
@@ -691,7 +699,9 @@
       <p:sp>
         <p:nvSpPr>
           <p:cNvPr id="15" name="Slide Number"/>
-          <p:cNvSpPr txBox="1"/>
+          <p:cNvSpPr txBox="1">
+            <a:spLocks noGrp="1"/>
+          </p:cNvSpPr>
           <p:nvPr>
             <p:ph type="sldNum" sz="quarter" idx="2"/>
           </p:nvPr>
@@ -713,8 +723,10 @@
             </a:lvl1pPr>
           </a:lstStyle>
           <a:p>
-            <a:pPr/>
-            <a:fld id="{86CB4B4D-7CA3-9044-876B-883B54F8677D}" type="slidenum"/>
+            <a:fld id="{86CB4B4D-7CA3-9044-876B-883B54F8677D}" type="slidenum">
+              <a:t>‹#›</a:t>
+            </a:fld>
+            <a:endParaRPr/>
           </a:p>
         </p:txBody>
       </p:sp>
@@ -723,12 +735,12 @@
   <p:clrMapOvr>
     <a:masterClrMapping/>
   </p:clrMapOvr>
-  <p:transition xmlns:p14="http://schemas.microsoft.com/office/powerpoint/2010/main" spd="med" advClick="1"/>
+  <p:transition spd="med"/>
 </p:sldLayout>
 </file>
 
 <file path=ppt/slideLayouts/slideLayout10.xml><?xml version="1.0" encoding="utf-8"?>
-<p:sldLayout xmlns:a="http://schemas.openxmlformats.org/drawingml/2006/main" xmlns:r="http://schemas.openxmlformats.org/officeDocument/2006/relationships" xmlns:p="http://schemas.openxmlformats.org/presentationml/2006/main" xmlns:m="http://schemas.openxmlformats.org/officeDocument/2006/math" xmlns:a14="http://schemas.microsoft.com/office/drawing/2010/main" type="tx" showMasterSp="1" showMasterPhAnim="1">
+<p:sldLayout xmlns:a="http://schemas.openxmlformats.org/drawingml/2006/main" xmlns:r="http://schemas.openxmlformats.org/officeDocument/2006/relationships" xmlns:p="http://schemas.openxmlformats.org/presentationml/2006/main" type="tx">
   <p:cSld name="BIG_NUMBER">
     <p:spTree>
       <p:nvGrpSpPr>
@@ -747,7 +759,9 @@
       <p:sp>
         <p:nvSpPr>
           <p:cNvPr id="95" name="xx%"/>
-          <p:cNvSpPr txBox="1"/>
+          <p:cNvSpPr txBox="1">
+            <a:spLocks noGrp="1"/>
+          </p:cNvSpPr>
           <p:nvPr>
             <p:ph type="title" hasCustomPrompt="1"/>
           </p:nvPr>
@@ -765,11 +779,10 @@
           <a:bodyPr anchor="ctr"/>
           <a:lstStyle>
             <a:lvl1pPr algn="ctr">
-              <a:defRPr b="1" sz="14000"/>
+              <a:defRPr sz="14000" b="1"/>
             </a:lvl1pPr>
           </a:lstStyle>
           <a:p>
-            <a:pPr/>
             <a:r>
               <a:t>xx%</a:t>
             </a:r>
@@ -779,7 +792,9 @@
       <p:sp>
         <p:nvSpPr>
           <p:cNvPr id="96" name="Body Level One…"/>
-          <p:cNvSpPr txBox="1"/>
+          <p:cNvSpPr txBox="1">
+            <a:spLocks noGrp="1"/>
+          </p:cNvSpPr>
           <p:nvPr>
             <p:ph type="body" sz="quarter" idx="1"/>
           </p:nvPr>
@@ -803,7 +818,6 @@
             <a:lvl5pPr algn="ctr"/>
           </a:lstStyle>
           <a:p>
-            <a:pPr/>
             <a:r>
               <a:t>Body Level One</a:t>
             </a:r>
@@ -837,7 +851,9 @@
       <p:sp>
         <p:nvSpPr>
           <p:cNvPr id="97" name="Slide Number"/>
-          <p:cNvSpPr txBox="1"/>
+          <p:cNvSpPr txBox="1">
+            <a:spLocks noGrp="1"/>
+          </p:cNvSpPr>
           <p:nvPr>
             <p:ph type="sldNum" sz="quarter" idx="2"/>
           </p:nvPr>
@@ -851,8 +867,10 @@
           <a:bodyPr/>
           <a:lstStyle/>
           <a:p>
-            <a:pPr/>
-            <a:fld id="{86CB4B4D-7CA3-9044-876B-883B54F8677D}" type="slidenum"/>
+            <a:fld id="{86CB4B4D-7CA3-9044-876B-883B54F8677D}" type="slidenum">
+              <a:t>‹#›</a:t>
+            </a:fld>
+            <a:endParaRPr/>
           </a:p>
         </p:txBody>
       </p:sp>
@@ -861,12 +879,12 @@
   <p:clrMapOvr>
     <a:masterClrMapping/>
   </p:clrMapOvr>
-  <p:transition xmlns:p14="http://schemas.microsoft.com/office/powerpoint/2010/main" spd="med" advClick="1"/>
+  <p:transition spd="med"/>
 </p:sldLayout>
 </file>
 
 <file path=ppt/slideLayouts/slideLayout11.xml><?xml version="1.0" encoding="utf-8"?>
-<p:sldLayout xmlns:a="http://schemas.openxmlformats.org/drawingml/2006/main" xmlns:r="http://schemas.openxmlformats.org/officeDocument/2006/relationships" xmlns:p="http://schemas.openxmlformats.org/presentationml/2006/main" xmlns:m="http://schemas.openxmlformats.org/officeDocument/2006/math" xmlns:a14="http://schemas.microsoft.com/office/drawing/2010/main" type="tx" showMasterSp="0" showMasterPhAnim="1">
+<p:sldLayout xmlns:a="http://schemas.openxmlformats.org/drawingml/2006/main" xmlns:r="http://schemas.openxmlformats.org/officeDocument/2006/relationships" xmlns:p="http://schemas.openxmlformats.org/presentationml/2006/main" showMasterSp="0" type="tx">
   <p:cSld name="BLANK">
     <p:spTree>
       <p:nvGrpSpPr>
@@ -885,7 +903,9 @@
       <p:sp>
         <p:nvSpPr>
           <p:cNvPr id="104" name="Slide Number"/>
-          <p:cNvSpPr txBox="1"/>
+          <p:cNvSpPr txBox="1">
+            <a:spLocks noGrp="1"/>
+          </p:cNvSpPr>
           <p:nvPr>
             <p:ph type="sldNum" sz="quarter" idx="2"/>
           </p:nvPr>
@@ -899,8 +919,10 @@
           <a:bodyPr/>
           <a:lstStyle/>
           <a:p>
-            <a:pPr/>
-            <a:fld id="{86CB4B4D-7CA3-9044-876B-883B54F8677D}" type="slidenum"/>
+            <a:fld id="{86CB4B4D-7CA3-9044-876B-883B54F8677D}" type="slidenum">
+              <a:t>‹#›</a:t>
+            </a:fld>
+            <a:endParaRPr/>
           </a:p>
         </p:txBody>
       </p:sp>
@@ -909,18 +931,19 @@
   <p:clrMapOvr>
     <a:masterClrMapping/>
   </p:clrMapOvr>
-  <p:transition xmlns:p14="http://schemas.microsoft.com/office/powerpoint/2010/main" spd="med" advClick="1"/>
+  <p:transition spd="med"/>
 </p:sldLayout>
 </file>
 
 <file path=ppt/slideLayouts/slideLayout2.xml><?xml version="1.0" encoding="utf-8"?>
-<p:sldLayout xmlns:a="http://schemas.openxmlformats.org/drawingml/2006/main" xmlns:r="http://schemas.openxmlformats.org/officeDocument/2006/relationships" xmlns:p="http://schemas.openxmlformats.org/presentationml/2006/main" xmlns:m="http://schemas.openxmlformats.org/officeDocument/2006/math" xmlns:a14="http://schemas.microsoft.com/office/drawing/2010/main" type="tx" showMasterSp="0" showMasterPhAnim="1">
+<p:sldLayout xmlns:a="http://schemas.openxmlformats.org/drawingml/2006/main" xmlns:r="http://schemas.openxmlformats.org/officeDocument/2006/relationships" xmlns:p="http://schemas.openxmlformats.org/presentationml/2006/main" showMasterSp="0" type="tx">
   <p:cSld name="SECTION_HEADER">
     <p:bg>
       <p:bgPr>
         <a:solidFill>
           <a:srgbClr val="202729"/>
         </a:solidFill>
+        <a:effectLst/>
       </p:bgPr>
     </p:bg>
     <p:spTree>
@@ -961,14 +984,16 @@
           <a:bodyPr lIns="45719" rIns="45719"/>
           <a:lstStyle/>
           <a:p>
-            <a:pPr/>
+            <a:endParaRPr/>
           </a:p>
         </p:txBody>
       </p:sp>
       <p:sp>
         <p:nvSpPr>
           <p:cNvPr id="23" name="Title Text"/>
-          <p:cNvSpPr txBox="1"/>
+          <p:cNvSpPr txBox="1">
+            <a:spLocks noGrp="1"/>
+          </p:cNvSpPr>
           <p:nvPr>
             <p:ph type="title"/>
           </p:nvPr>
@@ -994,7 +1019,6 @@
             </a:lvl1pPr>
           </a:lstStyle>
           <a:p>
-            <a:pPr/>
             <a:r>
               <a:t>Title Text</a:t>
             </a:r>
@@ -1004,7 +1028,9 @@
       <p:sp>
         <p:nvSpPr>
           <p:cNvPr id="24" name="Slide Number"/>
-          <p:cNvSpPr txBox="1"/>
+          <p:cNvSpPr txBox="1">
+            <a:spLocks noGrp="1"/>
+          </p:cNvSpPr>
           <p:nvPr>
             <p:ph type="sldNum" sz="quarter" idx="2"/>
           </p:nvPr>
@@ -1026,8 +1052,10 @@
             </a:lvl1pPr>
           </a:lstStyle>
           <a:p>
-            <a:pPr/>
-            <a:fld id="{86CB4B4D-7CA3-9044-876B-883B54F8677D}" type="slidenum"/>
+            <a:fld id="{86CB4B4D-7CA3-9044-876B-883B54F8677D}" type="slidenum">
+              <a:t>‹#›</a:t>
+            </a:fld>
+            <a:endParaRPr/>
           </a:p>
         </p:txBody>
       </p:sp>
@@ -1036,12 +1064,12 @@
   <p:clrMapOvr>
     <a:masterClrMapping/>
   </p:clrMapOvr>
-  <p:transition xmlns:p14="http://schemas.microsoft.com/office/powerpoint/2010/main" spd="med" advClick="1"/>
+  <p:transition spd="med"/>
 </p:sldLayout>
 </file>
 
 <file path=ppt/slideLayouts/slideLayout3.xml><?xml version="1.0" encoding="utf-8"?>
-<p:sldLayout xmlns:a="http://schemas.openxmlformats.org/drawingml/2006/main" xmlns:r="http://schemas.openxmlformats.org/officeDocument/2006/relationships" xmlns:p="http://schemas.openxmlformats.org/presentationml/2006/main" xmlns:m="http://schemas.openxmlformats.org/officeDocument/2006/math" xmlns:a14="http://schemas.microsoft.com/office/drawing/2010/main" type="tx" showMasterSp="1" showMasterPhAnim="1">
+<p:sldLayout xmlns:a="http://schemas.openxmlformats.org/drawingml/2006/main" xmlns:r="http://schemas.openxmlformats.org/officeDocument/2006/relationships" xmlns:p="http://schemas.openxmlformats.org/presentationml/2006/main" type="tx">
   <p:cSld name="TITLE_AND_BODY">
     <p:spTree>
       <p:nvGrpSpPr>
@@ -1060,7 +1088,9 @@
       <p:sp>
         <p:nvSpPr>
           <p:cNvPr id="31" name="Title Text"/>
-          <p:cNvSpPr txBox="1"/>
+          <p:cNvSpPr txBox="1">
+            <a:spLocks noGrp="1"/>
+          </p:cNvSpPr>
           <p:nvPr>
             <p:ph type="title"/>
           </p:nvPr>
@@ -1074,7 +1104,6 @@
           <a:bodyPr/>
           <a:lstStyle/>
           <a:p>
-            <a:pPr/>
             <a:r>
               <a:t>Title Text</a:t>
             </a:r>
@@ -1084,7 +1113,9 @@
       <p:sp>
         <p:nvSpPr>
           <p:cNvPr id="32" name="Body Level One…"/>
-          <p:cNvSpPr txBox="1"/>
+          <p:cNvSpPr txBox="1">
+            <a:spLocks noGrp="1"/>
+          </p:cNvSpPr>
           <p:nvPr>
             <p:ph type="body" idx="1"/>
           </p:nvPr>
@@ -1098,7 +1129,6 @@
           <a:bodyPr/>
           <a:lstStyle/>
           <a:p>
-            <a:pPr/>
             <a:r>
               <a:t>Body Level One</a:t>
             </a:r>
@@ -1132,7 +1162,9 @@
       <p:sp>
         <p:nvSpPr>
           <p:cNvPr id="33" name="Slide Number"/>
-          <p:cNvSpPr txBox="1"/>
+          <p:cNvSpPr txBox="1">
+            <a:spLocks noGrp="1"/>
+          </p:cNvSpPr>
           <p:nvPr>
             <p:ph type="sldNum" sz="quarter" idx="2"/>
           </p:nvPr>
@@ -1146,8 +1178,10 @@
           <a:bodyPr/>
           <a:lstStyle/>
           <a:p>
-            <a:pPr/>
-            <a:fld id="{86CB4B4D-7CA3-9044-876B-883B54F8677D}" type="slidenum"/>
+            <a:fld id="{86CB4B4D-7CA3-9044-876B-883B54F8677D}" type="slidenum">
+              <a:t>‹#›</a:t>
+            </a:fld>
+            <a:endParaRPr/>
           </a:p>
         </p:txBody>
       </p:sp>
@@ -1156,12 +1190,12 @@
   <p:clrMapOvr>
     <a:masterClrMapping/>
   </p:clrMapOvr>
-  <p:transition xmlns:p14="http://schemas.microsoft.com/office/powerpoint/2010/main" spd="med" advClick="1"/>
+  <p:transition spd="med"/>
 </p:sldLayout>
 </file>
 
 <file path=ppt/slideLayouts/slideLayout4.xml><?xml version="1.0" encoding="utf-8"?>
-<p:sldLayout xmlns:a="http://schemas.openxmlformats.org/drawingml/2006/main" xmlns:r="http://schemas.openxmlformats.org/officeDocument/2006/relationships" xmlns:p="http://schemas.openxmlformats.org/presentationml/2006/main" xmlns:m="http://schemas.openxmlformats.org/officeDocument/2006/math" xmlns:a14="http://schemas.microsoft.com/office/drawing/2010/main" type="tx" showMasterSp="0" showMasterPhAnim="1">
+<p:sldLayout xmlns:a="http://schemas.openxmlformats.org/drawingml/2006/main" xmlns:r="http://schemas.openxmlformats.org/officeDocument/2006/relationships" xmlns:p="http://schemas.openxmlformats.org/presentationml/2006/main" showMasterSp="0" type="tx">
   <p:cSld name="TITLE_AND_TWO_COLUMNS">
     <p:spTree>
       <p:nvGrpSpPr>
@@ -1180,7 +1214,9 @@
       <p:sp>
         <p:nvSpPr>
           <p:cNvPr id="40" name="Title Text"/>
-          <p:cNvSpPr txBox="1"/>
+          <p:cNvSpPr txBox="1">
+            <a:spLocks noGrp="1"/>
+          </p:cNvSpPr>
           <p:nvPr>
             <p:ph type="title"/>
           </p:nvPr>
@@ -1194,7 +1230,6 @@
           <a:bodyPr/>
           <a:lstStyle/>
           <a:p>
-            <a:pPr/>
             <a:r>
               <a:t>Title Text</a:t>
             </a:r>
@@ -1204,7 +1239,9 @@
       <p:sp>
         <p:nvSpPr>
           <p:cNvPr id="41" name="Body Level One…"/>
-          <p:cNvSpPr txBox="1"/>
+          <p:cNvSpPr txBox="1">
+            <a:spLocks noGrp="1"/>
+          </p:cNvSpPr>
           <p:nvPr>
             <p:ph type="body" sz="half" idx="1"/>
           </p:nvPr>
@@ -1243,7 +1280,6 @@
             </a:lvl5pPr>
           </a:lstStyle>
           <a:p>
-            <a:pPr/>
             <a:r>
               <a:t>Body Level One</a:t>
             </a:r>
@@ -1277,7 +1313,9 @@
       <p:sp>
         <p:nvSpPr>
           <p:cNvPr id="42" name="Google Shape;26;p5"/>
-          <p:cNvSpPr txBox="1"/>
+          <p:cNvSpPr txBox="1">
+            <a:spLocks noGrp="1"/>
+          </p:cNvSpPr>
           <p:nvPr>
             <p:ph type="body" sz="half" idx="21"/>
           </p:nvPr>
@@ -1299,13 +1337,16 @@
               <a:buSzPts val="1400"/>
               <a:defRPr sz="1400"/>
             </a:pPr>
+            <a:endParaRPr/>
           </a:p>
         </p:txBody>
       </p:sp>
       <p:sp>
         <p:nvSpPr>
           <p:cNvPr id="43" name="Slide Number"/>
-          <p:cNvSpPr txBox="1"/>
+          <p:cNvSpPr txBox="1">
+            <a:spLocks noGrp="1"/>
+          </p:cNvSpPr>
           <p:nvPr>
             <p:ph type="sldNum" sz="quarter" idx="2"/>
           </p:nvPr>
@@ -1319,8 +1360,10 @@
           <a:bodyPr/>
           <a:lstStyle/>
           <a:p>
-            <a:pPr/>
-            <a:fld id="{86CB4B4D-7CA3-9044-876B-883B54F8677D}" type="slidenum"/>
+            <a:fld id="{86CB4B4D-7CA3-9044-876B-883B54F8677D}" type="slidenum">
+              <a:t>‹#›</a:t>
+            </a:fld>
+            <a:endParaRPr/>
           </a:p>
         </p:txBody>
       </p:sp>
@@ -1329,12 +1372,12 @@
   <p:clrMapOvr>
     <a:masterClrMapping/>
   </p:clrMapOvr>
-  <p:transition xmlns:p14="http://schemas.microsoft.com/office/powerpoint/2010/main" spd="med" advClick="1"/>
+  <p:transition spd="med"/>
 </p:sldLayout>
 </file>
 
 <file path=ppt/slideLayouts/slideLayout5.xml><?xml version="1.0" encoding="utf-8"?>
-<p:sldLayout xmlns:a="http://schemas.openxmlformats.org/drawingml/2006/main" xmlns:r="http://schemas.openxmlformats.org/officeDocument/2006/relationships" xmlns:p="http://schemas.openxmlformats.org/presentationml/2006/main" xmlns:m="http://schemas.openxmlformats.org/officeDocument/2006/math" xmlns:a14="http://schemas.microsoft.com/office/drawing/2010/main" type="tx" showMasterSp="0" showMasterPhAnim="1">
+<p:sldLayout xmlns:a="http://schemas.openxmlformats.org/drawingml/2006/main" xmlns:r="http://schemas.openxmlformats.org/officeDocument/2006/relationships" xmlns:p="http://schemas.openxmlformats.org/presentationml/2006/main" showMasterSp="0" type="tx">
   <p:cSld name="TITLE_ONLY">
     <p:spTree>
       <p:nvGrpSpPr>
@@ -1353,7 +1396,9 @@
       <p:sp>
         <p:nvSpPr>
           <p:cNvPr id="50" name="Title Text"/>
-          <p:cNvSpPr txBox="1"/>
+          <p:cNvSpPr txBox="1">
+            <a:spLocks noGrp="1"/>
+          </p:cNvSpPr>
           <p:nvPr>
             <p:ph type="title"/>
           </p:nvPr>
@@ -1367,7 +1412,6 @@
           <a:bodyPr/>
           <a:lstStyle/>
           <a:p>
-            <a:pPr/>
             <a:r>
               <a:t>Title Text</a:t>
             </a:r>
@@ -1377,7 +1421,9 @@
       <p:sp>
         <p:nvSpPr>
           <p:cNvPr id="51" name="Slide Number"/>
-          <p:cNvSpPr txBox="1"/>
+          <p:cNvSpPr txBox="1">
+            <a:spLocks noGrp="1"/>
+          </p:cNvSpPr>
           <p:nvPr>
             <p:ph type="sldNum" sz="quarter" idx="2"/>
           </p:nvPr>
@@ -1391,8 +1437,10 @@
           <a:bodyPr/>
           <a:lstStyle/>
           <a:p>
-            <a:pPr/>
-            <a:fld id="{86CB4B4D-7CA3-9044-876B-883B54F8677D}" type="slidenum"/>
+            <a:fld id="{86CB4B4D-7CA3-9044-876B-883B54F8677D}" type="slidenum">
+              <a:t>‹#›</a:t>
+            </a:fld>
+            <a:endParaRPr/>
           </a:p>
         </p:txBody>
       </p:sp>
@@ -1401,12 +1449,12 @@
   <p:clrMapOvr>
     <a:masterClrMapping/>
   </p:clrMapOvr>
-  <p:transition xmlns:p14="http://schemas.microsoft.com/office/powerpoint/2010/main" spd="med" advClick="1"/>
+  <p:transition spd="med"/>
 </p:sldLayout>
 </file>
 
 <file path=ppt/slideLayouts/slideLayout6.xml><?xml version="1.0" encoding="utf-8"?>
-<p:sldLayout xmlns:a="http://schemas.openxmlformats.org/drawingml/2006/main" xmlns:r="http://schemas.openxmlformats.org/officeDocument/2006/relationships" xmlns:p="http://schemas.openxmlformats.org/presentationml/2006/main" xmlns:m="http://schemas.openxmlformats.org/officeDocument/2006/math" xmlns:a14="http://schemas.microsoft.com/office/drawing/2010/main" type="tx" showMasterSp="0" showMasterPhAnim="1">
+<p:sldLayout xmlns:a="http://schemas.openxmlformats.org/drawingml/2006/main" xmlns:r="http://schemas.openxmlformats.org/officeDocument/2006/relationships" xmlns:p="http://schemas.openxmlformats.org/presentationml/2006/main" showMasterSp="0" type="tx">
   <p:cSld name="ONE_COLUMN_TEXT">
     <p:spTree>
       <p:nvGrpSpPr>
@@ -1425,7 +1473,9 @@
       <p:sp>
         <p:nvSpPr>
           <p:cNvPr id="58" name="Title Text"/>
-          <p:cNvSpPr txBox="1"/>
+          <p:cNvSpPr txBox="1">
+            <a:spLocks noGrp="1"/>
+          </p:cNvSpPr>
           <p:nvPr>
             <p:ph type="title"/>
           </p:nvPr>
@@ -1447,7 +1497,6 @@
             </a:lvl1pPr>
           </a:lstStyle>
           <a:p>
-            <a:pPr/>
             <a:r>
               <a:t>Title Text</a:t>
             </a:r>
@@ -1457,7 +1506,9 @@
       <p:sp>
         <p:nvSpPr>
           <p:cNvPr id="59" name="Body Level One…"/>
-          <p:cNvSpPr txBox="1"/>
+          <p:cNvSpPr txBox="1">
+            <a:spLocks noGrp="1"/>
+          </p:cNvSpPr>
           <p:nvPr>
             <p:ph type="body" sz="quarter" idx="1"/>
           </p:nvPr>
@@ -1496,7 +1547,6 @@
             </a:lvl5pPr>
           </a:lstStyle>
           <a:p>
-            <a:pPr/>
             <a:r>
               <a:t>Body Level One</a:t>
             </a:r>
@@ -1530,7 +1580,9 @@
       <p:sp>
         <p:nvSpPr>
           <p:cNvPr id="60" name="Slide Number"/>
-          <p:cNvSpPr txBox="1"/>
+          <p:cNvSpPr txBox="1">
+            <a:spLocks noGrp="1"/>
+          </p:cNvSpPr>
           <p:nvPr>
             <p:ph type="sldNum" sz="quarter" idx="2"/>
           </p:nvPr>
@@ -1544,8 +1596,10 @@
           <a:bodyPr/>
           <a:lstStyle/>
           <a:p>
-            <a:pPr/>
-            <a:fld id="{86CB4B4D-7CA3-9044-876B-883B54F8677D}" type="slidenum"/>
+            <a:fld id="{86CB4B4D-7CA3-9044-876B-883B54F8677D}" type="slidenum">
+              <a:t>‹#›</a:t>
+            </a:fld>
+            <a:endParaRPr/>
           </a:p>
         </p:txBody>
       </p:sp>
@@ -1554,18 +1608,19 @@
   <p:clrMapOvr>
     <a:masterClrMapping/>
   </p:clrMapOvr>
-  <p:transition xmlns:p14="http://schemas.microsoft.com/office/powerpoint/2010/main" spd="med" advClick="1"/>
+  <p:transition spd="med"/>
 </p:sldLayout>
 </file>
 
 <file path=ppt/slideLayouts/slideLayout7.xml><?xml version="1.0" encoding="utf-8"?>
-<p:sldLayout xmlns:a="http://schemas.openxmlformats.org/drawingml/2006/main" xmlns:r="http://schemas.openxmlformats.org/officeDocument/2006/relationships" xmlns:p="http://schemas.openxmlformats.org/presentationml/2006/main" xmlns:m="http://schemas.openxmlformats.org/officeDocument/2006/math" xmlns:a14="http://schemas.microsoft.com/office/drawing/2010/main" type="tx" showMasterSp="0" showMasterPhAnim="1">
+<p:sldLayout xmlns:a="http://schemas.openxmlformats.org/drawingml/2006/main" xmlns:r="http://schemas.openxmlformats.org/officeDocument/2006/relationships" xmlns:p="http://schemas.openxmlformats.org/presentationml/2006/main" showMasterSp="0" type="tx">
   <p:cSld name="MAIN_POINT">
     <p:bg>
       <p:bgPr>
         <a:solidFill>
           <a:srgbClr val="63D297"/>
         </a:solidFill>
+        <a:effectLst/>
       </p:bgPr>
     </p:bg>
     <p:spTree>
@@ -1585,7 +1640,9 @@
       <p:sp>
         <p:nvSpPr>
           <p:cNvPr id="67" name="Title Text"/>
-          <p:cNvSpPr txBox="1"/>
+          <p:cNvSpPr txBox="1">
+            <a:spLocks noGrp="1"/>
+          </p:cNvSpPr>
           <p:nvPr>
             <p:ph type="title"/>
           </p:nvPr>
@@ -1607,7 +1664,6 @@
             </a:lvl1pPr>
           </a:lstStyle>
           <a:p>
-            <a:pPr/>
             <a:r>
               <a:t>Title Text</a:t>
             </a:r>
@@ -1617,7 +1673,9 @@
       <p:sp>
         <p:nvSpPr>
           <p:cNvPr id="68" name="Slide Number"/>
-          <p:cNvSpPr txBox="1"/>
+          <p:cNvSpPr txBox="1">
+            <a:spLocks noGrp="1"/>
+          </p:cNvSpPr>
           <p:nvPr>
             <p:ph type="sldNum" sz="quarter" idx="2"/>
           </p:nvPr>
@@ -1631,8 +1689,10 @@
           <a:bodyPr/>
           <a:lstStyle/>
           <a:p>
-            <a:pPr/>
-            <a:fld id="{86CB4B4D-7CA3-9044-876B-883B54F8677D}" type="slidenum"/>
+            <a:fld id="{86CB4B4D-7CA3-9044-876B-883B54F8677D}" type="slidenum">
+              <a:t>‹#›</a:t>
+            </a:fld>
+            <a:endParaRPr/>
           </a:p>
         </p:txBody>
       </p:sp>
@@ -1641,12 +1701,12 @@
   <p:clrMapOvr>
     <a:masterClrMapping/>
   </p:clrMapOvr>
-  <p:transition xmlns:p14="http://schemas.microsoft.com/office/powerpoint/2010/main" spd="med" advClick="1"/>
+  <p:transition spd="med"/>
 </p:sldLayout>
 </file>
 
 <file path=ppt/slideLayouts/slideLayout8.xml><?xml version="1.0" encoding="utf-8"?>
-<p:sldLayout xmlns:a="http://schemas.openxmlformats.org/drawingml/2006/main" xmlns:r="http://schemas.openxmlformats.org/officeDocument/2006/relationships" xmlns:p="http://schemas.openxmlformats.org/presentationml/2006/main" xmlns:m="http://schemas.openxmlformats.org/officeDocument/2006/math" xmlns:a14="http://schemas.microsoft.com/office/drawing/2010/main" type="tx" showMasterSp="0" showMasterPhAnim="1">
+<p:sldLayout xmlns:a="http://schemas.openxmlformats.org/drawingml/2006/main" xmlns:r="http://schemas.openxmlformats.org/officeDocument/2006/relationships" xmlns:p="http://schemas.openxmlformats.org/presentationml/2006/main" showMasterSp="0" type="tx">
   <p:cSld name="SECTION_TITLE_AND_DESCRIPTION">
     <p:spTree>
       <p:nvGrpSpPr>
@@ -1694,6 +1754,7 @@
                 </a:solidFill>
               </a:defRPr>
             </a:pPr>
+            <a:endParaRPr/>
           </a:p>
         </p:txBody>
       </p:sp>
@@ -1721,14 +1782,16 @@
           <a:bodyPr lIns="45719" rIns="45719"/>
           <a:lstStyle/>
           <a:p>
-            <a:pPr/>
+            <a:endParaRPr/>
           </a:p>
         </p:txBody>
       </p:sp>
       <p:sp>
         <p:nvSpPr>
           <p:cNvPr id="77" name="Title Text"/>
-          <p:cNvSpPr txBox="1"/>
+          <p:cNvSpPr txBox="1">
+            <a:spLocks noGrp="1"/>
+          </p:cNvSpPr>
           <p:nvPr>
             <p:ph type="title"/>
           </p:nvPr>
@@ -1750,7 +1813,6 @@
             </a:lvl1pPr>
           </a:lstStyle>
           <a:p>
-            <a:pPr/>
             <a:r>
               <a:t>Title Text</a:t>
             </a:r>
@@ -1760,7 +1822,9 @@
       <p:sp>
         <p:nvSpPr>
           <p:cNvPr id="78" name="Body Level One…"/>
-          <p:cNvSpPr txBox="1"/>
+          <p:cNvSpPr txBox="1">
+            <a:spLocks noGrp="1"/>
+          </p:cNvSpPr>
           <p:nvPr>
             <p:ph type="body" sz="quarter" idx="1"/>
           </p:nvPr>
@@ -1829,7 +1893,6 @@
             </a:lvl5pPr>
           </a:lstStyle>
           <a:p>
-            <a:pPr/>
             <a:r>
               <a:t>Body Level One</a:t>
             </a:r>
@@ -1863,7 +1926,9 @@
       <p:sp>
         <p:nvSpPr>
           <p:cNvPr id="79" name="Google Shape;43;p9"/>
-          <p:cNvSpPr txBox="1"/>
+          <p:cNvSpPr txBox="1">
+            <a:spLocks noGrp="1"/>
+          </p:cNvSpPr>
           <p:nvPr>
             <p:ph type="body" sz="half" idx="21"/>
           </p:nvPr>
@@ -1891,13 +1956,16 @@
                 </a:solidFill>
               </a:defRPr>
             </a:pPr>
+            <a:endParaRPr/>
           </a:p>
         </p:txBody>
       </p:sp>
       <p:sp>
         <p:nvSpPr>
           <p:cNvPr id="80" name="Slide Number"/>
-          <p:cNvSpPr txBox="1"/>
+          <p:cNvSpPr txBox="1">
+            <a:spLocks noGrp="1"/>
+          </p:cNvSpPr>
           <p:nvPr>
             <p:ph type="sldNum" sz="quarter" idx="2"/>
           </p:nvPr>
@@ -1919,8 +1987,10 @@
             </a:lvl1pPr>
           </a:lstStyle>
           <a:p>
-            <a:pPr/>
-            <a:fld id="{86CB4B4D-7CA3-9044-876B-883B54F8677D}" type="slidenum"/>
+            <a:fld id="{86CB4B4D-7CA3-9044-876B-883B54F8677D}" type="slidenum">
+              <a:t>‹#›</a:t>
+            </a:fld>
+            <a:endParaRPr/>
           </a:p>
         </p:txBody>
       </p:sp>
@@ -1929,12 +1999,12 @@
   <p:clrMapOvr>
     <a:masterClrMapping/>
   </p:clrMapOvr>
-  <p:transition xmlns:p14="http://schemas.microsoft.com/office/powerpoint/2010/main" spd="med" advClick="1"/>
+  <p:transition spd="med"/>
 </p:sldLayout>
 </file>
 
 <file path=ppt/slideLayouts/slideLayout9.xml><?xml version="1.0" encoding="utf-8"?>
-<p:sldLayout xmlns:a="http://schemas.openxmlformats.org/drawingml/2006/main" xmlns:r="http://schemas.openxmlformats.org/officeDocument/2006/relationships" xmlns:p="http://schemas.openxmlformats.org/presentationml/2006/main" xmlns:m="http://schemas.openxmlformats.org/officeDocument/2006/math" xmlns:a14="http://schemas.microsoft.com/office/drawing/2010/main" type="tx" showMasterSp="0" showMasterPhAnim="1">
+<p:sldLayout xmlns:a="http://schemas.openxmlformats.org/drawingml/2006/main" xmlns:r="http://schemas.openxmlformats.org/officeDocument/2006/relationships" xmlns:p="http://schemas.openxmlformats.org/presentationml/2006/main" showMasterSp="0" type="tx">
   <p:cSld name="CAPTION_ONLY">
     <p:spTree>
       <p:nvGrpSpPr>
@@ -1953,7 +2023,9 @@
       <p:sp>
         <p:nvSpPr>
           <p:cNvPr id="87" name="Body Level One…"/>
-          <p:cNvSpPr txBox="1"/>
+          <p:cNvSpPr txBox="1">
+            <a:spLocks noGrp="1"/>
+          </p:cNvSpPr>
           <p:nvPr>
             <p:ph type="body" sz="quarter" idx="1"/>
           </p:nvPr>
@@ -2018,7 +2090,6 @@
             </a:lvl5pPr>
           </a:lstStyle>
           <a:p>
-            <a:pPr/>
             <a:r>
               <a:t>Body Level One</a:t>
             </a:r>
@@ -2052,7 +2123,9 @@
       <p:sp>
         <p:nvSpPr>
           <p:cNvPr id="88" name="Slide Number"/>
-          <p:cNvSpPr txBox="1"/>
+          <p:cNvSpPr txBox="1">
+            <a:spLocks noGrp="1"/>
+          </p:cNvSpPr>
           <p:nvPr>
             <p:ph type="sldNum" sz="quarter" idx="2"/>
           </p:nvPr>
@@ -2066,8 +2139,10 @@
           <a:bodyPr/>
           <a:lstStyle/>
           <a:p>
-            <a:pPr/>
-            <a:fld id="{86CB4B4D-7CA3-9044-876B-883B54F8677D}" type="slidenum"/>
+            <a:fld id="{86CB4B4D-7CA3-9044-876B-883B54F8677D}" type="slidenum">
+              <a:t>‹#›</a:t>
+            </a:fld>
+            <a:endParaRPr/>
           </a:p>
         </p:txBody>
       </p:sp>
@@ -2076,18 +2151,19 @@
   <p:clrMapOvr>
     <a:masterClrMapping/>
   </p:clrMapOvr>
-  <p:transition xmlns:p14="http://schemas.microsoft.com/office/powerpoint/2010/main" spd="med" advClick="1"/>
+  <p:transition spd="med"/>
 </p:sldLayout>
 </file>
 
 <file path=ppt/slideMasters/slideMaster1.xml><?xml version="1.0" encoding="utf-8"?>
-<p:sldMaster xmlns:a="http://schemas.openxmlformats.org/drawingml/2006/main" xmlns:r="http://schemas.openxmlformats.org/officeDocument/2006/relationships" xmlns:p="http://schemas.openxmlformats.org/presentationml/2006/main" xmlns:m="http://schemas.openxmlformats.org/officeDocument/2006/math" xmlns:a14="http://schemas.microsoft.com/office/drawing/2010/main">
+<p:sldMaster xmlns:a="http://schemas.openxmlformats.org/drawingml/2006/main" xmlns:r="http://schemas.openxmlformats.org/officeDocument/2006/relationships" xmlns:p="http://schemas.openxmlformats.org/presentationml/2006/main">
   <p:cSld>
     <p:bg>
       <p:bgPr>
         <a:solidFill>
           <a:srgbClr val="FFFFFF"/>
         </a:solidFill>
+        <a:effectLst/>
       </p:bgPr>
     </p:bg>
     <p:spTree>
@@ -2136,13 +2212,16 @@
                 </a:solidFill>
               </a:defRPr>
             </a:pPr>
+            <a:endParaRPr/>
           </a:p>
         </p:txBody>
       </p:sp>
       <p:sp>
         <p:nvSpPr>
           <p:cNvPr id="3" name="Title Text"/>
-          <p:cNvSpPr txBox="1"/>
+          <p:cNvSpPr txBox="1">
+            <a:spLocks noGrp="1"/>
+          </p:cNvSpPr>
           <p:nvPr>
             <p:ph type="title"/>
           </p:nvPr>
@@ -2160,17 +2239,16 @@
           </a:ln>
           <a:extLst>
             <a:ext uri="{C572A759-6A51-4108-AA02-DFA0A04FC94B}">
-              <ma14:wrappingTextBoxFlag xmlns:ma14="http://schemas.microsoft.com/office/mac/drawingml/2011/main" val="1"/>
+              <ma14:wrappingTextBoxFlag xmlns:ma14="http://schemas.microsoft.com/office/mac/drawingml/2011/main" xmlns:a14="http://schemas.microsoft.com/office/drawing/2010/main" xmlns:m="http://schemas.openxmlformats.org/officeDocument/2006/math" xmlns="" val="1"/>
             </a:ext>
           </a:extLst>
         </p:spPr>
         <p:txBody>
           <a:bodyPr lIns="91424" tIns="91424" rIns="91424" bIns="91424">
-            <a:normAutofit fontScale="100000" lnSpcReduction="0"/>
+            <a:normAutofit/>
           </a:bodyPr>
           <a:lstStyle/>
           <a:p>
-            <a:pPr/>
             <a:r>
               <a:t>Title Text</a:t>
             </a:r>
@@ -2180,7 +2258,9 @@
       <p:sp>
         <p:nvSpPr>
           <p:cNvPr id="4" name="Body Level One…"/>
-          <p:cNvSpPr txBox="1"/>
+          <p:cNvSpPr txBox="1">
+            <a:spLocks noGrp="1"/>
+          </p:cNvSpPr>
           <p:nvPr>
             <p:ph type="body" idx="1"/>
           </p:nvPr>
@@ -2198,17 +2278,16 @@
           </a:ln>
           <a:extLst>
             <a:ext uri="{C572A759-6A51-4108-AA02-DFA0A04FC94B}">
-              <ma14:wrappingTextBoxFlag xmlns:ma14="http://schemas.microsoft.com/office/mac/drawingml/2011/main" val="1"/>
+              <ma14:wrappingTextBoxFlag xmlns:ma14="http://schemas.microsoft.com/office/mac/drawingml/2011/main" xmlns:a14="http://schemas.microsoft.com/office/drawing/2010/main" xmlns:m="http://schemas.openxmlformats.org/officeDocument/2006/math" xmlns="" val="1"/>
             </a:ext>
           </a:extLst>
         </p:spPr>
         <p:txBody>
           <a:bodyPr lIns="91424" tIns="91424" rIns="91424" bIns="91424">
-            <a:normAutofit fontScale="100000" lnSpcReduction="0"/>
+            <a:normAutofit/>
           </a:bodyPr>
           <a:lstStyle/>
           <a:p>
-            <a:pPr/>
             <a:r>
               <a:t>Body Level One</a:t>
             </a:r>
@@ -2242,7 +2321,9 @@
       <p:sp>
         <p:nvSpPr>
           <p:cNvPr id="5" name="Slide Number"/>
-          <p:cNvSpPr txBox="1"/>
+          <p:cNvSpPr txBox="1">
+            <a:spLocks noGrp="1"/>
+          </p:cNvSpPr>
           <p:nvPr>
             <p:ph type="sldNum" sz="quarter" idx="2"/>
           </p:nvPr>
@@ -2261,7 +2342,7 @@
         </p:spPr>
         <p:txBody>
           <a:bodyPr wrap="none" lIns="91424" tIns="91424" rIns="91424" bIns="91424" anchor="ctr">
-            <a:normAutofit fontScale="100000" lnSpcReduction="0"/>
+            <a:normAutofit/>
           </a:bodyPr>
           <a:lstStyle>
             <a:lvl1pPr algn="r">
@@ -2274,8 +2355,10 @@
             </a:lvl1pPr>
           </a:lstStyle>
           <a:p>
-            <a:pPr/>
-            <a:fld id="{86CB4B4D-7CA3-9044-876B-883B54F8677D}" type="slidenum"/>
+            <a:fld id="{86CB4B4D-7CA3-9044-876B-883B54F8677D}" type="slidenum">
+              <a:t>‹#›</a:t>
+            </a:fld>
+            <a:endParaRPr/>
           </a:p>
         </p:txBody>
       </p:sp>
@@ -2283,19 +2366,19 @@
   </p:cSld>
   <p:clrMap bg1="lt1" tx1="dk1" bg2="lt2" tx2="dk2" accent1="accent1" accent2="accent2" accent3="accent3" accent4="accent4" accent5="accent5" accent6="accent6" hlink="hlink" folHlink="folHlink"/>
   <p:sldLayoutIdLst>
-    <p:sldLayoutId id="2147483649" r:id="rId2"/>
-    <p:sldLayoutId id="2147483650" r:id="rId3"/>
-    <p:sldLayoutId id="2147483651" r:id="rId4"/>
-    <p:sldLayoutId id="2147483652" r:id="rId5"/>
-    <p:sldLayoutId id="2147483653" r:id="rId6"/>
-    <p:sldLayoutId id="2147483654" r:id="rId7"/>
-    <p:sldLayoutId id="2147483655" r:id="rId8"/>
-    <p:sldLayoutId id="2147483656" r:id="rId9"/>
-    <p:sldLayoutId id="2147483657" r:id="rId10"/>
-    <p:sldLayoutId id="2147483658" r:id="rId11"/>
-    <p:sldLayoutId id="2147483659" r:id="rId12"/>
+    <p:sldLayoutId id="2147483649" r:id="rId1"/>
+    <p:sldLayoutId id="2147483650" r:id="rId2"/>
+    <p:sldLayoutId id="2147483651" r:id="rId3"/>
+    <p:sldLayoutId id="2147483652" r:id="rId4"/>
+    <p:sldLayoutId id="2147483653" r:id="rId5"/>
+    <p:sldLayoutId id="2147483654" r:id="rId6"/>
+    <p:sldLayoutId id="2147483655" r:id="rId7"/>
+    <p:sldLayoutId id="2147483656" r:id="rId8"/>
+    <p:sldLayoutId id="2147483657" r:id="rId9"/>
+    <p:sldLayoutId id="2147483658" r:id="rId10"/>
+    <p:sldLayoutId id="2147483659" r:id="rId11"/>
   </p:sldLayoutIdLst>
-  <p:transition xmlns:p14="http://schemas.microsoft.com/office/powerpoint/2010/main" spd="med" advClick="1"/>
+  <p:transition spd="med"/>
   <p:txStyles>
     <p:titleStyle>
       <a:lvl1pPr marL="0" marR="0" indent="0" algn="l" defTabSz="914400" rtl="0" latinLnBrk="0">
@@ -2313,7 +2396,7 @@
         <a:buFontTx/>
         <a:buNone/>
         <a:tabLst/>
-        <a:defRPr b="0" baseline="0" cap="none" i="0" spc="0" strike="noStrike" sz="2800" u="none">
+        <a:defRPr sz="2800" b="0" i="0" u="none" strike="noStrike" cap="none" spc="0" baseline="0">
           <a:solidFill>
             <a:srgbClr val="202729"/>
           </a:solidFill>
@@ -2339,7 +2422,7 @@
         <a:buFontTx/>
         <a:buNone/>
         <a:tabLst/>
-        <a:defRPr b="0" baseline="0" cap="none" i="0" spc="0" strike="noStrike" sz="2800" u="none">
+        <a:defRPr sz="2800" b="0" i="0" u="none" strike="noStrike" cap="none" spc="0" baseline="0">
           <a:solidFill>
             <a:srgbClr val="202729"/>
           </a:solidFill>
@@ -2365,7 +2448,7 @@
         <a:buFontTx/>
         <a:buNone/>
         <a:tabLst/>
-        <a:defRPr b="0" baseline="0" cap="none" i="0" spc="0" strike="noStrike" sz="2800" u="none">
+        <a:defRPr sz="2800" b="0" i="0" u="none" strike="noStrike" cap="none" spc="0" baseline="0">
           <a:solidFill>
             <a:srgbClr val="202729"/>
           </a:solidFill>
@@ -2391,7 +2474,7 @@
         <a:buFontTx/>
         <a:buNone/>
         <a:tabLst/>
-        <a:defRPr b="0" baseline="0" cap="none" i="0" spc="0" strike="noStrike" sz="2800" u="none">
+        <a:defRPr sz="2800" b="0" i="0" u="none" strike="noStrike" cap="none" spc="0" baseline="0">
           <a:solidFill>
             <a:srgbClr val="202729"/>
           </a:solidFill>
@@ -2417,7 +2500,7 @@
         <a:buFontTx/>
         <a:buNone/>
         <a:tabLst/>
-        <a:defRPr b="0" baseline="0" cap="none" i="0" spc="0" strike="noStrike" sz="2800" u="none">
+        <a:defRPr sz="2800" b="0" i="0" u="none" strike="noStrike" cap="none" spc="0" baseline="0">
           <a:solidFill>
             <a:srgbClr val="202729"/>
           </a:solidFill>
@@ -2443,7 +2526,7 @@
         <a:buFontTx/>
         <a:buNone/>
         <a:tabLst/>
-        <a:defRPr b="0" baseline="0" cap="none" i="0" spc="0" strike="noStrike" sz="2800" u="none">
+        <a:defRPr sz="2800" b="0" i="0" u="none" strike="noStrike" cap="none" spc="0" baseline="0">
           <a:solidFill>
             <a:srgbClr val="202729"/>
           </a:solidFill>
@@ -2469,7 +2552,7 @@
         <a:buFontTx/>
         <a:buNone/>
         <a:tabLst/>
-        <a:defRPr b="0" baseline="0" cap="none" i="0" spc="0" strike="noStrike" sz="2800" u="none">
+        <a:defRPr sz="2800" b="0" i="0" u="none" strike="noStrike" cap="none" spc="0" baseline="0">
           <a:solidFill>
             <a:srgbClr val="202729"/>
           </a:solidFill>
@@ -2495,7 +2578,7 @@
         <a:buFontTx/>
         <a:buNone/>
         <a:tabLst/>
-        <a:defRPr b="0" baseline="0" cap="none" i="0" spc="0" strike="noStrike" sz="2800" u="none">
+        <a:defRPr sz="2800" b="0" i="0" u="none" strike="noStrike" cap="none" spc="0" baseline="0">
           <a:solidFill>
             <a:srgbClr val="202729"/>
           </a:solidFill>
@@ -2521,7 +2604,7 @@
         <a:buFontTx/>
         <a:buNone/>
         <a:tabLst/>
-        <a:defRPr b="0" baseline="0" cap="none" i="0" spc="0" strike="noStrike" sz="2800" u="none">
+        <a:defRPr sz="2800" b="0" i="0" u="none" strike="noStrike" cap="none" spc="0" baseline="0">
           <a:solidFill>
             <a:srgbClr val="202729"/>
           </a:solidFill>
@@ -2551,7 +2634,7 @@
         <a:buFont typeface="Proxima Nova"/>
         <a:buChar char="●"/>
         <a:tabLst/>
-        <a:defRPr b="0" baseline="0" cap="none" i="0" spc="0" strike="noStrike" sz="1800" u="none">
+        <a:defRPr sz="1800" b="0" i="0" u="none" strike="noStrike" cap="none" spc="0" baseline="0">
           <a:solidFill>
             <a:schemeClr val="accent3"/>
           </a:solidFill>
@@ -2579,7 +2662,7 @@
         <a:buFont typeface="Proxima Nova"/>
         <a:buChar char="○"/>
         <a:tabLst/>
-        <a:defRPr b="0" baseline="0" cap="none" i="0" spc="0" strike="noStrike" sz="1800" u="none">
+        <a:defRPr sz="1800" b="0" i="0" u="none" strike="noStrike" cap="none" spc="0" baseline="0">
           <a:solidFill>
             <a:schemeClr val="accent3"/>
           </a:solidFill>
@@ -2607,7 +2690,7 @@
         <a:buFont typeface="Proxima Nova"/>
         <a:buChar char="■"/>
         <a:tabLst/>
-        <a:defRPr b="0" baseline="0" cap="none" i="0" spc="0" strike="noStrike" sz="1800" u="none">
+        <a:defRPr sz="1800" b="0" i="0" u="none" strike="noStrike" cap="none" spc="0" baseline="0">
           <a:solidFill>
             <a:schemeClr val="accent3"/>
           </a:solidFill>
@@ -2635,7 +2718,7 @@
         <a:buFont typeface="Proxima Nova"/>
         <a:buChar char="●"/>
         <a:tabLst/>
-        <a:defRPr b="0" baseline="0" cap="none" i="0" spc="0" strike="noStrike" sz="1800" u="none">
+        <a:defRPr sz="1800" b="0" i="0" u="none" strike="noStrike" cap="none" spc="0" baseline="0">
           <a:solidFill>
             <a:schemeClr val="accent3"/>
           </a:solidFill>
@@ -2663,7 +2746,7 @@
         <a:buFont typeface="Proxima Nova"/>
         <a:buChar char="○"/>
         <a:tabLst/>
-        <a:defRPr b="0" baseline="0" cap="none" i="0" spc="0" strike="noStrike" sz="1800" u="none">
+        <a:defRPr sz="1800" b="0" i="0" u="none" strike="noStrike" cap="none" spc="0" baseline="0">
           <a:solidFill>
             <a:schemeClr val="accent3"/>
           </a:solidFill>
@@ -2691,7 +2774,7 @@
         <a:buFont typeface="Proxima Nova"/>
         <a:buChar char="■"/>
         <a:tabLst/>
-        <a:defRPr b="0" baseline="0" cap="none" i="0" spc="0" strike="noStrike" sz="1800" u="none">
+        <a:defRPr sz="1800" b="0" i="0" u="none" strike="noStrike" cap="none" spc="0" baseline="0">
           <a:solidFill>
             <a:schemeClr val="accent3"/>
           </a:solidFill>
@@ -2719,7 +2802,7 @@
         <a:buFont typeface="Proxima Nova"/>
         <a:buChar char="●"/>
         <a:tabLst/>
-        <a:defRPr b="0" baseline="0" cap="none" i="0" spc="0" strike="noStrike" sz="1800" u="none">
+        <a:defRPr sz="1800" b="0" i="0" u="none" strike="noStrike" cap="none" spc="0" baseline="0">
           <a:solidFill>
             <a:schemeClr val="accent3"/>
           </a:solidFill>
@@ -2747,7 +2830,7 @@
         <a:buFont typeface="Proxima Nova"/>
         <a:buChar char="○"/>
         <a:tabLst/>
-        <a:defRPr b="0" baseline="0" cap="none" i="0" spc="0" strike="noStrike" sz="1800" u="none">
+        <a:defRPr sz="1800" b="0" i="0" u="none" strike="noStrike" cap="none" spc="0" baseline="0">
           <a:solidFill>
             <a:schemeClr val="accent3"/>
           </a:solidFill>
@@ -2775,7 +2858,7 @@
         <a:buFont typeface="Proxima Nova"/>
         <a:buChar char="■"/>
         <a:tabLst/>
-        <a:defRPr b="0" baseline="0" cap="none" i="0" spc="0" strike="noStrike" sz="1800" u="none">
+        <a:defRPr sz="1800" b="0" i="0" u="none" strike="noStrike" cap="none" spc="0" baseline="0">
           <a:solidFill>
             <a:schemeClr val="accent3"/>
           </a:solidFill>
@@ -2803,7 +2886,7 @@
         <a:buFontTx/>
         <a:buNone/>
         <a:tabLst/>
-        <a:defRPr b="0" baseline="0" cap="none" i="0" spc="0" strike="noStrike" sz="1000" u="none">
+        <a:defRPr sz="1000" b="0" i="0" u="none" strike="noStrike" cap="none" spc="0" baseline="0">
           <a:solidFill>
             <a:schemeClr val="tx1"/>
           </a:solidFill>
@@ -2829,7 +2912,7 @@
         <a:buFontTx/>
         <a:buNone/>
         <a:tabLst/>
-        <a:defRPr b="0" baseline="0" cap="none" i="0" spc="0" strike="noStrike" sz="1000" u="none">
+        <a:defRPr sz="1000" b="0" i="0" u="none" strike="noStrike" cap="none" spc="0" baseline="0">
           <a:solidFill>
             <a:schemeClr val="tx1"/>
           </a:solidFill>
@@ -2855,7 +2938,7 @@
         <a:buFontTx/>
         <a:buNone/>
         <a:tabLst/>
-        <a:defRPr b="0" baseline="0" cap="none" i="0" spc="0" strike="noStrike" sz="1000" u="none">
+        <a:defRPr sz="1000" b="0" i="0" u="none" strike="noStrike" cap="none" spc="0" baseline="0">
           <a:solidFill>
             <a:schemeClr val="tx1"/>
           </a:solidFill>
@@ -2881,7 +2964,7 @@
         <a:buFontTx/>
         <a:buNone/>
         <a:tabLst/>
-        <a:defRPr b="0" baseline="0" cap="none" i="0" spc="0" strike="noStrike" sz="1000" u="none">
+        <a:defRPr sz="1000" b="0" i="0" u="none" strike="noStrike" cap="none" spc="0" baseline="0">
           <a:solidFill>
             <a:schemeClr val="tx1"/>
           </a:solidFill>
@@ -2907,7 +2990,7 @@
         <a:buFontTx/>
         <a:buNone/>
         <a:tabLst/>
-        <a:defRPr b="0" baseline="0" cap="none" i="0" spc="0" strike="noStrike" sz="1000" u="none">
+        <a:defRPr sz="1000" b="0" i="0" u="none" strike="noStrike" cap="none" spc="0" baseline="0">
           <a:solidFill>
             <a:schemeClr val="tx1"/>
           </a:solidFill>
@@ -2933,7 +3016,7 @@
         <a:buFontTx/>
         <a:buNone/>
         <a:tabLst/>
-        <a:defRPr b="0" baseline="0" cap="none" i="0" spc="0" strike="noStrike" sz="1000" u="none">
+        <a:defRPr sz="1000" b="0" i="0" u="none" strike="noStrike" cap="none" spc="0" baseline="0">
           <a:solidFill>
             <a:schemeClr val="tx1"/>
           </a:solidFill>
@@ -2959,7 +3042,7 @@
         <a:buFontTx/>
         <a:buNone/>
         <a:tabLst/>
-        <a:defRPr b="0" baseline="0" cap="none" i="0" spc="0" strike="noStrike" sz="1000" u="none">
+        <a:defRPr sz="1000" b="0" i="0" u="none" strike="noStrike" cap="none" spc="0" baseline="0">
           <a:solidFill>
             <a:schemeClr val="tx1"/>
           </a:solidFill>
@@ -2985,7 +3068,7 @@
         <a:buFontTx/>
         <a:buNone/>
         <a:tabLst/>
-        <a:defRPr b="0" baseline="0" cap="none" i="0" spc="0" strike="noStrike" sz="1000" u="none">
+        <a:defRPr sz="1000" b="0" i="0" u="none" strike="noStrike" cap="none" spc="0" baseline="0">
           <a:solidFill>
             <a:schemeClr val="tx1"/>
           </a:solidFill>
@@ -3011,7 +3094,7 @@
         <a:buFontTx/>
         <a:buNone/>
         <a:tabLst/>
-        <a:defRPr b="0" baseline="0" cap="none" i="0" spc="0" strike="noStrike" sz="1000" u="none">
+        <a:defRPr sz="1000" b="0" i="0" u="none" strike="noStrike" cap="none" spc="0" baseline="0">
           <a:solidFill>
             <a:schemeClr val="tx1"/>
           </a:solidFill>
@@ -3028,7 +3111,7 @@
 </file>
 
 <file path=ppt/slides/slide1.xml><?xml version="1.0" encoding="utf-8"?>
-<p:sld xmlns:a="http://schemas.openxmlformats.org/drawingml/2006/main" xmlns:r="http://schemas.openxmlformats.org/officeDocument/2006/relationships" xmlns:p="http://schemas.openxmlformats.org/presentationml/2006/main" xmlns:m="http://schemas.openxmlformats.org/officeDocument/2006/math" xmlns:a14="http://schemas.microsoft.com/office/drawing/2010/main" showMasterSp="1" showMasterPhAnim="1">
+<p:sld xmlns:a="http://schemas.openxmlformats.org/drawingml/2006/main" xmlns:r="http://schemas.openxmlformats.org/officeDocument/2006/relationships" xmlns:p="http://schemas.openxmlformats.org/presentationml/2006/main">
   <p:cSld>
     <p:spTree>
       <p:nvGrpSpPr>
@@ -3047,7 +3130,9 @@
       <p:sp>
         <p:nvSpPr>
           <p:cNvPr id="113" name="Google Shape;59;p13"/>
-          <p:cNvSpPr txBox="1"/>
+          <p:cNvSpPr txBox="1">
+            <a:spLocks noGrp="1"/>
+          </p:cNvSpPr>
           <p:nvPr>
             <p:ph type="ctrTitle"/>
           </p:nvPr>
@@ -3069,7 +3154,6 @@
             </a:lvl1pPr>
           </a:lstStyle>
           <a:p>
-            <a:pPr/>
             <a:r>
               <a:t>Project Presentation for CS598 DL4H in Spring 2023</a:t>
             </a:r>
@@ -3079,7 +3163,9 @@
       <p:sp>
         <p:nvSpPr>
           <p:cNvPr id="114" name="Google Shape;60;p13"/>
-          <p:cNvSpPr txBox="1"/>
+          <p:cNvSpPr txBox="1">
+            <a:spLocks noGrp="1"/>
+          </p:cNvSpPr>
           <p:nvPr>
             <p:ph type="subTitle" sz="quarter" idx="1"/>
           </p:nvPr>
@@ -3137,13 +3223,13 @@
           </a:ln>
           <a:extLst>
             <a:ext uri="{C572A759-6A51-4108-AA02-DFA0A04FC94B}">
-              <ma14:wrappingTextBoxFlag xmlns:ma14="http://schemas.microsoft.com/office/mac/drawingml/2011/main" val="1"/>
+              <ma14:wrappingTextBoxFlag xmlns:ma14="http://schemas.microsoft.com/office/mac/drawingml/2011/main" xmlns:a14="http://schemas.microsoft.com/office/drawing/2010/main" xmlns:m="http://schemas.openxmlformats.org/officeDocument/2006/math" xmlns="" val="1"/>
             </a:ext>
           </a:extLst>
         </p:spPr>
         <p:txBody>
           <a:bodyPr lIns="91424" tIns="91424" rIns="91424" bIns="91424">
-            <a:normAutofit fontScale="100000" lnSpcReduction="0"/>
+            <a:normAutofit/>
           </a:bodyPr>
           <a:lstStyle/>
           <a:p>
@@ -3172,12 +3258,12 @@
   <p:clrMapOvr>
     <a:masterClrMapping/>
   </p:clrMapOvr>
-  <p:transition xmlns:p14="http://schemas.microsoft.com/office/powerpoint/2010/main" spd="med" advClick="1"/>
+  <p:transition spd="med"/>
 </p:sld>
 </file>
 
 <file path=ppt/slides/slide10.xml><?xml version="1.0" encoding="utf-8"?>
-<p:sld xmlns:a="http://schemas.openxmlformats.org/drawingml/2006/main" xmlns:r="http://schemas.openxmlformats.org/officeDocument/2006/relationships" xmlns:p="http://schemas.openxmlformats.org/presentationml/2006/main" xmlns:m="http://schemas.openxmlformats.org/officeDocument/2006/math" xmlns:a14="http://schemas.microsoft.com/office/drawing/2010/main" showMasterSp="1" showMasterPhAnim="1">
+<p:sld xmlns:a="http://schemas.openxmlformats.org/drawingml/2006/main" xmlns:r="http://schemas.openxmlformats.org/officeDocument/2006/relationships" xmlns:p="http://schemas.openxmlformats.org/presentationml/2006/main">
   <p:cSld>
     <p:spTree>
       <p:nvGrpSpPr>
@@ -3196,7 +3282,9 @@
       <p:sp>
         <p:nvSpPr>
           <p:cNvPr id="149" name="Google Shape;96;p19"/>
-          <p:cNvSpPr txBox="1"/>
+          <p:cNvSpPr txBox="1">
+            <a:spLocks noGrp="1"/>
+          </p:cNvSpPr>
           <p:nvPr>
             <p:ph type="title"/>
           </p:nvPr>
@@ -3218,17 +3306,48 @@
             </a:lvl1pPr>
           </a:lstStyle>
           <a:p>
-            <a:pPr/>
-            <a:r>
-              <a:t>Ablation/Code Modification - 2</a:t>
-            </a:r>
+            <a:r>
+              <a:rPr dirty="0"/>
+              <a:t>Ablation</a:t>
+            </a:r>
+            <a:r>
+              <a:rPr lang="en-US" dirty="0"/>
+              <a:t> </a:t>
+            </a:r>
+            <a:r>
+              <a:rPr dirty="0"/>
+              <a:t>/</a:t>
+            </a:r>
+            <a:r>
+              <a:rPr lang="en-US" dirty="0"/>
+              <a:t> </a:t>
+            </a:r>
+            <a:r>
+              <a:rPr dirty="0"/>
+              <a:t>Code Modification </a:t>
+            </a:r>
+            <a:r>
+              <a:rPr lang="en-US" dirty="0"/>
+              <a:t>–</a:t>
+            </a:r>
+            <a:r>
+              <a:rPr dirty="0"/>
+              <a:t> 2</a:t>
+            </a:r>
+            <a:r>
+              <a:rPr lang="en-US" dirty="0"/>
+              <a:t> and 3</a:t>
+            </a:r>
+            <a:endParaRPr dirty="0"/>
           </a:p>
         </p:txBody>
       </p:sp>
       <p:sp>
         <p:nvSpPr>
           <p:cNvPr id="150" name="Google Shape;97;p19"/>
-          <p:cNvSpPr txBox="1"/>
+          <p:cNvSpPr txBox="1">
+            <a:spLocks noGrp="1"/>
+          </p:cNvSpPr>
           <p:nvPr>
             <p:ph type="body" idx="1"/>
           </p:nvPr>
@@ -3259,24 +3378,28 @@
               <a:buFont typeface="Arial"/>
               <a:buChar char="•"/>
             </a:pPr>
+            <a:endParaRPr/>
           </a:p>
           <a:p>
             <a:pPr>
               <a:buFont typeface="Arial"/>
               <a:buChar char="•"/>
             </a:pPr>
+            <a:endParaRPr/>
           </a:p>
           <a:p>
             <a:pPr>
               <a:buFont typeface="Arial"/>
               <a:buChar char="•"/>
             </a:pPr>
+            <a:endParaRPr/>
           </a:p>
           <a:p>
             <a:pPr>
               <a:buFont typeface="Arial"/>
               <a:buChar char="•"/>
             </a:pPr>
+            <a:endParaRPr/>
           </a:p>
           <a:p>
             <a:pPr>
@@ -3298,9 +3421,7 @@
           <p:nvPr/>
         </p:nvPicPr>
         <p:blipFill>
-          <a:blip r:embed="rId2">
-            <a:extLst/>
-          </a:blip>
+          <a:blip r:embed="rId2"/>
           <a:stretch>
             <a:fillRect/>
           </a:stretch>
@@ -3327,9 +3448,7 @@
           <p:nvPr/>
         </p:nvPicPr>
         <p:blipFill>
-          <a:blip r:embed="rId3">
-            <a:extLst/>
-          </a:blip>
+          <a:blip r:embed="rId3"/>
           <a:stretch>
             <a:fillRect/>
           </a:stretch>
@@ -3352,12 +3471,12 @@
   <p:clrMapOvr>
     <a:masterClrMapping/>
   </p:clrMapOvr>
-  <p:transition xmlns:p14="http://schemas.microsoft.com/office/powerpoint/2010/main" spd="med" advClick="1"/>
+  <p:transition spd="med"/>
 </p:sld>
 </file>
 
 <file path=ppt/slides/slide11.xml><?xml version="1.0" encoding="utf-8"?>
-<p:sld xmlns:a="http://schemas.openxmlformats.org/drawingml/2006/main" xmlns:r="http://schemas.openxmlformats.org/officeDocument/2006/relationships" xmlns:p="http://schemas.openxmlformats.org/presentationml/2006/main" xmlns:m="http://schemas.openxmlformats.org/officeDocument/2006/math" xmlns:a14="http://schemas.microsoft.com/office/drawing/2010/main" showMasterSp="1" showMasterPhAnim="1">
+<p:sld xmlns:a="http://schemas.openxmlformats.org/drawingml/2006/main" xmlns:r="http://schemas.openxmlformats.org/officeDocument/2006/relationships" xmlns:p="http://schemas.openxmlformats.org/presentationml/2006/main">
   <p:cSld>
     <p:spTree>
       <p:nvGrpSpPr>
@@ -3376,7 +3495,9 @@
       <p:sp>
         <p:nvSpPr>
           <p:cNvPr id="154" name="Google Shape;96;p19"/>
-          <p:cNvSpPr txBox="1"/>
+          <p:cNvSpPr txBox="1">
+            <a:spLocks noGrp="1"/>
+          </p:cNvSpPr>
           <p:nvPr>
             <p:ph type="title"/>
           </p:nvPr>
@@ -3398,10 +3519,11 @@
             </a:lvl1pPr>
           </a:lstStyle>
           <a:p>
-            <a:pPr/>
-            <a:r>
-              <a:t>Results Original</a:t>
-            </a:r>
+            <a:r>
+              <a:rPr lang="en-US" dirty="0"/>
+              <a:t>Results (before making code changes)</a:t>
+            </a:r>
+            <a:endParaRPr dirty="0"/>
           </a:p>
         </p:txBody>
       </p:sp>
@@ -3414,9 +3536,7 @@
           <p:nvPr/>
         </p:nvPicPr>
         <p:blipFill>
-          <a:blip r:embed="rId2">
-            <a:extLst/>
-          </a:blip>
+          <a:blip r:embed="rId2"/>
           <a:stretch>
             <a:fillRect/>
           </a:stretch>
@@ -3439,12 +3559,12 @@
   <p:clrMapOvr>
     <a:masterClrMapping/>
   </p:clrMapOvr>
-  <p:transition xmlns:p14="http://schemas.microsoft.com/office/powerpoint/2010/main" spd="med" advClick="1"/>
+  <p:transition spd="med"/>
 </p:sld>
 </file>
 
 <file path=ppt/slides/slide12.xml><?xml version="1.0" encoding="utf-8"?>
-<p:sld xmlns:a="http://schemas.openxmlformats.org/drawingml/2006/main" xmlns:r="http://schemas.openxmlformats.org/officeDocument/2006/relationships" xmlns:p="http://schemas.openxmlformats.org/presentationml/2006/main" xmlns:m="http://schemas.openxmlformats.org/officeDocument/2006/math" xmlns:a14="http://schemas.microsoft.com/office/drawing/2010/main" showMasterSp="1" showMasterPhAnim="1">
+<p:sld xmlns:a="http://schemas.openxmlformats.org/drawingml/2006/main" xmlns:r="http://schemas.openxmlformats.org/officeDocument/2006/relationships" xmlns:p="http://schemas.openxmlformats.org/presentationml/2006/main">
   <p:cSld>
     <p:spTree>
       <p:nvGrpSpPr>
@@ -3463,7 +3583,9 @@
       <p:sp>
         <p:nvSpPr>
           <p:cNvPr id="157" name="Google Shape;96;p19"/>
-          <p:cNvSpPr txBox="1"/>
+          <p:cNvSpPr txBox="1">
+            <a:spLocks noGrp="1"/>
+          </p:cNvSpPr>
           <p:nvPr>
             <p:ph type="title"/>
           </p:nvPr>
@@ -3485,10 +3607,15 @@
             </a:lvl1pPr>
           </a:lstStyle>
           <a:p>
-            <a:pPr/>
-            <a:r>
-              <a:t>Results New</a:t>
-            </a:r>
+            <a:r>
+              <a:rPr dirty="0"/>
+              <a:t>Results </a:t>
+            </a:r>
+            <a:r>
+              <a:rPr lang="en-US" dirty="0"/>
+              <a:t>(after making code changes)</a:t>
+            </a:r>
+            <a:endParaRPr dirty="0"/>
           </a:p>
         </p:txBody>
       </p:sp>
@@ -3501,9 +3628,7 @@
           <p:nvPr/>
         </p:nvPicPr>
         <p:blipFill>
-          <a:blip r:embed="rId2">
-            <a:extLst/>
-          </a:blip>
+          <a:blip r:embed="rId2"/>
           <a:stretch>
             <a:fillRect/>
           </a:stretch>
@@ -3526,12 +3651,12 @@
   <p:clrMapOvr>
     <a:masterClrMapping/>
   </p:clrMapOvr>
-  <p:transition xmlns:p14="http://schemas.microsoft.com/office/powerpoint/2010/main" spd="med" advClick="1"/>
+  <p:transition spd="med"/>
 </p:sld>
 </file>
 
 <file path=ppt/slides/slide13.xml><?xml version="1.0" encoding="utf-8"?>
-<p:sld xmlns:a="http://schemas.openxmlformats.org/drawingml/2006/main" xmlns:r="http://schemas.openxmlformats.org/officeDocument/2006/relationships" xmlns:p="http://schemas.openxmlformats.org/presentationml/2006/main" xmlns:m="http://schemas.openxmlformats.org/officeDocument/2006/math" xmlns:a14="http://schemas.microsoft.com/office/drawing/2010/main" showMasterSp="1" showMasterPhAnim="1">
+<p:sld xmlns:a="http://schemas.openxmlformats.org/drawingml/2006/main" xmlns:r="http://schemas.openxmlformats.org/officeDocument/2006/relationships" xmlns:p="http://schemas.openxmlformats.org/presentationml/2006/main">
   <p:cSld>
     <p:spTree>
       <p:nvGrpSpPr>
@@ -3550,7 +3675,9 @@
       <p:sp>
         <p:nvSpPr>
           <p:cNvPr id="160" name="Google Shape;96;p19"/>
-          <p:cNvSpPr txBox="1"/>
+          <p:cNvSpPr txBox="1">
+            <a:spLocks noGrp="1"/>
+          </p:cNvSpPr>
           <p:nvPr>
             <p:ph type="title"/>
           </p:nvPr>
@@ -3572,17 +3699,20 @@
             </a:lvl1pPr>
           </a:lstStyle>
           <a:p>
-            <a:pPr/>
-            <a:r>
-              <a:t>Results (After Code Modification)</a:t>
-            </a:r>
+            <a:r>
+              <a:rPr lang="en-US" dirty="0"/>
+              <a:t>Discussion</a:t>
+            </a:r>
+            <a:endParaRPr dirty="0"/>
           </a:p>
         </p:txBody>
       </p:sp>
       <p:sp>
         <p:nvSpPr>
           <p:cNvPr id="161" name="Google Shape;97;p19"/>
-          <p:cNvSpPr txBox="1"/>
+          <p:cNvSpPr txBox="1">
+            <a:spLocks noGrp="1"/>
+          </p:cNvSpPr>
           <p:nvPr>
             <p:ph type="body" idx="1"/>
           </p:nvPr>
@@ -3590,64 +3720,174 @@
         <p:spPr>
           <a:xfrm>
             <a:off x="311699" y="1141699"/>
-            <a:ext cx="8520602" cy="3416401"/>
+            <a:ext cx="5231851" cy="3780345"/>
           </a:xfrm>
           <a:prstGeom prst="rect">
             <a:avLst/>
           </a:prstGeom>
         </p:spPr>
         <p:txBody>
-          <a:bodyPr/>
+          <a:bodyPr>
+            <a:normAutofit lnSpcReduction="10000"/>
+          </a:bodyPr>
           <a:lstStyle/>
           <a:p>
-            <a:pPr>
-              <a:buFont typeface="Arial"/>
+            <a:pPr algn="just">
+              <a:buFont typeface="Arial" panose="020B0604020202020204" pitchFamily="34" charset="0"/>
               <a:buChar char="•"/>
             </a:pPr>
             <a:r>
-              <a:t>Comparison of original results and reproduced results</a:t>
-            </a:r>
-          </a:p>
-          <a:p>
-            <a:pPr>
-              <a:buFont typeface="Arial"/>
+              <a:rPr lang="en-US" sz="1200" b="1" dirty="0"/>
+              <a:t>Our project aimed to re-establish Hierarchical learning using the </a:t>
+            </a:r>
+            <a:r>
+              <a:rPr lang="en-US" sz="1200" b="1" dirty="0" err="1"/>
+              <a:t>HiCu</a:t>
+            </a:r>
+            <a:r>
+              <a:rPr lang="en-US" sz="1200" b="1" dirty="0"/>
+              <a:t> algorithm</a:t>
+            </a:r>
+            <a:r>
+              <a:rPr lang="en-US" sz="1200" dirty="0"/>
+              <a:t>, which is more efficient than non-hierarchical learning of ICD-9 codes.</a:t>
+            </a:r>
+          </a:p>
+          <a:p>
+            <a:pPr algn="just">
+              <a:buFont typeface="Arial" panose="020B0604020202020204" pitchFamily="34" charset="0"/>
               <a:buChar char="•"/>
             </a:pPr>
             <a:r>
-              <a:t>Add ablation study – changing hierarchy and loss function</a:t>
-            </a:r>
-          </a:p>
-          <a:p>
-            <a:pPr>
-              <a:buFont typeface="Arial"/>
+              <a:rPr lang="en-US" sz="1200" dirty="0"/>
+              <a:t>We compared </a:t>
+            </a:r>
+            <a:r>
+              <a:rPr lang="en-US" sz="1200" dirty="0" err="1"/>
+              <a:t>HiCu</a:t>
+            </a:r>
+            <a:r>
+              <a:rPr lang="en-US" sz="1200" dirty="0"/>
+              <a:t> performance using </a:t>
+            </a:r>
+            <a:r>
+              <a:rPr lang="en-US" sz="1200" dirty="0" err="1"/>
+              <a:t>MultiResCNN</a:t>
+            </a:r>
+            <a:r>
+              <a:rPr lang="en-US" sz="1200" dirty="0"/>
+              <a:t>, LAAT and RAC models with respect to different metrics and observed that </a:t>
+            </a:r>
+            <a:r>
+              <a:rPr lang="en-US" sz="1200" dirty="0" err="1"/>
+              <a:t>HiCu</a:t>
+            </a:r>
+            <a:r>
+              <a:rPr lang="en-US" sz="1200" dirty="0"/>
+              <a:t> performs better in tree structure training of ICD codes.</a:t>
+            </a:r>
+          </a:p>
+          <a:p>
+            <a:pPr algn="just">
+              <a:buFont typeface="Arial" panose="020B0604020202020204" pitchFamily="34" charset="0"/>
               <a:buChar char="•"/>
             </a:pPr>
             <a:r>
-              <a:t>Summarize the results of the reproduction attempts</a:t>
-            </a:r>
-          </a:p>
-          <a:p>
-            <a:pPr>
-              <a:buFont typeface="Arial"/>
+              <a:rPr lang="en-US" sz="1200" b="1" dirty="0"/>
+              <a:t>For Claim 1</a:t>
+            </a:r>
+            <a:r>
+              <a:rPr lang="en-US" sz="1200" dirty="0"/>
+              <a:t>, we reduced the hierarchy by flattening the ICD code and observed that the model performed poorly than the original paper in most metrics, e.g. for AUC results. It proves the importance of the hierarchical structure in improving the multi-label classification performance of the </a:t>
+            </a:r>
+            <a:r>
+              <a:rPr lang="en-US" sz="1200" dirty="0" err="1"/>
+              <a:t>HiCu</a:t>
+            </a:r>
+            <a:r>
+              <a:rPr lang="en-US" sz="1200" dirty="0"/>
+              <a:t> algorithm. </a:t>
+            </a:r>
+            <a:r>
+              <a:rPr lang="en-US" sz="1200" b="1" dirty="0"/>
+              <a:t>After flattening, performance degraded.</a:t>
+            </a:r>
+          </a:p>
+          <a:p>
+            <a:pPr algn="just">
+              <a:buFont typeface="Arial" panose="020B0604020202020204" pitchFamily="34" charset="0"/>
               <a:buChar char="•"/>
             </a:pPr>
             <a:r>
-              <a:t>Compare the reproduced results with the original results</a:t>
+              <a:rPr lang="en-US" sz="1200" b="1" dirty="0"/>
+              <a:t>For Claim 2</a:t>
+            </a:r>
+            <a:r>
+              <a:rPr lang="en-US" sz="1200" dirty="0"/>
+              <a:t>, we found that a reduced ICD Code Hierarchy model largely affected the training time since </a:t>
+            </a:r>
+            <a:r>
+              <a:rPr lang="en-US" sz="1200" b="1" dirty="0"/>
+              <a:t>training time significantly increased </a:t>
+            </a:r>
+            <a:r>
+              <a:rPr lang="en-US" sz="1200" dirty="0"/>
+              <a:t>as observed in the results.</a:t>
+            </a:r>
+          </a:p>
+          <a:p>
+            <a:pPr algn="just">
+              <a:buFont typeface="Arial" panose="020B0604020202020204" pitchFamily="34" charset="0"/>
+              <a:buChar char="•"/>
+            </a:pPr>
+            <a:r>
+              <a:rPr lang="en-US" sz="1200" dirty="0"/>
+              <a:t>The most exciting aspect of our research involved the ablation study in which we removed the ICD-9 Hierarchy and were still able to train the model.</a:t>
             </a:r>
           </a:p>
         </p:txBody>
       </p:sp>
+      <p:pic>
+        <p:nvPicPr>
+          <p:cNvPr id="5" name="Picture 4">
+            <a:extLst>
+              <a:ext uri="{FF2B5EF4-FFF2-40B4-BE49-F238E27FC236}">
+                <a16:creationId xmlns:a16="http://schemas.microsoft.com/office/drawing/2014/main" id="{8BCC2DFF-80CA-1862-C124-B4F2FD990D20}"/>
+              </a:ext>
+            </a:extLst>
+          </p:cNvPr>
+          <p:cNvPicPr>
+            <a:picLocks noChangeAspect="1"/>
+          </p:cNvPicPr>
+          <p:nvPr/>
+        </p:nvPicPr>
+        <p:blipFill>
+          <a:blip r:embed="rId2"/>
+          <a:stretch>
+            <a:fillRect/>
+          </a:stretch>
+        </p:blipFill>
+        <p:spPr>
+          <a:xfrm>
+            <a:off x="5543550" y="2186420"/>
+            <a:ext cx="3600450" cy="1013548"/>
+          </a:xfrm>
+          <a:prstGeom prst="rect">
+            <a:avLst/>
+          </a:prstGeom>
+        </p:spPr>
+      </p:pic>
     </p:spTree>
   </p:cSld>
   <p:clrMapOvr>
     <a:masterClrMapping/>
   </p:clrMapOvr>
-  <p:transition xmlns:p14="http://schemas.microsoft.com/office/powerpoint/2010/main" spd="med" advClick="1"/>
+  <p:transition spd="med"/>
 </p:sld>
 </file>
 
 <file path=ppt/slides/slide14.xml><?xml version="1.0" encoding="utf-8"?>
-<p:sld xmlns:a="http://schemas.openxmlformats.org/drawingml/2006/main" xmlns:r="http://schemas.openxmlformats.org/officeDocument/2006/relationships" xmlns:p="http://schemas.openxmlformats.org/presentationml/2006/main" xmlns:m="http://schemas.openxmlformats.org/officeDocument/2006/math" xmlns:a14="http://schemas.microsoft.com/office/drawing/2010/main" showMasterSp="1" showMasterPhAnim="1">
+<p:sld xmlns:a="http://schemas.openxmlformats.org/drawingml/2006/main" xmlns:r="http://schemas.openxmlformats.org/officeDocument/2006/relationships" xmlns:p="http://schemas.openxmlformats.org/presentationml/2006/main">
   <p:cSld>
     <p:spTree>
       <p:nvGrpSpPr>
@@ -3666,7 +3906,9 @@
       <p:sp>
         <p:nvSpPr>
           <p:cNvPr id="163" name="Google Shape;96;p19"/>
-          <p:cNvSpPr txBox="1"/>
+          <p:cNvSpPr txBox="1">
+            <a:spLocks noGrp="1"/>
+          </p:cNvSpPr>
           <p:nvPr>
             <p:ph type="title"/>
           </p:nvPr>
@@ -3688,9 +3930,9 @@
             </a:lvl1pPr>
           </a:lstStyle>
           <a:p>
-            <a:pPr/>
-            <a:r>
-              <a:t>Discussion / Conclusion</a:t>
+            <a:r>
+              <a:rPr dirty="0"/>
+              <a:t>Conclusion</a:t>
             </a:r>
           </a:p>
         </p:txBody>
@@ -3698,7 +3940,9 @@
       <p:sp>
         <p:nvSpPr>
           <p:cNvPr id="164" name="Google Shape;97;p19"/>
-          <p:cNvSpPr txBox="1"/>
+          <p:cNvSpPr txBox="1">
+            <a:spLocks noGrp="1"/>
+          </p:cNvSpPr>
           <p:nvPr>
             <p:ph type="body" idx="1"/>
           </p:nvPr>
@@ -3719,20 +3963,18 @@
             <a:pPr algn="just">
               <a:buFont typeface="Arial"/>
               <a:buChar char="•"/>
-              <a:defRPr i="1"/>
             </a:pPr>
             <a:r>
-              <a:t>Summarize the main points of the presentation</a:t>
-            </a:r>
-          </a:p>
-          <a:p>
-            <a:pPr algn="just">
-              <a:buFont typeface="Arial"/>
-              <a:buChar char="•"/>
-              <a:defRPr i="1"/>
-            </a:pPr>
-            <a:r>
-              <a:t>Discuss the implications of the results and their potential impact</a:t>
+              <a:rPr lang="en-US" dirty="0"/>
+              <a:t>We reaffirmed the objective of </a:t>
+            </a:r>
+            <a:r>
+              <a:rPr lang="en-US" dirty="0" err="1"/>
+              <a:t>HiCu’s</a:t>
+            </a:r>
+            <a:r>
+              <a:rPr lang="en-US" dirty="0"/>
+              <a:t> algorithm with an ablation study of flattening the hierarchy.</a:t>
             </a:r>
           </a:p>
           <a:p>
@@ -3740,9 +3982,26 @@
               <a:buFont typeface="Arial"/>
               <a:buChar char="•"/>
             </a:pPr>
-            <a:r>
-              <a:t>The HiCu algorithm is an innovative approach to automated ICD coding that takes advantage of the hierarchical structure of the ICD codes to improve the model's ability to learn complex relationships between the codes, which is difficult to achieve using traditional flat learning approaches.</a:t>
-            </a:r>
+            <a:endParaRPr lang="en-US" dirty="0"/>
+          </a:p>
+          <a:p>
+            <a:pPr algn="just">
+              <a:buFont typeface="Arial"/>
+              <a:buChar char="•"/>
+            </a:pPr>
+            <a:r>
+              <a:rPr dirty="0"/>
+              <a:t>The </a:t>
+            </a:r>
+            <a:r>
+              <a:rPr dirty="0" err="1"/>
+              <a:t>HiCu</a:t>
+            </a:r>
+            <a:r>
+              <a:rPr dirty="0"/>
+              <a:t> algorithm is an innovative approach to automated ICD coding that takes advantage of the hierarchical structure of the ICD codes to improve the model's ability to learn complex relationships between the codes, which is difficult to achieve using traditional flat learning approaches.</a:t>
+            </a:r>
+            <a:endParaRPr lang="en-US" dirty="0"/>
           </a:p>
         </p:txBody>
       </p:sp>
@@ -3751,12 +4010,12 @@
   <p:clrMapOvr>
     <a:masterClrMapping/>
   </p:clrMapOvr>
-  <p:transition xmlns:p14="http://schemas.microsoft.com/office/powerpoint/2010/main" spd="med" advClick="1"/>
+  <p:transition spd="med"/>
 </p:sld>
 </file>
 
 <file path=ppt/slides/slide2.xml><?xml version="1.0" encoding="utf-8"?>
-<p:sld xmlns:a="http://schemas.openxmlformats.org/drawingml/2006/main" xmlns:r="http://schemas.openxmlformats.org/officeDocument/2006/relationships" xmlns:p="http://schemas.openxmlformats.org/presentationml/2006/main" xmlns:m="http://schemas.openxmlformats.org/officeDocument/2006/math" xmlns:a14="http://schemas.microsoft.com/office/drawing/2010/main" showMasterSp="1" showMasterPhAnim="1">
+<p:sld xmlns:a="http://schemas.openxmlformats.org/drawingml/2006/main" xmlns:r="http://schemas.openxmlformats.org/officeDocument/2006/relationships" xmlns:p="http://schemas.openxmlformats.org/presentationml/2006/main">
   <p:cSld>
     <p:spTree>
       <p:nvGrpSpPr>
@@ -3775,7 +4034,9 @@
       <p:sp>
         <p:nvSpPr>
           <p:cNvPr id="117" name="Google Shape;65;p14"/>
-          <p:cNvSpPr txBox="1"/>
+          <p:cNvSpPr txBox="1">
+            <a:spLocks noGrp="1"/>
+          </p:cNvSpPr>
           <p:nvPr>
             <p:ph type="title"/>
           </p:nvPr>
@@ -3797,7 +4058,6 @@
             </a:lvl1pPr>
           </a:lstStyle>
           <a:p>
-            <a:pPr/>
             <a:r>
               <a:t>Agenda</a:t>
             </a:r>
@@ -3807,7 +4067,9 @@
       <p:sp>
         <p:nvSpPr>
           <p:cNvPr id="118" name="Google Shape;66;p14"/>
-          <p:cNvSpPr txBox="1"/>
+          <p:cNvSpPr txBox="1">
+            <a:spLocks noGrp="1"/>
+          </p:cNvSpPr>
           <p:nvPr>
             <p:ph type="body" idx="1"/>
           </p:nvPr>
@@ -3827,55 +4089,139 @@
           <a:p>
             <a:pPr>
               <a:buFontTx/>
-              <a:buAutoNum type="arabicPeriod" startAt="1"/>
+              <a:buAutoNum type="arabicPeriod"/>
             </a:pPr>
             <a:r>
-              <a:t>Introduction / Problem Description / HiCu Algorithm</a:t>
-            </a:r>
+              <a:rPr dirty="0"/>
+              <a:t>Introduction </a:t>
+            </a:r>
+            <a:r>
+              <a:rPr lang="en-US" dirty="0"/>
+              <a:t>/ </a:t>
+            </a:r>
+            <a:r>
+              <a:rPr dirty="0"/>
+              <a:t>Problem Description </a:t>
+            </a:r>
+            <a:endParaRPr lang="en-US" dirty="0"/>
           </a:p>
           <a:p>
             <a:pPr>
               <a:buFontTx/>
-              <a:buAutoNum type="arabicPeriod" startAt="1"/>
+              <a:buAutoNum type="arabicPeriod"/>
             </a:pPr>
             <a:r>
-              <a:t>Architecture / Approach taken in the paper</a:t>
+              <a:rPr dirty="0" err="1"/>
+              <a:t>HiCu</a:t>
+            </a:r>
+            <a:r>
+              <a:rPr dirty="0"/>
+              <a:t> Algorithm</a:t>
             </a:r>
           </a:p>
           <a:p>
             <a:pPr>
               <a:buFontTx/>
-              <a:buAutoNum type="arabicPeriod" startAt="1"/>
+              <a:buAutoNum type="arabicPeriod"/>
             </a:pPr>
             <a:r>
-              <a:t>Implementation / Reproduction Attempts</a:t>
-            </a:r>
+              <a:rPr lang="en-US" dirty="0" err="1"/>
+              <a:t>HiCu</a:t>
+            </a:r>
+            <a:r>
+              <a:rPr lang="en-US" dirty="0"/>
+              <a:t> </a:t>
+            </a:r>
+            <a:r>
+              <a:rPr dirty="0"/>
+              <a:t>Architecture / Approach taken in the paper</a:t>
+            </a:r>
+            <a:endParaRPr lang="en-US" dirty="0"/>
           </a:p>
           <a:p>
             <a:pPr>
               <a:buFontTx/>
-              <a:buAutoNum type="arabicPeriod" startAt="1"/>
+              <a:buAutoNum type="arabicPeriod"/>
             </a:pPr>
             <a:r>
-              <a:t>Results (from Original Paper)</a:t>
-            </a:r>
+              <a:rPr lang="en-US" dirty="0" err="1"/>
+              <a:t>HiCu</a:t>
+            </a:r>
+            <a:r>
+              <a:rPr lang="en-US" dirty="0"/>
+              <a:t> Results (from Original Paper)</a:t>
+            </a:r>
+            <a:endParaRPr dirty="0"/>
           </a:p>
           <a:p>
             <a:pPr>
               <a:buFontTx/>
-              <a:buAutoNum type="arabicPeriod" startAt="1"/>
+              <a:buAutoNum type="arabicPeriod"/>
             </a:pPr>
             <a:r>
-              <a:t>Results (After Code Modification)</a:t>
-            </a:r>
+              <a:rPr dirty="0"/>
+              <a:t>Implementation / Reproduction Attempts</a:t>
+            </a:r>
+            <a:endParaRPr lang="en-US" dirty="0"/>
           </a:p>
           <a:p>
             <a:pPr>
               <a:buFontTx/>
-              <a:buAutoNum type="arabicPeriod" startAt="1"/>
+              <a:buAutoNum type="arabicPeriod"/>
             </a:pPr>
             <a:r>
-              <a:t>Discussion / Conclusion</a:t>
+              <a:rPr lang="en-US" dirty="0"/>
+              <a:t>Ablation / Code Modification</a:t>
+            </a:r>
+            <a:endParaRPr dirty="0"/>
+          </a:p>
+          <a:p>
+            <a:pPr>
+              <a:buFontTx/>
+              <a:buAutoNum type="arabicPeriod"/>
+            </a:pPr>
+            <a:r>
+              <a:rPr dirty="0"/>
+              <a:t>Results (</a:t>
+            </a:r>
+            <a:r>
+              <a:rPr lang="en-US" dirty="0"/>
+              <a:t>before making code changes</a:t>
+            </a:r>
+            <a:r>
+              <a:rPr dirty="0"/>
+              <a:t>)</a:t>
+            </a:r>
+          </a:p>
+          <a:p>
+            <a:pPr>
+              <a:buFontTx/>
+              <a:buAutoNum type="arabicPeriod"/>
+            </a:pPr>
+            <a:r>
+              <a:rPr lang="en-US" dirty="0"/>
+              <a:t>Results (after making code changes)</a:t>
+            </a:r>
+          </a:p>
+          <a:p>
+            <a:pPr>
+              <a:buFontTx/>
+              <a:buAutoNum type="arabicPeriod"/>
+            </a:pPr>
+            <a:r>
+              <a:rPr dirty="0"/>
+              <a:t>Discussion </a:t>
+            </a:r>
+            <a:endParaRPr lang="en-US" dirty="0"/>
+          </a:p>
+          <a:p>
+            <a:pPr>
+              <a:buFontTx/>
+              <a:buAutoNum type="arabicPeriod"/>
+            </a:pPr>
+            <a:r>
+              <a:rPr dirty="0"/>
+              <a:t>Conclusion</a:t>
             </a:r>
           </a:p>
         </p:txBody>
@@ -3885,12 +4231,12 @@
   <p:clrMapOvr>
     <a:masterClrMapping/>
   </p:clrMapOvr>
-  <p:transition xmlns:p14="http://schemas.microsoft.com/office/powerpoint/2010/main" spd="med" advClick="1"/>
+  <p:transition spd="med"/>
 </p:sld>
 </file>
 
 <file path=ppt/slides/slide3.xml><?xml version="1.0" encoding="utf-8"?>
-<p:sld xmlns:a="http://schemas.openxmlformats.org/drawingml/2006/main" xmlns:r="http://schemas.openxmlformats.org/officeDocument/2006/relationships" xmlns:p="http://schemas.openxmlformats.org/presentationml/2006/main" xmlns:m="http://schemas.openxmlformats.org/officeDocument/2006/math" xmlns:a14="http://schemas.microsoft.com/office/drawing/2010/main" showMasterSp="1" showMasterPhAnim="1">
+<p:sld xmlns:a="http://schemas.openxmlformats.org/drawingml/2006/main" xmlns:r="http://schemas.openxmlformats.org/officeDocument/2006/relationships" xmlns:p="http://schemas.openxmlformats.org/presentationml/2006/main">
   <p:cSld>
     <p:spTree>
       <p:nvGrpSpPr>
@@ -3909,7 +4255,9 @@
       <p:sp>
         <p:nvSpPr>
           <p:cNvPr id="120" name="Google Shape;71;p15"/>
-          <p:cNvSpPr txBox="1"/>
+          <p:cNvSpPr txBox="1">
+            <a:spLocks noGrp="1"/>
+          </p:cNvSpPr>
           <p:nvPr>
             <p:ph type="title"/>
           </p:nvPr>
@@ -3931,7 +4279,6 @@
             </a:lvl1pPr>
           </a:lstStyle>
           <a:p>
-            <a:pPr/>
             <a:r>
               <a:t>Introduction / Problem Description</a:t>
             </a:r>
@@ -3941,7 +4288,9 @@
       <p:sp>
         <p:nvSpPr>
           <p:cNvPr id="121" name="Google Shape;72;p15"/>
-          <p:cNvSpPr txBox="1"/>
+          <p:cNvSpPr txBox="1">
+            <a:spLocks noGrp="1"/>
+          </p:cNvSpPr>
           <p:nvPr>
             <p:ph type="body" idx="1"/>
           </p:nvPr>
@@ -3969,13 +4318,23 @@
               <a:defRPr sz="1500"/>
             </a:pPr>
             <a:r>
+              <a:rPr dirty="0"/>
               <a:t>Paper: </a:t>
             </a:r>
             <a:r>
-              <a:rPr b="1"/>
-              <a:t>"HiCu: Leveraging Hierarchy for Curriculum Learning in Automated ICD Coding"</a:t>
-            </a:r>
-            <a:r>
+              <a:rPr b="1" dirty="0"/>
+              <a:t>"</a:t>
+            </a:r>
+            <a:r>
+              <a:rPr b="1" dirty="0" err="1"/>
+              <a:t>HiCu</a:t>
+            </a:r>
+            <a:r>
+              <a:rPr b="1" dirty="0"/>
+              <a:t>: Leveraging Hierarchy for Curriculum Learning in Automated ICD Coding"</a:t>
+            </a:r>
+            <a:r>
+              <a:rPr dirty="0"/>
               <a:t> by Ren et al.</a:t>
             </a:r>
           </a:p>
@@ -3990,7 +4349,16 @@
               <a:defRPr sz="1500"/>
             </a:pPr>
             <a:r>
-              <a:t>The HiCu paper addresses the problem of automated coding of medical diagnoses and procedures using the International Classification of Diseases (ICD) system.</a:t>
+              <a:rPr dirty="0"/>
+              <a:t>The </a:t>
+            </a:r>
+            <a:r>
+              <a:rPr dirty="0" err="1"/>
+              <a:t>HiCu</a:t>
+            </a:r>
+            <a:r>
+              <a:rPr dirty="0"/>
+              <a:t> paper addresses the problem of automated coding of medical diagnoses and procedures using the International Classification of Diseases (ICD) system.</a:t>
             </a:r>
           </a:p>
           <a:p>
@@ -4004,6 +4372,7 @@
               <a:defRPr sz="1500"/>
             </a:pPr>
             <a:r>
+              <a:rPr dirty="0"/>
               <a:t>Mapping clinical notes, discharge summaries, and patient profiles to ICD codes is a time-consuming and error-prone task.</a:t>
             </a:r>
           </a:p>
@@ -4018,6 +4387,7 @@
               <a:defRPr sz="1500"/>
             </a:pPr>
             <a:r>
+              <a:rPr dirty="0"/>
               <a:t>The complex relationships between the many possible codes make automated ICD coding a challenging task.</a:t>
             </a:r>
           </a:p>
@@ -4032,6 +4402,7 @@
               <a:defRPr sz="1500"/>
             </a:pPr>
             <a:r>
+              <a:rPr dirty="0"/>
               <a:t>The paper proposes a novel hierarchical curriculum learning approach to improve the accuracy and efficiency of automated ICD coding.</a:t>
             </a:r>
           </a:p>
@@ -4046,7 +4417,16 @@
               <a:defRPr sz="1500"/>
             </a:pPr>
             <a:r>
-              <a:t>By leveraging the hierarchical structure of the ICD codes, the HiCu approach is designed to improve the model's ability to learn complex relationships between codes.</a:t>
+              <a:rPr dirty="0"/>
+              <a:t>By leveraging the hierarchical structure of the ICD codes, the </a:t>
+            </a:r>
+            <a:r>
+              <a:rPr dirty="0" err="1"/>
+              <a:t>HiCu</a:t>
+            </a:r>
+            <a:r>
+              <a:rPr dirty="0"/>
+              <a:t> approach is designed to improve the model's ability to learn complex relationships between codes.</a:t>
             </a:r>
           </a:p>
           <a:p>
@@ -4060,6 +4440,7 @@
               <a:defRPr sz="1500"/>
             </a:pPr>
             <a:r>
+              <a:rPr dirty="0"/>
               <a:t>The importance of this problem cannot be overstated as it can help reduce costs for patients and providers, streamline medical workflows, and improve healthcare outcomes.</a:t>
             </a:r>
           </a:p>
@@ -4070,12 +4451,12 @@
   <p:clrMapOvr>
     <a:masterClrMapping/>
   </p:clrMapOvr>
-  <p:transition xmlns:p14="http://schemas.microsoft.com/office/powerpoint/2010/main" spd="med" advClick="1"/>
+  <p:transition spd="med"/>
 </p:sld>
 </file>
 
 <file path=ppt/slides/slide4.xml><?xml version="1.0" encoding="utf-8"?>
-<p:sld xmlns:a="http://schemas.openxmlformats.org/drawingml/2006/main" xmlns:r="http://schemas.openxmlformats.org/officeDocument/2006/relationships" xmlns:p="http://schemas.openxmlformats.org/presentationml/2006/main" xmlns:m="http://schemas.openxmlformats.org/officeDocument/2006/math" xmlns:a14="http://schemas.microsoft.com/office/drawing/2010/main" showMasterSp="1" showMasterPhAnim="1">
+<p:sld xmlns:a="http://schemas.openxmlformats.org/drawingml/2006/main" xmlns:r="http://schemas.openxmlformats.org/officeDocument/2006/relationships" xmlns:p="http://schemas.openxmlformats.org/presentationml/2006/main">
   <p:cSld>
     <p:spTree>
       <p:nvGrpSpPr>
@@ -4094,7 +4475,9 @@
       <p:sp>
         <p:nvSpPr>
           <p:cNvPr id="123" name="Title 1"/>
-          <p:cNvSpPr txBox="1"/>
+          <p:cNvSpPr txBox="1">
+            <a:spLocks noGrp="1"/>
+          </p:cNvSpPr>
           <p:nvPr>
             <p:ph type="title"/>
           </p:nvPr>
@@ -4124,9 +4507,21 @@
             </a:lvl1pPr>
           </a:lstStyle>
           <a:p>
-            <a:pPr/>
-            <a:r>
-              <a:t>HiCu - Example ICD code label tree</a:t>
+            <a:r>
+              <a:rPr dirty="0" err="1"/>
+              <a:t>HiCu</a:t>
+            </a:r>
+            <a:r>
+              <a:rPr dirty="0"/>
+              <a:t> </a:t>
+            </a:r>
+            <a:r>
+              <a:rPr lang="en-US" dirty="0"/>
+              <a:t>Algorithm </a:t>
+            </a:r>
+            <a:r>
+              <a:rPr dirty="0"/>
+              <a:t>- ICD code label tree</a:t>
             </a:r>
           </a:p>
         </p:txBody>
@@ -4134,7 +4529,9 @@
       <p:sp>
         <p:nvSpPr>
           <p:cNvPr id="124" name="Text Placeholder 2"/>
-          <p:cNvSpPr txBox="1"/>
+          <p:cNvSpPr txBox="1">
+            <a:spLocks noGrp="1"/>
+          </p:cNvSpPr>
           <p:nvPr>
             <p:ph type="body" sz="half" idx="1"/>
           </p:nvPr>
@@ -4152,19 +4549,32 @@
           <a:bodyPr/>
           <a:lstStyle/>
           <a:p>
-            <a:pPr algn="just">
+            <a:pPr marL="114300" indent="0" algn="just">
               <a:buSzPts val="1400"/>
-              <a:buFont typeface="Arial"/>
-              <a:buChar char="•"/>
-              <a:defRPr b="1" sz="1400"/>
+              <a:buNone/>
+              <a:defRPr sz="1400" b="1"/>
             </a:pPr>
             <a:r>
-              <a:t>HiCu Algorithm </a:t>
-            </a:r>
-            <a:r>
-              <a:rPr b="0"/>
+              <a:rPr dirty="0" err="1"/>
+              <a:t>HiCu</a:t>
+            </a:r>
+            <a:r>
+              <a:rPr dirty="0"/>
+              <a:t> Algorithm </a:t>
+            </a:r>
+            <a:r>
+              <a:rPr b="0" dirty="0"/>
               <a:t>is a hierarchical curriculum learning approach that leverages the hierarchical structure of the ICD codes to improve the accuracy and efficiency of automated ICD coding.</a:t>
             </a:r>
+            <a:r>
+              <a:rPr lang="en-US" b="0" dirty="0"/>
+              <a:t> </a:t>
+            </a:r>
+            <a:r>
+              <a:rPr lang="en-US" sz="1400" dirty="0"/>
+              <a:t>An example ICD code is shown here.</a:t>
+            </a:r>
+            <a:endParaRPr sz="1400" dirty="0"/>
           </a:p>
         </p:txBody>
       </p:sp>
@@ -4177,17 +4587,15 @@
           <p:nvPr/>
         </p:nvPicPr>
         <p:blipFill>
-          <a:blip r:embed="rId2">
-            <a:extLst/>
-          </a:blip>
+          <a:blip r:embed="rId2"/>
           <a:stretch>
             <a:fillRect/>
           </a:stretch>
         </p:blipFill>
         <p:spPr>
           <a:xfrm>
-            <a:off x="3371413" y="1218308"/>
-            <a:ext cx="5514323" cy="2893002"/>
+            <a:off x="3429000" y="1218308"/>
+            <a:ext cx="5493544" cy="2893002"/>
           </a:xfrm>
           <a:prstGeom prst="rect">
             <a:avLst/>
@@ -4202,12 +4610,12 @@
   <p:clrMapOvr>
     <a:masterClrMapping/>
   </p:clrMapOvr>
-  <p:transition xmlns:p14="http://schemas.microsoft.com/office/powerpoint/2010/main" spd="med" advClick="1"/>
+  <p:transition spd="med"/>
 </p:sld>
 </file>
 
 <file path=ppt/slides/slide5.xml><?xml version="1.0" encoding="utf-8"?>
-<p:sld xmlns:a="http://schemas.openxmlformats.org/drawingml/2006/main" xmlns:r="http://schemas.openxmlformats.org/officeDocument/2006/relationships" xmlns:p="http://schemas.openxmlformats.org/presentationml/2006/main" xmlns:m="http://schemas.openxmlformats.org/officeDocument/2006/math" xmlns:a14="http://schemas.microsoft.com/office/drawing/2010/main" showMasterSp="1" showMasterPhAnim="1">
+<p:sld xmlns:a="http://schemas.openxmlformats.org/drawingml/2006/main" xmlns:r="http://schemas.openxmlformats.org/officeDocument/2006/relationships" xmlns:p="http://schemas.openxmlformats.org/presentationml/2006/main">
   <p:cSld>
     <p:spTree>
       <p:nvGrpSpPr>
@@ -4226,7 +4634,9 @@
       <p:sp>
         <p:nvSpPr>
           <p:cNvPr id="127" name="Google Shape;89;p18"/>
-          <p:cNvSpPr txBox="1"/>
+          <p:cNvSpPr txBox="1">
+            <a:spLocks noGrp="1"/>
+          </p:cNvSpPr>
           <p:nvPr>
             <p:ph type="title"/>
           </p:nvPr>
@@ -4248,9 +4658,13 @@
             </a:lvl1pPr>
           </a:lstStyle>
           <a:p>
-            <a:pPr/>
-            <a:r>
-              <a:t>HiCu Architecture</a:t>
+            <a:r>
+              <a:rPr dirty="0" err="1"/>
+              <a:t>HiCu</a:t>
+            </a:r>
+            <a:r>
+              <a:rPr dirty="0"/>
+              <a:t> Architecture</a:t>
             </a:r>
           </a:p>
         </p:txBody>
@@ -4258,7 +4672,9 @@
       <p:sp>
         <p:nvSpPr>
           <p:cNvPr id="128" name="Google Shape;90;p18"/>
-          <p:cNvSpPr txBox="1"/>
+          <p:cNvSpPr txBox="1">
+            <a:spLocks noGrp="1"/>
+          </p:cNvSpPr>
           <p:nvPr>
             <p:ph type="body" sz="half" idx="1"/>
           </p:nvPr>
@@ -4273,95 +4689,129 @@
           </a:prstGeom>
         </p:spPr>
         <p:txBody>
-          <a:bodyPr/>
+          <a:bodyPr>
+            <a:normAutofit/>
+          </a:bodyPr>
           <a:lstStyle/>
           <a:p>
-            <a:pPr marL="0" indent="114300" algn="just">
+            <a:pPr marL="0" indent="114300">
               <a:lnSpc>
                 <a:spcPct val="92000"/>
               </a:lnSpc>
               <a:buSzTx/>
               <a:buNone/>
-              <a:defRPr b="1" sz="1100"/>
+              <a:defRPr sz="1100" b="1"/>
             </a:pPr>
             <a:r>
+              <a:rPr sz="1100" dirty="0"/>
               <a:t>Key Components:</a:t>
             </a:r>
-            <a:endParaRPr sz="400"/>
-          </a:p>
-          <a:p>
-            <a:pPr lvl="1" marL="914400" indent="-317500" algn="just">
+            <a:br>
+              <a:rPr lang="en-US" sz="1100" dirty="0"/>
+            </a:br>
+            <a:endParaRPr sz="1100" dirty="0"/>
+          </a:p>
+          <a:p>
+            <a:pPr marL="366486" indent="-317500" algn="just">
               <a:lnSpc>
                 <a:spcPct val="92000"/>
               </a:lnSpc>
               <a:buSzPts val="1100"/>
               <a:buFont typeface="Arial"/>
               <a:buChar char="•"/>
-              <a:defRPr b="1" sz="1100"/>
+              <a:defRPr sz="1100" b="1"/>
             </a:pPr>
             <a:r>
+              <a:rPr sz="1100" dirty="0"/>
               <a:t>Encoder-Decoder Framework:</a:t>
             </a:r>
             <a:r>
-              <a:rPr b="0"/>
-              <a:t> The HiCu architecture consists of an encoder-decoder framework that is combined with a hierarchical curriculum learning algorithm.</a:t>
-            </a:r>
-            <a:endParaRPr sz="300"/>
-          </a:p>
-          <a:p>
-            <a:pPr lvl="1" marL="914400" indent="-317500" algn="just">
+              <a:rPr sz="1100" b="0" dirty="0"/>
+              <a:t> The </a:t>
+            </a:r>
+            <a:r>
+              <a:rPr sz="1100" b="0" dirty="0" err="1"/>
+              <a:t>HiCu</a:t>
+            </a:r>
+            <a:r>
+              <a:rPr sz="1100" b="0" dirty="0"/>
+              <a:t> architecture consists of an encoder-decoder framework that is combined with a hierarchical curriculum learning algorithm.</a:t>
+            </a:r>
+            <a:endParaRPr sz="1100" dirty="0"/>
+          </a:p>
+          <a:p>
+            <a:pPr marL="366486" indent="-317500" algn="just">
               <a:lnSpc>
                 <a:spcPct val="92000"/>
               </a:lnSpc>
               <a:buSzPts val="1100"/>
               <a:buFont typeface="Arial"/>
               <a:buChar char="•"/>
-              <a:defRPr b="1" sz="1100"/>
+              <a:defRPr sz="1100" b="1"/>
             </a:pPr>
             <a:r>
+              <a:rPr sz="1100" dirty="0"/>
               <a:t>Sequential Training Algorithm:</a:t>
             </a:r>
             <a:r>
-              <a:rPr b="0"/>
+              <a:rPr sz="1100" b="0" dirty="0"/>
               <a:t> The model is trained in a sequential algorithmic framework, where simpler codes are learned before more complex codes. The model is first trained on labels at the first level of the label tree using a level one decoder and then proceeds to level two using a knowledge transfer mechanism.</a:t>
             </a:r>
-            <a:endParaRPr sz="300"/>
-          </a:p>
-          <a:p>
-            <a:pPr lvl="1" marL="914400" indent="-317500" algn="just">
+            <a:endParaRPr sz="1100" dirty="0"/>
+          </a:p>
+          <a:p>
+            <a:pPr marL="366486" indent="-317500" algn="just">
               <a:lnSpc>
                 <a:spcPct val="92000"/>
               </a:lnSpc>
               <a:buSzPts val="1100"/>
               <a:buFont typeface="Arial"/>
               <a:buChar char="•"/>
-              <a:defRPr b="1" sz="1100"/>
+              <a:defRPr sz="1100" b="1"/>
             </a:pPr>
             <a:r>
+              <a:rPr sz="1100" dirty="0"/>
               <a:t>Hyperbolic Embeddings: </a:t>
             </a:r>
             <a:r>
-              <a:rPr b="0"/>
+              <a:rPr sz="1100" b="0" dirty="0"/>
               <a:t>During training at each level, the hyperbolic embeddings of the ICD codes are used to guide the attention computation in the decoder. The hyperbolic embeddings allow the model to learn a representation of the ICD code hierarchy that is more structured and aligned with the hierarchical structure of the codes.</a:t>
             </a:r>
-            <a:endParaRPr sz="300"/>
-          </a:p>
-          <a:p>
-            <a:pPr lvl="1" marL="914400" indent="-317500" algn="just">
+            <a:endParaRPr sz="1100" dirty="0"/>
+          </a:p>
+          <a:p>
+            <a:pPr marL="366486" indent="-317500" algn="just">
               <a:lnSpc>
                 <a:spcPct val="92000"/>
               </a:lnSpc>
               <a:buSzPts val="1100"/>
               <a:buFont typeface="Arial"/>
               <a:buChar char="•"/>
-              <a:defRPr b="1" sz="1100"/>
+              <a:defRPr sz="1100" b="1"/>
             </a:pPr>
             <a:r>
+              <a:rPr sz="1100" dirty="0"/>
               <a:t>High-order Grouping of ICD Code Blocks:</a:t>
             </a:r>
             <a:r>
-              <a:rPr b="0"/>
-              <a:t> The HiCu algorithm uses a high-order grouping of ICD code blocks to create a two-level hierarchy. This modification of the HiCu algorithm is trained on the MIMIC-III dataset to verify its performance.</a:t>
+              <a:rPr sz="1100" b="0" dirty="0"/>
+              <a:t> The </a:t>
+            </a:r>
+            <a:r>
+              <a:rPr sz="1100" b="0" dirty="0" err="1"/>
+              <a:t>HiCu</a:t>
+            </a:r>
+            <a:r>
+              <a:rPr sz="1100" b="0" dirty="0"/>
+              <a:t> algorithm uses a high-order grouping of ICD code blocks to create a two-level hierarchy. This modification of the </a:t>
+            </a:r>
+            <a:r>
+              <a:rPr sz="1100" b="0" dirty="0" err="1"/>
+              <a:t>HiCu</a:t>
+            </a:r>
+            <a:r>
+              <a:rPr sz="1100" b="0" dirty="0"/>
+              <a:t> algorithm is trained on the MIMIC-III dataset to verify its performance.</a:t>
             </a:r>
           </a:p>
         </p:txBody>
@@ -4375,9 +4825,7 @@
           <p:nvPr/>
         </p:nvPicPr>
         <p:blipFill>
-          <a:blip r:embed="rId2">
-            <a:extLst/>
-          </a:blip>
+          <a:blip r:embed="rId2"/>
           <a:stretch>
             <a:fillRect/>
           </a:stretch>
@@ -4400,12 +4848,12 @@
   <p:clrMapOvr>
     <a:masterClrMapping/>
   </p:clrMapOvr>
-  <p:transition xmlns:p14="http://schemas.microsoft.com/office/powerpoint/2010/main" spd="med" advClick="1"/>
+  <p:transition spd="med"/>
 </p:sld>
 </file>
 
 <file path=ppt/slides/slide6.xml><?xml version="1.0" encoding="utf-8"?>
-<p:sld xmlns:a="http://schemas.openxmlformats.org/drawingml/2006/main" xmlns:r="http://schemas.openxmlformats.org/officeDocument/2006/relationships" xmlns:p="http://schemas.openxmlformats.org/presentationml/2006/main" xmlns:m="http://schemas.openxmlformats.org/officeDocument/2006/math" xmlns:a14="http://schemas.microsoft.com/office/drawing/2010/main" showMasterSp="1" showMasterPhAnim="1">
+<p:sld xmlns:a="http://schemas.openxmlformats.org/drawingml/2006/main" xmlns:r="http://schemas.openxmlformats.org/officeDocument/2006/relationships" xmlns:p="http://schemas.openxmlformats.org/presentationml/2006/main">
   <p:cSld>
     <p:spTree>
       <p:nvGrpSpPr>
@@ -4423,8 +4871,10 @@
       </p:grpSpPr>
       <p:sp>
         <p:nvSpPr>
-          <p:cNvPr id="131" name="Google Shape;83;p17"/>
-          <p:cNvSpPr txBox="1"/>
+          <p:cNvPr id="134" name="Google Shape;96;p19"/>
+          <p:cNvSpPr txBox="1">
+            <a:spLocks noGrp="1"/>
+          </p:cNvSpPr>
           <p:nvPr>
             <p:ph type="title"/>
           </p:nvPr>
@@ -4446,219 +4896,6 @@
             </a:lvl1pPr>
           </a:lstStyle>
           <a:p>
-            <a:pPr/>
-            <a:r>
-              <a:t>Implementation / Reproduction Attempts</a:t>
-            </a:r>
-          </a:p>
-        </p:txBody>
-      </p:sp>
-      <p:sp>
-        <p:nvSpPr>
-          <p:cNvPr id="132" name="Google Shape;84;p17"/>
-          <p:cNvSpPr txBox="1"/>
-          <p:nvPr>
-            <p:ph type="body" idx="1"/>
-          </p:nvPr>
-        </p:nvSpPr>
-        <p:spPr>
-          <a:xfrm>
-            <a:off x="311699" y="1152475"/>
-            <a:ext cx="8520602" cy="3416400"/>
-          </a:xfrm>
-          <a:prstGeom prst="rect">
-            <a:avLst/>
-          </a:prstGeom>
-        </p:spPr>
-        <p:txBody>
-          <a:bodyPr/>
-          <a:lstStyle/>
-          <a:p>
-            <a:pPr marL="429768" indent="-322325" defTabSz="859536">
-              <a:buSzPts val="1600"/>
-              <a:buFont typeface="Arial"/>
-              <a:buChar char="•"/>
-              <a:defRPr sz="1692"/>
-            </a:pPr>
-            <a:r>
-              <a:t>Talk about Code changes/Implementation </a:t>
-            </a:r>
-          </a:p>
-          <a:p>
-            <a:pPr lvl="1" marL="859536" indent="-298450" defTabSz="859536">
-              <a:buSzPts val="1300"/>
-              <a:buFont typeface="Arial"/>
-              <a:buChar char="•"/>
-              <a:defRPr sz="1316"/>
-            </a:pPr>
-            <a:r>
-              <a:t>The ICD-9 Code hierarchy has been flattened.</a:t>
-            </a:r>
-          </a:p>
-          <a:p>
-            <a:pPr lvl="1" marL="859536" indent="-298450" defTabSz="859536">
-              <a:buSzPts val="1300"/>
-              <a:buFont typeface="Arial"/>
-              <a:buChar char="•"/>
-              <a:defRPr sz="1316"/>
-            </a:pPr>
-            <a:r>
-              <a:t>The result ICD codes follow 2 level depth - &lt;root, code&gt; (Ablation)</a:t>
-            </a:r>
-          </a:p>
-          <a:p>
-            <a:pPr lvl="1" marL="859536" indent="-298450" defTabSz="859536">
-              <a:buSzPts val="1300"/>
-              <a:buFont typeface="Arial"/>
-              <a:buChar char="•"/>
-              <a:defRPr sz="1316"/>
-            </a:pPr>
-            <a:r>
-              <a:t>Reduce the Poincare/negative to 1.</a:t>
-            </a:r>
-          </a:p>
-          <a:p>
-            <a:pPr marL="429768" indent="-322325" defTabSz="859536">
-              <a:buSzPts val="1600"/>
-              <a:buFont typeface="Arial"/>
-              <a:buChar char="•"/>
-              <a:defRPr sz="1692"/>
-            </a:pPr>
-            <a:r>
-              <a:t>Reproduction attempts</a:t>
-            </a:r>
-          </a:p>
-          <a:p>
-            <a:pPr lvl="1" marL="859536" indent="-298450" defTabSz="859536">
-              <a:buSzPts val="1300"/>
-              <a:buFont typeface="Arial"/>
-              <a:buChar char="•"/>
-              <a:defRPr sz="1316"/>
-            </a:pPr>
-            <a:r>
-              <a:t>The original design hypothesis for multilevel ICD-9 has been altered.</a:t>
-            </a:r>
-          </a:p>
-          <a:p>
-            <a:pPr lvl="1" marL="859536" indent="-298450" defTabSz="859536">
-              <a:buSzPts val="1300"/>
-              <a:buFont typeface="Arial"/>
-              <a:buChar char="•"/>
-              <a:defRPr sz="1316"/>
-            </a:pPr>
-            <a:r>
-              <a:t>Still using the same hyperparameters from the original paper to compare the changes.</a:t>
-            </a:r>
-          </a:p>
-          <a:p>
-            <a:pPr marL="429768" indent="-322325" defTabSz="859536">
-              <a:buSzPts val="1600"/>
-              <a:buFont typeface="Arial"/>
-              <a:buChar char="•"/>
-              <a:defRPr sz="1692"/>
-            </a:pPr>
-            <a:r>
-              <a:t>Explain the process of reproducing the results</a:t>
-            </a:r>
-          </a:p>
-          <a:p>
-            <a:pPr lvl="1" marL="859536" indent="-298450" defTabSz="859536">
-              <a:buSzPts val="1300"/>
-              <a:buFont typeface="Arial"/>
-              <a:buChar char="•"/>
-              <a:defRPr sz="1316"/>
-            </a:pPr>
-            <a:r>
-              <a:t>Flatten the ICD-9 hierarchy to &lt;root, code&gt; (only 2 level)</a:t>
-            </a:r>
-          </a:p>
-          <a:p>
-            <a:pPr lvl="1" marL="859536" indent="-298450" defTabSz="859536">
-              <a:buSzPts val="1300"/>
-              <a:buFont typeface="Arial"/>
-              <a:buChar char="•"/>
-              <a:defRPr sz="1316"/>
-            </a:pPr>
-            <a:r>
-              <a:t>The loss function should get worst.</a:t>
-            </a:r>
-          </a:p>
-          <a:p>
-            <a:pPr marL="429768" indent="-322325" defTabSz="859536">
-              <a:buSzPts val="1600"/>
-              <a:buFont typeface="Arial"/>
-              <a:buChar char="•"/>
-              <a:defRPr sz="1692"/>
-            </a:pPr>
-            <a:r>
-              <a:t>Discuss any challenges encountered during the reproduction attempts</a:t>
-            </a:r>
-          </a:p>
-          <a:p>
-            <a:pPr lvl="1" marL="859536" indent="-298450" defTabSz="859536">
-              <a:buSzPts val="1300"/>
-              <a:buFont typeface="Arial"/>
-              <a:buChar char="•"/>
-              <a:defRPr sz="1316"/>
-            </a:pPr>
-            <a:r>
-              <a:t>Hardware limitations e.g GPU/CPU/RAM inadequate to run the entire dataset.</a:t>
-            </a:r>
-          </a:p>
-        </p:txBody>
-      </p:sp>
-    </p:spTree>
-  </p:cSld>
-  <p:clrMapOvr>
-    <a:masterClrMapping/>
-  </p:clrMapOvr>
-  <p:transition xmlns:p14="http://schemas.microsoft.com/office/powerpoint/2010/main" spd="med" advClick="1"/>
-</p:sld>
-</file>
-
-<file path=ppt/slides/slide7.xml><?xml version="1.0" encoding="utf-8"?>
-<p:sld xmlns:a="http://schemas.openxmlformats.org/drawingml/2006/main" xmlns:r="http://schemas.openxmlformats.org/officeDocument/2006/relationships" xmlns:p="http://schemas.openxmlformats.org/presentationml/2006/main" xmlns:m="http://schemas.openxmlformats.org/officeDocument/2006/math" xmlns:a14="http://schemas.microsoft.com/office/drawing/2010/main" showMasterSp="1" showMasterPhAnim="1">
-  <p:cSld>
-    <p:spTree>
-      <p:nvGrpSpPr>
-        <p:cNvPr id="1" name=""/>
-        <p:cNvGrpSpPr/>
-        <p:nvPr/>
-      </p:nvGrpSpPr>
-      <p:grpSpPr>
-        <a:xfrm>
-          <a:off x="0" y="0"/>
-          <a:ext cx="0" cy="0"/>
-          <a:chOff x="0" y="0"/>
-          <a:chExt cx="0" cy="0"/>
-        </a:xfrm>
-      </p:grpSpPr>
-      <p:sp>
-        <p:nvSpPr>
-          <p:cNvPr id="134" name="Google Shape;96;p19"/>
-          <p:cNvSpPr txBox="1"/>
-          <p:nvPr>
-            <p:ph type="title"/>
-          </p:nvPr>
-        </p:nvSpPr>
-        <p:spPr>
-          <a:xfrm>
-            <a:off x="311699" y="445025"/>
-            <a:ext cx="8520602" cy="572701"/>
-          </a:xfrm>
-          <a:prstGeom prst="rect">
-            <a:avLst/>
-          </a:prstGeom>
-        </p:spPr>
-        <p:txBody>
-          <a:bodyPr/>
-          <a:lstStyle>
-            <a:lvl1pPr indent="114300">
-              <a:defRPr sz="2500"/>
-            </a:lvl1pPr>
-          </a:lstStyle>
-          <a:p>
-            <a:pPr/>
             <a:r>
               <a:t>Results (from Original Paper)</a:t>
             </a:r>
@@ -4668,7 +4905,9 @@
       <p:sp>
         <p:nvSpPr>
           <p:cNvPr id="135" name="Google Shape;97;p19"/>
-          <p:cNvSpPr txBox="1"/>
+          <p:cNvSpPr txBox="1">
+            <a:spLocks noGrp="1"/>
+          </p:cNvSpPr>
           <p:nvPr>
             <p:ph type="body" sz="half" idx="1"/>
           </p:nvPr>
@@ -4683,52 +4922,66 @@
           </a:prstGeom>
         </p:spPr>
         <p:txBody>
-          <a:bodyPr/>
+          <a:bodyPr>
+            <a:normAutofit fontScale="92500"/>
+          </a:bodyPr>
           <a:lstStyle/>
           <a:p>
-            <a:pPr>
+            <a:pPr algn="just">
               <a:buSzPts val="1100"/>
               <a:buFont typeface="Arial"/>
               <a:buChar char="•"/>
               <a:defRPr sz="1100"/>
             </a:pPr>
             <a:r>
+              <a:rPr sz="1200" dirty="0"/>
               <a:t>MIMIC-III Full Code Results (in %). The results obtained are shown in means ± standard deviations from 10 random runs.</a:t>
             </a:r>
-            <a:endParaRPr sz="1600"/>
-          </a:p>
-          <a:p>
-            <a:pPr>
+            <a:endParaRPr dirty="0"/>
+          </a:p>
+          <a:p>
+            <a:pPr algn="just">
               <a:buSzPts val="1100"/>
               <a:buFont typeface="Arial"/>
               <a:buChar char="•"/>
               <a:defRPr sz="1100"/>
             </a:pPr>
             <a:r>
+              <a:rPr sz="1200" dirty="0"/>
               <a:t>The first block in the table shows the baseline results reported in the papers.</a:t>
             </a:r>
-            <a:endParaRPr sz="1600"/>
-          </a:p>
-          <a:p>
-            <a:pPr>
+            <a:endParaRPr dirty="0"/>
+          </a:p>
+          <a:p>
+            <a:pPr algn="just">
               <a:buSzPts val="1100"/>
               <a:buFont typeface="Arial"/>
               <a:buChar char="•"/>
               <a:defRPr sz="1100"/>
             </a:pPr>
             <a:r>
-              <a:t>The following three blocks specify three groups of experiments, each showing the baseline which was re-implemented in original paper (with *) and the corresponding models which were further evaluated with HiCu learning algorithm.</a:t>
-            </a:r>
-            <a:endParaRPr sz="1600"/>
-          </a:p>
-          <a:p>
-            <a:pPr>
+              <a:rPr sz="1200" dirty="0"/>
+              <a:t>The following three blocks specify three groups of experiments, each showing the baseline which was re-implemented in original paper (with *) and the corresponding models which were further evaluated with </a:t>
+            </a:r>
+            <a:r>
+              <a:rPr sz="1200" dirty="0" err="1"/>
+              <a:t>HiCu</a:t>
+            </a:r>
+            <a:r>
+              <a:rPr sz="1200" dirty="0"/>
+              <a:t> learning algorithm.</a:t>
+            </a:r>
+            <a:endParaRPr dirty="0"/>
+          </a:p>
+          <a:p>
+            <a:pPr algn="just">
               <a:buSzPts val="1100"/>
               <a:buFont typeface="Arial"/>
               <a:buChar char="•"/>
               <a:defRPr sz="1100"/>
             </a:pPr>
             <a:r>
+              <a:rPr sz="1200" dirty="0"/>
               <a:t>The bold values indicate the best results which was obtained from all experiments, whereas the underlined values indicate the best results among each experiment group, in the original paper.</a:t>
             </a:r>
           </a:p>
@@ -4743,9 +4996,7 @@
           <p:nvPr/>
         </p:nvPicPr>
         <p:blipFill>
-          <a:blip r:embed="rId2">
-            <a:extLst/>
-          </a:blip>
+          <a:blip r:embed="rId2"/>
           <a:stretch>
             <a:fillRect/>
           </a:stretch>
@@ -4768,12 +5019,12 @@
   <p:clrMapOvr>
     <a:masterClrMapping/>
   </p:clrMapOvr>
-  <p:transition xmlns:p14="http://schemas.microsoft.com/office/powerpoint/2010/main" spd="med" advClick="1"/>
+  <p:transition spd="med"/>
 </p:sld>
 </file>
 
-<file path=ppt/slides/slide8.xml><?xml version="1.0" encoding="utf-8"?>
-<p:sld xmlns:a="http://schemas.openxmlformats.org/drawingml/2006/main" xmlns:r="http://schemas.openxmlformats.org/officeDocument/2006/relationships" xmlns:p="http://schemas.openxmlformats.org/presentationml/2006/main" xmlns:m="http://schemas.openxmlformats.org/officeDocument/2006/math" xmlns:a14="http://schemas.microsoft.com/office/drawing/2010/main" showMasterSp="1" showMasterPhAnim="1">
+<file path=ppt/slides/slide7.xml><?xml version="1.0" encoding="utf-8"?>
+<p:sld xmlns:a="http://schemas.openxmlformats.org/drawingml/2006/main" xmlns:r="http://schemas.openxmlformats.org/officeDocument/2006/relationships" xmlns:p="http://schemas.openxmlformats.org/presentationml/2006/main">
   <p:cSld>
     <p:spTree>
       <p:nvGrpSpPr>
@@ -4792,7 +5043,9 @@
       <p:sp>
         <p:nvSpPr>
           <p:cNvPr id="138" name="Title 1"/>
-          <p:cNvSpPr txBox="1"/>
+          <p:cNvSpPr txBox="1">
+            <a:spLocks noGrp="1"/>
+          </p:cNvSpPr>
           <p:nvPr>
             <p:ph type="title"/>
           </p:nvPr>
@@ -4814,8 +5067,8 @@
             </a:lvl1pPr>
           </a:lstStyle>
           <a:p>
-            <a:pPr/>
-            <a:r>
+            <a:r>
+              <a:rPr dirty="0"/>
               <a:t>Results (from Original Paper) Contd..</a:t>
             </a:r>
           </a:p>
@@ -4824,7 +5077,9 @@
       <p:sp>
         <p:nvSpPr>
           <p:cNvPr id="139" name="Text Placeholder 2"/>
-          <p:cNvSpPr txBox="1"/>
+          <p:cNvSpPr txBox="1">
+            <a:spLocks noGrp="1"/>
+          </p:cNvSpPr>
           <p:nvPr>
             <p:ph type="body" sz="half" idx="1"/>
           </p:nvPr>
@@ -4839,15 +5094,18 @@
           </a:prstGeom>
         </p:spPr>
         <p:txBody>
-          <a:bodyPr/>
+          <a:bodyPr>
+            <a:normAutofit fontScale="92500" lnSpcReduction="10000"/>
+          </a:bodyPr>
           <a:lstStyle/>
           <a:p>
             <a:pPr marL="0" indent="114300">
               <a:buSzTx/>
               <a:buNone/>
-              <a:defRPr b="1" sz="1100"/>
+              <a:defRPr sz="1100" b="1"/>
             </a:pPr>
             <a:r>
+              <a:rPr dirty="0"/>
               <a:t>AUC Improvements on Rare Codes: </a:t>
             </a:r>
           </a:p>
@@ -4855,39 +5113,67 @@
             <a:pPr marL="0" indent="114300">
               <a:buSzTx/>
               <a:buNone/>
-              <a:defRPr b="1" sz="1100"/>
+              <a:defRPr sz="1100" b="1"/>
             </a:pPr>
-          </a:p>
-          <a:p>
-            <a:pPr>
+            <a:endParaRPr dirty="0"/>
+          </a:p>
+          <a:p>
+            <a:pPr algn="just">
               <a:buSzPts val="1100"/>
               <a:buFont typeface="Arial"/>
               <a:buChar char="•"/>
               <a:defRPr sz="1100"/>
             </a:pPr>
             <a:r>
-              <a:t>AUC Score difference between vanilla MultiResCNN and (MultiResCNN w/ HiCuA+ASL). </a:t>
-            </a:r>
-          </a:p>
-          <a:p>
-            <a:pPr>
+              <a:rPr sz="1300" dirty="0"/>
+              <a:t>AUC Score difference between vanilla </a:t>
+            </a:r>
+            <a:r>
+              <a:rPr sz="1300" dirty="0" err="1"/>
+              <a:t>MultiResCNN</a:t>
+            </a:r>
+            <a:r>
+              <a:rPr sz="1300" dirty="0"/>
+              <a:t> and (</a:t>
+            </a:r>
+            <a:r>
+              <a:rPr sz="1300" dirty="0" err="1"/>
+              <a:t>MultiResCNN</a:t>
+            </a:r>
+            <a:r>
+              <a:rPr sz="1300" dirty="0"/>
+              <a:t> w/ </a:t>
+            </a:r>
+            <a:r>
+              <a:rPr sz="1300" dirty="0" err="1"/>
+              <a:t>HiCuA+ASL</a:t>
+            </a:r>
+            <a:r>
+              <a:rPr sz="1300" dirty="0"/>
+              <a:t>). </a:t>
+            </a:r>
+          </a:p>
+          <a:p>
+            <a:pPr algn="just">
               <a:buSzPts val="1100"/>
               <a:buFont typeface="Arial"/>
               <a:buChar char="•"/>
               <a:defRPr sz="1100"/>
             </a:pPr>
             <a:r>
+              <a:rPr sz="1300" dirty="0"/>
               <a:t>ICD codes are grouped by their frequency (i.e. occurring times in ground truth). </a:t>
             </a:r>
           </a:p>
           <a:p>
-            <a:pPr>
+            <a:pPr algn="just">
               <a:buSzPts val="1100"/>
               <a:buFont typeface="Arial"/>
               <a:buChar char="•"/>
               <a:defRPr sz="1100"/>
             </a:pPr>
             <a:r>
+              <a:rPr sz="1300" dirty="0"/>
               <a:t>This figure shows the increase of average AUC scores (in %) inside of each frequency group. For example, the size of the bar plot above code frequency ”1” indicates the increase of average AUC scores within the code subset that appears only once in the training set. The figure indicates a visible enhancement in rare code prediction.</a:t>
             </a:r>
           </a:p>
@@ -4902,9 +5188,7 @@
           <p:nvPr/>
         </p:nvPicPr>
         <p:blipFill>
-          <a:blip r:embed="rId2">
-            <a:extLst/>
-          </a:blip>
+          <a:blip r:embed="rId2"/>
           <a:stretch>
             <a:fillRect/>
           </a:stretch>
@@ -4927,12 +5211,12 @@
   <p:clrMapOvr>
     <a:masterClrMapping/>
   </p:clrMapOvr>
-  <p:transition xmlns:p14="http://schemas.microsoft.com/office/powerpoint/2010/main" spd="med" advClick="1"/>
+  <p:transition spd="med"/>
 </p:sld>
 </file>
 
-<file path=ppt/slides/slide9.xml><?xml version="1.0" encoding="utf-8"?>
-<p:sld xmlns:a="http://schemas.openxmlformats.org/drawingml/2006/main" xmlns:r="http://schemas.openxmlformats.org/officeDocument/2006/relationships" xmlns:p="http://schemas.openxmlformats.org/presentationml/2006/main" xmlns:m="http://schemas.openxmlformats.org/officeDocument/2006/math" xmlns:a14="http://schemas.microsoft.com/office/drawing/2010/main" showMasterSp="1" showMasterPhAnim="1">
+<file path=ppt/slides/slide8.xml><?xml version="1.0" encoding="utf-8"?>
+<p:sld xmlns:a="http://schemas.openxmlformats.org/drawingml/2006/main" xmlns:r="http://schemas.openxmlformats.org/officeDocument/2006/relationships" xmlns:p="http://schemas.openxmlformats.org/presentationml/2006/main">
   <p:cSld>
     <p:spTree>
       <p:nvGrpSpPr>
@@ -4950,8 +5234,10 @@
       </p:grpSpPr>
       <p:sp>
         <p:nvSpPr>
-          <p:cNvPr id="142" name="Google Shape;96;p19"/>
-          <p:cNvSpPr txBox="1"/>
+          <p:cNvPr id="131" name="Google Shape;83;p17"/>
+          <p:cNvSpPr txBox="1">
+            <a:spLocks noGrp="1"/>
+          </p:cNvSpPr>
           <p:nvPr>
             <p:ph type="title"/>
           </p:nvPr>
@@ -4973,9 +5259,304 @@
             </a:lvl1pPr>
           </a:lstStyle>
           <a:p>
-            <a:pPr/>
-            <a:r>
-              <a:t>Ablation/Code Modification - 1</a:t>
+            <a:r>
+              <a:t>Implementation / Reproduction Attempts</a:t>
+            </a:r>
+          </a:p>
+        </p:txBody>
+      </p:sp>
+      <p:sp>
+        <p:nvSpPr>
+          <p:cNvPr id="132" name="Google Shape;84;p17"/>
+          <p:cNvSpPr txBox="1">
+            <a:spLocks noGrp="1"/>
+          </p:cNvSpPr>
+          <p:nvPr>
+            <p:ph type="body" idx="1"/>
+          </p:nvPr>
+        </p:nvSpPr>
+        <p:spPr>
+          <a:xfrm>
+            <a:off x="311699" y="1152475"/>
+            <a:ext cx="8520602" cy="3416400"/>
+          </a:xfrm>
+          <a:prstGeom prst="rect">
+            <a:avLst/>
+          </a:prstGeom>
+        </p:spPr>
+        <p:txBody>
+          <a:bodyPr>
+            <a:normAutofit/>
+          </a:bodyPr>
+          <a:lstStyle/>
+          <a:p>
+            <a:pPr marL="429768" indent="-322325" defTabSz="859536">
+              <a:buSzPts val="1600"/>
+              <a:buFont typeface="Arial"/>
+              <a:buChar char="•"/>
+              <a:defRPr sz="1692"/>
+            </a:pPr>
+            <a:r>
+              <a:rPr dirty="0"/>
+              <a:t>Reproduction attempts</a:t>
+            </a:r>
+          </a:p>
+          <a:p>
+            <a:pPr marL="859536" lvl="1" indent="-298450" defTabSz="859536">
+              <a:buSzPts val="1300"/>
+              <a:buFont typeface="Arial"/>
+              <a:buChar char="•"/>
+              <a:defRPr sz="1316"/>
+            </a:pPr>
+            <a:r>
+              <a:rPr dirty="0"/>
+              <a:t>The original design hypothesis for multilevel ICD-9 has been altered.</a:t>
+            </a:r>
+          </a:p>
+          <a:p>
+            <a:pPr marL="859536" lvl="1" indent="-298450" defTabSz="859536">
+              <a:buSzPts val="1300"/>
+              <a:buFont typeface="Arial"/>
+              <a:buChar char="•"/>
+              <a:defRPr sz="1316"/>
+            </a:pPr>
+            <a:r>
+              <a:rPr lang="en-US" dirty="0"/>
+              <a:t>Modified a few </a:t>
+            </a:r>
+            <a:r>
+              <a:rPr dirty="0"/>
+              <a:t>hyperparameters from the original paper to compare changes.</a:t>
+            </a:r>
+            <a:endParaRPr lang="en-US" dirty="0"/>
+          </a:p>
+          <a:p>
+            <a:pPr marL="429768" indent="-322325" defTabSz="859536">
+              <a:buSzPts val="1600"/>
+              <a:buFont typeface="Arial"/>
+              <a:buChar char="•"/>
+              <a:defRPr sz="1692"/>
+            </a:pPr>
+            <a:r>
+              <a:rPr lang="en-US" dirty="0"/>
+              <a:t>Code changes / Implementation </a:t>
+            </a:r>
+          </a:p>
+          <a:p>
+            <a:pPr marL="859536" lvl="1" indent="-298450" defTabSz="859536">
+              <a:buSzPts val="1300"/>
+              <a:buFont typeface="Arial"/>
+              <a:buChar char="•"/>
+              <a:defRPr sz="1316"/>
+            </a:pPr>
+            <a:r>
+              <a:rPr lang="en-US" dirty="0"/>
+              <a:t>The ICD-9 Code hierarchy has been flattened.</a:t>
+            </a:r>
+          </a:p>
+          <a:p>
+            <a:pPr marL="859536" lvl="1" indent="-298450" defTabSz="859536">
+              <a:buSzPts val="1300"/>
+              <a:buFont typeface="Arial"/>
+              <a:buChar char="•"/>
+              <a:defRPr sz="1316"/>
+            </a:pPr>
+            <a:r>
+              <a:rPr lang="en-US" dirty="0"/>
+              <a:t>The result ICD codes follow 2 level depth - &lt;root, code&gt; (Ablation)</a:t>
+            </a:r>
+          </a:p>
+          <a:p>
+            <a:pPr marL="859536" lvl="1" indent="-298450" defTabSz="859536">
+              <a:buSzPts val="1300"/>
+              <a:buFont typeface="Arial"/>
+              <a:buChar char="•"/>
+              <a:defRPr sz="1316"/>
+            </a:pPr>
+            <a:r>
+              <a:rPr lang="en-US" dirty="0"/>
+              <a:t>Reduce the Poincare/negative to 1.</a:t>
+            </a:r>
+          </a:p>
+          <a:p>
+            <a:pPr marL="429768" indent="-322325" defTabSz="859536">
+              <a:buSzPts val="1600"/>
+              <a:buFont typeface="Arial"/>
+              <a:buChar char="•"/>
+              <a:defRPr sz="1692"/>
+            </a:pPr>
+            <a:r>
+              <a:rPr lang="en-US" dirty="0"/>
+              <a:t>Process </a:t>
+            </a:r>
+            <a:r>
+              <a:rPr dirty="0"/>
+              <a:t>of reproducing the results</a:t>
+            </a:r>
+          </a:p>
+          <a:p>
+            <a:pPr marL="859536" lvl="1" indent="-298450" defTabSz="859536">
+              <a:buSzPts val="1300"/>
+              <a:buFont typeface="Arial"/>
+              <a:buChar char="•"/>
+              <a:defRPr sz="1316"/>
+            </a:pPr>
+            <a:r>
+              <a:rPr dirty="0"/>
+              <a:t>Flatten</a:t>
+            </a:r>
+            <a:r>
+              <a:rPr lang="en-US" dirty="0"/>
+              <a:t>ed</a:t>
+            </a:r>
+            <a:r>
+              <a:rPr dirty="0"/>
+              <a:t> the ICD-9 hierarchy to &lt;root, code&gt; (only 2 level)</a:t>
+            </a:r>
+          </a:p>
+          <a:p>
+            <a:pPr marL="859536" lvl="1" indent="-298450" defTabSz="859536">
+              <a:buSzPts val="1300"/>
+              <a:buFont typeface="Arial"/>
+              <a:buChar char="•"/>
+              <a:defRPr sz="1316"/>
+            </a:pPr>
+            <a:r>
+              <a:rPr dirty="0"/>
+              <a:t>The loss function </a:t>
+            </a:r>
+            <a:r>
+              <a:rPr lang="en-US" dirty="0"/>
+              <a:t>and other metrics </a:t>
+            </a:r>
+            <a:r>
+              <a:rPr dirty="0"/>
+              <a:t>g</a:t>
+            </a:r>
+            <a:r>
+              <a:rPr lang="en-US" dirty="0"/>
+              <a:t>ot </a:t>
+            </a:r>
+            <a:r>
+              <a:rPr dirty="0"/>
+              <a:t>worst</a:t>
+            </a:r>
+            <a:r>
+              <a:rPr lang="en-US" dirty="0"/>
+              <a:t>, compared to the original paper.</a:t>
+            </a:r>
+            <a:endParaRPr dirty="0"/>
+          </a:p>
+          <a:p>
+            <a:pPr marL="429768" indent="-322325" defTabSz="859536">
+              <a:buSzPts val="1600"/>
+              <a:buFont typeface="Arial"/>
+              <a:buChar char="•"/>
+              <a:defRPr sz="1692"/>
+            </a:pPr>
+            <a:r>
+              <a:rPr lang="en-US" dirty="0"/>
+              <a:t>C</a:t>
+            </a:r>
+            <a:r>
+              <a:rPr dirty="0"/>
+              <a:t>hallenges encountered during the reproduction attempts</a:t>
+            </a:r>
+          </a:p>
+          <a:p>
+            <a:pPr marL="859536" lvl="1" indent="-298450" defTabSz="859536">
+              <a:buSzPts val="1300"/>
+              <a:buFont typeface="Arial"/>
+              <a:buChar char="•"/>
+              <a:defRPr sz="1316"/>
+            </a:pPr>
+            <a:r>
+              <a:rPr dirty="0"/>
+              <a:t>Hardware limitations </a:t>
+            </a:r>
+            <a:r>
+              <a:rPr lang="en-US" dirty="0"/>
+              <a:t>e.g.</a:t>
+            </a:r>
+            <a:r>
+              <a:rPr dirty="0"/>
+              <a:t> GPU/CPU/RAM inadequate to run the entire dataset.</a:t>
+            </a:r>
+          </a:p>
+        </p:txBody>
+      </p:sp>
+    </p:spTree>
+  </p:cSld>
+  <p:clrMapOvr>
+    <a:masterClrMapping/>
+  </p:clrMapOvr>
+  <p:transition spd="med"/>
+</p:sld>
+</file>
+
+<file path=ppt/slides/slide9.xml><?xml version="1.0" encoding="utf-8"?>
+<p:sld xmlns:a="http://schemas.openxmlformats.org/drawingml/2006/main" xmlns:r="http://schemas.openxmlformats.org/officeDocument/2006/relationships" xmlns:p="http://schemas.openxmlformats.org/presentationml/2006/main">
+  <p:cSld>
+    <p:spTree>
+      <p:nvGrpSpPr>
+        <p:cNvPr id="1" name=""/>
+        <p:cNvGrpSpPr/>
+        <p:nvPr/>
+      </p:nvGrpSpPr>
+      <p:grpSpPr>
+        <a:xfrm>
+          <a:off x="0" y="0"/>
+          <a:ext cx="0" cy="0"/>
+          <a:chOff x="0" y="0"/>
+          <a:chExt cx="0" cy="0"/>
+        </a:xfrm>
+      </p:grpSpPr>
+      <p:sp>
+        <p:nvSpPr>
+          <p:cNvPr id="142" name="Google Shape;96;p19"/>
+          <p:cNvSpPr txBox="1">
+            <a:spLocks noGrp="1"/>
+          </p:cNvSpPr>
+          <p:nvPr>
+            <p:ph type="title"/>
+          </p:nvPr>
+        </p:nvSpPr>
+        <p:spPr>
+          <a:xfrm>
+            <a:off x="311699" y="445025"/>
+            <a:ext cx="8520602" cy="572701"/>
+          </a:xfrm>
+          <a:prstGeom prst="rect">
+            <a:avLst/>
+          </a:prstGeom>
+        </p:spPr>
+        <p:txBody>
+          <a:bodyPr/>
+          <a:lstStyle>
+            <a:lvl1pPr indent="114300">
+              <a:defRPr sz="2500"/>
+            </a:lvl1pPr>
+          </a:lstStyle>
+          <a:p>
+            <a:r>
+              <a:rPr dirty="0"/>
+              <a:t>Ablation</a:t>
+            </a:r>
+            <a:r>
+              <a:rPr lang="en-US" dirty="0"/>
+              <a:t> </a:t>
+            </a:r>
+            <a:r>
+              <a:rPr dirty="0"/>
+              <a:t>/</a:t>
+            </a:r>
+            <a:r>
+              <a:rPr lang="en-US" dirty="0"/>
+              <a:t> </a:t>
+            </a:r>
+            <a:r>
+              <a:rPr dirty="0"/>
+              <a:t>Code Modification - 1</a:t>
             </a:r>
           </a:p>
         </p:txBody>
@@ -4983,7 +5564,9 @@
       <p:sp>
         <p:nvSpPr>
           <p:cNvPr id="143" name="Google Shape;97;p19"/>
-          <p:cNvSpPr txBox="1"/>
+          <p:cNvSpPr txBox="1">
+            <a:spLocks noGrp="1"/>
+          </p:cNvSpPr>
           <p:nvPr>
             <p:ph type="body" idx="1"/>
           </p:nvPr>
@@ -5006,7 +5589,6 @@
             </a:lvl1pPr>
           </a:lstStyle>
           <a:p>
-            <a:pPr/>
             <a:r>
               <a:t>The following code has been modified to flatten the ICD-9 code:</a:t>
             </a:r>
@@ -5036,10 +5618,8 @@
             <p:nvPr/>
           </p:nvPicPr>
           <p:blipFill>
-            <a:blip r:embed="rId2">
-              <a:extLst/>
-            </a:blip>
-            <a:srcRect l="11517" t="0" r="11517" b="0"/>
+            <a:blip r:embed="rId2"/>
+            <a:srcRect l="11517" r="11517"/>
             <a:stretch>
               <a:fillRect/>
             </a:stretch>
@@ -5081,7 +5661,7 @@
             <a:effectLst/>
             <a:extLst>
               <a:ext uri="{C572A759-6A51-4108-AA02-DFA0A04FC94B}">
-                <ma14:wrappingTextBoxFlag xmlns:ma14="http://schemas.microsoft.com/office/mac/drawingml/2011/main" val="1"/>
+                <ma14:wrappingTextBoxFlag xmlns:ma14="http://schemas.microsoft.com/office/mac/drawingml/2011/main" xmlns:a14="http://schemas.microsoft.com/office/drawing/2010/main" xmlns:m="http://schemas.openxmlformats.org/officeDocument/2006/math" xmlns="" val="1"/>
               </a:ext>
             </a:extLst>
           </p:spPr>
@@ -5091,7 +5671,6 @@
             </a:bodyPr>
             <a:lstStyle/>
             <a:p>
-              <a:pPr/>
               <a:r>
                 <a:t>source code - main.py</a:t>
               </a:r>
@@ -5108,10 +5687,8 @@
           <p:nvPr/>
         </p:nvPicPr>
         <p:blipFill>
-          <a:blip r:embed="rId3">
-            <a:extLst/>
-          </a:blip>
-          <a:srcRect l="1364" t="0" r="1364" b="0"/>
+          <a:blip r:embed="rId3"/>
+          <a:srcRect l="1364" r="1364"/>
           <a:stretch>
             <a:fillRect/>
           </a:stretch>
@@ -5134,12 +5711,12 @@
   <p:clrMapOvr>
     <a:masterClrMapping/>
   </p:clrMapOvr>
-  <p:transition xmlns:p14="http://schemas.microsoft.com/office/powerpoint/2010/main" spd="med" advClick="1"/>
+  <p:transition spd="med"/>
 </p:sld>
 </file>
 
 <file path=ppt/theme/theme1.xml><?xml version="1.0" encoding="utf-8"?>
-<a:theme xmlns:a="http://schemas.openxmlformats.org/drawingml/2006/main" xmlns:r="http://schemas.openxmlformats.org/officeDocument/2006/relationships" name="Spearmint">
+<a:theme xmlns:a="http://schemas.openxmlformats.org/drawingml/2006/main" name="Spearmint">
   <a:themeElements>
     <a:clrScheme name="Spearmint">
       <a:dk1>
@@ -5265,7 +5842,7 @@
       <a:effectStyleLst>
         <a:effectStyle>
           <a:effectLst>
-            <a:outerShdw sx="100000" sy="100000" kx="0" ky="0" algn="b" rotWithShape="0" blurRad="38100" dist="23000" dir="5400000">
+            <a:outerShdw blurRad="38100" dist="23000" dir="5400000" rotWithShape="0">
               <a:srgbClr val="000000">
                 <a:alpha val="35000"/>
               </a:srgbClr>
@@ -5274,7 +5851,7 @@
         </a:effectStyle>
         <a:effectStyle>
           <a:effectLst>
-            <a:outerShdw sx="100000" sy="100000" kx="0" ky="0" algn="b" rotWithShape="0" blurRad="38100" dist="23000" dir="5400000">
+            <a:outerShdw blurRad="38100" dist="23000" dir="5400000" rotWithShape="0">
               <a:srgbClr val="000000">
                 <a:alpha val="35000"/>
               </a:srgbClr>
@@ -5283,7 +5860,7 @@
         </a:effectStyle>
         <a:effectStyle>
           <a:effectLst>
-            <a:outerShdw sx="100000" sy="100000" kx="0" ky="0" algn="b" rotWithShape="0" blurRad="38100" dist="20000" dir="5400000">
+            <a:outerShdw blurRad="38100" dist="20000" dir="5400000" rotWithShape="0">
               <a:srgbClr val="000000">
                 <a:alpha val="38000"/>
               </a:srgbClr>
@@ -5357,7 +5934,7 @@
           <a:round/>
         </a:ln>
         <a:effectLst>
-          <a:outerShdw sx="100000" sy="100000" kx="0" ky="0" algn="b" rotWithShape="0" blurRad="38100" dist="23000" dir="5400000">
+          <a:outerShdw blurRad="38100" dist="23000" dir="5400000" rotWithShape="0">
             <a:srgbClr val="000000">
               <a:alpha val="35000"/>
             </a:srgbClr>
@@ -5365,7 +5942,7 @@
         </a:effectLst>
         <a:sp3d/>
       </a:spPr>
-      <a:bodyPr rot="0" spcFirstLastPara="1" vertOverflow="overflow" horzOverflow="overflow" vert="horz" wrap="square" lIns="45719" tIns="45719" rIns="45719" bIns="45719" numCol="1" spcCol="38100" rtlCol="0" anchor="ctr" upright="0">
+      <a:bodyPr rot="0" spcFirstLastPara="1" vertOverflow="overflow" horzOverflow="overflow" vert="horz" wrap="square" lIns="45719" tIns="45719" rIns="45719" bIns="45719" numCol="1" spcCol="38100" rtlCol="0" anchor="ctr">
         <a:spAutoFit/>
       </a:bodyPr>
       <a:lstStyle>
@@ -5384,7 +5961,7 @@
           <a:buFontTx/>
           <a:buNone/>
           <a:tabLst/>
-          <a:defRPr b="0" baseline="0" cap="none" i="0" spc="0" strike="noStrike" sz="1400" u="none" kumimoji="0" normalizeH="0">
+          <a:defRPr kumimoji="0" sz="1400" b="0" i="0" u="none" strike="noStrike" cap="none" spc="0" normalizeH="0" baseline="0">
             <a:ln>
               <a:noFill/>
             </a:ln>
@@ -5414,7 +5991,7 @@
           <a:buFontTx/>
           <a:buNone/>
           <a:tabLst/>
-          <a:defRPr b="0" baseline="0" cap="none" i="0" spc="0" strike="noStrike" sz="1800" u="none" kumimoji="0" normalizeH="0">
+          <a:defRPr kumimoji="0" sz="1800" b="0" i="0" u="none" strike="noStrike" cap="none" spc="0" normalizeH="0" baseline="0">
             <a:ln>
               <a:noFill/>
             </a:ln>
@@ -5440,7 +6017,7 @@
           <a:buFontTx/>
           <a:buNone/>
           <a:tabLst/>
-          <a:defRPr b="0" baseline="0" cap="none" i="0" spc="0" strike="noStrike" sz="1800" u="none" kumimoji="0" normalizeH="0">
+          <a:defRPr kumimoji="0" sz="1800" b="0" i="0" u="none" strike="noStrike" cap="none" spc="0" normalizeH="0" baseline="0">
             <a:ln>
               <a:noFill/>
             </a:ln>
@@ -5466,7 +6043,7 @@
           <a:buFontTx/>
           <a:buNone/>
           <a:tabLst/>
-          <a:defRPr b="0" baseline="0" cap="none" i="0" spc="0" strike="noStrike" sz="1800" u="none" kumimoji="0" normalizeH="0">
+          <a:defRPr kumimoji="0" sz="1800" b="0" i="0" u="none" strike="noStrike" cap="none" spc="0" normalizeH="0" baseline="0">
             <a:ln>
               <a:noFill/>
             </a:ln>
@@ -5492,7 +6069,7 @@
           <a:buFontTx/>
           <a:buNone/>
           <a:tabLst/>
-          <a:defRPr b="0" baseline="0" cap="none" i="0" spc="0" strike="noStrike" sz="1800" u="none" kumimoji="0" normalizeH="0">
+          <a:defRPr kumimoji="0" sz="1800" b="0" i="0" u="none" strike="noStrike" cap="none" spc="0" normalizeH="0" baseline="0">
             <a:ln>
               <a:noFill/>
             </a:ln>
@@ -5518,7 +6095,7 @@
           <a:buFontTx/>
           <a:buNone/>
           <a:tabLst/>
-          <a:defRPr b="0" baseline="0" cap="none" i="0" spc="0" strike="noStrike" sz="1800" u="none" kumimoji="0" normalizeH="0">
+          <a:defRPr kumimoji="0" sz="1800" b="0" i="0" u="none" strike="noStrike" cap="none" spc="0" normalizeH="0" baseline="0">
             <a:ln>
               <a:noFill/>
             </a:ln>
@@ -5544,7 +6121,7 @@
           <a:buFontTx/>
           <a:buNone/>
           <a:tabLst/>
-          <a:defRPr b="0" baseline="0" cap="none" i="0" spc="0" strike="noStrike" sz="1800" u="none" kumimoji="0" normalizeH="0">
+          <a:defRPr kumimoji="0" sz="1800" b="0" i="0" u="none" strike="noStrike" cap="none" spc="0" normalizeH="0" baseline="0">
             <a:ln>
               <a:noFill/>
             </a:ln>
@@ -5570,7 +6147,7 @@
           <a:buFontTx/>
           <a:buNone/>
           <a:tabLst/>
-          <a:defRPr b="0" baseline="0" cap="none" i="0" spc="0" strike="noStrike" sz="1800" u="none" kumimoji="0" normalizeH="0">
+          <a:defRPr kumimoji="0" sz="1800" b="0" i="0" u="none" strike="noStrike" cap="none" spc="0" normalizeH="0" baseline="0">
             <a:ln>
               <a:noFill/>
             </a:ln>
@@ -5596,7 +6173,7 @@
           <a:buFontTx/>
           <a:buNone/>
           <a:tabLst/>
-          <a:defRPr b="0" baseline="0" cap="none" i="0" spc="0" strike="noStrike" sz="1800" u="none" kumimoji="0" normalizeH="0">
+          <a:defRPr kumimoji="0" sz="1800" b="0" i="0" u="none" strike="noStrike" cap="none" spc="0" normalizeH="0" baseline="0">
             <a:ln>
               <a:noFill/>
             </a:ln>
@@ -5622,7 +6199,7 @@
           <a:buFontTx/>
           <a:buNone/>
           <a:tabLst/>
-          <a:defRPr b="0" baseline="0" cap="none" i="0" spc="0" strike="noStrike" sz="1800" u="none" kumimoji="0" normalizeH="0">
+          <a:defRPr kumimoji="0" sz="1800" b="0" i="0" u="none" strike="noStrike" cap="none" spc="0" normalizeH="0" baseline="0">
             <a:ln>
               <a:noFill/>
             </a:ln>
@@ -5635,9 +6212,15 @@
         </a:lvl9pPr>
       </a:lstStyle>
       <a:style>
-        <a:lnRef idx="0"/>
-        <a:fillRef idx="0"/>
-        <a:effectRef idx="0"/>
+        <a:lnRef idx="0">
+          <a:scrgbClr r="0" g="0" b="0"/>
+        </a:lnRef>
+        <a:fillRef idx="0">
+          <a:scrgbClr r="0" g="0" b="0"/>
+        </a:fillRef>
+        <a:effectRef idx="0">
+          <a:scrgbClr r="0" g="0" b="0"/>
+        </a:effectRef>
         <a:fontRef idx="none"/>
       </a:style>
     </a:spDef>
@@ -5652,7 +6235,7 @@
           <a:round/>
         </a:ln>
         <a:effectLst>
-          <a:outerShdw sx="100000" sy="100000" kx="0" ky="0" algn="b" rotWithShape="0" blurRad="38100" dist="20000" dir="5400000">
+          <a:outerShdw blurRad="38100" dist="20000" dir="5400000" rotWithShape="0">
             <a:srgbClr val="000000">
               <a:alpha val="38000"/>
             </a:srgbClr>
@@ -5660,7 +6243,7 @@
         </a:effectLst>
         <a:sp3d/>
       </a:spPr>
-      <a:bodyPr rot="0" spcFirstLastPara="1" vertOverflow="overflow" horzOverflow="overflow" vert="horz" wrap="square" lIns="91439" tIns="45719" rIns="91439" bIns="45719" numCol="1" spcCol="38100" rtlCol="0" anchor="t" upright="0">
+      <a:bodyPr rot="0" spcFirstLastPara="1" vertOverflow="overflow" horzOverflow="overflow" vert="horz" wrap="square" lIns="91439" tIns="45719" rIns="91439" bIns="45719" numCol="1" spcCol="38100" rtlCol="0" anchor="t">
         <a:noAutofit/>
       </a:bodyPr>
       <a:lstStyle>
@@ -5679,7 +6262,7 @@
           <a:buFontTx/>
           <a:buNone/>
           <a:tabLst/>
-          <a:defRPr b="0" baseline="0" cap="none" i="0" spc="0" strike="noStrike" sz="1800" u="none" kumimoji="0" normalizeH="0">
+          <a:defRPr kumimoji="0" sz="1800" b="0" i="0" u="none" strike="noStrike" cap="none" spc="0" normalizeH="0" baseline="0">
             <a:ln>
               <a:noFill/>
             </a:ln>
@@ -5705,7 +6288,7 @@
           <a:buFontTx/>
           <a:buNone/>
           <a:tabLst/>
-          <a:defRPr b="0" baseline="0" cap="none" i="0" spc="0" strike="noStrike" sz="1800" u="none" kumimoji="0" normalizeH="0">
+          <a:defRPr kumimoji="0" sz="1800" b="0" i="0" u="none" strike="noStrike" cap="none" spc="0" normalizeH="0" baseline="0">
             <a:ln>
               <a:noFill/>
             </a:ln>
@@ -5731,7 +6314,7 @@
           <a:buFontTx/>
           <a:buNone/>
           <a:tabLst/>
-          <a:defRPr b="0" baseline="0" cap="none" i="0" spc="0" strike="noStrike" sz="1800" u="none" kumimoji="0" normalizeH="0">
+          <a:defRPr kumimoji="0" sz="1800" b="0" i="0" u="none" strike="noStrike" cap="none" spc="0" normalizeH="0" baseline="0">
             <a:ln>
               <a:noFill/>
             </a:ln>
@@ -5757,7 +6340,7 @@
           <a:buFontTx/>
           <a:buNone/>
           <a:tabLst/>
-          <a:defRPr b="0" baseline="0" cap="none" i="0" spc="0" strike="noStrike" sz="1800" u="none" kumimoji="0" normalizeH="0">
+          <a:defRPr kumimoji="0" sz="1800" b="0" i="0" u="none" strike="noStrike" cap="none" spc="0" normalizeH="0" baseline="0">
             <a:ln>
               <a:noFill/>
             </a:ln>
@@ -5783,7 +6366,7 @@
           <a:buFontTx/>
           <a:buNone/>
           <a:tabLst/>
-          <a:defRPr b="0" baseline="0" cap="none" i="0" spc="0" strike="noStrike" sz="1800" u="none" kumimoji="0" normalizeH="0">
+          <a:defRPr kumimoji="0" sz="1800" b="0" i="0" u="none" strike="noStrike" cap="none" spc="0" normalizeH="0" baseline="0">
             <a:ln>
               <a:noFill/>
             </a:ln>
@@ -5809,7 +6392,7 @@
           <a:buFontTx/>
           <a:buNone/>
           <a:tabLst/>
-          <a:defRPr b="0" baseline="0" cap="none" i="0" spc="0" strike="noStrike" sz="1800" u="none" kumimoji="0" normalizeH="0">
+          <a:defRPr kumimoji="0" sz="1800" b="0" i="0" u="none" strike="noStrike" cap="none" spc="0" normalizeH="0" baseline="0">
             <a:ln>
               <a:noFill/>
             </a:ln>
@@ -5835,7 +6418,7 @@
           <a:buFontTx/>
           <a:buNone/>
           <a:tabLst/>
-          <a:defRPr b="0" baseline="0" cap="none" i="0" spc="0" strike="noStrike" sz="1800" u="none" kumimoji="0" normalizeH="0">
+          <a:defRPr kumimoji="0" sz="1800" b="0" i="0" u="none" strike="noStrike" cap="none" spc="0" normalizeH="0" baseline="0">
             <a:ln>
               <a:noFill/>
             </a:ln>
@@ -5861,7 +6444,7 @@
           <a:buFontTx/>
           <a:buNone/>
           <a:tabLst/>
-          <a:defRPr b="0" baseline="0" cap="none" i="0" spc="0" strike="noStrike" sz="1800" u="none" kumimoji="0" normalizeH="0">
+          <a:defRPr kumimoji="0" sz="1800" b="0" i="0" u="none" strike="noStrike" cap="none" spc="0" normalizeH="0" baseline="0">
             <a:ln>
               <a:noFill/>
             </a:ln>
@@ -5887,7 +6470,7 @@
           <a:buFontTx/>
           <a:buNone/>
           <a:tabLst/>
-          <a:defRPr b="0" baseline="0" cap="none" i="0" spc="0" strike="noStrike" sz="1800" u="none" kumimoji="0" normalizeH="0">
+          <a:defRPr kumimoji="0" sz="1800" b="0" i="0" u="none" strike="noStrike" cap="none" spc="0" normalizeH="0" baseline="0">
             <a:ln>
               <a:noFill/>
             </a:ln>
@@ -5913,7 +6496,7 @@
           <a:buFontTx/>
           <a:buNone/>
           <a:tabLst/>
-          <a:defRPr b="0" baseline="0" cap="none" i="0" spc="0" strike="noStrike" sz="1800" u="none" kumimoji="0" normalizeH="0">
+          <a:defRPr kumimoji="0" sz="1800" b="0" i="0" u="none" strike="noStrike" cap="none" spc="0" normalizeH="0" baseline="0">
             <a:ln>
               <a:noFill/>
             </a:ln>
@@ -5926,9 +6509,15 @@
         </a:lvl9pPr>
       </a:lstStyle>
       <a:style>
-        <a:lnRef idx="0"/>
-        <a:fillRef idx="0"/>
-        <a:effectRef idx="0"/>
+        <a:lnRef idx="0">
+          <a:scrgbClr r="0" g="0" b="0"/>
+        </a:lnRef>
+        <a:fillRef idx="0">
+          <a:scrgbClr r="0" g="0" b="0"/>
+        </a:fillRef>
+        <a:effectRef idx="0">
+          <a:scrgbClr r="0" g="0" b="0"/>
+        </a:effectRef>
         <a:fontRef idx="none"/>
       </a:style>
     </a:lnDef>
@@ -5942,7 +6531,7 @@
         <a:effectLst/>
         <a:sp3d/>
       </a:spPr>
-      <a:bodyPr rot="0" spcFirstLastPara="1" vertOverflow="overflow" horzOverflow="overflow" vert="horz" wrap="square" lIns="45719" tIns="45719" rIns="45719" bIns="45719" numCol="1" spcCol="38100" rtlCol="0" anchor="t" upright="0">
+      <a:bodyPr rot="0" spcFirstLastPara="1" vertOverflow="overflow" horzOverflow="overflow" vert="horz" wrap="square" lIns="45719" tIns="45719" rIns="45719" bIns="45719" numCol="1" spcCol="38100" rtlCol="0" anchor="t">
         <a:spAutoFit/>
       </a:bodyPr>
       <a:lstStyle>
@@ -5961,7 +6550,7 @@
           <a:buFontTx/>
           <a:buNone/>
           <a:tabLst/>
-          <a:defRPr b="0" baseline="0" cap="none" i="0" spc="0" strike="noStrike" sz="1400" u="none" kumimoji="0" normalizeH="0">
+          <a:defRPr kumimoji="0" sz="1400" b="0" i="0" u="none" strike="noStrike" cap="none" spc="0" normalizeH="0" baseline="0">
             <a:ln>
               <a:noFill/>
             </a:ln>
@@ -5991,7 +6580,7 @@
           <a:buFontTx/>
           <a:buNone/>
           <a:tabLst/>
-          <a:defRPr b="0" baseline="0" cap="none" i="0" spc="0" strike="noStrike" sz="1800" u="none" kumimoji="0" normalizeH="0">
+          <a:defRPr kumimoji="0" sz="1800" b="0" i="0" u="none" strike="noStrike" cap="none" spc="0" normalizeH="0" baseline="0">
             <a:ln>
               <a:noFill/>
             </a:ln>
@@ -6017,7 +6606,7 @@
           <a:buFontTx/>
           <a:buNone/>
           <a:tabLst/>
-          <a:defRPr b="0" baseline="0" cap="none" i="0" spc="0" strike="noStrike" sz="1800" u="none" kumimoji="0" normalizeH="0">
+          <a:defRPr kumimoji="0" sz="1800" b="0" i="0" u="none" strike="noStrike" cap="none" spc="0" normalizeH="0" baseline="0">
             <a:ln>
               <a:noFill/>
             </a:ln>
@@ -6043,7 +6632,7 @@
           <a:buFontTx/>
           <a:buNone/>
           <a:tabLst/>
-          <a:defRPr b="0" baseline="0" cap="none" i="0" spc="0" strike="noStrike" sz="1800" u="none" kumimoji="0" normalizeH="0">
+          <a:defRPr kumimoji="0" sz="1800" b="0" i="0" u="none" strike="noStrike" cap="none" spc="0" normalizeH="0" baseline="0">
             <a:ln>
               <a:noFill/>
             </a:ln>
@@ -6069,7 +6658,7 @@
           <a:buFontTx/>
           <a:buNone/>
           <a:tabLst/>
-          <a:defRPr b="0" baseline="0" cap="none" i="0" spc="0" strike="noStrike" sz="1800" u="none" kumimoji="0" normalizeH="0">
+          <a:defRPr kumimoji="0" sz="1800" b="0" i="0" u="none" strike="noStrike" cap="none" spc="0" normalizeH="0" baseline="0">
             <a:ln>
               <a:noFill/>
             </a:ln>
@@ -6095,7 +6684,7 @@
           <a:buFontTx/>
           <a:buNone/>
           <a:tabLst/>
-          <a:defRPr b="0" baseline="0" cap="none" i="0" spc="0" strike="noStrike" sz="1800" u="none" kumimoji="0" normalizeH="0">
+          <a:defRPr kumimoji="0" sz="1800" b="0" i="0" u="none" strike="noStrike" cap="none" spc="0" normalizeH="0" baseline="0">
             <a:ln>
               <a:noFill/>
             </a:ln>
@@ -6121,7 +6710,7 @@
           <a:buFontTx/>
           <a:buNone/>
           <a:tabLst/>
-          <a:defRPr b="0" baseline="0" cap="none" i="0" spc="0" strike="noStrike" sz="1800" u="none" kumimoji="0" normalizeH="0">
+          <a:defRPr kumimoji="0" sz="1800" b="0" i="0" u="none" strike="noStrike" cap="none" spc="0" normalizeH="0" baseline="0">
             <a:ln>
               <a:noFill/>
             </a:ln>
@@ -6147,7 +6736,7 @@
           <a:buFontTx/>
           <a:buNone/>
           <a:tabLst/>
-          <a:defRPr b="0" baseline="0" cap="none" i="0" spc="0" strike="noStrike" sz="1800" u="none" kumimoji="0" normalizeH="0">
+          <a:defRPr kumimoji="0" sz="1800" b="0" i="0" u="none" strike="noStrike" cap="none" spc="0" normalizeH="0" baseline="0">
             <a:ln>
               <a:noFill/>
             </a:ln>
@@ -6173,7 +6762,7 @@
           <a:buFontTx/>
           <a:buNone/>
           <a:tabLst/>
-          <a:defRPr b="0" baseline="0" cap="none" i="0" spc="0" strike="noStrike" sz="1800" u="none" kumimoji="0" normalizeH="0">
+          <a:defRPr kumimoji="0" sz="1800" b="0" i="0" u="none" strike="noStrike" cap="none" spc="0" normalizeH="0" baseline="0">
             <a:ln>
               <a:noFill/>
             </a:ln>
@@ -6199,7 +6788,7 @@
           <a:buFontTx/>
           <a:buNone/>
           <a:tabLst/>
-          <a:defRPr b="0" baseline="0" cap="none" i="0" spc="0" strike="noStrike" sz="1800" u="none" kumimoji="0" normalizeH="0">
+          <a:defRPr kumimoji="0" sz="1800" b="0" i="0" u="none" strike="noStrike" cap="none" spc="0" normalizeH="0" baseline="0">
             <a:ln>
               <a:noFill/>
             </a:ln>
@@ -6212,18 +6801,25 @@
         </a:lvl9pPr>
       </a:lstStyle>
       <a:style>
-        <a:lnRef idx="0"/>
-        <a:fillRef idx="0"/>
-        <a:effectRef idx="0"/>
+        <a:lnRef idx="0">
+          <a:scrgbClr r="0" g="0" b="0"/>
+        </a:lnRef>
+        <a:fillRef idx="0">
+          <a:scrgbClr r="0" g="0" b="0"/>
+        </a:fillRef>
+        <a:effectRef idx="0">
+          <a:scrgbClr r="0" g="0" b="0"/>
+        </a:effectRef>
         <a:fontRef idx="none"/>
       </a:style>
     </a:txDef>
   </a:objectDefaults>
+  <a:extraClrSchemeLst/>
 </a:theme>
 </file>
 
 <file path=ppt/theme/theme2.xml><?xml version="1.0" encoding="utf-8"?>
-<a:theme xmlns:a="http://schemas.openxmlformats.org/drawingml/2006/main" xmlns:r="http://schemas.openxmlformats.org/officeDocument/2006/relationships" name="Spearmint">
+<a:theme xmlns:a="http://schemas.openxmlformats.org/drawingml/2006/main" name="Spearmint">
   <a:themeElements>
     <a:clrScheme name="Spearmint">
       <a:dk1>
@@ -6349,7 +6945,7 @@
       <a:effectStyleLst>
         <a:effectStyle>
           <a:effectLst>
-            <a:outerShdw sx="100000" sy="100000" kx="0" ky="0" algn="b" rotWithShape="0" blurRad="38100" dist="23000" dir="5400000">
+            <a:outerShdw blurRad="38100" dist="23000" dir="5400000" rotWithShape="0">
               <a:srgbClr val="000000">
                 <a:alpha val="35000"/>
               </a:srgbClr>
@@ -6358,7 +6954,7 @@
         </a:effectStyle>
         <a:effectStyle>
           <a:effectLst>
-            <a:outerShdw sx="100000" sy="100000" kx="0" ky="0" algn="b" rotWithShape="0" blurRad="38100" dist="23000" dir="5400000">
+            <a:outerShdw blurRad="38100" dist="23000" dir="5400000" rotWithShape="0">
               <a:srgbClr val="000000">
                 <a:alpha val="35000"/>
               </a:srgbClr>
@@ -6367,7 +6963,7 @@
         </a:effectStyle>
         <a:effectStyle>
           <a:effectLst>
-            <a:outerShdw sx="100000" sy="100000" kx="0" ky="0" algn="b" rotWithShape="0" blurRad="38100" dist="20000" dir="5400000">
+            <a:outerShdw blurRad="38100" dist="20000" dir="5400000" rotWithShape="0">
               <a:srgbClr val="000000">
                 <a:alpha val="38000"/>
               </a:srgbClr>
@@ -6441,7 +7037,7 @@
           <a:round/>
         </a:ln>
         <a:effectLst>
-          <a:outerShdw sx="100000" sy="100000" kx="0" ky="0" algn="b" rotWithShape="0" blurRad="38100" dist="23000" dir="5400000">
+          <a:outerShdw blurRad="38100" dist="23000" dir="5400000" rotWithShape="0">
             <a:srgbClr val="000000">
               <a:alpha val="35000"/>
             </a:srgbClr>
@@ -6449,7 +7045,7 @@
         </a:effectLst>
         <a:sp3d/>
       </a:spPr>
-      <a:bodyPr rot="0" spcFirstLastPara="1" vertOverflow="overflow" horzOverflow="overflow" vert="horz" wrap="square" lIns="45719" tIns="45719" rIns="45719" bIns="45719" numCol="1" spcCol="38100" rtlCol="0" anchor="ctr" upright="0">
+      <a:bodyPr rot="0" spcFirstLastPara="1" vertOverflow="overflow" horzOverflow="overflow" vert="horz" wrap="square" lIns="45719" tIns="45719" rIns="45719" bIns="45719" numCol="1" spcCol="38100" rtlCol="0" anchor="ctr">
         <a:spAutoFit/>
       </a:bodyPr>
       <a:lstStyle>
@@ -6468,7 +7064,7 @@
           <a:buFontTx/>
           <a:buNone/>
           <a:tabLst/>
-          <a:defRPr b="0" baseline="0" cap="none" i="0" spc="0" strike="noStrike" sz="1400" u="none" kumimoji="0" normalizeH="0">
+          <a:defRPr kumimoji="0" sz="1400" b="0" i="0" u="none" strike="noStrike" cap="none" spc="0" normalizeH="0" baseline="0">
             <a:ln>
               <a:noFill/>
             </a:ln>
@@ -6498,7 +7094,7 @@
           <a:buFontTx/>
           <a:buNone/>
           <a:tabLst/>
-          <a:defRPr b="0" baseline="0" cap="none" i="0" spc="0" strike="noStrike" sz="1800" u="none" kumimoji="0" normalizeH="0">
+          <a:defRPr kumimoji="0" sz="1800" b="0" i="0" u="none" strike="noStrike" cap="none" spc="0" normalizeH="0" baseline="0">
             <a:ln>
               <a:noFill/>
             </a:ln>
@@ -6524,7 +7120,7 @@
           <a:buFontTx/>
           <a:buNone/>
           <a:tabLst/>
-          <a:defRPr b="0" baseline="0" cap="none" i="0" spc="0" strike="noStrike" sz="1800" u="none" kumimoji="0" normalizeH="0">
+          <a:defRPr kumimoji="0" sz="1800" b="0" i="0" u="none" strike="noStrike" cap="none" spc="0" normalizeH="0" baseline="0">
             <a:ln>
               <a:noFill/>
             </a:ln>
@@ -6550,7 +7146,7 @@
           <a:buFontTx/>
           <a:buNone/>
           <a:tabLst/>
-          <a:defRPr b="0" baseline="0" cap="none" i="0" spc="0" strike="noStrike" sz="1800" u="none" kumimoji="0" normalizeH="0">
+          <a:defRPr kumimoji="0" sz="1800" b="0" i="0" u="none" strike="noStrike" cap="none" spc="0" normalizeH="0" baseline="0">
             <a:ln>
               <a:noFill/>
             </a:ln>
@@ -6576,7 +7172,7 @@
           <a:buFontTx/>
           <a:buNone/>
           <a:tabLst/>
-          <a:defRPr b="0" baseline="0" cap="none" i="0" spc="0" strike="noStrike" sz="1800" u="none" kumimoji="0" normalizeH="0">
+          <a:defRPr kumimoji="0" sz="1800" b="0" i="0" u="none" strike="noStrike" cap="none" spc="0" normalizeH="0" baseline="0">
             <a:ln>
               <a:noFill/>
             </a:ln>
@@ -6602,7 +7198,7 @@
           <a:buFontTx/>
           <a:buNone/>
           <a:tabLst/>
-          <a:defRPr b="0" baseline="0" cap="none" i="0" spc="0" strike="noStrike" sz="1800" u="none" kumimoji="0" normalizeH="0">
+          <a:defRPr kumimoji="0" sz="1800" b="0" i="0" u="none" strike="noStrike" cap="none" spc="0" normalizeH="0" baseline="0">
             <a:ln>
               <a:noFill/>
             </a:ln>
@@ -6628,7 +7224,7 @@
           <a:buFontTx/>
           <a:buNone/>
           <a:tabLst/>
-          <a:defRPr b="0" baseline="0" cap="none" i="0" spc="0" strike="noStrike" sz="1800" u="none" kumimoji="0" normalizeH="0">
+          <a:defRPr kumimoji="0" sz="1800" b="0" i="0" u="none" strike="noStrike" cap="none" spc="0" normalizeH="0" baseline="0">
             <a:ln>
               <a:noFill/>
             </a:ln>
@@ -6654,7 +7250,7 @@
           <a:buFontTx/>
           <a:buNone/>
           <a:tabLst/>
-          <a:defRPr b="0" baseline="0" cap="none" i="0" spc="0" strike="noStrike" sz="1800" u="none" kumimoji="0" normalizeH="0">
+          <a:defRPr kumimoji="0" sz="1800" b="0" i="0" u="none" strike="noStrike" cap="none" spc="0" normalizeH="0" baseline="0">
             <a:ln>
               <a:noFill/>
             </a:ln>
@@ -6680,7 +7276,7 @@
           <a:buFontTx/>
           <a:buNone/>
           <a:tabLst/>
-          <a:defRPr b="0" baseline="0" cap="none" i="0" spc="0" strike="noStrike" sz="1800" u="none" kumimoji="0" normalizeH="0">
+          <a:defRPr kumimoji="0" sz="1800" b="0" i="0" u="none" strike="noStrike" cap="none" spc="0" normalizeH="0" baseline="0">
             <a:ln>
               <a:noFill/>
             </a:ln>
@@ -6706,7 +7302,7 @@
           <a:buFontTx/>
           <a:buNone/>
           <a:tabLst/>
-          <a:defRPr b="0" baseline="0" cap="none" i="0" spc="0" strike="noStrike" sz="1800" u="none" kumimoji="0" normalizeH="0">
+          <a:defRPr kumimoji="0" sz="1800" b="0" i="0" u="none" strike="noStrike" cap="none" spc="0" normalizeH="0" baseline="0">
             <a:ln>
               <a:noFill/>
             </a:ln>
@@ -6719,9 +7315,15 @@
         </a:lvl9pPr>
       </a:lstStyle>
       <a:style>
-        <a:lnRef idx="0"/>
-        <a:fillRef idx="0"/>
-        <a:effectRef idx="0"/>
+        <a:lnRef idx="0">
+          <a:scrgbClr r="0" g="0" b="0"/>
+        </a:lnRef>
+        <a:fillRef idx="0">
+          <a:scrgbClr r="0" g="0" b="0"/>
+        </a:fillRef>
+        <a:effectRef idx="0">
+          <a:scrgbClr r="0" g="0" b="0"/>
+        </a:effectRef>
         <a:fontRef idx="none"/>
       </a:style>
     </a:spDef>
@@ -6736,7 +7338,7 @@
           <a:round/>
         </a:ln>
         <a:effectLst>
-          <a:outerShdw sx="100000" sy="100000" kx="0" ky="0" algn="b" rotWithShape="0" blurRad="38100" dist="20000" dir="5400000">
+          <a:outerShdw blurRad="38100" dist="20000" dir="5400000" rotWithShape="0">
             <a:srgbClr val="000000">
               <a:alpha val="38000"/>
             </a:srgbClr>
@@ -6744,7 +7346,7 @@
         </a:effectLst>
         <a:sp3d/>
       </a:spPr>
-      <a:bodyPr rot="0" spcFirstLastPara="1" vertOverflow="overflow" horzOverflow="overflow" vert="horz" wrap="square" lIns="91439" tIns="45719" rIns="91439" bIns="45719" numCol="1" spcCol="38100" rtlCol="0" anchor="t" upright="0">
+      <a:bodyPr rot="0" spcFirstLastPara="1" vertOverflow="overflow" horzOverflow="overflow" vert="horz" wrap="square" lIns="91439" tIns="45719" rIns="91439" bIns="45719" numCol="1" spcCol="38100" rtlCol="0" anchor="t">
         <a:noAutofit/>
       </a:bodyPr>
       <a:lstStyle>
@@ -6763,7 +7365,7 @@
           <a:buFontTx/>
           <a:buNone/>
           <a:tabLst/>
-          <a:defRPr b="0" baseline="0" cap="none" i="0" spc="0" strike="noStrike" sz="1800" u="none" kumimoji="0" normalizeH="0">
+          <a:defRPr kumimoji="0" sz="1800" b="0" i="0" u="none" strike="noStrike" cap="none" spc="0" normalizeH="0" baseline="0">
             <a:ln>
               <a:noFill/>
             </a:ln>
@@ -6789,7 +7391,7 @@
           <a:buFontTx/>
           <a:buNone/>
           <a:tabLst/>
-          <a:defRPr b="0" baseline="0" cap="none" i="0" spc="0" strike="noStrike" sz="1800" u="none" kumimoji="0" normalizeH="0">
+          <a:defRPr kumimoji="0" sz="1800" b="0" i="0" u="none" strike="noStrike" cap="none" spc="0" normalizeH="0" baseline="0">
             <a:ln>
               <a:noFill/>
             </a:ln>
@@ -6815,7 +7417,7 @@
           <a:buFontTx/>
           <a:buNone/>
           <a:tabLst/>
-          <a:defRPr b="0" baseline="0" cap="none" i="0" spc="0" strike="noStrike" sz="1800" u="none" kumimoji="0" normalizeH="0">
+          <a:defRPr kumimoji="0" sz="1800" b="0" i="0" u="none" strike="noStrike" cap="none" spc="0" normalizeH="0" baseline="0">
             <a:ln>
               <a:noFill/>
             </a:ln>
@@ -6841,7 +7443,7 @@
           <a:buFontTx/>
           <a:buNone/>
           <a:tabLst/>
-          <a:defRPr b="0" baseline="0" cap="none" i="0" spc="0" strike="noStrike" sz="1800" u="none" kumimoji="0" normalizeH="0">
+          <a:defRPr kumimoji="0" sz="1800" b="0" i="0" u="none" strike="noStrike" cap="none" spc="0" normalizeH="0" baseline="0">
             <a:ln>
               <a:noFill/>
             </a:ln>
@@ -6867,7 +7469,7 @@
           <a:buFontTx/>
           <a:buNone/>
           <a:tabLst/>
-          <a:defRPr b="0" baseline="0" cap="none" i="0" spc="0" strike="noStrike" sz="1800" u="none" kumimoji="0" normalizeH="0">
+          <a:defRPr kumimoji="0" sz="1800" b="0" i="0" u="none" strike="noStrike" cap="none" spc="0" normalizeH="0" baseline="0">
             <a:ln>
               <a:noFill/>
             </a:ln>
@@ -6893,7 +7495,7 @@
           <a:buFontTx/>
           <a:buNone/>
           <a:tabLst/>
-          <a:defRPr b="0" baseline="0" cap="none" i="0" spc="0" strike="noStrike" sz="1800" u="none" kumimoji="0" normalizeH="0">
+          <a:defRPr kumimoji="0" sz="1800" b="0" i="0" u="none" strike="noStrike" cap="none" spc="0" normalizeH="0" baseline="0">
             <a:ln>
               <a:noFill/>
             </a:ln>
@@ -6919,7 +7521,7 @@
           <a:buFontTx/>
           <a:buNone/>
           <a:tabLst/>
-          <a:defRPr b="0" baseline="0" cap="none" i="0" spc="0" strike="noStrike" sz="1800" u="none" kumimoji="0" normalizeH="0">
+          <a:defRPr kumimoji="0" sz="1800" b="0" i="0" u="none" strike="noStrike" cap="none" spc="0" normalizeH="0" baseline="0">
             <a:ln>
               <a:noFill/>
             </a:ln>
@@ -6945,7 +7547,7 @@
           <a:buFontTx/>
           <a:buNone/>
           <a:tabLst/>
-          <a:defRPr b="0" baseline="0" cap="none" i="0" spc="0" strike="noStrike" sz="1800" u="none" kumimoji="0" normalizeH="0">
+          <a:defRPr kumimoji="0" sz="1800" b="0" i="0" u="none" strike="noStrike" cap="none" spc="0" normalizeH="0" baseline="0">
             <a:ln>
               <a:noFill/>
             </a:ln>
@@ -6971,7 +7573,7 @@
           <a:buFontTx/>
           <a:buNone/>
           <a:tabLst/>
-          <a:defRPr b="0" baseline="0" cap="none" i="0" spc="0" strike="noStrike" sz="1800" u="none" kumimoji="0" normalizeH="0">
+          <a:defRPr kumimoji="0" sz="1800" b="0" i="0" u="none" strike="noStrike" cap="none" spc="0" normalizeH="0" baseline="0">
             <a:ln>
               <a:noFill/>
             </a:ln>
@@ -6997,7 +7599,7 @@
           <a:buFontTx/>
           <a:buNone/>
           <a:tabLst/>
-          <a:defRPr b="0" baseline="0" cap="none" i="0" spc="0" strike="noStrike" sz="1800" u="none" kumimoji="0" normalizeH="0">
+          <a:defRPr kumimoji="0" sz="1800" b="0" i="0" u="none" strike="noStrike" cap="none" spc="0" normalizeH="0" baseline="0">
             <a:ln>
               <a:noFill/>
             </a:ln>
@@ -7010,9 +7612,15 @@
         </a:lvl9pPr>
       </a:lstStyle>
       <a:style>
-        <a:lnRef idx="0"/>
-        <a:fillRef idx="0"/>
-        <a:effectRef idx="0"/>
+        <a:lnRef idx="0">
+          <a:scrgbClr r="0" g="0" b="0"/>
+        </a:lnRef>
+        <a:fillRef idx="0">
+          <a:scrgbClr r="0" g="0" b="0"/>
+        </a:fillRef>
+        <a:effectRef idx="0">
+          <a:scrgbClr r="0" g="0" b="0"/>
+        </a:effectRef>
         <a:fontRef idx="none"/>
       </a:style>
     </a:lnDef>
@@ -7026,7 +7634,7 @@
         <a:effectLst/>
         <a:sp3d/>
       </a:spPr>
-      <a:bodyPr rot="0" spcFirstLastPara="1" vertOverflow="overflow" horzOverflow="overflow" vert="horz" wrap="square" lIns="45719" tIns="45719" rIns="45719" bIns="45719" numCol="1" spcCol="38100" rtlCol="0" anchor="t" upright="0">
+      <a:bodyPr rot="0" spcFirstLastPara="1" vertOverflow="overflow" horzOverflow="overflow" vert="horz" wrap="square" lIns="45719" tIns="45719" rIns="45719" bIns="45719" numCol="1" spcCol="38100" rtlCol="0" anchor="t">
         <a:spAutoFit/>
       </a:bodyPr>
       <a:lstStyle>
@@ -7045,7 +7653,7 @@
           <a:buFontTx/>
           <a:buNone/>
           <a:tabLst/>
-          <a:defRPr b="0" baseline="0" cap="none" i="0" spc="0" strike="noStrike" sz="1400" u="none" kumimoji="0" normalizeH="0">
+          <a:defRPr kumimoji="0" sz="1400" b="0" i="0" u="none" strike="noStrike" cap="none" spc="0" normalizeH="0" baseline="0">
             <a:ln>
               <a:noFill/>
             </a:ln>
@@ -7075,7 +7683,7 @@
           <a:buFontTx/>
           <a:buNone/>
           <a:tabLst/>
-          <a:defRPr b="0" baseline="0" cap="none" i="0" spc="0" strike="noStrike" sz="1800" u="none" kumimoji="0" normalizeH="0">
+          <a:defRPr kumimoji="0" sz="1800" b="0" i="0" u="none" strike="noStrike" cap="none" spc="0" normalizeH="0" baseline="0">
             <a:ln>
               <a:noFill/>
             </a:ln>
@@ -7101,7 +7709,7 @@
           <a:buFontTx/>
           <a:buNone/>
           <a:tabLst/>
-          <a:defRPr b="0" baseline="0" cap="none" i="0" spc="0" strike="noStrike" sz="1800" u="none" kumimoji="0" normalizeH="0">
+          <a:defRPr kumimoji="0" sz="1800" b="0" i="0" u="none" strike="noStrike" cap="none" spc="0" normalizeH="0" baseline="0">
             <a:ln>
               <a:noFill/>
             </a:ln>
@@ -7127,7 +7735,7 @@
           <a:buFontTx/>
           <a:buNone/>
           <a:tabLst/>
-          <a:defRPr b="0" baseline="0" cap="none" i="0" spc="0" strike="noStrike" sz="1800" u="none" kumimoji="0" normalizeH="0">
+          <a:defRPr kumimoji="0" sz="1800" b="0" i="0" u="none" strike="noStrike" cap="none" spc="0" normalizeH="0" baseline="0">
             <a:ln>
               <a:noFill/>
             </a:ln>
@@ -7153,7 +7761,7 @@
           <a:buFontTx/>
           <a:buNone/>
           <a:tabLst/>
-          <a:defRPr b="0" baseline="0" cap="none" i="0" spc="0" strike="noStrike" sz="1800" u="none" kumimoji="0" normalizeH="0">
+          <a:defRPr kumimoji="0" sz="1800" b="0" i="0" u="none" strike="noStrike" cap="none" spc="0" normalizeH="0" baseline="0">
             <a:ln>
               <a:noFill/>
             </a:ln>
@@ -7179,7 +7787,7 @@
           <a:buFontTx/>
           <a:buNone/>
           <a:tabLst/>
-          <a:defRPr b="0" baseline="0" cap="none" i="0" spc="0" strike="noStrike" sz="1800" u="none" kumimoji="0" normalizeH="0">
+          <a:defRPr kumimoji="0" sz="1800" b="0" i="0" u="none" strike="noStrike" cap="none" spc="0" normalizeH="0" baseline="0">
             <a:ln>
               <a:noFill/>
             </a:ln>
@@ -7205,7 +7813,7 @@
           <a:buFontTx/>
           <a:buNone/>
           <a:tabLst/>
-          <a:defRPr b="0" baseline="0" cap="none" i="0" spc="0" strike="noStrike" sz="1800" u="none" kumimoji="0" normalizeH="0">
+          <a:defRPr kumimoji="0" sz="1800" b="0" i="0" u="none" strike="noStrike" cap="none" spc="0" normalizeH="0" baseline="0">
             <a:ln>
               <a:noFill/>
             </a:ln>
@@ -7231,7 +7839,7 @@
           <a:buFontTx/>
           <a:buNone/>
           <a:tabLst/>
-          <a:defRPr b="0" baseline="0" cap="none" i="0" spc="0" strike="noStrike" sz="1800" u="none" kumimoji="0" normalizeH="0">
+          <a:defRPr kumimoji="0" sz="1800" b="0" i="0" u="none" strike="noStrike" cap="none" spc="0" normalizeH="0" baseline="0">
             <a:ln>
               <a:noFill/>
             </a:ln>
@@ -7257,7 +7865,7 @@
           <a:buFontTx/>
           <a:buNone/>
           <a:tabLst/>
-          <a:defRPr b="0" baseline="0" cap="none" i="0" spc="0" strike="noStrike" sz="1800" u="none" kumimoji="0" normalizeH="0">
+          <a:defRPr kumimoji="0" sz="1800" b="0" i="0" u="none" strike="noStrike" cap="none" spc="0" normalizeH="0" baseline="0">
             <a:ln>
               <a:noFill/>
             </a:ln>
@@ -7283,7 +7891,7 @@
           <a:buFontTx/>
           <a:buNone/>
           <a:tabLst/>
-          <a:defRPr b="0" baseline="0" cap="none" i="0" spc="0" strike="noStrike" sz="1800" u="none" kumimoji="0" normalizeH="0">
+          <a:defRPr kumimoji="0" sz="1800" b="0" i="0" u="none" strike="noStrike" cap="none" spc="0" normalizeH="0" baseline="0">
             <a:ln>
               <a:noFill/>
             </a:ln>
@@ -7296,12 +7904,19 @@
         </a:lvl9pPr>
       </a:lstStyle>
       <a:style>
-        <a:lnRef idx="0"/>
-        <a:fillRef idx="0"/>
-        <a:effectRef idx="0"/>
+        <a:lnRef idx="0">
+          <a:scrgbClr r="0" g="0" b="0"/>
+        </a:lnRef>
+        <a:fillRef idx="0">
+          <a:scrgbClr r="0" g="0" b="0"/>
+        </a:fillRef>
+        <a:effectRef idx="0">
+          <a:scrgbClr r="0" g="0" b="0"/>
+        </a:effectRef>
         <a:fontRef idx="none"/>
       </a:style>
     </a:txDef>
   </a:objectDefaults>
+  <a:extraClrSchemeLst/>
 </a:theme>
 </file>
--- a/Presentation/CS598 DL4H Project Presentation.pptx
+++ b/Presentation/CS598 DL4H Project Presentation.pptx
@@ -323,6 +323,11 @@
       </a:defRPr>
     </a:lvl9pPr>
   </p:defaultTextStyle>
+  <p:extLst>
+    <p:ext uri="{EFAFB233-063F-42B5-8137-9DF3F51BA10A}">
+      <p15:sldGuideLst xmlns:p15="http://schemas.microsoft.com/office/powerpoint/2012/main"/>
+    </p:ext>
+  </p:extLst>
 </p:presentation>
 </file>
 
@@ -2239,7 +2244,7 @@
           </a:ln>
           <a:extLst>
             <a:ext uri="{C572A759-6A51-4108-AA02-DFA0A04FC94B}">
-              <ma14:wrappingTextBoxFlag xmlns:ma14="http://schemas.microsoft.com/office/mac/drawingml/2011/main" xmlns:a14="http://schemas.microsoft.com/office/drawing/2010/main" xmlns:m="http://schemas.openxmlformats.org/officeDocument/2006/math" xmlns="" val="1"/>
+              <ma14:wrappingTextBoxFlag xmlns="" xmlns:m="http://schemas.openxmlformats.org/officeDocument/2006/math" xmlns:a14="http://schemas.microsoft.com/office/drawing/2010/main" xmlns:ma14="http://schemas.microsoft.com/office/mac/drawingml/2011/main" val="1"/>
             </a:ext>
           </a:extLst>
         </p:spPr>
@@ -2278,7 +2283,7 @@
           </a:ln>
           <a:extLst>
             <a:ext uri="{C572A759-6A51-4108-AA02-DFA0A04FC94B}">
-              <ma14:wrappingTextBoxFlag xmlns:ma14="http://schemas.microsoft.com/office/mac/drawingml/2011/main" xmlns:a14="http://schemas.microsoft.com/office/drawing/2010/main" xmlns:m="http://schemas.openxmlformats.org/officeDocument/2006/math" xmlns="" val="1"/>
+              <ma14:wrappingTextBoxFlag xmlns="" xmlns:m="http://schemas.openxmlformats.org/officeDocument/2006/math" xmlns:a14="http://schemas.microsoft.com/office/drawing/2010/main" xmlns:ma14="http://schemas.microsoft.com/office/mac/drawingml/2011/main" val="1"/>
             </a:ext>
           </a:extLst>
         </p:spPr>
@@ -3223,7 +3228,7 @@
           </a:ln>
           <a:extLst>
             <a:ext uri="{C572A759-6A51-4108-AA02-DFA0A04FC94B}">
-              <ma14:wrappingTextBoxFlag xmlns:ma14="http://schemas.microsoft.com/office/mac/drawingml/2011/main" xmlns:a14="http://schemas.microsoft.com/office/drawing/2010/main" xmlns:m="http://schemas.openxmlformats.org/officeDocument/2006/math" xmlns="" val="1"/>
+              <ma14:wrappingTextBoxFlag xmlns="" xmlns:m="http://schemas.openxmlformats.org/officeDocument/2006/math" xmlns:a14="http://schemas.microsoft.com/office/drawing/2010/main" xmlns:ma14="http://schemas.microsoft.com/office/mac/drawingml/2011/main" val="1"/>
             </a:ext>
           </a:extLst>
         </p:spPr>
@@ -4084,7 +4089,9 @@
           </a:prstGeom>
         </p:spPr>
         <p:txBody>
-          <a:bodyPr/>
+          <a:bodyPr>
+            <a:normAutofit lnSpcReduction="10000"/>
+          </a:bodyPr>
           <a:lstStyle/>
           <a:p>
             <a:pPr>
@@ -4171,9 +4178,18 @@
             </a:pPr>
             <a:r>
               <a:rPr lang="en-US" dirty="0"/>
-              <a:t>Ablation / Code Modification</a:t>
-            </a:r>
-            <a:endParaRPr dirty="0"/>
+              <a:t>Ablation / Code Modification – 1</a:t>
+            </a:r>
+          </a:p>
+          <a:p>
+            <a:pPr>
+              <a:buFontTx/>
+              <a:buAutoNum type="arabicPeriod"/>
+            </a:pPr>
+            <a:r>
+              <a:rPr lang="en-US" dirty="0"/>
+              <a:t>Ablation / Code Modification – 2 and 3</a:t>
+            </a:r>
           </a:p>
           <a:p>
             <a:pPr>
@@ -5661,7 +5677,7 @@
             <a:effectLst/>
             <a:extLst>
               <a:ext uri="{C572A759-6A51-4108-AA02-DFA0A04FC94B}">
-                <ma14:wrappingTextBoxFlag xmlns:ma14="http://schemas.microsoft.com/office/mac/drawingml/2011/main" xmlns:a14="http://schemas.microsoft.com/office/drawing/2010/main" xmlns:m="http://schemas.openxmlformats.org/officeDocument/2006/math" xmlns="" val="1"/>
+                <ma14:wrappingTextBoxFlag xmlns="" xmlns:m="http://schemas.openxmlformats.org/officeDocument/2006/math" xmlns:a14="http://schemas.microsoft.com/office/drawing/2010/main" xmlns:ma14="http://schemas.microsoft.com/office/mac/drawingml/2011/main" val="1"/>
               </a:ext>
             </a:extLst>
           </p:spPr>

--- a/Presentation/CS598 DL4H Project Presentation.pptx
+++ b/Presentation/CS598 DL4H Project Presentation.pptx
@@ -1,29 +1,30 @@
 
 <file path=ppt/presentation.xml><?xml version="1.0" encoding="utf-8"?>
-<p:presentation xmlns:a="http://schemas.openxmlformats.org/drawingml/2006/main" xmlns:r="http://schemas.openxmlformats.org/officeDocument/2006/relationships" xmlns:p="http://schemas.openxmlformats.org/presentationml/2006/main">
+<p:presentation xmlns:a="http://schemas.openxmlformats.org/drawingml/2006/main" xmlns:r="http://schemas.openxmlformats.org/officeDocument/2006/relationships" xmlns:p="http://schemas.openxmlformats.org/presentationml/2006/main" xmlns:m="http://schemas.openxmlformats.org/officeDocument/2006/math" xmlns:a14="http://schemas.microsoft.com/office/drawing/2010/main">
   <p:sldMasterIdLst>
-    <p:sldMasterId id="2147483648" r:id="rId1"/>
+    <p:sldMasterId id="2147483648" r:id="rId5"/>
   </p:sldMasterIdLst>
   <p:notesMasterIdLst>
-    <p:notesMasterId r:id="rId16"/>
+    <p:notesMasterId r:id="rId7"/>
   </p:notesMasterIdLst>
   <p:sldIdLst>
-    <p:sldId id="256" r:id="rId2"/>
-    <p:sldId id="257" r:id="rId3"/>
-    <p:sldId id="258" r:id="rId4"/>
-    <p:sldId id="259" r:id="rId5"/>
-    <p:sldId id="260" r:id="rId6"/>
-    <p:sldId id="262" r:id="rId7"/>
-    <p:sldId id="263" r:id="rId8"/>
-    <p:sldId id="261" r:id="rId9"/>
-    <p:sldId id="264" r:id="rId10"/>
-    <p:sldId id="265" r:id="rId11"/>
-    <p:sldId id="266" r:id="rId12"/>
-    <p:sldId id="267" r:id="rId13"/>
-    <p:sldId id="268" r:id="rId14"/>
-    <p:sldId id="269" r:id="rId15"/>
+    <p:sldId id="256" r:id="rId8"/>
+    <p:sldId id="257" r:id="rId9"/>
+    <p:sldId id="258" r:id="rId10"/>
+    <p:sldId id="259" r:id="rId11"/>
+    <p:sldId id="260" r:id="rId12"/>
+    <p:sldId id="261" r:id="rId13"/>
+    <p:sldId id="262" r:id="rId14"/>
+    <p:sldId id="263" r:id="rId15"/>
+    <p:sldId id="264" r:id="rId16"/>
+    <p:sldId id="265" r:id="rId17"/>
+    <p:sldId id="266" r:id="rId18"/>
+    <p:sldId id="267" r:id="rId19"/>
+    <p:sldId id="268" r:id="rId20"/>
+    <p:sldId id="269" r:id="rId21"/>
+    <p:sldId id="270" r:id="rId22"/>
   </p:sldIdLst>
-  <p:sldSz cx="9144000" cy="5143500" type="screen16x9"/>
+  <p:sldSz cx="9144000" cy="5143500"/>
   <p:notesSz cx="6858000" cy="9144000"/>
   <p:defaultTextStyle>
     <a:defPPr marL="0" marR="0" indent="0" algn="l" defTabSz="914400" rtl="0" fontAlgn="auto" latinLnBrk="1" hangingPunct="0">
@@ -41,7 +42,7 @@
       <a:buFontTx/>
       <a:buNone/>
       <a:tabLst/>
-      <a:defRPr kumimoji="0" sz="1800" b="0" i="0" u="none" strike="noStrike" cap="none" spc="0" normalizeH="0" baseline="0">
+      <a:defRPr b="0" baseline="0" cap="none" i="0" spc="0" strike="noStrike" sz="1800" u="none" kumimoji="0" normalizeH="0">
         <a:ln>
           <a:noFill/>
         </a:ln>
@@ -67,7 +68,7 @@
       <a:buFontTx/>
       <a:buNone/>
       <a:tabLst/>
-      <a:defRPr kumimoji="0" sz="1400" b="0" i="0" u="none" strike="noStrike" cap="none" spc="0" normalizeH="0" baseline="0">
+      <a:defRPr b="0" baseline="0" cap="none" i="0" spc="0" strike="noStrike" sz="1400" u="none" kumimoji="0" normalizeH="0">
         <a:ln>
           <a:noFill/>
         </a:ln>
@@ -79,7 +80,7 @@
         <a:latin typeface="+mj-lt"/>
         <a:ea typeface="+mj-ea"/>
         <a:cs typeface="+mj-cs"/>
-        <a:sym typeface="Arial"/>
+        <a:sym typeface="Helvetica"/>
       </a:defRPr>
     </a:lvl1pPr>
     <a:lvl2pPr marL="0" marR="0" indent="0" algn="l" defTabSz="914400" rtl="0" fontAlgn="auto" latinLnBrk="0" hangingPunct="0">
@@ -97,7 +98,7 @@
       <a:buFontTx/>
       <a:buNone/>
       <a:tabLst/>
-      <a:defRPr kumimoji="0" sz="1400" b="0" i="0" u="none" strike="noStrike" cap="none" spc="0" normalizeH="0" baseline="0">
+      <a:defRPr b="0" baseline="0" cap="none" i="0" spc="0" strike="noStrike" sz="1400" u="none" kumimoji="0" normalizeH="0">
         <a:ln>
           <a:noFill/>
         </a:ln>
@@ -109,7 +110,7 @@
         <a:latin typeface="+mj-lt"/>
         <a:ea typeface="+mj-ea"/>
         <a:cs typeface="+mj-cs"/>
-        <a:sym typeface="Arial"/>
+        <a:sym typeface="Helvetica"/>
       </a:defRPr>
     </a:lvl2pPr>
     <a:lvl3pPr marL="0" marR="0" indent="0" algn="l" defTabSz="914400" rtl="0" fontAlgn="auto" latinLnBrk="0" hangingPunct="0">
@@ -127,7 +128,7 @@
       <a:buFontTx/>
       <a:buNone/>
       <a:tabLst/>
-      <a:defRPr kumimoji="0" sz="1400" b="0" i="0" u="none" strike="noStrike" cap="none" spc="0" normalizeH="0" baseline="0">
+      <a:defRPr b="0" baseline="0" cap="none" i="0" spc="0" strike="noStrike" sz="1400" u="none" kumimoji="0" normalizeH="0">
         <a:ln>
           <a:noFill/>
         </a:ln>
@@ -139,7 +140,7 @@
         <a:latin typeface="+mj-lt"/>
         <a:ea typeface="+mj-ea"/>
         <a:cs typeface="+mj-cs"/>
-        <a:sym typeface="Arial"/>
+        <a:sym typeface="Helvetica"/>
       </a:defRPr>
     </a:lvl3pPr>
     <a:lvl4pPr marL="0" marR="0" indent="0" algn="l" defTabSz="914400" rtl="0" fontAlgn="auto" latinLnBrk="0" hangingPunct="0">
@@ -157,7 +158,7 @@
       <a:buFontTx/>
       <a:buNone/>
       <a:tabLst/>
-      <a:defRPr kumimoji="0" sz="1400" b="0" i="0" u="none" strike="noStrike" cap="none" spc="0" normalizeH="0" baseline="0">
+      <a:defRPr b="0" baseline="0" cap="none" i="0" spc="0" strike="noStrike" sz="1400" u="none" kumimoji="0" normalizeH="0">
         <a:ln>
           <a:noFill/>
         </a:ln>
@@ -169,7 +170,7 @@
         <a:latin typeface="+mj-lt"/>
         <a:ea typeface="+mj-ea"/>
         <a:cs typeface="+mj-cs"/>
-        <a:sym typeface="Arial"/>
+        <a:sym typeface="Helvetica"/>
       </a:defRPr>
     </a:lvl4pPr>
     <a:lvl5pPr marL="0" marR="0" indent="0" algn="l" defTabSz="914400" rtl="0" fontAlgn="auto" latinLnBrk="0" hangingPunct="0">
@@ -187,7 +188,7 @@
       <a:buFontTx/>
       <a:buNone/>
       <a:tabLst/>
-      <a:defRPr kumimoji="0" sz="1400" b="0" i="0" u="none" strike="noStrike" cap="none" spc="0" normalizeH="0" baseline="0">
+      <a:defRPr b="0" baseline="0" cap="none" i="0" spc="0" strike="noStrike" sz="1400" u="none" kumimoji="0" normalizeH="0">
         <a:ln>
           <a:noFill/>
         </a:ln>
@@ -199,7 +200,7 @@
         <a:latin typeface="+mj-lt"/>
         <a:ea typeface="+mj-ea"/>
         <a:cs typeface="+mj-cs"/>
-        <a:sym typeface="Arial"/>
+        <a:sym typeface="Helvetica"/>
       </a:defRPr>
     </a:lvl5pPr>
     <a:lvl6pPr marL="0" marR="0" indent="0" algn="l" defTabSz="914400" rtl="0" fontAlgn="auto" latinLnBrk="0" hangingPunct="0">
@@ -217,7 +218,7 @@
       <a:buFontTx/>
       <a:buNone/>
       <a:tabLst/>
-      <a:defRPr kumimoji="0" sz="1400" b="0" i="0" u="none" strike="noStrike" cap="none" spc="0" normalizeH="0" baseline="0">
+      <a:defRPr b="0" baseline="0" cap="none" i="0" spc="0" strike="noStrike" sz="1400" u="none" kumimoji="0" normalizeH="0">
         <a:ln>
           <a:noFill/>
         </a:ln>
@@ -229,7 +230,7 @@
         <a:latin typeface="+mj-lt"/>
         <a:ea typeface="+mj-ea"/>
         <a:cs typeface="+mj-cs"/>
-        <a:sym typeface="Arial"/>
+        <a:sym typeface="Helvetica"/>
       </a:defRPr>
     </a:lvl6pPr>
     <a:lvl7pPr marL="0" marR="0" indent="0" algn="l" defTabSz="914400" rtl="0" fontAlgn="auto" latinLnBrk="0" hangingPunct="0">
@@ -247,7 +248,7 @@
       <a:buFontTx/>
       <a:buNone/>
       <a:tabLst/>
-      <a:defRPr kumimoji="0" sz="1400" b="0" i="0" u="none" strike="noStrike" cap="none" spc="0" normalizeH="0" baseline="0">
+      <a:defRPr b="0" baseline="0" cap="none" i="0" spc="0" strike="noStrike" sz="1400" u="none" kumimoji="0" normalizeH="0">
         <a:ln>
           <a:noFill/>
         </a:ln>
@@ -259,7 +260,7 @@
         <a:latin typeface="+mj-lt"/>
         <a:ea typeface="+mj-ea"/>
         <a:cs typeface="+mj-cs"/>
-        <a:sym typeface="Arial"/>
+        <a:sym typeface="Helvetica"/>
       </a:defRPr>
     </a:lvl7pPr>
     <a:lvl8pPr marL="0" marR="0" indent="0" algn="l" defTabSz="914400" rtl="0" fontAlgn="auto" latinLnBrk="0" hangingPunct="0">
@@ -277,7 +278,7 @@
       <a:buFontTx/>
       <a:buNone/>
       <a:tabLst/>
-      <a:defRPr kumimoji="0" sz="1400" b="0" i="0" u="none" strike="noStrike" cap="none" spc="0" normalizeH="0" baseline="0">
+      <a:defRPr b="0" baseline="0" cap="none" i="0" spc="0" strike="noStrike" sz="1400" u="none" kumimoji="0" normalizeH="0">
         <a:ln>
           <a:noFill/>
         </a:ln>
@@ -289,7 +290,7 @@
         <a:latin typeface="+mj-lt"/>
         <a:ea typeface="+mj-ea"/>
         <a:cs typeface="+mj-cs"/>
-        <a:sym typeface="Arial"/>
+        <a:sym typeface="Helvetica"/>
       </a:defRPr>
     </a:lvl8pPr>
     <a:lvl9pPr marL="0" marR="0" indent="0" algn="l" defTabSz="914400" rtl="0" fontAlgn="auto" latinLnBrk="0" hangingPunct="0">
@@ -307,7 +308,7 @@
       <a:buFontTx/>
       <a:buNone/>
       <a:tabLst/>
-      <a:defRPr kumimoji="0" sz="1400" b="0" i="0" u="none" strike="noStrike" cap="none" spc="0" normalizeH="0" baseline="0">
+      <a:defRPr b="0" baseline="0" cap="none" i="0" spc="0" strike="noStrike" sz="1400" u="none" kumimoji="0" normalizeH="0">
         <a:ln>
           <a:noFill/>
         </a:ln>
@@ -319,26 +320,20 @@
         <a:latin typeface="+mj-lt"/>
         <a:ea typeface="+mj-ea"/>
         <a:cs typeface="+mj-cs"/>
-        <a:sym typeface="Arial"/>
+        <a:sym typeface="Helvetica"/>
       </a:defRPr>
     </a:lvl9pPr>
   </p:defaultTextStyle>
-  <p:extLst>
-    <p:ext uri="{EFAFB233-063F-42B5-8137-9DF3F51BA10A}">
-      <p15:sldGuideLst xmlns:p15="http://schemas.microsoft.com/office/powerpoint/2012/main"/>
-    </p:ext>
-  </p:extLst>
 </p:presentation>
 </file>
 
+<file path=ppt/commentAuthors.xml><?xml version="1.0" encoding="utf-8"?>
+<p:cmAuthorLst xmlns:a="http://schemas.openxmlformats.org/drawingml/2006/main" xmlns:r="http://schemas.openxmlformats.org/officeDocument/2006/relationships" xmlns:p="http://schemas.openxmlformats.org/presentationml/2006/main" xmlns:m="http://schemas.openxmlformats.org/officeDocument/2006/math" xmlns:a14="http://schemas.microsoft.com/office/drawing/2010/main"/>
+</file>
+
 <file path=ppt/notesMasters/notesMaster1.xml><?xml version="1.0" encoding="utf-8"?>
-<p:notesMaster xmlns:a="http://schemas.openxmlformats.org/drawingml/2006/main" xmlns:r="http://schemas.openxmlformats.org/officeDocument/2006/relationships" xmlns:p="http://schemas.openxmlformats.org/presentationml/2006/main">
+<p:notesMaster xmlns:a="http://schemas.openxmlformats.org/drawingml/2006/main" xmlns:r="http://schemas.openxmlformats.org/officeDocument/2006/relationships" xmlns:p="http://schemas.openxmlformats.org/presentationml/2006/main" xmlns:m="http://schemas.openxmlformats.org/officeDocument/2006/math" xmlns:a14="http://schemas.microsoft.com/office/drawing/2010/main">
   <p:cSld>
-    <p:bg>
-      <p:bgRef idx="1001">
-        <a:schemeClr val="bg1"/>
-      </p:bgRef>
-    </p:bg>
     <p:spTree>
       <p:nvGrpSpPr>
         <p:cNvPr id="1" name=""/>
@@ -355,10 +350,8 @@
       </p:grpSpPr>
       <p:sp>
         <p:nvSpPr>
-          <p:cNvPr id="110" name="Shape 110"/>
-          <p:cNvSpPr>
-            <a:spLocks noGrp="1" noRot="1" noChangeAspect="1"/>
-          </p:cNvSpPr>
+          <p:cNvPr id="136" name="Shape 136"/>
+          <p:cNvSpPr/>
           <p:nvPr>
             <p:ph type="sldImg"/>
           </p:nvPr>
@@ -376,16 +369,14 @@
           <a:bodyPr/>
           <a:lstStyle/>
           <a:p>
-            <a:endParaRPr/>
+            <a:pPr/>
           </a:p>
         </p:txBody>
       </p:sp>
       <p:sp>
         <p:nvSpPr>
-          <p:cNvPr id="111" name="Shape 111"/>
-          <p:cNvSpPr>
-            <a:spLocks noGrp="1"/>
-          </p:cNvSpPr>
+          <p:cNvPr id="137" name="Shape 137"/>
+          <p:cNvSpPr/>
           <p:nvPr>
             <p:ph type="body" sz="quarter" idx="1"/>
           </p:nvPr>
@@ -403,7 +394,7 @@
           <a:bodyPr/>
           <a:lstStyle/>
           <a:p>
-            <a:endParaRPr/>
+            <a:pPr/>
           </a:p>
         </p:txBody>
       </p:sp>
@@ -413,73 +404,73 @@
   <p:notesStyle>
     <a:lvl1pPr latinLnBrk="0">
       <a:defRPr sz="1400">
-        <a:latin typeface="+mj-lt"/>
-        <a:ea typeface="+mj-ea"/>
-        <a:cs typeface="+mj-cs"/>
+        <a:latin typeface="+mn-lt"/>
+        <a:ea typeface="+mn-ea"/>
+        <a:cs typeface="+mn-cs"/>
         <a:sym typeface="Arial"/>
       </a:defRPr>
     </a:lvl1pPr>
     <a:lvl2pPr indent="228600" latinLnBrk="0">
       <a:defRPr sz="1400">
-        <a:latin typeface="+mj-lt"/>
-        <a:ea typeface="+mj-ea"/>
-        <a:cs typeface="+mj-cs"/>
+        <a:latin typeface="+mn-lt"/>
+        <a:ea typeface="+mn-ea"/>
+        <a:cs typeface="+mn-cs"/>
         <a:sym typeface="Arial"/>
       </a:defRPr>
     </a:lvl2pPr>
     <a:lvl3pPr indent="457200" latinLnBrk="0">
       <a:defRPr sz="1400">
-        <a:latin typeface="+mj-lt"/>
-        <a:ea typeface="+mj-ea"/>
-        <a:cs typeface="+mj-cs"/>
+        <a:latin typeface="+mn-lt"/>
+        <a:ea typeface="+mn-ea"/>
+        <a:cs typeface="+mn-cs"/>
         <a:sym typeface="Arial"/>
       </a:defRPr>
     </a:lvl3pPr>
     <a:lvl4pPr indent="685800" latinLnBrk="0">
       <a:defRPr sz="1400">
-        <a:latin typeface="+mj-lt"/>
-        <a:ea typeface="+mj-ea"/>
-        <a:cs typeface="+mj-cs"/>
+        <a:latin typeface="+mn-lt"/>
+        <a:ea typeface="+mn-ea"/>
+        <a:cs typeface="+mn-cs"/>
         <a:sym typeface="Arial"/>
       </a:defRPr>
     </a:lvl4pPr>
     <a:lvl5pPr indent="914400" latinLnBrk="0">
       <a:defRPr sz="1400">
-        <a:latin typeface="+mj-lt"/>
-        <a:ea typeface="+mj-ea"/>
-        <a:cs typeface="+mj-cs"/>
+        <a:latin typeface="+mn-lt"/>
+        <a:ea typeface="+mn-ea"/>
+        <a:cs typeface="+mn-cs"/>
         <a:sym typeface="Arial"/>
       </a:defRPr>
     </a:lvl5pPr>
     <a:lvl6pPr indent="1143000" latinLnBrk="0">
       <a:defRPr sz="1400">
-        <a:latin typeface="+mj-lt"/>
-        <a:ea typeface="+mj-ea"/>
-        <a:cs typeface="+mj-cs"/>
+        <a:latin typeface="+mn-lt"/>
+        <a:ea typeface="+mn-ea"/>
+        <a:cs typeface="+mn-cs"/>
         <a:sym typeface="Arial"/>
       </a:defRPr>
     </a:lvl6pPr>
     <a:lvl7pPr indent="1371600" latinLnBrk="0">
       <a:defRPr sz="1400">
-        <a:latin typeface="+mj-lt"/>
-        <a:ea typeface="+mj-ea"/>
-        <a:cs typeface="+mj-cs"/>
+        <a:latin typeface="+mn-lt"/>
+        <a:ea typeface="+mn-ea"/>
+        <a:cs typeface="+mn-cs"/>
         <a:sym typeface="Arial"/>
       </a:defRPr>
     </a:lvl7pPr>
     <a:lvl8pPr indent="1600200" latinLnBrk="0">
       <a:defRPr sz="1400">
-        <a:latin typeface="+mj-lt"/>
-        <a:ea typeface="+mj-ea"/>
-        <a:cs typeface="+mj-cs"/>
+        <a:latin typeface="+mn-lt"/>
+        <a:ea typeface="+mn-ea"/>
+        <a:cs typeface="+mn-cs"/>
         <a:sym typeface="Arial"/>
       </a:defRPr>
     </a:lvl8pPr>
     <a:lvl9pPr indent="1828800" latinLnBrk="0">
       <a:defRPr sz="1400">
-        <a:latin typeface="+mj-lt"/>
-        <a:ea typeface="+mj-ea"/>
-        <a:cs typeface="+mj-cs"/>
+        <a:latin typeface="+mn-lt"/>
+        <a:ea typeface="+mn-ea"/>
+        <a:cs typeface="+mn-cs"/>
         <a:sym typeface="Arial"/>
       </a:defRPr>
     </a:lvl9pPr>
@@ -488,14 +479,13 @@
 </file>
 
 <file path=ppt/slideLayouts/slideLayout1.xml><?xml version="1.0" encoding="utf-8"?>
-<p:sldLayout xmlns:a="http://schemas.openxmlformats.org/drawingml/2006/main" xmlns:r="http://schemas.openxmlformats.org/officeDocument/2006/relationships" xmlns:p="http://schemas.openxmlformats.org/presentationml/2006/main" showMasterSp="0" type="title">
+<p:sldLayout xmlns:a="http://schemas.openxmlformats.org/drawingml/2006/main" xmlns:r="http://schemas.openxmlformats.org/officeDocument/2006/relationships" xmlns:p="http://schemas.openxmlformats.org/presentationml/2006/main" xmlns:m="http://schemas.openxmlformats.org/officeDocument/2006/math" xmlns:a14="http://schemas.microsoft.com/office/drawing/2010/main" type="title" showMasterSp="0" showMasterPhAnim="1">
   <p:cSld name="TITLE">
     <p:bg>
       <p:bgPr>
         <a:solidFill>
           <a:srgbClr val="202729"/>
         </a:solidFill>
-        <a:effectLst/>
       </p:bgPr>
     </p:bg>
     <p:spTree>
@@ -520,8 +510,8 @@
         </p:nvSpPr>
         <p:spPr>
           <a:xfrm>
-            <a:off x="0" y="2998149"/>
-            <a:ext cx="9144001" cy="1"/>
+            <a:off x="0" y="2998148"/>
+            <a:ext cx="9144002" cy="2"/>
           </a:xfrm>
           <a:prstGeom prst="line">
             <a:avLst/>
@@ -533,27 +523,25 @@
           </a:ln>
         </p:spPr>
         <p:txBody>
-          <a:bodyPr lIns="45719" rIns="45719"/>
+          <a:bodyPr lIns="45718" tIns="45718" rIns="45718" bIns="45718"/>
           <a:lstStyle/>
           <a:p>
-            <a:endParaRPr/>
+            <a:pPr/>
           </a:p>
         </p:txBody>
       </p:sp>
       <p:sp>
         <p:nvSpPr>
           <p:cNvPr id="13" name="Title Text"/>
-          <p:cNvSpPr txBox="1">
-            <a:spLocks noGrp="1"/>
-          </p:cNvSpPr>
+          <p:cNvSpPr txBox="1"/>
           <p:nvPr>
             <p:ph type="title"/>
           </p:nvPr>
         </p:nvSpPr>
         <p:spPr>
           <a:xfrm>
-            <a:off x="510449" y="1257300"/>
-            <a:ext cx="8123102" cy="1588501"/>
+            <a:off x="510448" y="1257300"/>
+            <a:ext cx="8123103" cy="1588502"/>
           </a:xfrm>
           <a:prstGeom prst="rect">
             <a:avLst/>
@@ -571,6 +559,7 @@
             </a:lvl1pPr>
           </a:lstStyle>
           <a:p>
+            <a:pPr/>
             <a:r>
               <a:t>Title Text</a:t>
             </a:r>
@@ -580,17 +569,15 @@
       <p:sp>
         <p:nvSpPr>
           <p:cNvPr id="14" name="Body Level One…"/>
-          <p:cNvSpPr txBox="1">
-            <a:spLocks noGrp="1"/>
-          </p:cNvSpPr>
+          <p:cNvSpPr txBox="1"/>
           <p:nvPr>
             <p:ph type="body" sz="quarter" idx="1"/>
           </p:nvPr>
         </p:nvSpPr>
         <p:spPr>
           <a:xfrm>
-            <a:off x="510449" y="3182312"/>
-            <a:ext cx="8123102" cy="630001"/>
+            <a:off x="510448" y="3182311"/>
+            <a:ext cx="8123103" cy="630002"/>
           </a:xfrm>
           <a:prstGeom prst="rect">
             <a:avLst/>
@@ -599,7 +586,7 @@
         <p:txBody>
           <a:bodyPr/>
           <a:lstStyle>
-            <a:lvl1pPr marL="342900" indent="-228600">
+            <a:lvl1pPr marL="228600" indent="-114300">
               <a:lnSpc>
                 <a:spcPct val="100000"/>
               </a:lnSpc>
@@ -613,7 +600,7 @@
                 </a:solidFill>
               </a:defRPr>
             </a:lvl1pPr>
-            <a:lvl2pPr marL="342900" indent="254000">
+            <a:lvl2pPr marL="228600" indent="114300">
               <a:lnSpc>
                 <a:spcPct val="100000"/>
               </a:lnSpc>
@@ -627,7 +614,7 @@
                 </a:solidFill>
               </a:defRPr>
             </a:lvl2pPr>
-            <a:lvl3pPr marL="342900" indent="711200">
+            <a:lvl3pPr marL="228600" indent="114300">
               <a:lnSpc>
                 <a:spcPct val="100000"/>
               </a:lnSpc>
@@ -641,7 +628,7 @@
                 </a:solidFill>
               </a:defRPr>
             </a:lvl3pPr>
-            <a:lvl4pPr marL="342900" indent="1168400">
+            <a:lvl4pPr marL="228600" indent="114300">
               <a:lnSpc>
                 <a:spcPct val="100000"/>
               </a:lnSpc>
@@ -655,7 +642,7 @@
                 </a:solidFill>
               </a:defRPr>
             </a:lvl4pPr>
-            <a:lvl5pPr marL="342900" indent="1625600">
+            <a:lvl5pPr marL="228600" indent="114300">
               <a:lnSpc>
                 <a:spcPct val="100000"/>
               </a:lnSpc>
@@ -671,6 +658,7 @@
             </a:lvl5pPr>
           </a:lstStyle>
           <a:p>
+            <a:pPr/>
             <a:r>
               <a:t>Body Level One</a:t>
             </a:r>
@@ -704,9 +692,7 @@
       <p:sp>
         <p:nvSpPr>
           <p:cNvPr id="15" name="Slide Number"/>
-          <p:cNvSpPr txBox="1">
-            <a:spLocks noGrp="1"/>
-          </p:cNvSpPr>
+          <p:cNvSpPr txBox="1"/>
           <p:nvPr>
             <p:ph type="sldNum" sz="quarter" idx="2"/>
           </p:nvPr>
@@ -728,10 +714,8 @@
             </a:lvl1pPr>
           </a:lstStyle>
           <a:p>
-            <a:fld id="{86CB4B4D-7CA3-9044-876B-883B54F8677D}" type="slidenum">
-              <a:t>‹#›</a:t>
-            </a:fld>
-            <a:endParaRPr/>
+            <a:pPr/>
+            <a:fld id="{86CB4B4D-7CA3-9044-876B-883B54F8677D}" type="slidenum"/>
           </a:p>
         </p:txBody>
       </p:sp>
@@ -740,12 +724,12 @@
   <p:clrMapOvr>
     <a:masterClrMapping/>
   </p:clrMapOvr>
-  <p:transition spd="med"/>
+  <p:transition xmlns:p14="http://schemas.microsoft.com/office/powerpoint/2010/main" spd="med" advClick="1"/>
 </p:sldLayout>
 </file>
 
 <file path=ppt/slideLayouts/slideLayout10.xml><?xml version="1.0" encoding="utf-8"?>
-<p:sldLayout xmlns:a="http://schemas.openxmlformats.org/drawingml/2006/main" xmlns:r="http://schemas.openxmlformats.org/officeDocument/2006/relationships" xmlns:p="http://schemas.openxmlformats.org/presentationml/2006/main" type="tx">
+<p:sldLayout xmlns:a="http://schemas.openxmlformats.org/drawingml/2006/main" xmlns:r="http://schemas.openxmlformats.org/officeDocument/2006/relationships" xmlns:p="http://schemas.openxmlformats.org/presentationml/2006/main" xmlns:m="http://schemas.openxmlformats.org/officeDocument/2006/math" xmlns:a14="http://schemas.microsoft.com/office/drawing/2010/main" type="tx" showMasterSp="1" showMasterPhAnim="1">
   <p:cSld name="BIG_NUMBER">
     <p:spTree>
       <p:nvGrpSpPr>
@@ -764,17 +748,15 @@
       <p:sp>
         <p:nvSpPr>
           <p:cNvPr id="95" name="xx%"/>
-          <p:cNvSpPr txBox="1">
-            <a:spLocks noGrp="1"/>
-          </p:cNvSpPr>
+          <p:cNvSpPr txBox="1"/>
           <p:nvPr>
             <p:ph type="title" hasCustomPrompt="1"/>
           </p:nvPr>
         </p:nvSpPr>
         <p:spPr>
           <a:xfrm>
-            <a:off x="311699" y="991475"/>
-            <a:ext cx="8520602" cy="1917901"/>
+            <a:off x="311698" y="991475"/>
+            <a:ext cx="8520603" cy="1917902"/>
           </a:xfrm>
           <a:prstGeom prst="rect">
             <a:avLst/>
@@ -784,10 +766,11 @@
           <a:bodyPr anchor="ctr"/>
           <a:lstStyle>
             <a:lvl1pPr algn="ctr">
-              <a:defRPr sz="14000" b="1"/>
+              <a:defRPr b="1" sz="14000"/>
             </a:lvl1pPr>
           </a:lstStyle>
           <a:p>
+            <a:pPr/>
             <a:r>
               <a:t>xx%</a:t>
             </a:r>
@@ -797,17 +780,15 @@
       <p:sp>
         <p:nvSpPr>
           <p:cNvPr id="96" name="Body Level One…"/>
-          <p:cNvSpPr txBox="1">
-            <a:spLocks noGrp="1"/>
-          </p:cNvSpPr>
+          <p:cNvSpPr txBox="1"/>
           <p:nvPr>
             <p:ph type="body" sz="quarter" idx="1"/>
           </p:nvPr>
         </p:nvSpPr>
         <p:spPr>
           <a:xfrm>
-            <a:off x="311699" y="3071299"/>
-            <a:ext cx="8520602" cy="901801"/>
+            <a:off x="311698" y="3071298"/>
+            <a:ext cx="8520603" cy="901802"/>
           </a:xfrm>
           <a:prstGeom prst="rect">
             <a:avLst/>
@@ -823,6 +804,7 @@
             <a:lvl5pPr algn="ctr"/>
           </a:lstStyle>
           <a:p>
+            <a:pPr/>
             <a:r>
               <a:t>Body Level One</a:t>
             </a:r>
@@ -856,9 +838,7 @@
       <p:sp>
         <p:nvSpPr>
           <p:cNvPr id="97" name="Slide Number"/>
-          <p:cNvSpPr txBox="1">
-            <a:spLocks noGrp="1"/>
-          </p:cNvSpPr>
+          <p:cNvSpPr txBox="1"/>
           <p:nvPr>
             <p:ph type="sldNum" sz="quarter" idx="2"/>
           </p:nvPr>
@@ -872,10 +852,8 @@
           <a:bodyPr/>
           <a:lstStyle/>
           <a:p>
-            <a:fld id="{86CB4B4D-7CA3-9044-876B-883B54F8677D}" type="slidenum">
-              <a:t>‹#›</a:t>
-            </a:fld>
-            <a:endParaRPr/>
+            <a:pPr/>
+            <a:fld id="{86CB4B4D-7CA3-9044-876B-883B54F8677D}" type="slidenum"/>
           </a:p>
         </p:txBody>
       </p:sp>
@@ -884,12 +862,12 @@
   <p:clrMapOvr>
     <a:masterClrMapping/>
   </p:clrMapOvr>
-  <p:transition spd="med"/>
+  <p:transition xmlns:p14="http://schemas.microsoft.com/office/powerpoint/2010/main" spd="med" advClick="1"/>
 </p:sldLayout>
 </file>
 
 <file path=ppt/slideLayouts/slideLayout11.xml><?xml version="1.0" encoding="utf-8"?>
-<p:sldLayout xmlns:a="http://schemas.openxmlformats.org/drawingml/2006/main" xmlns:r="http://schemas.openxmlformats.org/officeDocument/2006/relationships" xmlns:p="http://schemas.openxmlformats.org/presentationml/2006/main" showMasterSp="0" type="tx">
+<p:sldLayout xmlns:a="http://schemas.openxmlformats.org/drawingml/2006/main" xmlns:r="http://schemas.openxmlformats.org/officeDocument/2006/relationships" xmlns:p="http://schemas.openxmlformats.org/presentationml/2006/main" xmlns:m="http://schemas.openxmlformats.org/officeDocument/2006/math" xmlns:a14="http://schemas.microsoft.com/office/drawing/2010/main" type="tx" showMasterSp="0" showMasterPhAnim="1">
   <p:cSld name="BLANK">
     <p:spTree>
       <p:nvGrpSpPr>
@@ -908,9 +886,7 @@
       <p:sp>
         <p:nvSpPr>
           <p:cNvPr id="104" name="Slide Number"/>
-          <p:cNvSpPr txBox="1">
-            <a:spLocks noGrp="1"/>
-          </p:cNvSpPr>
+          <p:cNvSpPr txBox="1"/>
           <p:nvPr>
             <p:ph type="sldNum" sz="quarter" idx="2"/>
           </p:nvPr>
@@ -924,10 +900,8 @@
           <a:bodyPr/>
           <a:lstStyle/>
           <a:p>
-            <a:fld id="{86CB4B4D-7CA3-9044-876B-883B54F8677D}" type="slidenum">
-              <a:t>‹#›</a:t>
-            </a:fld>
-            <a:endParaRPr/>
+            <a:pPr/>
+            <a:fld id="{86CB4B4D-7CA3-9044-876B-883B54F8677D}" type="slidenum"/>
           </a:p>
         </p:txBody>
       </p:sp>
@@ -936,19 +910,846 @@
   <p:clrMapOvr>
     <a:masterClrMapping/>
   </p:clrMapOvr>
-  <p:transition spd="med"/>
+  <p:transition xmlns:p14="http://schemas.microsoft.com/office/powerpoint/2010/main" spd="med" advClick="1"/>
+</p:sldLayout>
+</file>
+
+<file path=ppt/slideLayouts/slideLayout12.xml><?xml version="1.0" encoding="utf-8"?>
+<p:sldLayout xmlns:a="http://schemas.openxmlformats.org/drawingml/2006/main" xmlns:r="http://schemas.openxmlformats.org/officeDocument/2006/relationships" xmlns:p="http://schemas.openxmlformats.org/presentationml/2006/main" xmlns:m="http://schemas.openxmlformats.org/officeDocument/2006/math" xmlns:a14="http://schemas.microsoft.com/office/drawing/2010/main" type="tx" showMasterSp="0" showMasterPhAnim="1">
+  <p:cSld name="Section Divider 2">
+    <p:spTree>
+      <p:nvGrpSpPr>
+        <p:cNvPr id="1" name=""/>
+        <p:cNvGrpSpPr/>
+        <p:nvPr/>
+      </p:nvGrpSpPr>
+      <p:grpSpPr>
+        <a:xfrm>
+          <a:off x="0" y="0"/>
+          <a:ext cx="0" cy="0"/>
+          <a:chOff x="0" y="0"/>
+          <a:chExt cx="0" cy="0"/>
+        </a:xfrm>
+      </p:grpSpPr>
+      <p:pic>
+        <p:nvPicPr>
+          <p:cNvPr id="111" name="Background" descr="Background"/>
+          <p:cNvPicPr>
+            <a:picLocks noChangeAspect="1"/>
+          </p:cNvPicPr>
+          <p:nvPr/>
+        </p:nvPicPr>
+        <p:blipFill>
+          <a:blip r:embed="rId2">
+            <a:extLst/>
+          </a:blip>
+          <a:stretch>
+            <a:fillRect/>
+          </a:stretch>
+        </p:blipFill>
+        <p:spPr>
+          <a:xfrm>
+            <a:off x="1849" y="520"/>
+            <a:ext cx="9142151" cy="5142460"/>
+          </a:xfrm>
+          <a:prstGeom prst="rect">
+            <a:avLst/>
+          </a:prstGeom>
+          <a:ln w="12700">
+            <a:miter lim="400000"/>
+          </a:ln>
+        </p:spPr>
+      </p:pic>
+      <p:pic>
+        <p:nvPicPr>
+          <p:cNvPr id="112" name="Block I" descr="Block I"/>
+          <p:cNvPicPr>
+            <a:picLocks noChangeAspect="1"/>
+          </p:cNvPicPr>
+          <p:nvPr/>
+        </p:nvPicPr>
+        <p:blipFill>
+          <a:blip r:embed="rId3">
+            <a:extLst/>
+          </a:blip>
+          <a:stretch>
+            <a:fillRect/>
+          </a:stretch>
+        </p:blipFill>
+        <p:spPr>
+          <a:xfrm>
+            <a:off x="8328453" y="208353"/>
+            <a:ext cx="397107" cy="573597"/>
+          </a:xfrm>
+          <a:prstGeom prst="rect">
+            <a:avLst/>
+          </a:prstGeom>
+          <a:ln w="12700">
+            <a:miter lim="400000"/>
+          </a:ln>
+        </p:spPr>
+      </p:pic>
+      <p:sp>
+        <p:nvSpPr>
+          <p:cNvPr id="113" name="Title Accent"/>
+          <p:cNvSpPr/>
+          <p:nvPr/>
+        </p:nvSpPr>
+        <p:spPr>
+          <a:xfrm>
+            <a:off x="1042987" y="1374457"/>
+            <a:ext cx="71438" cy="2394586"/>
+          </a:xfrm>
+          <a:prstGeom prst="rect">
+            <a:avLst/>
+          </a:prstGeom>
+          <a:solidFill>
+            <a:srgbClr val="FF5F05"/>
+          </a:solidFill>
+          <a:ln w="12700">
+            <a:miter lim="400000"/>
+          </a:ln>
+        </p:spPr>
+        <p:txBody>
+          <a:bodyPr lIns="34289" tIns="34289" rIns="34289" bIns="34289" anchor="ctr"/>
+          <a:lstStyle/>
+          <a:p>
+            <a:pPr algn="ctr" defTabSz="685800">
+              <a:defRPr sz="1200">
+                <a:solidFill>
+                  <a:srgbClr val="FFFFFF"/>
+                </a:solidFill>
+                <a:latin typeface="Source Sans Pro"/>
+                <a:ea typeface="Source Sans Pro"/>
+                <a:cs typeface="Source Sans Pro"/>
+                <a:sym typeface="Source Sans Pro"/>
+              </a:defRPr>
+            </a:pPr>
+          </a:p>
+        </p:txBody>
+      </p:sp>
+      <p:sp>
+        <p:nvSpPr>
+          <p:cNvPr id="114" name="HEADING"/>
+          <p:cNvSpPr txBox="1"/>
+          <p:nvPr>
+            <p:ph type="title" hasCustomPrompt="1"/>
+          </p:nvPr>
+        </p:nvSpPr>
+        <p:spPr>
+          <a:xfrm>
+            <a:off x="1220656" y="1374457"/>
+            <a:ext cx="7103051" cy="994173"/>
+          </a:xfrm>
+          <a:prstGeom prst="rect">
+            <a:avLst/>
+          </a:prstGeom>
+        </p:spPr>
+        <p:txBody>
+          <a:bodyPr lIns="34289" tIns="34289" rIns="34289" bIns="34289" anchor="ctr"/>
+          <a:lstStyle>
+            <a:lvl1pPr defTabSz="685800">
+              <a:lnSpc>
+                <a:spcPct val="90000"/>
+              </a:lnSpc>
+              <a:defRPr sz="6000">
+                <a:solidFill>
+                  <a:srgbClr val="FFFFFF"/>
+                </a:solidFill>
+                <a:latin typeface="Source Sans Pro SemiBold"/>
+                <a:ea typeface="Source Sans Pro SemiBold"/>
+                <a:cs typeface="Source Sans Pro SemiBold"/>
+                <a:sym typeface="Source Sans Pro SemiBold"/>
+              </a:defRPr>
+            </a:lvl1pPr>
+          </a:lstStyle>
+          <a:p>
+            <a:pPr/>
+            <a:r>
+              <a:t>HEADING</a:t>
+            </a:r>
+          </a:p>
+        </p:txBody>
+      </p:sp>
+      <p:sp>
+        <p:nvSpPr>
+          <p:cNvPr id="115" name="Body Level One…"/>
+          <p:cNvSpPr txBox="1"/>
+          <p:nvPr>
+            <p:ph type="body" sz="quarter" idx="1"/>
+          </p:nvPr>
+        </p:nvSpPr>
+        <p:spPr>
+          <a:xfrm>
+            <a:off x="1220656" y="2702469"/>
+            <a:ext cx="7103051" cy="1066574"/>
+          </a:xfrm>
+          <a:prstGeom prst="rect">
+            <a:avLst/>
+          </a:prstGeom>
+        </p:spPr>
+        <p:txBody>
+          <a:bodyPr lIns="34289" tIns="34289" rIns="34289" bIns="34289"/>
+          <a:lstStyle>
+            <a:lvl1pPr marL="0" indent="0" defTabSz="685800">
+              <a:lnSpc>
+                <a:spcPct val="90000"/>
+              </a:lnSpc>
+              <a:spcBef>
+                <a:spcPts val="700"/>
+              </a:spcBef>
+              <a:buClrTx/>
+              <a:buSzTx/>
+              <a:buFontTx/>
+              <a:buNone/>
+              <a:defRPr>
+                <a:solidFill>
+                  <a:srgbClr val="FFFFFF"/>
+                </a:solidFill>
+                <a:latin typeface="Source Sans Pro"/>
+                <a:ea typeface="Source Sans Pro"/>
+                <a:cs typeface="Source Sans Pro"/>
+                <a:sym typeface="Source Sans Pro"/>
+              </a:defRPr>
+            </a:lvl1pPr>
+            <a:lvl2pPr marL="628650" indent="-171450" defTabSz="685800">
+              <a:lnSpc>
+                <a:spcPct val="90000"/>
+              </a:lnSpc>
+              <a:spcBef>
+                <a:spcPts val="700"/>
+              </a:spcBef>
+              <a:buClrTx/>
+              <a:buSzPct val="100000"/>
+              <a:buFontTx/>
+              <a:buChar char="•"/>
+              <a:defRPr>
+                <a:solidFill>
+                  <a:srgbClr val="FFFFFF"/>
+                </a:solidFill>
+                <a:latin typeface="Source Sans Pro"/>
+                <a:ea typeface="Source Sans Pro"/>
+                <a:cs typeface="Source Sans Pro"/>
+                <a:sym typeface="Source Sans Pro"/>
+              </a:defRPr>
+            </a:lvl2pPr>
+            <a:lvl3pPr marL="1120139" indent="-205739" defTabSz="685800">
+              <a:lnSpc>
+                <a:spcPct val="90000"/>
+              </a:lnSpc>
+              <a:spcBef>
+                <a:spcPts val="700"/>
+              </a:spcBef>
+              <a:buClrTx/>
+              <a:buSzPct val="100000"/>
+              <a:buFontTx/>
+              <a:buChar char="•"/>
+              <a:defRPr>
+                <a:solidFill>
+                  <a:srgbClr val="FFFFFF"/>
+                </a:solidFill>
+                <a:latin typeface="Source Sans Pro"/>
+                <a:ea typeface="Source Sans Pro"/>
+                <a:cs typeface="Source Sans Pro"/>
+                <a:sym typeface="Source Sans Pro"/>
+              </a:defRPr>
+            </a:lvl3pPr>
+            <a:lvl4pPr marL="1600200" indent="-228600" defTabSz="685800">
+              <a:lnSpc>
+                <a:spcPct val="90000"/>
+              </a:lnSpc>
+              <a:spcBef>
+                <a:spcPts val="700"/>
+              </a:spcBef>
+              <a:buClrTx/>
+              <a:buSzPct val="100000"/>
+              <a:buFontTx/>
+              <a:buChar char="•"/>
+              <a:defRPr>
+                <a:solidFill>
+                  <a:srgbClr val="FFFFFF"/>
+                </a:solidFill>
+                <a:latin typeface="Source Sans Pro"/>
+                <a:ea typeface="Source Sans Pro"/>
+                <a:cs typeface="Source Sans Pro"/>
+                <a:sym typeface="Source Sans Pro"/>
+              </a:defRPr>
+            </a:lvl4pPr>
+            <a:lvl5pPr marL="2057400" indent="-228600" defTabSz="685800">
+              <a:lnSpc>
+                <a:spcPct val="90000"/>
+              </a:lnSpc>
+              <a:spcBef>
+                <a:spcPts val="700"/>
+              </a:spcBef>
+              <a:buClrTx/>
+              <a:buSzPct val="100000"/>
+              <a:buFontTx/>
+              <a:buChar char="•"/>
+              <a:defRPr>
+                <a:solidFill>
+                  <a:srgbClr val="FFFFFF"/>
+                </a:solidFill>
+                <a:latin typeface="Source Sans Pro"/>
+                <a:ea typeface="Source Sans Pro"/>
+                <a:cs typeface="Source Sans Pro"/>
+                <a:sym typeface="Source Sans Pro"/>
+              </a:defRPr>
+            </a:lvl5pPr>
+          </a:lstStyle>
+          <a:p>
+            <a:pPr/>
+            <a:r>
+              <a:t>Body Level One</a:t>
+            </a:r>
+          </a:p>
+          <a:p>
+            <a:pPr lvl="1"/>
+            <a:r>
+              <a:t>Body Level Two</a:t>
+            </a:r>
+          </a:p>
+          <a:p>
+            <a:pPr lvl="2"/>
+            <a:r>
+              <a:t>Body Level Three</a:t>
+            </a:r>
+          </a:p>
+          <a:p>
+            <a:pPr lvl="3"/>
+            <a:r>
+              <a:t>Body Level Four</a:t>
+            </a:r>
+          </a:p>
+          <a:p>
+            <a:pPr lvl="4"/>
+            <a:r>
+              <a:t>Body Level Five</a:t>
+            </a:r>
+          </a:p>
+        </p:txBody>
+      </p:sp>
+      <p:sp>
+        <p:nvSpPr>
+          <p:cNvPr id="116" name="Department/unit name Placeholder"/>
+          <p:cNvSpPr/>
+          <p:nvPr>
+            <p:ph type="body" sz="quarter" idx="21" hasCustomPrompt="1"/>
+          </p:nvPr>
+        </p:nvSpPr>
+        <p:spPr>
+          <a:xfrm>
+            <a:off x="342900" y="4767262"/>
+            <a:ext cx="6115050" cy="273845"/>
+          </a:xfrm>
+          <a:prstGeom prst="rect">
+            <a:avLst/>
+          </a:prstGeom>
+        </p:spPr>
+        <p:txBody>
+          <a:bodyPr lIns="34289" tIns="34289" rIns="34289" bIns="34289" anchor="ctr"/>
+          <a:lstStyle>
+            <a:lvl1pPr marL="0" indent="0" defTabSz="685800">
+              <a:lnSpc>
+                <a:spcPct val="90000"/>
+              </a:lnSpc>
+              <a:spcBef>
+                <a:spcPts val="700"/>
+              </a:spcBef>
+              <a:buClrTx/>
+              <a:buSzTx/>
+              <a:buFontTx/>
+              <a:buNone/>
+              <a:defRPr sz="900">
+                <a:solidFill>
+                  <a:srgbClr val="FFFFFF"/>
+                </a:solidFill>
+                <a:latin typeface="Source Sans Pro SemiBold"/>
+                <a:ea typeface="Source Sans Pro SemiBold"/>
+                <a:cs typeface="Source Sans Pro SemiBold"/>
+                <a:sym typeface="Source Sans Pro SemiBold"/>
+              </a:defRPr>
+            </a:lvl1pPr>
+          </a:lstStyle>
+          <a:p>
+            <a:pPr/>
+            <a:r>
+              <a:t>DEPARTMENT/UNIT NAME</a:t>
+            </a:r>
+          </a:p>
+        </p:txBody>
+      </p:sp>
+      <p:sp>
+        <p:nvSpPr>
+          <p:cNvPr id="117" name="Slide Number"/>
+          <p:cNvSpPr txBox="1"/>
+          <p:nvPr>
+            <p:ph type="sldNum" sz="quarter" idx="2"/>
+          </p:nvPr>
+        </p:nvSpPr>
+        <p:spPr>
+          <a:xfrm>
+            <a:off x="8306933" y="4800044"/>
+            <a:ext cx="208417" cy="208281"/>
+          </a:xfrm>
+          <a:prstGeom prst="rect">
+            <a:avLst/>
+          </a:prstGeom>
+        </p:spPr>
+        <p:txBody>
+          <a:bodyPr lIns="34289" tIns="34289" rIns="34289" bIns="34289">
+            <a:spAutoFit/>
+          </a:bodyPr>
+          <a:lstStyle>
+            <a:lvl1pPr defTabSz="685800">
+              <a:defRPr sz="900">
+                <a:solidFill>
+                  <a:srgbClr val="FFFFFF"/>
+                </a:solidFill>
+                <a:latin typeface="Source Sans Pro SemiBold"/>
+                <a:ea typeface="Source Sans Pro SemiBold"/>
+                <a:cs typeface="Source Sans Pro SemiBold"/>
+                <a:sym typeface="Source Sans Pro SemiBold"/>
+              </a:defRPr>
+            </a:lvl1pPr>
+          </a:lstStyle>
+          <a:p>
+            <a:pPr/>
+            <a:fld id="{86CB4B4D-7CA3-9044-876B-883B54F8677D}" type="slidenum"/>
+          </a:p>
+        </p:txBody>
+      </p:sp>
+    </p:spTree>
+  </p:cSld>
+  <p:clrMapOvr>
+    <a:masterClrMapping/>
+  </p:clrMapOvr>
+  <p:transition xmlns:p14="http://schemas.microsoft.com/office/powerpoint/2010/main" spd="med" advClick="1"/>
+</p:sldLayout>
+</file>
+
+<file path=ppt/slideLayouts/slideLayout13.xml><?xml version="1.0" encoding="utf-8"?>
+<p:sldLayout xmlns:a="http://schemas.openxmlformats.org/drawingml/2006/main" xmlns:r="http://schemas.openxmlformats.org/officeDocument/2006/relationships" xmlns:p="http://schemas.openxmlformats.org/presentationml/2006/main" xmlns:m="http://schemas.openxmlformats.org/officeDocument/2006/math" xmlns:a14="http://schemas.microsoft.com/office/drawing/2010/main" type="tx" showMasterSp="0" showMasterPhAnim="1">
+  <p:cSld name="Section Divider 4">
+    <p:spTree>
+      <p:nvGrpSpPr>
+        <p:cNvPr id="1" name=""/>
+        <p:cNvGrpSpPr/>
+        <p:nvPr/>
+      </p:nvGrpSpPr>
+      <p:grpSpPr>
+        <a:xfrm>
+          <a:off x="0" y="0"/>
+          <a:ext cx="0" cy="0"/>
+          <a:chOff x="0" y="0"/>
+          <a:chExt cx="0" cy="0"/>
+        </a:xfrm>
+      </p:grpSpPr>
+      <p:pic>
+        <p:nvPicPr>
+          <p:cNvPr id="124" name="Background" descr="Background"/>
+          <p:cNvPicPr>
+            <a:picLocks noChangeAspect="1"/>
+          </p:cNvPicPr>
+          <p:nvPr/>
+        </p:nvPicPr>
+        <p:blipFill>
+          <a:blip r:embed="rId2">
+            <a:extLst/>
+          </a:blip>
+          <a:stretch>
+            <a:fillRect/>
+          </a:stretch>
+        </p:blipFill>
+        <p:spPr>
+          <a:xfrm>
+            <a:off x="0" y="0"/>
+            <a:ext cx="9144000" cy="5143500"/>
+          </a:xfrm>
+          <a:prstGeom prst="rect">
+            <a:avLst/>
+          </a:prstGeom>
+          <a:ln w="12700">
+            <a:miter lim="400000"/>
+          </a:ln>
+        </p:spPr>
+      </p:pic>
+      <p:pic>
+        <p:nvPicPr>
+          <p:cNvPr id="125" name="Block I" descr="Block I"/>
+          <p:cNvPicPr>
+            <a:picLocks noChangeAspect="1"/>
+          </p:cNvPicPr>
+          <p:nvPr/>
+        </p:nvPicPr>
+        <p:blipFill>
+          <a:blip r:embed="rId3">
+            <a:extLst/>
+          </a:blip>
+          <a:stretch>
+            <a:fillRect/>
+          </a:stretch>
+        </p:blipFill>
+        <p:spPr>
+          <a:xfrm>
+            <a:off x="8328453" y="208353"/>
+            <a:ext cx="397107" cy="573597"/>
+          </a:xfrm>
+          <a:prstGeom prst="rect">
+            <a:avLst/>
+          </a:prstGeom>
+          <a:ln w="12700">
+            <a:miter lim="400000"/>
+          </a:ln>
+        </p:spPr>
+      </p:pic>
+      <p:sp>
+        <p:nvSpPr>
+          <p:cNvPr id="126" name="Title Accent"/>
+          <p:cNvSpPr/>
+          <p:nvPr/>
+        </p:nvSpPr>
+        <p:spPr>
+          <a:xfrm>
+            <a:off x="1042987" y="1374457"/>
+            <a:ext cx="71438" cy="2394586"/>
+          </a:xfrm>
+          <a:prstGeom prst="rect">
+            <a:avLst/>
+          </a:prstGeom>
+          <a:solidFill>
+            <a:srgbClr val="FF5F05"/>
+          </a:solidFill>
+          <a:ln w="12700">
+            <a:miter lim="400000"/>
+          </a:ln>
+        </p:spPr>
+        <p:txBody>
+          <a:bodyPr lIns="34289" tIns="34289" rIns="34289" bIns="34289" anchor="ctr"/>
+          <a:lstStyle/>
+          <a:p>
+            <a:pPr algn="ctr" defTabSz="685800">
+              <a:defRPr sz="1200">
+                <a:solidFill>
+                  <a:srgbClr val="FFFFFF"/>
+                </a:solidFill>
+                <a:latin typeface="Source Sans Pro"/>
+                <a:ea typeface="Source Sans Pro"/>
+                <a:cs typeface="Source Sans Pro"/>
+                <a:sym typeface="Source Sans Pro"/>
+              </a:defRPr>
+            </a:pPr>
+          </a:p>
+        </p:txBody>
+      </p:sp>
+      <p:sp>
+        <p:nvSpPr>
+          <p:cNvPr id="127" name="HEADING"/>
+          <p:cNvSpPr txBox="1"/>
+          <p:nvPr>
+            <p:ph type="title" hasCustomPrompt="1"/>
+          </p:nvPr>
+        </p:nvSpPr>
+        <p:spPr>
+          <a:xfrm>
+            <a:off x="1220656" y="1374457"/>
+            <a:ext cx="7103051" cy="994173"/>
+          </a:xfrm>
+          <a:prstGeom prst="rect">
+            <a:avLst/>
+          </a:prstGeom>
+        </p:spPr>
+        <p:txBody>
+          <a:bodyPr lIns="34289" tIns="34289" rIns="34289" bIns="34289" anchor="ctr"/>
+          <a:lstStyle>
+            <a:lvl1pPr defTabSz="685800">
+              <a:lnSpc>
+                <a:spcPct val="90000"/>
+              </a:lnSpc>
+              <a:defRPr sz="6000">
+                <a:solidFill>
+                  <a:srgbClr val="FFFFFF"/>
+                </a:solidFill>
+                <a:latin typeface="Source Sans Pro SemiBold"/>
+                <a:ea typeface="Source Sans Pro SemiBold"/>
+                <a:cs typeface="Source Sans Pro SemiBold"/>
+                <a:sym typeface="Source Sans Pro SemiBold"/>
+              </a:defRPr>
+            </a:lvl1pPr>
+          </a:lstStyle>
+          <a:p>
+            <a:pPr/>
+            <a:r>
+              <a:t>HEADING</a:t>
+            </a:r>
+          </a:p>
+        </p:txBody>
+      </p:sp>
+      <p:sp>
+        <p:nvSpPr>
+          <p:cNvPr id="128" name="Body Level One…"/>
+          <p:cNvSpPr txBox="1"/>
+          <p:nvPr>
+            <p:ph type="body" sz="quarter" idx="1"/>
+          </p:nvPr>
+        </p:nvSpPr>
+        <p:spPr>
+          <a:xfrm>
+            <a:off x="1220656" y="2702469"/>
+            <a:ext cx="7103051" cy="1066574"/>
+          </a:xfrm>
+          <a:prstGeom prst="rect">
+            <a:avLst/>
+          </a:prstGeom>
+        </p:spPr>
+        <p:txBody>
+          <a:bodyPr lIns="34289" tIns="34289" rIns="34289" bIns="34289"/>
+          <a:lstStyle>
+            <a:lvl1pPr marL="0" indent="0" defTabSz="685800">
+              <a:lnSpc>
+                <a:spcPct val="90000"/>
+              </a:lnSpc>
+              <a:spcBef>
+                <a:spcPts val="700"/>
+              </a:spcBef>
+              <a:buClrTx/>
+              <a:buSzTx/>
+              <a:buFontTx/>
+              <a:buNone/>
+              <a:defRPr>
+                <a:solidFill>
+                  <a:srgbClr val="FFFFFF"/>
+                </a:solidFill>
+                <a:latin typeface="Source Sans Pro"/>
+                <a:ea typeface="Source Sans Pro"/>
+                <a:cs typeface="Source Sans Pro"/>
+                <a:sym typeface="Source Sans Pro"/>
+              </a:defRPr>
+            </a:lvl1pPr>
+            <a:lvl2pPr marL="628650" indent="-171450" defTabSz="685800">
+              <a:lnSpc>
+                <a:spcPct val="90000"/>
+              </a:lnSpc>
+              <a:spcBef>
+                <a:spcPts val="700"/>
+              </a:spcBef>
+              <a:buClrTx/>
+              <a:buSzPct val="100000"/>
+              <a:buFontTx/>
+              <a:buChar char="•"/>
+              <a:defRPr>
+                <a:solidFill>
+                  <a:srgbClr val="FFFFFF"/>
+                </a:solidFill>
+                <a:latin typeface="Source Sans Pro"/>
+                <a:ea typeface="Source Sans Pro"/>
+                <a:cs typeface="Source Sans Pro"/>
+                <a:sym typeface="Source Sans Pro"/>
+              </a:defRPr>
+            </a:lvl2pPr>
+            <a:lvl3pPr marL="1120139" indent="-205739" defTabSz="685800">
+              <a:lnSpc>
+                <a:spcPct val="90000"/>
+              </a:lnSpc>
+              <a:spcBef>
+                <a:spcPts val="700"/>
+              </a:spcBef>
+              <a:buClrTx/>
+              <a:buSzPct val="100000"/>
+              <a:buFontTx/>
+              <a:buChar char="•"/>
+              <a:defRPr>
+                <a:solidFill>
+                  <a:srgbClr val="FFFFFF"/>
+                </a:solidFill>
+                <a:latin typeface="Source Sans Pro"/>
+                <a:ea typeface="Source Sans Pro"/>
+                <a:cs typeface="Source Sans Pro"/>
+                <a:sym typeface="Source Sans Pro"/>
+              </a:defRPr>
+            </a:lvl3pPr>
+            <a:lvl4pPr marL="1600200" indent="-228600" defTabSz="685800">
+              <a:lnSpc>
+                <a:spcPct val="90000"/>
+              </a:lnSpc>
+              <a:spcBef>
+                <a:spcPts val="700"/>
+              </a:spcBef>
+              <a:buClrTx/>
+              <a:buSzPct val="100000"/>
+              <a:buFontTx/>
+              <a:buChar char="•"/>
+              <a:defRPr>
+                <a:solidFill>
+                  <a:srgbClr val="FFFFFF"/>
+                </a:solidFill>
+                <a:latin typeface="Source Sans Pro"/>
+                <a:ea typeface="Source Sans Pro"/>
+                <a:cs typeface="Source Sans Pro"/>
+                <a:sym typeface="Source Sans Pro"/>
+              </a:defRPr>
+            </a:lvl4pPr>
+            <a:lvl5pPr marL="2057400" indent="-228600" defTabSz="685800">
+              <a:lnSpc>
+                <a:spcPct val="90000"/>
+              </a:lnSpc>
+              <a:spcBef>
+                <a:spcPts val="700"/>
+              </a:spcBef>
+              <a:buClrTx/>
+              <a:buSzPct val="100000"/>
+              <a:buFontTx/>
+              <a:buChar char="•"/>
+              <a:defRPr>
+                <a:solidFill>
+                  <a:srgbClr val="FFFFFF"/>
+                </a:solidFill>
+                <a:latin typeface="Source Sans Pro"/>
+                <a:ea typeface="Source Sans Pro"/>
+                <a:cs typeface="Source Sans Pro"/>
+                <a:sym typeface="Source Sans Pro"/>
+              </a:defRPr>
+            </a:lvl5pPr>
+          </a:lstStyle>
+          <a:p>
+            <a:pPr/>
+            <a:r>
+              <a:t>Body Level One</a:t>
+            </a:r>
+          </a:p>
+          <a:p>
+            <a:pPr lvl="1"/>
+            <a:r>
+              <a:t>Body Level Two</a:t>
+            </a:r>
+          </a:p>
+          <a:p>
+            <a:pPr lvl="2"/>
+            <a:r>
+              <a:t>Body Level Three</a:t>
+            </a:r>
+          </a:p>
+          <a:p>
+            <a:pPr lvl="3"/>
+            <a:r>
+              <a:t>Body Level Four</a:t>
+            </a:r>
+          </a:p>
+          <a:p>
+            <a:pPr lvl="4"/>
+            <a:r>
+              <a:t>Body Level Five</a:t>
+            </a:r>
+          </a:p>
+        </p:txBody>
+      </p:sp>
+      <p:sp>
+        <p:nvSpPr>
+          <p:cNvPr id="129" name="Department/Unit name Placeholder"/>
+          <p:cNvSpPr/>
+          <p:nvPr>
+            <p:ph type="body" sz="quarter" idx="21" hasCustomPrompt="1"/>
+          </p:nvPr>
+        </p:nvSpPr>
+        <p:spPr>
+          <a:xfrm>
+            <a:off x="342900" y="4767262"/>
+            <a:ext cx="6115050" cy="273845"/>
+          </a:xfrm>
+          <a:prstGeom prst="rect">
+            <a:avLst/>
+          </a:prstGeom>
+        </p:spPr>
+        <p:txBody>
+          <a:bodyPr lIns="34289" tIns="34289" rIns="34289" bIns="34289" anchor="ctr"/>
+          <a:lstStyle>
+            <a:lvl1pPr marL="0" indent="0" defTabSz="685800">
+              <a:lnSpc>
+                <a:spcPct val="90000"/>
+              </a:lnSpc>
+              <a:spcBef>
+                <a:spcPts val="700"/>
+              </a:spcBef>
+              <a:buClrTx/>
+              <a:buSzTx/>
+              <a:buFontTx/>
+              <a:buNone/>
+              <a:defRPr sz="900">
+                <a:solidFill>
+                  <a:srgbClr val="FFFFFF"/>
+                </a:solidFill>
+                <a:latin typeface="Source Sans Pro SemiBold"/>
+                <a:ea typeface="Source Sans Pro SemiBold"/>
+                <a:cs typeface="Source Sans Pro SemiBold"/>
+                <a:sym typeface="Source Sans Pro SemiBold"/>
+              </a:defRPr>
+            </a:lvl1pPr>
+          </a:lstStyle>
+          <a:p>
+            <a:pPr/>
+            <a:r>
+              <a:t>DEPARTMENT/UNIT NAME</a:t>
+            </a:r>
+          </a:p>
+        </p:txBody>
+      </p:sp>
+      <p:sp>
+        <p:nvSpPr>
+          <p:cNvPr id="130" name="Slide Number"/>
+          <p:cNvSpPr txBox="1"/>
+          <p:nvPr>
+            <p:ph type="sldNum" sz="quarter" idx="2"/>
+          </p:nvPr>
+        </p:nvSpPr>
+        <p:spPr>
+          <a:xfrm>
+            <a:off x="8306933" y="4800044"/>
+            <a:ext cx="208417" cy="208281"/>
+          </a:xfrm>
+          <a:prstGeom prst="rect">
+            <a:avLst/>
+          </a:prstGeom>
+        </p:spPr>
+        <p:txBody>
+          <a:bodyPr lIns="34289" tIns="34289" rIns="34289" bIns="34289">
+            <a:spAutoFit/>
+          </a:bodyPr>
+          <a:lstStyle>
+            <a:lvl1pPr defTabSz="685800">
+              <a:defRPr sz="900">
+                <a:solidFill>
+                  <a:srgbClr val="FFFFFF"/>
+                </a:solidFill>
+                <a:latin typeface="Source Sans Pro SemiBold"/>
+                <a:ea typeface="Source Sans Pro SemiBold"/>
+                <a:cs typeface="Source Sans Pro SemiBold"/>
+                <a:sym typeface="Source Sans Pro SemiBold"/>
+              </a:defRPr>
+            </a:lvl1pPr>
+          </a:lstStyle>
+          <a:p>
+            <a:pPr/>
+            <a:fld id="{86CB4B4D-7CA3-9044-876B-883B54F8677D}" type="slidenum"/>
+          </a:p>
+        </p:txBody>
+      </p:sp>
+    </p:spTree>
+  </p:cSld>
+  <p:clrMapOvr>
+    <a:masterClrMapping/>
+  </p:clrMapOvr>
+  <p:transition xmlns:p14="http://schemas.microsoft.com/office/powerpoint/2010/main" spd="med" advClick="1"/>
 </p:sldLayout>
 </file>
 
 <file path=ppt/slideLayouts/slideLayout2.xml><?xml version="1.0" encoding="utf-8"?>
-<p:sldLayout xmlns:a="http://schemas.openxmlformats.org/drawingml/2006/main" xmlns:r="http://schemas.openxmlformats.org/officeDocument/2006/relationships" xmlns:p="http://schemas.openxmlformats.org/presentationml/2006/main" showMasterSp="0" type="tx">
+<p:sldLayout xmlns:a="http://schemas.openxmlformats.org/drawingml/2006/main" xmlns:r="http://schemas.openxmlformats.org/officeDocument/2006/relationships" xmlns:p="http://schemas.openxmlformats.org/presentationml/2006/main" xmlns:m="http://schemas.openxmlformats.org/officeDocument/2006/math" xmlns:a14="http://schemas.microsoft.com/office/drawing/2010/main" type="tx" showMasterSp="0" showMasterPhAnim="1">
   <p:cSld name="SECTION_HEADER">
     <p:bg>
       <p:bgPr>
         <a:solidFill>
           <a:srgbClr val="202729"/>
         </a:solidFill>
-        <a:effectLst/>
       </p:bgPr>
     </p:bg>
     <p:spTree>
@@ -973,8 +1774,8 @@
         </p:nvSpPr>
         <p:spPr>
           <a:xfrm>
-            <a:off x="0" y="2998149"/>
-            <a:ext cx="9144001" cy="1"/>
+            <a:off x="0" y="2998148"/>
+            <a:ext cx="9144002" cy="2"/>
           </a:xfrm>
           <a:prstGeom prst="line">
             <a:avLst/>
@@ -986,27 +1787,25 @@
           </a:ln>
         </p:spPr>
         <p:txBody>
-          <a:bodyPr lIns="45719" rIns="45719"/>
+          <a:bodyPr lIns="45718" tIns="45718" rIns="45718" bIns="45718"/>
           <a:lstStyle/>
           <a:p>
-            <a:endParaRPr/>
+            <a:pPr/>
           </a:p>
         </p:txBody>
       </p:sp>
       <p:sp>
         <p:nvSpPr>
           <p:cNvPr id="23" name="Title Text"/>
-          <p:cNvSpPr txBox="1">
-            <a:spLocks noGrp="1"/>
-          </p:cNvSpPr>
+          <p:cNvSpPr txBox="1"/>
           <p:nvPr>
             <p:ph type="title"/>
           </p:nvPr>
         </p:nvSpPr>
         <p:spPr>
           <a:xfrm>
-            <a:off x="510449" y="2057400"/>
-            <a:ext cx="8123102" cy="778800"/>
+            <a:off x="510448" y="2057400"/>
+            <a:ext cx="8123103" cy="778800"/>
           </a:xfrm>
           <a:prstGeom prst="rect">
             <a:avLst/>
@@ -1024,6 +1823,7 @@
             </a:lvl1pPr>
           </a:lstStyle>
           <a:p>
+            <a:pPr/>
             <a:r>
               <a:t>Title Text</a:t>
             </a:r>
@@ -1033,9 +1833,7 @@
       <p:sp>
         <p:nvSpPr>
           <p:cNvPr id="24" name="Slide Number"/>
-          <p:cNvSpPr txBox="1">
-            <a:spLocks noGrp="1"/>
-          </p:cNvSpPr>
+          <p:cNvSpPr txBox="1"/>
           <p:nvPr>
             <p:ph type="sldNum" sz="quarter" idx="2"/>
           </p:nvPr>
@@ -1057,10 +1855,8 @@
             </a:lvl1pPr>
           </a:lstStyle>
           <a:p>
-            <a:fld id="{86CB4B4D-7CA3-9044-876B-883B54F8677D}" type="slidenum">
-              <a:t>‹#›</a:t>
-            </a:fld>
-            <a:endParaRPr/>
+            <a:pPr/>
+            <a:fld id="{86CB4B4D-7CA3-9044-876B-883B54F8677D}" type="slidenum"/>
           </a:p>
         </p:txBody>
       </p:sp>
@@ -1069,12 +1865,12 @@
   <p:clrMapOvr>
     <a:masterClrMapping/>
   </p:clrMapOvr>
-  <p:transition spd="med"/>
+  <p:transition xmlns:p14="http://schemas.microsoft.com/office/powerpoint/2010/main" spd="med" advClick="1"/>
 </p:sldLayout>
 </file>
 
 <file path=ppt/slideLayouts/slideLayout3.xml><?xml version="1.0" encoding="utf-8"?>
-<p:sldLayout xmlns:a="http://schemas.openxmlformats.org/drawingml/2006/main" xmlns:r="http://schemas.openxmlformats.org/officeDocument/2006/relationships" xmlns:p="http://schemas.openxmlformats.org/presentationml/2006/main" type="tx">
+<p:sldLayout xmlns:a="http://schemas.openxmlformats.org/drawingml/2006/main" xmlns:r="http://schemas.openxmlformats.org/officeDocument/2006/relationships" xmlns:p="http://schemas.openxmlformats.org/presentationml/2006/main" xmlns:m="http://schemas.openxmlformats.org/officeDocument/2006/math" xmlns:a14="http://schemas.microsoft.com/office/drawing/2010/main" type="tx" showMasterSp="1" showMasterPhAnim="1">
   <p:cSld name="TITLE_AND_BODY">
     <p:spTree>
       <p:nvGrpSpPr>
@@ -1093,9 +1889,7 @@
       <p:sp>
         <p:nvSpPr>
           <p:cNvPr id="31" name="Title Text"/>
-          <p:cNvSpPr txBox="1">
-            <a:spLocks noGrp="1"/>
-          </p:cNvSpPr>
+          <p:cNvSpPr txBox="1"/>
           <p:nvPr>
             <p:ph type="title"/>
           </p:nvPr>
@@ -1109,6 +1903,7 @@
           <a:bodyPr/>
           <a:lstStyle/>
           <a:p>
+            <a:pPr/>
             <a:r>
               <a:t>Title Text</a:t>
             </a:r>
@@ -1118,9 +1913,7 @@
       <p:sp>
         <p:nvSpPr>
           <p:cNvPr id="32" name="Body Level One…"/>
-          <p:cNvSpPr txBox="1">
-            <a:spLocks noGrp="1"/>
-          </p:cNvSpPr>
+          <p:cNvSpPr txBox="1"/>
           <p:nvPr>
             <p:ph type="body" idx="1"/>
           </p:nvPr>
@@ -1134,6 +1927,7 @@
           <a:bodyPr/>
           <a:lstStyle/>
           <a:p>
+            <a:pPr/>
             <a:r>
               <a:t>Body Level One</a:t>
             </a:r>
@@ -1167,9 +1961,7 @@
       <p:sp>
         <p:nvSpPr>
           <p:cNvPr id="33" name="Slide Number"/>
-          <p:cNvSpPr txBox="1">
-            <a:spLocks noGrp="1"/>
-          </p:cNvSpPr>
+          <p:cNvSpPr txBox="1"/>
           <p:nvPr>
             <p:ph type="sldNum" sz="quarter" idx="2"/>
           </p:nvPr>
@@ -1183,10 +1975,8 @@
           <a:bodyPr/>
           <a:lstStyle/>
           <a:p>
-            <a:fld id="{86CB4B4D-7CA3-9044-876B-883B54F8677D}" type="slidenum">
-              <a:t>‹#›</a:t>
-            </a:fld>
-            <a:endParaRPr/>
+            <a:pPr/>
+            <a:fld id="{86CB4B4D-7CA3-9044-876B-883B54F8677D}" type="slidenum"/>
           </a:p>
         </p:txBody>
       </p:sp>
@@ -1195,12 +1985,12 @@
   <p:clrMapOvr>
     <a:masterClrMapping/>
   </p:clrMapOvr>
-  <p:transition spd="med"/>
+  <p:transition xmlns:p14="http://schemas.microsoft.com/office/powerpoint/2010/main" spd="med" advClick="1"/>
 </p:sldLayout>
 </file>
 
 <file path=ppt/slideLayouts/slideLayout4.xml><?xml version="1.0" encoding="utf-8"?>
-<p:sldLayout xmlns:a="http://schemas.openxmlformats.org/drawingml/2006/main" xmlns:r="http://schemas.openxmlformats.org/officeDocument/2006/relationships" xmlns:p="http://schemas.openxmlformats.org/presentationml/2006/main" showMasterSp="0" type="tx">
+<p:sldLayout xmlns:a="http://schemas.openxmlformats.org/drawingml/2006/main" xmlns:r="http://schemas.openxmlformats.org/officeDocument/2006/relationships" xmlns:p="http://schemas.openxmlformats.org/presentationml/2006/main" xmlns:m="http://schemas.openxmlformats.org/officeDocument/2006/math" xmlns:a14="http://schemas.microsoft.com/office/drawing/2010/main" type="tx" showMasterSp="0" showMasterPhAnim="1">
   <p:cSld name="TITLE_AND_TWO_COLUMNS">
     <p:spTree>
       <p:nvGrpSpPr>
@@ -1219,9 +2009,7 @@
       <p:sp>
         <p:nvSpPr>
           <p:cNvPr id="40" name="Title Text"/>
-          <p:cNvSpPr txBox="1">
-            <a:spLocks noGrp="1"/>
-          </p:cNvSpPr>
+          <p:cNvSpPr txBox="1"/>
           <p:nvPr>
             <p:ph type="title"/>
           </p:nvPr>
@@ -1235,6 +2023,7 @@
           <a:bodyPr/>
           <a:lstStyle/>
           <a:p>
+            <a:pPr/>
             <a:r>
               <a:t>Title Text</a:t>
             </a:r>
@@ -1244,17 +2033,15 @@
       <p:sp>
         <p:nvSpPr>
           <p:cNvPr id="41" name="Body Level One…"/>
-          <p:cNvSpPr txBox="1">
-            <a:spLocks noGrp="1"/>
-          </p:cNvSpPr>
+          <p:cNvSpPr txBox="1"/>
           <p:nvPr>
             <p:ph type="body" sz="half" idx="1"/>
           </p:nvPr>
         </p:nvSpPr>
         <p:spPr>
           <a:xfrm>
-            <a:off x="311699" y="1152475"/>
-            <a:ext cx="3999902" cy="3416400"/>
+            <a:off x="311698" y="1152475"/>
+            <a:ext cx="3999903" cy="3416400"/>
           </a:xfrm>
           <a:prstGeom prst="rect">
             <a:avLst/>
@@ -1285,6 +2072,7 @@
             </a:lvl5pPr>
           </a:lstStyle>
           <a:p>
+            <a:pPr/>
             <a:r>
               <a:t>Body Level One</a:t>
             </a:r>
@@ -1318,17 +2106,15 @@
       <p:sp>
         <p:nvSpPr>
           <p:cNvPr id="42" name="Google Shape;26;p5"/>
-          <p:cNvSpPr txBox="1">
-            <a:spLocks noGrp="1"/>
-          </p:cNvSpPr>
+          <p:cNvSpPr txBox="1"/>
           <p:nvPr>
             <p:ph type="body" sz="half" idx="21"/>
           </p:nvPr>
         </p:nvSpPr>
         <p:spPr>
           <a:xfrm>
-            <a:off x="4832399" y="1152475"/>
-            <a:ext cx="3999902" cy="3416400"/>
+            <a:off x="4832398" y="1152475"/>
+            <a:ext cx="3999903" cy="3416400"/>
           </a:xfrm>
           <a:prstGeom prst="rect">
             <a:avLst/>
@@ -1338,20 +2124,14 @@
           <a:bodyPr/>
           <a:lstStyle/>
           <a:p>
-            <a:pPr indent="-317500">
-              <a:buSzPts val="1400"/>
-              <a:defRPr sz="1400"/>
-            </a:pPr>
-            <a:endParaRPr/>
+            <a:pPr/>
           </a:p>
         </p:txBody>
       </p:sp>
       <p:sp>
         <p:nvSpPr>
           <p:cNvPr id="43" name="Slide Number"/>
-          <p:cNvSpPr txBox="1">
-            <a:spLocks noGrp="1"/>
-          </p:cNvSpPr>
+          <p:cNvSpPr txBox="1"/>
           <p:nvPr>
             <p:ph type="sldNum" sz="quarter" idx="2"/>
           </p:nvPr>
@@ -1365,10 +2145,8 @@
           <a:bodyPr/>
           <a:lstStyle/>
           <a:p>
-            <a:fld id="{86CB4B4D-7CA3-9044-876B-883B54F8677D}" type="slidenum">
-              <a:t>‹#›</a:t>
-            </a:fld>
-            <a:endParaRPr/>
+            <a:pPr/>
+            <a:fld id="{86CB4B4D-7CA3-9044-876B-883B54F8677D}" type="slidenum"/>
           </a:p>
         </p:txBody>
       </p:sp>
@@ -1377,12 +2155,12 @@
   <p:clrMapOvr>
     <a:masterClrMapping/>
   </p:clrMapOvr>
-  <p:transition spd="med"/>
+  <p:transition xmlns:p14="http://schemas.microsoft.com/office/powerpoint/2010/main" spd="med" advClick="1"/>
 </p:sldLayout>
 </file>
 
 <file path=ppt/slideLayouts/slideLayout5.xml><?xml version="1.0" encoding="utf-8"?>
-<p:sldLayout xmlns:a="http://schemas.openxmlformats.org/drawingml/2006/main" xmlns:r="http://schemas.openxmlformats.org/officeDocument/2006/relationships" xmlns:p="http://schemas.openxmlformats.org/presentationml/2006/main" showMasterSp="0" type="tx">
+<p:sldLayout xmlns:a="http://schemas.openxmlformats.org/drawingml/2006/main" xmlns:r="http://schemas.openxmlformats.org/officeDocument/2006/relationships" xmlns:p="http://schemas.openxmlformats.org/presentationml/2006/main" xmlns:m="http://schemas.openxmlformats.org/officeDocument/2006/math" xmlns:a14="http://schemas.microsoft.com/office/drawing/2010/main" type="tx" showMasterSp="0" showMasterPhAnim="1">
   <p:cSld name="TITLE_ONLY">
     <p:spTree>
       <p:nvGrpSpPr>
@@ -1401,9 +2179,7 @@
       <p:sp>
         <p:nvSpPr>
           <p:cNvPr id="50" name="Title Text"/>
-          <p:cNvSpPr txBox="1">
-            <a:spLocks noGrp="1"/>
-          </p:cNvSpPr>
+          <p:cNvSpPr txBox="1"/>
           <p:nvPr>
             <p:ph type="title"/>
           </p:nvPr>
@@ -1417,6 +2193,7 @@
           <a:bodyPr/>
           <a:lstStyle/>
           <a:p>
+            <a:pPr/>
             <a:r>
               <a:t>Title Text</a:t>
             </a:r>
@@ -1426,9 +2203,7 @@
       <p:sp>
         <p:nvSpPr>
           <p:cNvPr id="51" name="Slide Number"/>
-          <p:cNvSpPr txBox="1">
-            <a:spLocks noGrp="1"/>
-          </p:cNvSpPr>
+          <p:cNvSpPr txBox="1"/>
           <p:nvPr>
             <p:ph type="sldNum" sz="quarter" idx="2"/>
           </p:nvPr>
@@ -1442,10 +2217,8 @@
           <a:bodyPr/>
           <a:lstStyle/>
           <a:p>
-            <a:fld id="{86CB4B4D-7CA3-9044-876B-883B54F8677D}" type="slidenum">
-              <a:t>‹#›</a:t>
-            </a:fld>
-            <a:endParaRPr/>
+            <a:pPr/>
+            <a:fld id="{86CB4B4D-7CA3-9044-876B-883B54F8677D}" type="slidenum"/>
           </a:p>
         </p:txBody>
       </p:sp>
@@ -1454,12 +2227,12 @@
   <p:clrMapOvr>
     <a:masterClrMapping/>
   </p:clrMapOvr>
-  <p:transition spd="med"/>
+  <p:transition xmlns:p14="http://schemas.microsoft.com/office/powerpoint/2010/main" spd="med" advClick="1"/>
 </p:sldLayout>
 </file>
 
 <file path=ppt/slideLayouts/slideLayout6.xml><?xml version="1.0" encoding="utf-8"?>
-<p:sldLayout xmlns:a="http://schemas.openxmlformats.org/drawingml/2006/main" xmlns:r="http://schemas.openxmlformats.org/officeDocument/2006/relationships" xmlns:p="http://schemas.openxmlformats.org/presentationml/2006/main" showMasterSp="0" type="tx">
+<p:sldLayout xmlns:a="http://schemas.openxmlformats.org/drawingml/2006/main" xmlns:r="http://schemas.openxmlformats.org/officeDocument/2006/relationships" xmlns:p="http://schemas.openxmlformats.org/presentationml/2006/main" xmlns:m="http://schemas.openxmlformats.org/officeDocument/2006/math" xmlns:a14="http://schemas.microsoft.com/office/drawing/2010/main" type="tx" showMasterSp="0" showMasterPhAnim="1">
   <p:cSld name="ONE_COLUMN_TEXT">
     <p:spTree>
       <p:nvGrpSpPr>
@@ -1478,17 +2251,15 @@
       <p:sp>
         <p:nvSpPr>
           <p:cNvPr id="58" name="Title Text"/>
-          <p:cNvSpPr txBox="1">
-            <a:spLocks noGrp="1"/>
-          </p:cNvSpPr>
+          <p:cNvSpPr txBox="1"/>
           <p:nvPr>
             <p:ph type="title"/>
           </p:nvPr>
         </p:nvSpPr>
         <p:spPr>
           <a:xfrm>
-            <a:off x="311699" y="555600"/>
-            <a:ext cx="2808001" cy="755700"/>
+            <a:off x="311698" y="555600"/>
+            <a:ext cx="2808003" cy="755700"/>
           </a:xfrm>
           <a:prstGeom prst="rect">
             <a:avLst/>
@@ -1502,6 +2273,7 @@
             </a:lvl1pPr>
           </a:lstStyle>
           <a:p>
+            <a:pPr/>
             <a:r>
               <a:t>Title Text</a:t>
             </a:r>
@@ -1511,17 +2283,15 @@
       <p:sp>
         <p:nvSpPr>
           <p:cNvPr id="59" name="Body Level One…"/>
-          <p:cNvSpPr txBox="1">
-            <a:spLocks noGrp="1"/>
-          </p:cNvSpPr>
+          <p:cNvSpPr txBox="1"/>
           <p:nvPr>
             <p:ph type="body" sz="quarter" idx="1"/>
           </p:nvPr>
         </p:nvSpPr>
         <p:spPr>
           <a:xfrm>
-            <a:off x="311699" y="1389599"/>
-            <a:ext cx="2808001" cy="3179401"/>
+            <a:off x="311698" y="1389598"/>
+            <a:ext cx="2808003" cy="3179403"/>
           </a:xfrm>
           <a:prstGeom prst="rect">
             <a:avLst/>
@@ -1552,6 +2322,7 @@
             </a:lvl5pPr>
           </a:lstStyle>
           <a:p>
+            <a:pPr/>
             <a:r>
               <a:t>Body Level One</a:t>
             </a:r>
@@ -1585,9 +2356,7 @@
       <p:sp>
         <p:nvSpPr>
           <p:cNvPr id="60" name="Slide Number"/>
-          <p:cNvSpPr txBox="1">
-            <a:spLocks noGrp="1"/>
-          </p:cNvSpPr>
+          <p:cNvSpPr txBox="1"/>
           <p:nvPr>
             <p:ph type="sldNum" sz="quarter" idx="2"/>
           </p:nvPr>
@@ -1601,10 +2370,8 @@
           <a:bodyPr/>
           <a:lstStyle/>
           <a:p>
-            <a:fld id="{86CB4B4D-7CA3-9044-876B-883B54F8677D}" type="slidenum">
-              <a:t>‹#›</a:t>
-            </a:fld>
-            <a:endParaRPr/>
+            <a:pPr/>
+            <a:fld id="{86CB4B4D-7CA3-9044-876B-883B54F8677D}" type="slidenum"/>
           </a:p>
         </p:txBody>
       </p:sp>
@@ -1613,19 +2380,18 @@
   <p:clrMapOvr>
     <a:masterClrMapping/>
   </p:clrMapOvr>
-  <p:transition spd="med"/>
+  <p:transition xmlns:p14="http://schemas.microsoft.com/office/powerpoint/2010/main" spd="med" advClick="1"/>
 </p:sldLayout>
 </file>
 
 <file path=ppt/slideLayouts/slideLayout7.xml><?xml version="1.0" encoding="utf-8"?>
-<p:sldLayout xmlns:a="http://schemas.openxmlformats.org/drawingml/2006/main" xmlns:r="http://schemas.openxmlformats.org/officeDocument/2006/relationships" xmlns:p="http://schemas.openxmlformats.org/presentationml/2006/main" showMasterSp="0" type="tx">
+<p:sldLayout xmlns:a="http://schemas.openxmlformats.org/drawingml/2006/main" xmlns:r="http://schemas.openxmlformats.org/officeDocument/2006/relationships" xmlns:p="http://schemas.openxmlformats.org/presentationml/2006/main" xmlns:m="http://schemas.openxmlformats.org/officeDocument/2006/math" xmlns:a14="http://schemas.microsoft.com/office/drawing/2010/main" type="tx" showMasterSp="0" showMasterPhAnim="1">
   <p:cSld name="MAIN_POINT">
     <p:bg>
       <p:bgPr>
         <a:solidFill>
           <a:srgbClr val="63D297"/>
         </a:solidFill>
-        <a:effectLst/>
       </p:bgPr>
     </p:bg>
     <p:spTree>
@@ -1645,17 +2411,15 @@
       <p:sp>
         <p:nvSpPr>
           <p:cNvPr id="67" name="Title Text"/>
-          <p:cNvSpPr txBox="1">
-            <a:spLocks noGrp="1"/>
-          </p:cNvSpPr>
+          <p:cNvSpPr txBox="1"/>
           <p:nvPr>
             <p:ph type="title"/>
           </p:nvPr>
         </p:nvSpPr>
         <p:spPr>
           <a:xfrm>
-            <a:off x="490250" y="526349"/>
-            <a:ext cx="5797501" cy="4090801"/>
+            <a:off x="490250" y="526348"/>
+            <a:ext cx="5797502" cy="4090803"/>
           </a:xfrm>
           <a:prstGeom prst="rect">
             <a:avLst/>
@@ -1669,6 +2433,7 @@
             </a:lvl1pPr>
           </a:lstStyle>
           <a:p>
+            <a:pPr/>
             <a:r>
               <a:t>Title Text</a:t>
             </a:r>
@@ -1678,9 +2443,7 @@
       <p:sp>
         <p:nvSpPr>
           <p:cNvPr id="68" name="Slide Number"/>
-          <p:cNvSpPr txBox="1">
-            <a:spLocks noGrp="1"/>
-          </p:cNvSpPr>
+          <p:cNvSpPr txBox="1"/>
           <p:nvPr>
             <p:ph type="sldNum" sz="quarter" idx="2"/>
           </p:nvPr>
@@ -1694,10 +2457,8 @@
           <a:bodyPr/>
           <a:lstStyle/>
           <a:p>
-            <a:fld id="{86CB4B4D-7CA3-9044-876B-883B54F8677D}" type="slidenum">
-              <a:t>‹#›</a:t>
-            </a:fld>
-            <a:endParaRPr/>
+            <a:pPr/>
+            <a:fld id="{86CB4B4D-7CA3-9044-876B-883B54F8677D}" type="slidenum"/>
           </a:p>
         </p:txBody>
       </p:sp>
@@ -1706,12 +2467,12 @@
   <p:clrMapOvr>
     <a:masterClrMapping/>
   </p:clrMapOvr>
-  <p:transition spd="med"/>
+  <p:transition xmlns:p14="http://schemas.microsoft.com/office/powerpoint/2010/main" spd="med" advClick="1"/>
 </p:sldLayout>
 </file>
 
 <file path=ppt/slideLayouts/slideLayout8.xml><?xml version="1.0" encoding="utf-8"?>
-<p:sldLayout xmlns:a="http://schemas.openxmlformats.org/drawingml/2006/main" xmlns:r="http://schemas.openxmlformats.org/officeDocument/2006/relationships" xmlns:p="http://schemas.openxmlformats.org/presentationml/2006/main" showMasterSp="0" type="tx">
+<p:sldLayout xmlns:a="http://schemas.openxmlformats.org/drawingml/2006/main" xmlns:r="http://schemas.openxmlformats.org/officeDocument/2006/relationships" xmlns:p="http://schemas.openxmlformats.org/presentationml/2006/main" xmlns:m="http://schemas.openxmlformats.org/officeDocument/2006/math" xmlns:a14="http://schemas.microsoft.com/office/drawing/2010/main" type="tx" showMasterSp="0" showMasterPhAnim="1">
   <p:cSld name="SECTION_TITLE_AND_DESCRIPTION">
     <p:spTree>
       <p:nvGrpSpPr>
@@ -1735,8 +2496,8 @@
         </p:nvSpPr>
         <p:spPr>
           <a:xfrm>
-            <a:off x="4572000" y="74"/>
-            <a:ext cx="4572000" cy="5143501"/>
+            <a:off x="4572000" y="73"/>
+            <a:ext cx="4572000" cy="5143503"/>
           </a:xfrm>
           <a:prstGeom prst="rect">
             <a:avLst/>
@@ -1749,7 +2510,7 @@
           </a:ln>
         </p:spPr>
         <p:txBody>
-          <a:bodyPr lIns="45719" rIns="45719" anchor="ctr"/>
+          <a:bodyPr lIns="45718" tIns="45718" rIns="45718" bIns="45718" anchor="ctr"/>
           <a:lstStyle/>
           <a:p>
             <a:pPr>
@@ -1757,9 +2518,12 @@
                 <a:solidFill>
                   <a:srgbClr val="000000"/>
                 </a:solidFill>
+                <a:latin typeface="+mn-lt"/>
+                <a:ea typeface="+mn-ea"/>
+                <a:cs typeface="+mn-cs"/>
+                <a:sym typeface="Arial"/>
               </a:defRPr>
             </a:pPr>
-            <a:endParaRPr/>
           </a:p>
         </p:txBody>
       </p:sp>
@@ -1772,7 +2536,7 @@
         <p:spPr>
           <a:xfrm>
             <a:off x="5029675" y="4495500"/>
-            <a:ext cx="468301" cy="1"/>
+            <a:ext cx="468302" cy="2"/>
           </a:xfrm>
           <a:prstGeom prst="line">
             <a:avLst/>
@@ -1784,19 +2548,17 @@
           </a:ln>
         </p:spPr>
         <p:txBody>
-          <a:bodyPr lIns="45719" rIns="45719"/>
+          <a:bodyPr lIns="45718" tIns="45718" rIns="45718" bIns="45718"/>
           <a:lstStyle/>
           <a:p>
-            <a:endParaRPr/>
+            <a:pPr/>
           </a:p>
         </p:txBody>
       </p:sp>
       <p:sp>
         <p:nvSpPr>
           <p:cNvPr id="77" name="Title Text"/>
-          <p:cNvSpPr txBox="1">
-            <a:spLocks noGrp="1"/>
-          </p:cNvSpPr>
+          <p:cNvSpPr txBox="1"/>
           <p:nvPr>
             <p:ph type="title"/>
           </p:nvPr>
@@ -1804,7 +2566,7 @@
         <p:spPr>
           <a:xfrm>
             <a:off x="265500" y="1205825"/>
-            <a:ext cx="4045200" cy="1509601"/>
+            <a:ext cx="4045200" cy="1509602"/>
           </a:xfrm>
           <a:prstGeom prst="rect">
             <a:avLst/>
@@ -1818,6 +2580,7 @@
             </a:lvl1pPr>
           </a:lstStyle>
           <a:p>
+            <a:pPr/>
             <a:r>
               <a:t>Title Text</a:t>
             </a:r>
@@ -1827,17 +2590,15 @@
       <p:sp>
         <p:nvSpPr>
           <p:cNvPr id="78" name="Body Level One…"/>
-          <p:cNvSpPr txBox="1">
-            <a:spLocks noGrp="1"/>
-          </p:cNvSpPr>
+          <p:cNvSpPr txBox="1"/>
           <p:nvPr>
             <p:ph type="body" sz="quarter" idx="1"/>
           </p:nvPr>
         </p:nvSpPr>
         <p:spPr>
           <a:xfrm>
-            <a:off x="265500" y="2769000"/>
-            <a:ext cx="4045200" cy="1345501"/>
+            <a:off x="265500" y="2768999"/>
+            <a:ext cx="4045200" cy="1345502"/>
           </a:xfrm>
           <a:prstGeom prst="rect">
             <a:avLst/>
@@ -1846,7 +2607,7 @@
         <p:txBody>
           <a:bodyPr/>
           <a:lstStyle>
-            <a:lvl1pPr marL="342900" indent="-228600" algn="ctr">
+            <a:lvl1pPr marL="228600" indent="-114300" algn="ctr">
               <a:lnSpc>
                 <a:spcPct val="100000"/>
               </a:lnSpc>
@@ -1856,7 +2617,7 @@
               <a:buNone/>
               <a:defRPr sz="2100"/>
             </a:lvl1pPr>
-            <a:lvl2pPr marL="342900" indent="254000" algn="ctr">
+            <a:lvl2pPr marL="228600" indent="114300" algn="ctr">
               <a:lnSpc>
                 <a:spcPct val="100000"/>
               </a:lnSpc>
@@ -1866,7 +2627,7 @@
               <a:buNone/>
               <a:defRPr sz="2100"/>
             </a:lvl2pPr>
-            <a:lvl3pPr marL="342900" indent="711200" algn="ctr">
+            <a:lvl3pPr marL="228600" indent="114300" algn="ctr">
               <a:lnSpc>
                 <a:spcPct val="100000"/>
               </a:lnSpc>
@@ -1876,7 +2637,7 @@
               <a:buNone/>
               <a:defRPr sz="2100"/>
             </a:lvl3pPr>
-            <a:lvl4pPr marL="342900" indent="1168400" algn="ctr">
+            <a:lvl4pPr marL="228600" indent="114300" algn="ctr">
               <a:lnSpc>
                 <a:spcPct val="100000"/>
               </a:lnSpc>
@@ -1886,7 +2647,7 @@
               <a:buNone/>
               <a:defRPr sz="2100"/>
             </a:lvl4pPr>
-            <a:lvl5pPr marL="342900" indent="1625600" algn="ctr">
+            <a:lvl5pPr marL="228600" indent="114300" algn="ctr">
               <a:lnSpc>
                 <a:spcPct val="100000"/>
               </a:lnSpc>
@@ -1898,6 +2659,7 @@
             </a:lvl5pPr>
           </a:lstStyle>
           <a:p>
+            <a:pPr/>
             <a:r>
               <a:t>Body Level One</a:t>
             </a:r>
@@ -1931,17 +2693,15 @@
       <p:sp>
         <p:nvSpPr>
           <p:cNvPr id="79" name="Google Shape;43;p9"/>
-          <p:cNvSpPr txBox="1">
-            <a:spLocks noGrp="1"/>
-          </p:cNvSpPr>
+          <p:cNvSpPr txBox="1"/>
           <p:nvPr>
             <p:ph type="body" sz="half" idx="21"/>
           </p:nvPr>
         </p:nvSpPr>
         <p:spPr>
           <a:xfrm>
-            <a:off x="4939500" y="724199"/>
-            <a:ext cx="3837000" cy="3695101"/>
+            <a:off x="4939500" y="724198"/>
+            <a:ext cx="3837000" cy="3695102"/>
           </a:xfrm>
           <a:prstGeom prst="rect">
             <a:avLst/>
@@ -1951,26 +2711,14 @@
           <a:bodyPr anchor="ctr"/>
           <a:lstStyle/>
           <a:p>
-            <a:pPr>
-              <a:buClr>
-                <a:srgbClr val="FFFFFF"/>
-              </a:buClr>
-              <a:defRPr>
-                <a:solidFill>
-                  <a:srgbClr val="FFFFFF"/>
-                </a:solidFill>
-              </a:defRPr>
-            </a:pPr>
-            <a:endParaRPr/>
+            <a:pPr/>
           </a:p>
         </p:txBody>
       </p:sp>
       <p:sp>
         <p:nvSpPr>
           <p:cNvPr id="80" name="Slide Number"/>
-          <p:cNvSpPr txBox="1">
-            <a:spLocks noGrp="1"/>
-          </p:cNvSpPr>
+          <p:cNvSpPr txBox="1"/>
           <p:nvPr>
             <p:ph type="sldNum" sz="quarter" idx="2"/>
           </p:nvPr>
@@ -1992,10 +2740,8 @@
             </a:lvl1pPr>
           </a:lstStyle>
           <a:p>
-            <a:fld id="{86CB4B4D-7CA3-9044-876B-883B54F8677D}" type="slidenum">
-              <a:t>‹#›</a:t>
-            </a:fld>
-            <a:endParaRPr/>
+            <a:pPr/>
+            <a:fld id="{86CB4B4D-7CA3-9044-876B-883B54F8677D}" type="slidenum"/>
           </a:p>
         </p:txBody>
       </p:sp>
@@ -2004,12 +2750,12 @@
   <p:clrMapOvr>
     <a:masterClrMapping/>
   </p:clrMapOvr>
-  <p:transition spd="med"/>
+  <p:transition xmlns:p14="http://schemas.microsoft.com/office/powerpoint/2010/main" spd="med" advClick="1"/>
 </p:sldLayout>
 </file>
 
 <file path=ppt/slideLayouts/slideLayout9.xml><?xml version="1.0" encoding="utf-8"?>
-<p:sldLayout xmlns:a="http://schemas.openxmlformats.org/drawingml/2006/main" xmlns:r="http://schemas.openxmlformats.org/officeDocument/2006/relationships" xmlns:p="http://schemas.openxmlformats.org/presentationml/2006/main" showMasterSp="0" type="tx">
+<p:sldLayout xmlns:a="http://schemas.openxmlformats.org/drawingml/2006/main" xmlns:r="http://schemas.openxmlformats.org/officeDocument/2006/relationships" xmlns:p="http://schemas.openxmlformats.org/presentationml/2006/main" xmlns:m="http://schemas.openxmlformats.org/officeDocument/2006/math" xmlns:a14="http://schemas.microsoft.com/office/drawing/2010/main" type="tx" showMasterSp="0" showMasterPhAnim="1">
   <p:cSld name="CAPTION_ONLY">
     <p:spTree>
       <p:nvGrpSpPr>
@@ -2028,17 +2774,15 @@
       <p:sp>
         <p:nvSpPr>
           <p:cNvPr id="87" name="Body Level One…"/>
-          <p:cNvSpPr txBox="1">
-            <a:spLocks noGrp="1"/>
-          </p:cNvSpPr>
+          <p:cNvSpPr txBox="1"/>
           <p:nvPr>
             <p:ph type="body" sz="quarter" idx="1"/>
           </p:nvPr>
         </p:nvSpPr>
         <p:spPr>
           <a:xfrm>
-            <a:off x="311699" y="4236825"/>
-            <a:ext cx="5998802" cy="598801"/>
+            <a:off x="311698" y="4236825"/>
+            <a:ext cx="5998804" cy="598802"/>
           </a:xfrm>
           <a:prstGeom prst="rect">
             <a:avLst/>
@@ -2047,7 +2791,7 @@
         <p:txBody>
           <a:bodyPr anchor="ctr"/>
           <a:lstStyle>
-            <a:lvl1pPr marL="228600" indent="0">
+            <a:lvl1pPr marL="0" indent="228600">
               <a:lnSpc>
                 <a:spcPct val="100000"/>
               </a:lnSpc>
@@ -2095,6 +2839,7 @@
             </a:lvl5pPr>
           </a:lstStyle>
           <a:p>
+            <a:pPr/>
             <a:r>
               <a:t>Body Level One</a:t>
             </a:r>
@@ -2128,9 +2873,7 @@
       <p:sp>
         <p:nvSpPr>
           <p:cNvPr id="88" name="Slide Number"/>
-          <p:cNvSpPr txBox="1">
-            <a:spLocks noGrp="1"/>
-          </p:cNvSpPr>
+          <p:cNvSpPr txBox="1"/>
           <p:nvPr>
             <p:ph type="sldNum" sz="quarter" idx="2"/>
           </p:nvPr>
@@ -2144,10 +2887,8 @@
           <a:bodyPr/>
           <a:lstStyle/>
           <a:p>
-            <a:fld id="{86CB4B4D-7CA3-9044-876B-883B54F8677D}" type="slidenum">
-              <a:t>‹#›</a:t>
-            </a:fld>
-            <a:endParaRPr/>
+            <a:pPr/>
+            <a:fld id="{86CB4B4D-7CA3-9044-876B-883B54F8677D}" type="slidenum"/>
           </a:p>
         </p:txBody>
       </p:sp>
@@ -2156,19 +2897,18 @@
   <p:clrMapOvr>
     <a:masterClrMapping/>
   </p:clrMapOvr>
-  <p:transition spd="med"/>
+  <p:transition xmlns:p14="http://schemas.microsoft.com/office/powerpoint/2010/main" spd="med" advClick="1"/>
 </p:sldLayout>
 </file>
 
 <file path=ppt/slideMasters/slideMaster1.xml><?xml version="1.0" encoding="utf-8"?>
-<p:sldMaster xmlns:a="http://schemas.openxmlformats.org/drawingml/2006/main" xmlns:r="http://schemas.openxmlformats.org/officeDocument/2006/relationships" xmlns:p="http://schemas.openxmlformats.org/presentationml/2006/main">
+<p:sldMaster xmlns:a="http://schemas.openxmlformats.org/drawingml/2006/main" xmlns:r="http://schemas.openxmlformats.org/officeDocument/2006/relationships" xmlns:p="http://schemas.openxmlformats.org/presentationml/2006/main" xmlns:m="http://schemas.openxmlformats.org/officeDocument/2006/math" xmlns:a14="http://schemas.microsoft.com/office/drawing/2010/main">
   <p:cSld>
     <p:bg>
       <p:bgPr>
         <a:solidFill>
           <a:srgbClr val="FFFFFF"/>
         </a:solidFill>
-        <a:effectLst/>
       </p:bgPr>
     </p:bg>
     <p:spTree>
@@ -2194,7 +2934,7 @@
         <p:spPr>
           <a:xfrm>
             <a:off x="0" y="5045700"/>
-            <a:ext cx="9144000" cy="97801"/>
+            <a:ext cx="9144000" cy="97802"/>
           </a:xfrm>
           <a:prstGeom prst="rect">
             <a:avLst/>
@@ -2207,7 +2947,7 @@
           </a:ln>
         </p:spPr>
         <p:txBody>
-          <a:bodyPr lIns="45719" rIns="45719" anchor="ctr"/>
+          <a:bodyPr lIns="45718" tIns="45718" rIns="45718" bIns="45718" anchor="ctr"/>
           <a:lstStyle/>
           <a:p>
             <a:pPr>
@@ -2215,26 +2955,27 @@
                 <a:solidFill>
                   <a:srgbClr val="000000"/>
                 </a:solidFill>
+                <a:latin typeface="+mn-lt"/>
+                <a:ea typeface="+mn-ea"/>
+                <a:cs typeface="+mn-cs"/>
+                <a:sym typeface="Arial"/>
               </a:defRPr>
             </a:pPr>
-            <a:endParaRPr/>
           </a:p>
         </p:txBody>
       </p:sp>
       <p:sp>
         <p:nvSpPr>
           <p:cNvPr id="3" name="Title Text"/>
-          <p:cNvSpPr txBox="1">
-            <a:spLocks noGrp="1"/>
-          </p:cNvSpPr>
+          <p:cNvSpPr txBox="1"/>
           <p:nvPr>
             <p:ph type="title"/>
           </p:nvPr>
         </p:nvSpPr>
         <p:spPr>
           <a:xfrm>
-            <a:off x="311699" y="445025"/>
-            <a:ext cx="8520602" cy="572701"/>
+            <a:off x="311698" y="445025"/>
+            <a:ext cx="8520603" cy="572702"/>
           </a:xfrm>
           <a:prstGeom prst="rect">
             <a:avLst/>
@@ -2244,16 +2985,17 @@
           </a:ln>
           <a:extLst>
             <a:ext uri="{C572A759-6A51-4108-AA02-DFA0A04FC94B}">
-              <ma14:wrappingTextBoxFlag xmlns="" xmlns:m="http://schemas.openxmlformats.org/officeDocument/2006/math" xmlns:a14="http://schemas.microsoft.com/office/drawing/2010/main" xmlns:ma14="http://schemas.microsoft.com/office/mac/drawingml/2011/main" val="1"/>
+              <ma14:wrappingTextBoxFlag xmlns:ma14="http://schemas.microsoft.com/office/mac/drawingml/2011/main" val="1"/>
             </a:ext>
           </a:extLst>
         </p:spPr>
         <p:txBody>
-          <a:bodyPr lIns="91424" tIns="91424" rIns="91424" bIns="91424">
-            <a:normAutofit/>
+          <a:bodyPr lIns="91423" tIns="91423" rIns="91423" bIns="91423">
+            <a:normAutofit fontScale="100000" lnSpcReduction="0"/>
           </a:bodyPr>
           <a:lstStyle/>
           <a:p>
+            <a:pPr/>
             <a:r>
               <a:t>Title Text</a:t>
             </a:r>
@@ -2263,17 +3005,15 @@
       <p:sp>
         <p:nvSpPr>
           <p:cNvPr id="4" name="Body Level One…"/>
-          <p:cNvSpPr txBox="1">
-            <a:spLocks noGrp="1"/>
-          </p:cNvSpPr>
+          <p:cNvSpPr txBox="1"/>
           <p:nvPr>
             <p:ph type="body" idx="1"/>
           </p:nvPr>
         </p:nvSpPr>
         <p:spPr>
           <a:xfrm>
-            <a:off x="311699" y="1152475"/>
-            <a:ext cx="8520602" cy="3416400"/>
+            <a:off x="311698" y="1152475"/>
+            <a:ext cx="8520603" cy="3416400"/>
           </a:xfrm>
           <a:prstGeom prst="rect">
             <a:avLst/>
@@ -2283,16 +3023,17 @@
           </a:ln>
           <a:extLst>
             <a:ext uri="{C572A759-6A51-4108-AA02-DFA0A04FC94B}">
-              <ma14:wrappingTextBoxFlag xmlns="" xmlns:m="http://schemas.openxmlformats.org/officeDocument/2006/math" xmlns:a14="http://schemas.microsoft.com/office/drawing/2010/main" xmlns:ma14="http://schemas.microsoft.com/office/mac/drawingml/2011/main" val="1"/>
+              <ma14:wrappingTextBoxFlag xmlns:ma14="http://schemas.microsoft.com/office/mac/drawingml/2011/main" val="1"/>
             </a:ext>
           </a:extLst>
         </p:spPr>
         <p:txBody>
-          <a:bodyPr lIns="91424" tIns="91424" rIns="91424" bIns="91424">
-            <a:normAutofit/>
+          <a:bodyPr lIns="91423" tIns="91423" rIns="91423" bIns="91423">
+            <a:normAutofit fontScale="100000" lnSpcReduction="0"/>
           </a:bodyPr>
           <a:lstStyle/>
           <a:p>
+            <a:pPr/>
             <a:r>
               <a:t>Body Level One</a:t>
             </a:r>
@@ -2326,17 +3067,15 @@
       <p:sp>
         <p:nvSpPr>
           <p:cNvPr id="5" name="Slide Number"/>
-          <p:cNvSpPr txBox="1">
-            <a:spLocks noGrp="1"/>
-          </p:cNvSpPr>
+          <p:cNvSpPr txBox="1"/>
           <p:nvPr>
             <p:ph type="sldNum" sz="quarter" idx="2"/>
           </p:nvPr>
         </p:nvSpPr>
         <p:spPr>
           <a:xfrm>
-            <a:off x="8704831" y="4692391"/>
-            <a:ext cx="316328" cy="335251"/>
+            <a:off x="8704833" y="4692392"/>
+            <a:ext cx="316326" cy="335249"/>
           </a:xfrm>
           <a:prstGeom prst="rect">
             <a:avLst/>
@@ -2346,8 +3085,8 @@
           </a:ln>
         </p:spPr>
         <p:txBody>
-          <a:bodyPr wrap="none" lIns="91424" tIns="91424" rIns="91424" bIns="91424" anchor="ctr">
-            <a:normAutofit/>
+          <a:bodyPr wrap="none" lIns="91423" tIns="91423" rIns="91423" bIns="91423" anchor="ctr">
+            <a:normAutofit fontScale="100000" lnSpcReduction="0"/>
           </a:bodyPr>
           <a:lstStyle>
             <a:lvl1pPr algn="r">
@@ -2360,10 +3099,8 @@
             </a:lvl1pPr>
           </a:lstStyle>
           <a:p>
-            <a:fld id="{86CB4B4D-7CA3-9044-876B-883B54F8677D}" type="slidenum">
-              <a:t>‹#›</a:t>
-            </a:fld>
-            <a:endParaRPr/>
+            <a:pPr/>
+            <a:fld id="{86CB4B4D-7CA3-9044-876B-883B54F8677D}" type="slidenum"/>
           </a:p>
         </p:txBody>
       </p:sp>
@@ -2371,19 +3108,21 @@
   </p:cSld>
   <p:clrMap bg1="lt1" tx1="dk1" bg2="lt2" tx2="dk2" accent1="accent1" accent2="accent2" accent3="accent3" accent4="accent4" accent5="accent5" accent6="accent6" hlink="hlink" folHlink="folHlink"/>
   <p:sldLayoutIdLst>
-    <p:sldLayoutId id="2147483649" r:id="rId1"/>
-    <p:sldLayoutId id="2147483650" r:id="rId2"/>
-    <p:sldLayoutId id="2147483651" r:id="rId3"/>
-    <p:sldLayoutId id="2147483652" r:id="rId4"/>
-    <p:sldLayoutId id="2147483653" r:id="rId5"/>
-    <p:sldLayoutId id="2147483654" r:id="rId6"/>
-    <p:sldLayoutId id="2147483655" r:id="rId7"/>
-    <p:sldLayoutId id="2147483656" r:id="rId8"/>
-    <p:sldLayoutId id="2147483657" r:id="rId9"/>
-    <p:sldLayoutId id="2147483658" r:id="rId10"/>
-    <p:sldLayoutId id="2147483659" r:id="rId11"/>
+    <p:sldLayoutId id="2147483649" r:id="rId2"/>
+    <p:sldLayoutId id="2147483650" r:id="rId3"/>
+    <p:sldLayoutId id="2147483651" r:id="rId4"/>
+    <p:sldLayoutId id="2147483652" r:id="rId5"/>
+    <p:sldLayoutId id="2147483653" r:id="rId6"/>
+    <p:sldLayoutId id="2147483654" r:id="rId7"/>
+    <p:sldLayoutId id="2147483655" r:id="rId8"/>
+    <p:sldLayoutId id="2147483656" r:id="rId9"/>
+    <p:sldLayoutId id="2147483657" r:id="rId10"/>
+    <p:sldLayoutId id="2147483658" r:id="rId11"/>
+    <p:sldLayoutId id="2147483659" r:id="rId12"/>
+    <p:sldLayoutId id="2147483660" r:id="rId13"/>
+    <p:sldLayoutId id="2147483661" r:id="rId14"/>
   </p:sldLayoutIdLst>
-  <p:transition spd="med"/>
+  <p:transition xmlns:p14="http://schemas.microsoft.com/office/powerpoint/2010/main" spd="med" advClick="1"/>
   <p:txStyles>
     <p:titleStyle>
       <a:lvl1pPr marL="0" marR="0" indent="0" algn="l" defTabSz="914400" rtl="0" latinLnBrk="0">
@@ -2401,7 +3140,7 @@
         <a:buFontTx/>
         <a:buNone/>
         <a:tabLst/>
-        <a:defRPr sz="2800" b="0" i="0" u="none" strike="noStrike" cap="none" spc="0" baseline="0">
+        <a:defRPr b="0" baseline="0" cap="none" i="0" spc="0" strike="noStrike" sz="2800" u="none">
           <a:solidFill>
             <a:srgbClr val="202729"/>
           </a:solidFill>
@@ -2427,7 +3166,7 @@
         <a:buFontTx/>
         <a:buNone/>
         <a:tabLst/>
-        <a:defRPr sz="2800" b="0" i="0" u="none" strike="noStrike" cap="none" spc="0" baseline="0">
+        <a:defRPr b="0" baseline="0" cap="none" i="0" spc="0" strike="noStrike" sz="2800" u="none">
           <a:solidFill>
             <a:srgbClr val="202729"/>
           </a:solidFill>
@@ -2453,7 +3192,7 @@
         <a:buFontTx/>
         <a:buNone/>
         <a:tabLst/>
-        <a:defRPr sz="2800" b="0" i="0" u="none" strike="noStrike" cap="none" spc="0" baseline="0">
+        <a:defRPr b="0" baseline="0" cap="none" i="0" spc="0" strike="noStrike" sz="2800" u="none">
           <a:solidFill>
             <a:srgbClr val="202729"/>
           </a:solidFill>
@@ -2479,7 +3218,7 @@
         <a:buFontTx/>
         <a:buNone/>
         <a:tabLst/>
-        <a:defRPr sz="2800" b="0" i="0" u="none" strike="noStrike" cap="none" spc="0" baseline="0">
+        <a:defRPr b="0" baseline="0" cap="none" i="0" spc="0" strike="noStrike" sz="2800" u="none">
           <a:solidFill>
             <a:srgbClr val="202729"/>
           </a:solidFill>
@@ -2505,7 +3244,7 @@
         <a:buFontTx/>
         <a:buNone/>
         <a:tabLst/>
-        <a:defRPr sz="2800" b="0" i="0" u="none" strike="noStrike" cap="none" spc="0" baseline="0">
+        <a:defRPr b="0" baseline="0" cap="none" i="0" spc="0" strike="noStrike" sz="2800" u="none">
           <a:solidFill>
             <a:srgbClr val="202729"/>
           </a:solidFill>
@@ -2531,7 +3270,7 @@
         <a:buFontTx/>
         <a:buNone/>
         <a:tabLst/>
-        <a:defRPr sz="2800" b="0" i="0" u="none" strike="noStrike" cap="none" spc="0" baseline="0">
+        <a:defRPr b="0" baseline="0" cap="none" i="0" spc="0" strike="noStrike" sz="2800" u="none">
           <a:solidFill>
             <a:srgbClr val="202729"/>
           </a:solidFill>
@@ -2557,7 +3296,7 @@
         <a:buFontTx/>
         <a:buNone/>
         <a:tabLst/>
-        <a:defRPr sz="2800" b="0" i="0" u="none" strike="noStrike" cap="none" spc="0" baseline="0">
+        <a:defRPr b="0" baseline="0" cap="none" i="0" spc="0" strike="noStrike" sz="2800" u="none">
           <a:solidFill>
             <a:srgbClr val="202729"/>
           </a:solidFill>
@@ -2583,7 +3322,7 @@
         <a:buFontTx/>
         <a:buNone/>
         <a:tabLst/>
-        <a:defRPr sz="2800" b="0" i="0" u="none" strike="noStrike" cap="none" spc="0" baseline="0">
+        <a:defRPr b="0" baseline="0" cap="none" i="0" spc="0" strike="noStrike" sz="2800" u="none">
           <a:solidFill>
             <a:srgbClr val="202729"/>
           </a:solidFill>
@@ -2609,7 +3348,7 @@
         <a:buFontTx/>
         <a:buNone/>
         <a:tabLst/>
-        <a:defRPr sz="2800" b="0" i="0" u="none" strike="noStrike" cap="none" spc="0" baseline="0">
+        <a:defRPr b="0" baseline="0" cap="none" i="0" spc="0" strike="noStrike" sz="2800" u="none">
           <a:solidFill>
             <a:srgbClr val="202729"/>
           </a:solidFill>
@@ -2639,7 +3378,7 @@
         <a:buFont typeface="Proxima Nova"/>
         <a:buChar char="●"/>
         <a:tabLst/>
-        <a:defRPr sz="1800" b="0" i="0" u="none" strike="noStrike" cap="none" spc="0" baseline="0">
+        <a:defRPr b="0" baseline="0" cap="none" i="0" spc="0" strike="noStrike" sz="1800" u="none">
           <a:solidFill>
             <a:schemeClr val="accent3"/>
           </a:solidFill>
@@ -2650,7 +3389,7 @@
           <a:sym typeface="Proxima Nova"/>
         </a:defRPr>
       </a:lvl1pPr>
-      <a:lvl2pPr marL="1005114" marR="0" indent="-408214" algn="l" defTabSz="914400" rtl="0" latinLnBrk="0">
+      <a:lvl2pPr marL="1005114" marR="0" indent="-408213" algn="l" defTabSz="914400" rtl="0" latinLnBrk="0">
         <a:lnSpc>
           <a:spcPct val="115000"/>
         </a:lnSpc>
@@ -2667,7 +3406,7 @@
         <a:buFont typeface="Proxima Nova"/>
         <a:buChar char="○"/>
         <a:tabLst/>
-        <a:defRPr sz="1800" b="0" i="0" u="none" strike="noStrike" cap="none" spc="0" baseline="0">
+        <a:defRPr b="0" baseline="0" cap="none" i="0" spc="0" strike="noStrike" sz="1800" u="none">
           <a:solidFill>
             <a:schemeClr val="accent3"/>
           </a:solidFill>
@@ -2695,7 +3434,7 @@
         <a:buFont typeface="Proxima Nova"/>
         <a:buChar char="■"/>
         <a:tabLst/>
-        <a:defRPr sz="1800" b="0" i="0" u="none" strike="noStrike" cap="none" spc="0" baseline="0">
+        <a:defRPr b="0" baseline="0" cap="none" i="0" spc="0" strike="noStrike" sz="1800" u="none">
           <a:solidFill>
             <a:schemeClr val="accent3"/>
           </a:solidFill>
@@ -2723,7 +3462,7 @@
         <a:buFont typeface="Proxima Nova"/>
         <a:buChar char="●"/>
         <a:tabLst/>
-        <a:defRPr sz="1800" b="0" i="0" u="none" strike="noStrike" cap="none" spc="0" baseline="0">
+        <a:defRPr b="0" baseline="0" cap="none" i="0" spc="0" strike="noStrike" sz="1800" u="none">
           <a:solidFill>
             <a:schemeClr val="accent3"/>
           </a:solidFill>
@@ -2751,7 +3490,7 @@
         <a:buFont typeface="Proxima Nova"/>
         <a:buChar char="○"/>
         <a:tabLst/>
-        <a:defRPr sz="1800" b="0" i="0" u="none" strike="noStrike" cap="none" spc="0" baseline="0">
+        <a:defRPr b="0" baseline="0" cap="none" i="0" spc="0" strike="noStrike" sz="1800" u="none">
           <a:solidFill>
             <a:schemeClr val="accent3"/>
           </a:solidFill>
@@ -2779,7 +3518,7 @@
         <a:buFont typeface="Proxima Nova"/>
         <a:buChar char="■"/>
         <a:tabLst/>
-        <a:defRPr sz="1800" b="0" i="0" u="none" strike="noStrike" cap="none" spc="0" baseline="0">
+        <a:defRPr b="0" baseline="0" cap="none" i="0" spc="0" strike="noStrike" sz="1800" u="none">
           <a:solidFill>
             <a:schemeClr val="accent3"/>
           </a:solidFill>
@@ -2790,7 +3529,7 @@
           <a:sym typeface="Proxima Nova"/>
         </a:defRPr>
       </a:lvl6pPr>
-      <a:lvl7pPr marL="3291114" marR="0" indent="-408214" algn="l" defTabSz="914400" rtl="0" latinLnBrk="0">
+      <a:lvl7pPr marL="3291113" marR="0" indent="-408214" algn="l" defTabSz="914400" rtl="0" latinLnBrk="0">
         <a:lnSpc>
           <a:spcPct val="115000"/>
         </a:lnSpc>
@@ -2807,7 +3546,7 @@
         <a:buFont typeface="Proxima Nova"/>
         <a:buChar char="●"/>
         <a:tabLst/>
-        <a:defRPr sz="1800" b="0" i="0" u="none" strike="noStrike" cap="none" spc="0" baseline="0">
+        <a:defRPr b="0" baseline="0" cap="none" i="0" spc="0" strike="noStrike" sz="1800" u="none">
           <a:solidFill>
             <a:schemeClr val="accent3"/>
           </a:solidFill>
@@ -2818,7 +3557,7 @@
           <a:sym typeface="Proxima Nova"/>
         </a:defRPr>
       </a:lvl7pPr>
-      <a:lvl8pPr marL="3748314" marR="0" indent="-408214" algn="l" defTabSz="914400" rtl="0" latinLnBrk="0">
+      <a:lvl8pPr marL="3748313" marR="0" indent="-408213" algn="l" defTabSz="914400" rtl="0" latinLnBrk="0">
         <a:lnSpc>
           <a:spcPct val="115000"/>
         </a:lnSpc>
@@ -2835,7 +3574,7 @@
         <a:buFont typeface="Proxima Nova"/>
         <a:buChar char="○"/>
         <a:tabLst/>
-        <a:defRPr sz="1800" b="0" i="0" u="none" strike="noStrike" cap="none" spc="0" baseline="0">
+        <a:defRPr b="0" baseline="0" cap="none" i="0" spc="0" strike="noStrike" sz="1800" u="none">
           <a:solidFill>
             <a:schemeClr val="accent3"/>
           </a:solidFill>
@@ -2846,7 +3585,7 @@
           <a:sym typeface="Proxima Nova"/>
         </a:defRPr>
       </a:lvl8pPr>
-      <a:lvl9pPr marL="4205514" marR="0" indent="-408214" algn="l" defTabSz="914400" rtl="0" latinLnBrk="0">
+      <a:lvl9pPr marL="4205513" marR="0" indent="-408213" algn="l" defTabSz="914400" rtl="0" latinLnBrk="0">
         <a:lnSpc>
           <a:spcPct val="115000"/>
         </a:lnSpc>
@@ -2863,7 +3602,7 @@
         <a:buFont typeface="Proxima Nova"/>
         <a:buChar char="■"/>
         <a:tabLst/>
-        <a:defRPr sz="1800" b="0" i="0" u="none" strike="noStrike" cap="none" spc="0" baseline="0">
+        <a:defRPr b="0" baseline="0" cap="none" i="0" spc="0" strike="noStrike" sz="1800" u="none">
           <a:solidFill>
             <a:schemeClr val="accent3"/>
           </a:solidFill>
@@ -2891,7 +3630,7 @@
         <a:buFontTx/>
         <a:buNone/>
         <a:tabLst/>
-        <a:defRPr sz="1000" b="0" i="0" u="none" strike="noStrike" cap="none" spc="0" baseline="0">
+        <a:defRPr b="0" baseline="0" cap="none" i="0" spc="0" strike="noStrike" sz="1000" u="none">
           <a:solidFill>
             <a:schemeClr val="tx1"/>
           </a:solidFill>
@@ -2917,7 +3656,7 @@
         <a:buFontTx/>
         <a:buNone/>
         <a:tabLst/>
-        <a:defRPr sz="1000" b="0" i="0" u="none" strike="noStrike" cap="none" spc="0" baseline="0">
+        <a:defRPr b="0" baseline="0" cap="none" i="0" spc="0" strike="noStrike" sz="1000" u="none">
           <a:solidFill>
             <a:schemeClr val="tx1"/>
           </a:solidFill>
@@ -2943,7 +3682,7 @@
         <a:buFontTx/>
         <a:buNone/>
         <a:tabLst/>
-        <a:defRPr sz="1000" b="0" i="0" u="none" strike="noStrike" cap="none" spc="0" baseline="0">
+        <a:defRPr b="0" baseline="0" cap="none" i="0" spc="0" strike="noStrike" sz="1000" u="none">
           <a:solidFill>
             <a:schemeClr val="tx1"/>
           </a:solidFill>
@@ -2969,7 +3708,7 @@
         <a:buFontTx/>
         <a:buNone/>
         <a:tabLst/>
-        <a:defRPr sz="1000" b="0" i="0" u="none" strike="noStrike" cap="none" spc="0" baseline="0">
+        <a:defRPr b="0" baseline="0" cap="none" i="0" spc="0" strike="noStrike" sz="1000" u="none">
           <a:solidFill>
             <a:schemeClr val="tx1"/>
           </a:solidFill>
@@ -2995,7 +3734,7 @@
         <a:buFontTx/>
         <a:buNone/>
         <a:tabLst/>
-        <a:defRPr sz="1000" b="0" i="0" u="none" strike="noStrike" cap="none" spc="0" baseline="0">
+        <a:defRPr b="0" baseline="0" cap="none" i="0" spc="0" strike="noStrike" sz="1000" u="none">
           <a:solidFill>
             <a:schemeClr val="tx1"/>
           </a:solidFill>
@@ -3021,7 +3760,7 @@
         <a:buFontTx/>
         <a:buNone/>
         <a:tabLst/>
-        <a:defRPr sz="1000" b="0" i="0" u="none" strike="noStrike" cap="none" spc="0" baseline="0">
+        <a:defRPr b="0" baseline="0" cap="none" i="0" spc="0" strike="noStrike" sz="1000" u="none">
           <a:solidFill>
             <a:schemeClr val="tx1"/>
           </a:solidFill>
@@ -3047,7 +3786,7 @@
         <a:buFontTx/>
         <a:buNone/>
         <a:tabLst/>
-        <a:defRPr sz="1000" b="0" i="0" u="none" strike="noStrike" cap="none" spc="0" baseline="0">
+        <a:defRPr b="0" baseline="0" cap="none" i="0" spc="0" strike="noStrike" sz="1000" u="none">
           <a:solidFill>
             <a:schemeClr val="tx1"/>
           </a:solidFill>
@@ -3073,7 +3812,7 @@
         <a:buFontTx/>
         <a:buNone/>
         <a:tabLst/>
-        <a:defRPr sz="1000" b="0" i="0" u="none" strike="noStrike" cap="none" spc="0" baseline="0">
+        <a:defRPr b="0" baseline="0" cap="none" i="0" spc="0" strike="noStrike" sz="1000" u="none">
           <a:solidFill>
             <a:schemeClr val="tx1"/>
           </a:solidFill>
@@ -3099,7 +3838,7 @@
         <a:buFontTx/>
         <a:buNone/>
         <a:tabLst/>
-        <a:defRPr sz="1000" b="0" i="0" u="none" strike="noStrike" cap="none" spc="0" baseline="0">
+        <a:defRPr b="0" baseline="0" cap="none" i="0" spc="0" strike="noStrike" sz="1000" u="none">
           <a:solidFill>
             <a:schemeClr val="tx1"/>
           </a:solidFill>
@@ -3116,7 +3855,7 @@
 </file>
 
 <file path=ppt/slides/slide1.xml><?xml version="1.0" encoding="utf-8"?>
-<p:sld xmlns:a="http://schemas.openxmlformats.org/drawingml/2006/main" xmlns:r="http://schemas.openxmlformats.org/officeDocument/2006/relationships" xmlns:p="http://schemas.openxmlformats.org/presentationml/2006/main">
+<p:sld xmlns:a="http://schemas.openxmlformats.org/drawingml/2006/main" xmlns:r="http://schemas.openxmlformats.org/officeDocument/2006/relationships" xmlns:p="http://schemas.openxmlformats.org/presentationml/2006/main" xmlns:m="http://schemas.openxmlformats.org/officeDocument/2006/math" xmlns:a14="http://schemas.microsoft.com/office/drawing/2010/main" showMasterSp="1" showMasterPhAnim="1">
   <p:cSld>
     <p:spTree>
       <p:nvGrpSpPr>
@@ -3134,91 +3873,130 @@
       </p:grpSpPr>
       <p:sp>
         <p:nvSpPr>
-          <p:cNvPr id="113" name="Google Shape;59;p13"/>
-          <p:cNvSpPr txBox="1">
-            <a:spLocks noGrp="1"/>
-          </p:cNvSpPr>
+          <p:cNvPr id="139" name="Slide Number Placeholder"/>
+          <p:cNvSpPr txBox="1"/>
           <p:nvPr>
-            <p:ph type="ctrTitle"/>
+            <p:ph type="sldNum" sz="quarter" idx="2"/>
           </p:nvPr>
         </p:nvSpPr>
         <p:spPr>
           <a:xfrm>
-            <a:off x="510449" y="1257299"/>
-            <a:ext cx="8123102" cy="1588502"/>
+            <a:off x="8370501" y="4800044"/>
+            <a:ext cx="144849" cy="208281"/>
           </a:xfrm>
           <a:prstGeom prst="rect">
             <a:avLst/>
           </a:prstGeom>
+          <a:extLst>
+            <a:ext uri="{C572A759-6A51-4108-AA02-DFA0A04FC94B}">
+              <ma14:wrappingTextBoxFlag xmlns:ma14="http://schemas.microsoft.com/office/mac/drawingml/2011/main" val="1"/>
+            </a:ext>
+          </a:extLst>
         </p:spPr>
         <p:txBody>
           <a:bodyPr/>
-          <a:lstStyle>
-            <a:lvl1pPr>
-              <a:defRPr sz="4300"/>
-            </a:lvl1pPr>
-          </a:lstStyle>
-          <a:p>
-            <a:r>
-              <a:t>Project Presentation for CS598 DL4H in Spring 2023</a:t>
-            </a:r>
+          <a:lstStyle/>
+          <a:p>
+            <a:pPr/>
+            <a:fld id="{86CB4B4D-7CA3-9044-876B-883B54F8677D}" type="slidenum"/>
           </a:p>
         </p:txBody>
       </p:sp>
       <p:sp>
         <p:nvSpPr>
-          <p:cNvPr id="114" name="Google Shape;60;p13"/>
-          <p:cNvSpPr txBox="1">
-            <a:spLocks noGrp="1"/>
-          </p:cNvSpPr>
+          <p:cNvPr id="140" name="Title Placeholder"/>
+          <p:cNvSpPr txBox="1"/>
           <p:nvPr>
-            <p:ph type="subTitle" sz="quarter" idx="1"/>
+            <p:ph type="title"/>
           </p:nvPr>
         </p:nvSpPr>
         <p:spPr>
           <a:xfrm>
-            <a:off x="510449" y="3182312"/>
-            <a:ext cx="4233002" cy="630001"/>
+            <a:off x="1225583" y="965690"/>
+            <a:ext cx="8123103" cy="1588503"/>
           </a:xfrm>
           <a:prstGeom prst="rect">
             <a:avLst/>
           </a:prstGeom>
         </p:spPr>
         <p:txBody>
-          <a:bodyPr/>
-          <a:lstStyle/>
-          <a:p>
-            <a:pPr marL="0" indent="0">
-              <a:lnSpc>
-                <a:spcPct val="80000"/>
-              </a:lnSpc>
-              <a:defRPr sz="1600">
-                <a:latin typeface="+mj-lt"/>
-                <a:ea typeface="+mj-ea"/>
-                <a:cs typeface="+mj-cs"/>
-                <a:sym typeface="Arial"/>
-              </a:defRPr>
-            </a:pPr>
-            <a:r>
-              <a:t>Ambarish Tripathi and Debabrata Biswas</a:t>
-            </a:r>
-            <a:br/>
-            <a:r>
-              <a:t>{at37, dbiswas3}@illinois.edu</a:t>
+          <a:bodyPr lIns="91423" tIns="91423" rIns="91423" bIns="91423" anchor="b"/>
+          <a:lstStyle>
+            <a:lvl1pPr defTabSz="914400">
+              <a:lnSpc>
+                <a:spcPct val="100000"/>
+              </a:lnSpc>
+              <a:defRPr sz="4300">
+                <a:latin typeface="Proxima Nova"/>
+                <a:ea typeface="Proxima Nova"/>
+                <a:cs typeface="Proxima Nova"/>
+                <a:sym typeface="Proxima Nova"/>
+              </a:defRPr>
+            </a:lvl1pPr>
+          </a:lstStyle>
+          <a:p>
+            <a:pPr/>
+            <a:r>
+              <a:t>Project Presentation for CS598 DL4H in Spring 2023</a:t>
             </a:r>
           </a:p>
         </p:txBody>
       </p:sp>
       <p:sp>
         <p:nvSpPr>
-          <p:cNvPr id="115" name="Google Shape;60;p13"/>
+          <p:cNvPr id="141" name="Text Placeholder"/>
+          <p:cNvSpPr txBox="1"/>
+          <p:nvPr>
+            <p:ph type="body" sz="quarter" idx="1"/>
+          </p:nvPr>
+        </p:nvSpPr>
+        <p:spPr>
+          <a:xfrm>
+            <a:off x="1225583" y="2890703"/>
+            <a:ext cx="4233003" cy="630002"/>
+          </a:xfrm>
+          <a:prstGeom prst="rect">
+            <a:avLst/>
+          </a:prstGeom>
+        </p:spPr>
+        <p:txBody>
+          <a:bodyPr lIns="91423" tIns="91423" rIns="91423" bIns="91423"/>
+          <a:lstStyle/>
+          <a:p>
+            <a:pPr defTabSz="914400">
+              <a:lnSpc>
+                <a:spcPct val="80000"/>
+              </a:lnSpc>
+              <a:spcBef>
+                <a:spcPts val="0"/>
+              </a:spcBef>
+              <a:defRPr sz="1600">
+                <a:latin typeface="+mn-lt"/>
+                <a:ea typeface="+mn-ea"/>
+                <a:cs typeface="+mn-cs"/>
+                <a:sym typeface="Arial"/>
+              </a:defRPr>
+            </a:pPr>
+            <a:r>
+              <a:t>Ambarish Tripathi and Debabrata Biswas</a:t>
+            </a:r>
+            <a:br/>
+            <a:r>
+              <a:t>{at37, dbiswas3}@illinois.edu</a:t>
+            </a:r>
+          </a:p>
+        </p:txBody>
+      </p:sp>
+      <p:sp>
+        <p:nvSpPr>
+          <p:cNvPr id="142" name="Google Shape;60;p13"/>
           <p:cNvSpPr txBox="1"/>
           <p:nvPr/>
         </p:nvSpPr>
         <p:spPr>
           <a:xfrm>
-            <a:off x="510449" y="3699045"/>
-            <a:ext cx="4233002" cy="630001"/>
+            <a:off x="1225583" y="3407436"/>
+            <a:ext cx="4233003" cy="630002"/>
           </a:xfrm>
           <a:prstGeom prst="rect">
             <a:avLst/>
@@ -3228,13 +4006,13 @@
           </a:ln>
           <a:extLst>
             <a:ext uri="{C572A759-6A51-4108-AA02-DFA0A04FC94B}">
-              <ma14:wrappingTextBoxFlag xmlns="" xmlns:m="http://schemas.openxmlformats.org/officeDocument/2006/math" xmlns:a14="http://schemas.microsoft.com/office/drawing/2010/main" xmlns:ma14="http://schemas.microsoft.com/office/mac/drawingml/2011/main" val="1"/>
+              <ma14:wrappingTextBoxFlag xmlns:ma14="http://schemas.microsoft.com/office/mac/drawingml/2011/main" val="1"/>
             </a:ext>
           </a:extLst>
         </p:spPr>
         <p:txBody>
-          <a:bodyPr lIns="91424" tIns="91424" rIns="91424" bIns="91424">
-            <a:normAutofit/>
+          <a:bodyPr lIns="91423" tIns="91423" rIns="91423" bIns="91423">
+            <a:normAutofit fontScale="100000" lnSpcReduction="0"/>
           </a:bodyPr>
           <a:lstStyle/>
           <a:p>
@@ -3246,6 +4024,10 @@
                 <a:solidFill>
                   <a:srgbClr val="FFFFFF"/>
                 </a:solidFill>
+                <a:latin typeface="+mn-lt"/>
+                <a:ea typeface="+mn-ea"/>
+                <a:cs typeface="+mn-cs"/>
+                <a:sym typeface="Arial"/>
               </a:defRPr>
             </a:pPr>
             <a:r>
@@ -3263,12 +4045,12 @@
   <p:clrMapOvr>
     <a:masterClrMapping/>
   </p:clrMapOvr>
-  <p:transition spd="med"/>
+  <p:transition xmlns:p14="http://schemas.microsoft.com/office/powerpoint/2010/main" spd="med" advClick="1"/>
 </p:sld>
 </file>
 
 <file path=ppt/slides/slide10.xml><?xml version="1.0" encoding="utf-8"?>
-<p:sld xmlns:a="http://schemas.openxmlformats.org/drawingml/2006/main" xmlns:r="http://schemas.openxmlformats.org/officeDocument/2006/relationships" xmlns:p="http://schemas.openxmlformats.org/presentationml/2006/main">
+<p:sld xmlns:a="http://schemas.openxmlformats.org/drawingml/2006/main" xmlns:r="http://schemas.openxmlformats.org/officeDocument/2006/relationships" xmlns:p="http://schemas.openxmlformats.org/presentationml/2006/main" xmlns:m="http://schemas.openxmlformats.org/officeDocument/2006/math" xmlns:a14="http://schemas.microsoft.com/office/drawing/2010/main" showMasterSp="1" showMasterPhAnim="1">
   <p:cSld>
     <p:spTree>
       <p:nvGrpSpPr>
@@ -3286,130 +4068,268 @@
       </p:grpSpPr>
       <p:sp>
         <p:nvSpPr>
-          <p:cNvPr id="149" name="Google Shape;96;p19"/>
-          <p:cNvSpPr txBox="1">
-            <a:spLocks noGrp="1"/>
-          </p:cNvSpPr>
+          <p:cNvPr id="184" name="Slide Number Placeholder"/>
+          <p:cNvSpPr txBox="1"/>
+          <p:nvPr>
+            <p:ph type="sldNum" sz="quarter" idx="2"/>
+          </p:nvPr>
+        </p:nvSpPr>
+        <p:spPr>
+          <a:xfrm>
+            <a:off x="8306933" y="4800044"/>
+            <a:ext cx="208418" cy="208281"/>
+          </a:xfrm>
+          <a:prstGeom prst="rect">
+            <a:avLst/>
+          </a:prstGeom>
+          <a:extLst>
+            <a:ext uri="{C572A759-6A51-4108-AA02-DFA0A04FC94B}">
+              <ma14:wrappingTextBoxFlag xmlns:ma14="http://schemas.microsoft.com/office/mac/drawingml/2011/main" val="1"/>
+            </a:ext>
+          </a:extLst>
+        </p:spPr>
+        <p:txBody>
+          <a:bodyPr/>
+          <a:lstStyle/>
+          <a:p>
+            <a:pPr/>
+            <a:fld id="{86CB4B4D-7CA3-9044-876B-883B54F8677D}" type="slidenum"/>
+          </a:p>
+        </p:txBody>
+      </p:sp>
+      <p:sp>
+        <p:nvSpPr>
+          <p:cNvPr id="185" name="Title Placeholder"/>
+          <p:cNvSpPr txBox="1"/>
           <p:nvPr>
             <p:ph type="title"/>
           </p:nvPr>
         </p:nvSpPr>
         <p:spPr>
           <a:xfrm>
-            <a:off x="311699" y="445025"/>
-            <a:ext cx="8520602" cy="572701"/>
+            <a:off x="1184760" y="403366"/>
+            <a:ext cx="7647541" cy="572702"/>
           </a:xfrm>
           <a:prstGeom prst="rect">
             <a:avLst/>
           </a:prstGeom>
         </p:spPr>
         <p:txBody>
-          <a:bodyPr/>
-          <a:lstStyle>
-            <a:lvl1pPr indent="114300">
-              <a:defRPr sz="2500"/>
-            </a:lvl1pPr>
-          </a:lstStyle>
-          <a:p>
-            <a:r>
-              <a:rPr dirty="0"/>
+          <a:bodyPr lIns="91423" tIns="91423" rIns="91423" bIns="91423" anchor="t"/>
+          <a:lstStyle/>
+          <a:p>
+            <a:pPr indent="114300" defTabSz="914400">
+              <a:lnSpc>
+                <a:spcPct val="100000"/>
+              </a:lnSpc>
+              <a:defRPr sz="2500">
+                <a:solidFill>
+                  <a:srgbClr val="FFFFFE"/>
+                </a:solidFill>
+                <a:latin typeface="Proxima Nova"/>
+                <a:ea typeface="Proxima Nova"/>
+                <a:cs typeface="Proxima Nova"/>
+                <a:sym typeface="Proxima Nova"/>
+              </a:defRPr>
+            </a:pPr>
+            <a:r>
               <a:t>Ablation</a:t>
             </a:r>
             <a:r>
-              <a:rPr lang="en-US" dirty="0"/>
               <a:t> </a:t>
             </a:r>
             <a:r>
-              <a:rPr dirty="0"/>
               <a:t>/</a:t>
             </a:r>
             <a:r>
-              <a:rPr lang="en-US" dirty="0"/>
               <a:t> </a:t>
             </a:r>
             <a:r>
-              <a:rPr dirty="0"/>
               <a:t>Code Modification </a:t>
             </a:r>
             <a:r>
-              <a:rPr lang="en-US" dirty="0"/>
               <a:t>–</a:t>
             </a:r>
             <a:r>
-              <a:rPr dirty="0"/>
               <a:t> 2</a:t>
             </a:r>
             <a:r>
-              <a:rPr lang="en-US" dirty="0"/>
               <a:t> and 3</a:t>
             </a:r>
-            <a:endParaRPr dirty="0"/>
           </a:p>
         </p:txBody>
       </p:sp>
       <p:sp>
         <p:nvSpPr>
-          <p:cNvPr id="150" name="Google Shape;97;p19"/>
-          <p:cNvSpPr txBox="1">
-            <a:spLocks noGrp="1"/>
-          </p:cNvSpPr>
+          <p:cNvPr id="186" name="Text Placeholder"/>
+          <p:cNvSpPr txBox="1"/>
           <p:nvPr>
             <p:ph type="body" idx="1"/>
           </p:nvPr>
         </p:nvSpPr>
         <p:spPr>
           <a:xfrm>
-            <a:off x="311699" y="1141699"/>
-            <a:ext cx="8520602" cy="3416401"/>
+            <a:off x="1184760" y="1100040"/>
+            <a:ext cx="7647541" cy="3416402"/>
           </a:xfrm>
           <a:prstGeom prst="rect">
             <a:avLst/>
           </a:prstGeom>
         </p:spPr>
         <p:txBody>
-          <a:bodyPr/>
+          <a:bodyPr lIns="91423" tIns="91423" rIns="91423" bIns="91423"/>
           <a:lstStyle/>
           <a:p>
-            <a:pPr>
+            <a:pPr marL="457200" indent="-342900" defTabSz="914400">
+              <a:lnSpc>
+                <a:spcPct val="115000"/>
+              </a:lnSpc>
+              <a:spcBef>
+                <a:spcPts val="0"/>
+              </a:spcBef>
+              <a:buClr>
+                <a:schemeClr val="accent3"/>
+              </a:buClr>
+              <a:buSzPts val="1800"/>
               <a:buFont typeface="Arial"/>
               <a:buChar char="•"/>
+              <a:defRPr>
+                <a:solidFill>
+                  <a:srgbClr val="FFFFFD"/>
+                </a:solidFill>
+                <a:latin typeface="Proxima Nova"/>
+                <a:ea typeface="Proxima Nova"/>
+                <a:cs typeface="Proxima Nova"/>
+                <a:sym typeface="Proxima Nova"/>
+              </a:defRPr>
             </a:pPr>
             <a:r>
               <a:t>Sending the flattened hierarchy to Poincare model:</a:t>
             </a:r>
           </a:p>
           <a:p>
-            <a:pPr>
+            <a:pPr marL="457200" indent="-342900" defTabSz="914400">
+              <a:lnSpc>
+                <a:spcPct val="115000"/>
+              </a:lnSpc>
+              <a:spcBef>
+                <a:spcPts val="0"/>
+              </a:spcBef>
+              <a:buClr>
+                <a:schemeClr val="accent3"/>
+              </a:buClr>
+              <a:buSzPts val="1800"/>
               <a:buFont typeface="Arial"/>
               <a:buChar char="•"/>
+              <a:defRPr>
+                <a:solidFill>
+                  <a:schemeClr val="accent3"/>
+                </a:solidFill>
+                <a:latin typeface="Proxima Nova"/>
+                <a:ea typeface="Proxima Nova"/>
+                <a:cs typeface="Proxima Nova"/>
+                <a:sym typeface="Proxima Nova"/>
+              </a:defRPr>
             </a:pPr>
-            <a:endParaRPr/>
-          </a:p>
-          <a:p>
-            <a:pPr>
+          </a:p>
+          <a:p>
+            <a:pPr marL="457200" indent="-342900" defTabSz="914400">
+              <a:lnSpc>
+                <a:spcPct val="115000"/>
+              </a:lnSpc>
+              <a:spcBef>
+                <a:spcPts val="0"/>
+              </a:spcBef>
+              <a:buClr>
+                <a:schemeClr val="accent3"/>
+              </a:buClr>
+              <a:buSzPts val="1800"/>
               <a:buFont typeface="Arial"/>
               <a:buChar char="•"/>
+              <a:defRPr>
+                <a:solidFill>
+                  <a:schemeClr val="accent3"/>
+                </a:solidFill>
+                <a:latin typeface="Proxima Nova"/>
+                <a:ea typeface="Proxima Nova"/>
+                <a:cs typeface="Proxima Nova"/>
+                <a:sym typeface="Proxima Nova"/>
+              </a:defRPr>
             </a:pPr>
-            <a:endParaRPr/>
-          </a:p>
-          <a:p>
-            <a:pPr>
+          </a:p>
+          <a:p>
+            <a:pPr marL="457200" indent="-342900" defTabSz="914400">
+              <a:lnSpc>
+                <a:spcPct val="115000"/>
+              </a:lnSpc>
+              <a:spcBef>
+                <a:spcPts val="0"/>
+              </a:spcBef>
+              <a:buClr>
+                <a:schemeClr val="accent3"/>
+              </a:buClr>
+              <a:buSzPts val="1800"/>
               <a:buFont typeface="Arial"/>
               <a:buChar char="•"/>
+              <a:defRPr>
+                <a:solidFill>
+                  <a:schemeClr val="accent3"/>
+                </a:solidFill>
+                <a:latin typeface="Proxima Nova"/>
+                <a:ea typeface="Proxima Nova"/>
+                <a:cs typeface="Proxima Nova"/>
+                <a:sym typeface="Proxima Nova"/>
+              </a:defRPr>
             </a:pPr>
-            <a:endParaRPr/>
-          </a:p>
-          <a:p>
-            <a:pPr>
+          </a:p>
+          <a:p>
+            <a:pPr marL="457200" indent="-342900" defTabSz="914400">
+              <a:lnSpc>
+                <a:spcPct val="115000"/>
+              </a:lnSpc>
+              <a:spcBef>
+                <a:spcPts val="0"/>
+              </a:spcBef>
+              <a:buClr>
+                <a:schemeClr val="accent3"/>
+              </a:buClr>
+              <a:buSzPts val="1800"/>
               <a:buFont typeface="Arial"/>
               <a:buChar char="•"/>
+              <a:defRPr>
+                <a:solidFill>
+                  <a:schemeClr val="accent3"/>
+                </a:solidFill>
+                <a:latin typeface="Proxima Nova"/>
+                <a:ea typeface="Proxima Nova"/>
+                <a:cs typeface="Proxima Nova"/>
+                <a:sym typeface="Proxima Nova"/>
+              </a:defRPr>
             </a:pPr>
-            <a:endParaRPr/>
-          </a:p>
-          <a:p>
-            <a:pPr>
+          </a:p>
+          <a:p>
+            <a:pPr marL="457200" indent="-342900" defTabSz="914400">
+              <a:lnSpc>
+                <a:spcPct val="115000"/>
+              </a:lnSpc>
+              <a:spcBef>
+                <a:spcPts val="0"/>
+              </a:spcBef>
+              <a:buClr>
+                <a:schemeClr val="accent3"/>
+              </a:buClr>
+              <a:buSzPts val="1800"/>
               <a:buFont typeface="Arial"/>
               <a:buChar char="•"/>
+              <a:defRPr>
+                <a:solidFill>
+                  <a:srgbClr val="FBFFFB"/>
+                </a:solidFill>
+                <a:latin typeface="Proxima Nova"/>
+                <a:ea typeface="Proxima Nova"/>
+                <a:cs typeface="Proxima Nova"/>
+                <a:sym typeface="Proxima Nova"/>
+              </a:defRPr>
             </a:pPr>
             <a:r>
               <a:t>Using the flat Hierarchy to hyperbolic embedding matrix:</a:t>
@@ -3419,22 +4339,24 @@
       </p:sp>
       <p:pic>
         <p:nvPicPr>
-          <p:cNvPr id="151" name="MainFlatten2.png" descr="MainFlatten2.png"/>
+          <p:cNvPr id="187" name="MainFlatten2.png" descr="MainFlatten2.png"/>
           <p:cNvPicPr>
             <a:picLocks noChangeAspect="1"/>
           </p:cNvPicPr>
           <p:nvPr/>
         </p:nvPicPr>
         <p:blipFill>
-          <a:blip r:embed="rId2"/>
+          <a:blip r:embed="rId2">
+            <a:extLst/>
+          </a:blip>
           <a:stretch>
             <a:fillRect/>
           </a:stretch>
         </p:blipFill>
         <p:spPr>
           <a:xfrm>
-            <a:off x="627082" y="1609246"/>
-            <a:ext cx="5456795" cy="1185027"/>
+            <a:off x="1706834" y="1580715"/>
+            <a:ext cx="5432387" cy="1179727"/>
           </a:xfrm>
           <a:prstGeom prst="rect">
             <a:avLst/>
@@ -3446,22 +4368,24 @@
       </p:pic>
       <p:pic>
         <p:nvPicPr>
-          <p:cNvPr id="152" name="ModelHyperbolic.png" descr="ModelHyperbolic.png"/>
+          <p:cNvPr id="188" name="ModelHyperbolic.png" descr="ModelHyperbolic.png"/>
           <p:cNvPicPr>
             <a:picLocks noChangeAspect="1"/>
           </p:cNvPicPr>
           <p:nvPr/>
         </p:nvPicPr>
         <p:blipFill>
-          <a:blip r:embed="rId3"/>
+          <a:blip r:embed="rId3">
+            <a:extLst/>
+          </a:blip>
           <a:stretch>
             <a:fillRect/>
           </a:stretch>
         </p:blipFill>
         <p:spPr>
           <a:xfrm>
-            <a:off x="633757" y="3406747"/>
-            <a:ext cx="4999147" cy="1026479"/>
+            <a:off x="1702987" y="3365088"/>
+            <a:ext cx="4999148" cy="1026480"/>
           </a:xfrm>
           <a:prstGeom prst="rect">
             <a:avLst/>
@@ -3476,12 +4400,12 @@
   <p:clrMapOvr>
     <a:masterClrMapping/>
   </p:clrMapOvr>
-  <p:transition spd="med"/>
+  <p:transition xmlns:p14="http://schemas.microsoft.com/office/powerpoint/2010/main" spd="med" advClick="1"/>
 </p:sld>
 </file>
 
 <file path=ppt/slides/slide11.xml><?xml version="1.0" encoding="utf-8"?>
-<p:sld xmlns:a="http://schemas.openxmlformats.org/drawingml/2006/main" xmlns:r="http://schemas.openxmlformats.org/officeDocument/2006/relationships" xmlns:p="http://schemas.openxmlformats.org/presentationml/2006/main">
+<p:sld xmlns:a="http://schemas.openxmlformats.org/drawingml/2006/main" xmlns:r="http://schemas.openxmlformats.org/officeDocument/2006/relationships" xmlns:p="http://schemas.openxmlformats.org/presentationml/2006/main" xmlns:m="http://schemas.openxmlformats.org/officeDocument/2006/math" xmlns:a14="http://schemas.microsoft.com/office/drawing/2010/main" showMasterSp="1" showMasterPhAnim="1">
   <p:cSld>
     <p:spTree>
       <p:nvGrpSpPr>
@@ -3499,57 +4423,98 @@
       </p:grpSpPr>
       <p:sp>
         <p:nvSpPr>
-          <p:cNvPr id="154" name="Google Shape;96;p19"/>
-          <p:cNvSpPr txBox="1">
-            <a:spLocks noGrp="1"/>
-          </p:cNvSpPr>
+          <p:cNvPr id="190" name="Slide Number Placeholder"/>
+          <p:cNvSpPr txBox="1"/>
+          <p:nvPr>
+            <p:ph type="sldNum" sz="quarter" idx="2"/>
+          </p:nvPr>
+        </p:nvSpPr>
+        <p:spPr>
+          <a:xfrm>
+            <a:off x="8315360" y="4800044"/>
+            <a:ext cx="199991" cy="208281"/>
+          </a:xfrm>
+          <a:prstGeom prst="rect">
+            <a:avLst/>
+          </a:prstGeom>
+          <a:extLst>
+            <a:ext uri="{C572A759-6A51-4108-AA02-DFA0A04FC94B}">
+              <ma14:wrappingTextBoxFlag xmlns:ma14="http://schemas.microsoft.com/office/mac/drawingml/2011/main" val="1"/>
+            </a:ext>
+          </a:extLst>
+        </p:spPr>
+        <p:txBody>
+          <a:bodyPr/>
+          <a:lstStyle/>
+          <a:p>
+            <a:pPr/>
+            <a:fld id="{86CB4B4D-7CA3-9044-876B-883B54F8677D}" type="slidenum"/>
+          </a:p>
+        </p:txBody>
+      </p:sp>
+      <p:sp>
+        <p:nvSpPr>
+          <p:cNvPr id="191" name="Title Placeholder"/>
+          <p:cNvSpPr txBox="1"/>
           <p:nvPr>
             <p:ph type="title"/>
           </p:nvPr>
         </p:nvSpPr>
         <p:spPr>
           <a:xfrm>
-            <a:off x="311699" y="445025"/>
-            <a:ext cx="8520602" cy="572701"/>
+            <a:off x="1282532" y="445025"/>
+            <a:ext cx="7549769" cy="572702"/>
           </a:xfrm>
           <a:prstGeom prst="rect">
             <a:avLst/>
           </a:prstGeom>
         </p:spPr>
         <p:txBody>
-          <a:bodyPr/>
+          <a:bodyPr lIns="91423" tIns="91423" rIns="91423" bIns="91423" anchor="t"/>
           <a:lstStyle>
-            <a:lvl1pPr indent="114300">
-              <a:defRPr sz="2500"/>
+            <a:lvl1pPr indent="114300" defTabSz="914400">
+              <a:lnSpc>
+                <a:spcPct val="100000"/>
+              </a:lnSpc>
+              <a:defRPr sz="2500">
+                <a:solidFill>
+                  <a:srgbClr val="FFFEFF"/>
+                </a:solidFill>
+                <a:latin typeface="Proxima Nova"/>
+                <a:ea typeface="Proxima Nova"/>
+                <a:cs typeface="Proxima Nova"/>
+                <a:sym typeface="Proxima Nova"/>
+              </a:defRPr>
             </a:lvl1pPr>
           </a:lstStyle>
           <a:p>
-            <a:r>
-              <a:rPr lang="en-US" dirty="0"/>
+            <a:pPr/>
+            <a:r>
               <a:t>Results (before making code changes)</a:t>
             </a:r>
-            <a:endParaRPr dirty="0"/>
           </a:p>
         </p:txBody>
       </p:sp>
       <p:pic>
         <p:nvPicPr>
-          <p:cNvPr id="155" name="OriginalFull.png" descr="OriginalFull.png"/>
+          <p:cNvPr id="192" name="OriginalFull.png" descr="OriginalFull.png"/>
           <p:cNvPicPr>
             <a:picLocks noChangeAspect="1"/>
           </p:cNvPicPr>
           <p:nvPr/>
         </p:nvPicPr>
         <p:blipFill>
-          <a:blip r:embed="rId2"/>
+          <a:blip r:embed="rId2">
+            <a:extLst/>
+          </a:blip>
           <a:stretch>
             <a:fillRect/>
           </a:stretch>
         </p:blipFill>
         <p:spPr>
           <a:xfrm>
-            <a:off x="551842" y="976837"/>
-            <a:ext cx="7834335" cy="3760481"/>
+            <a:off x="1292606" y="1154620"/>
+            <a:ext cx="7093571" cy="3404915"/>
           </a:xfrm>
           <a:prstGeom prst="rect">
             <a:avLst/>
@@ -3564,12 +4529,12 @@
   <p:clrMapOvr>
     <a:masterClrMapping/>
   </p:clrMapOvr>
-  <p:transition spd="med"/>
+  <p:transition xmlns:p14="http://schemas.microsoft.com/office/powerpoint/2010/main" spd="med" advClick="1"/>
 </p:sld>
 </file>
 
 <file path=ppt/slides/slide12.xml><?xml version="1.0" encoding="utf-8"?>
-<p:sld xmlns:a="http://schemas.openxmlformats.org/drawingml/2006/main" xmlns:r="http://schemas.openxmlformats.org/officeDocument/2006/relationships" xmlns:p="http://schemas.openxmlformats.org/presentationml/2006/main">
+<p:sld xmlns:a="http://schemas.openxmlformats.org/drawingml/2006/main" xmlns:r="http://schemas.openxmlformats.org/officeDocument/2006/relationships" xmlns:p="http://schemas.openxmlformats.org/presentationml/2006/main" xmlns:m="http://schemas.openxmlformats.org/officeDocument/2006/math" xmlns:a14="http://schemas.microsoft.com/office/drawing/2010/main" showMasterSp="1" showMasterPhAnim="1">
   <p:cSld>
     <p:spTree>
       <p:nvGrpSpPr>
@@ -3587,61 +4552,99 @@
       </p:grpSpPr>
       <p:sp>
         <p:nvSpPr>
-          <p:cNvPr id="157" name="Google Shape;96;p19"/>
-          <p:cNvSpPr txBox="1">
-            <a:spLocks noGrp="1"/>
-          </p:cNvSpPr>
+          <p:cNvPr id="194" name="Slide Number Placeholder"/>
+          <p:cNvSpPr txBox="1"/>
+          <p:nvPr>
+            <p:ph type="sldNum" sz="quarter" idx="2"/>
+          </p:nvPr>
+        </p:nvSpPr>
+        <p:spPr>
+          <a:xfrm>
+            <a:off x="8306933" y="4800044"/>
+            <a:ext cx="208418" cy="208281"/>
+          </a:xfrm>
+          <a:prstGeom prst="rect">
+            <a:avLst/>
+          </a:prstGeom>
+          <a:extLst>
+            <a:ext uri="{C572A759-6A51-4108-AA02-DFA0A04FC94B}">
+              <ma14:wrappingTextBoxFlag xmlns:ma14="http://schemas.microsoft.com/office/mac/drawingml/2011/main" val="1"/>
+            </a:ext>
+          </a:extLst>
+        </p:spPr>
+        <p:txBody>
+          <a:bodyPr/>
+          <a:lstStyle/>
+          <a:p>
+            <a:pPr/>
+            <a:fld id="{86CB4B4D-7CA3-9044-876B-883B54F8677D}" type="slidenum"/>
+          </a:p>
+        </p:txBody>
+      </p:sp>
+      <p:sp>
+        <p:nvSpPr>
+          <p:cNvPr id="195" name="Title Placeholder"/>
+          <p:cNvSpPr txBox="1"/>
           <p:nvPr>
             <p:ph type="title"/>
           </p:nvPr>
         </p:nvSpPr>
         <p:spPr>
           <a:xfrm>
-            <a:off x="311699" y="445025"/>
-            <a:ext cx="8520602" cy="572701"/>
+            <a:off x="1264172" y="445025"/>
+            <a:ext cx="7568129" cy="572702"/>
           </a:xfrm>
           <a:prstGeom prst="rect">
             <a:avLst/>
           </a:prstGeom>
         </p:spPr>
         <p:txBody>
-          <a:bodyPr/>
-          <a:lstStyle>
-            <a:lvl1pPr indent="114300">
-              <a:defRPr sz="2500"/>
-            </a:lvl1pPr>
-          </a:lstStyle>
-          <a:p>
-            <a:r>
-              <a:rPr dirty="0"/>
+          <a:bodyPr lIns="91423" tIns="91423" rIns="91423" bIns="91423" anchor="t"/>
+          <a:lstStyle/>
+          <a:p>
+            <a:pPr indent="114300" defTabSz="914400">
+              <a:lnSpc>
+                <a:spcPct val="100000"/>
+              </a:lnSpc>
+              <a:defRPr sz="2500">
+                <a:solidFill>
+                  <a:srgbClr val="FFFFFD"/>
+                </a:solidFill>
+                <a:latin typeface="Proxima Nova"/>
+                <a:ea typeface="Proxima Nova"/>
+                <a:cs typeface="Proxima Nova"/>
+                <a:sym typeface="Proxima Nova"/>
+              </a:defRPr>
+            </a:pPr>
+            <a:r>
               <a:t>Results </a:t>
             </a:r>
             <a:r>
-              <a:rPr lang="en-US" dirty="0"/>
               <a:t>(after making code changes)</a:t>
             </a:r>
-            <a:endParaRPr dirty="0"/>
           </a:p>
         </p:txBody>
       </p:sp>
       <p:pic>
         <p:nvPicPr>
-          <p:cNvPr id="158" name="FlatResultsAllModel.png" descr="FlatResultsAllModel.png"/>
+          <p:cNvPr id="196" name="FlatResultsAllModel.png" descr="FlatResultsAllModel.png"/>
           <p:cNvPicPr>
             <a:picLocks noChangeAspect="1"/>
           </p:cNvPicPr>
           <p:nvPr/>
         </p:nvPicPr>
         <p:blipFill>
-          <a:blip r:embed="rId2"/>
+          <a:blip r:embed="rId2">
+            <a:extLst/>
+          </a:blip>
           <a:stretch>
             <a:fillRect/>
           </a:stretch>
         </p:blipFill>
         <p:spPr>
           <a:xfrm>
-            <a:off x="569418" y="1001250"/>
-            <a:ext cx="6467673" cy="3679735"/>
+            <a:off x="1263343" y="1198651"/>
+            <a:ext cx="6067463" cy="3452040"/>
           </a:xfrm>
           <a:prstGeom prst="rect">
             <a:avLst/>
@@ -3656,12 +4659,12 @@
   <p:clrMapOvr>
     <a:masterClrMapping/>
   </p:clrMapOvr>
-  <p:transition spd="med"/>
+  <p:transition xmlns:p14="http://schemas.microsoft.com/office/powerpoint/2010/main" spd="med" advClick="1"/>
 </p:sld>
 </file>
 
 <file path=ppt/slides/slide13.xml><?xml version="1.0" encoding="utf-8"?>
-<p:sld xmlns:a="http://schemas.openxmlformats.org/drawingml/2006/main" xmlns:r="http://schemas.openxmlformats.org/officeDocument/2006/relationships" xmlns:p="http://schemas.openxmlformats.org/presentationml/2006/main">
+<p:sld xmlns:a="http://schemas.openxmlformats.org/drawingml/2006/main" xmlns:r="http://schemas.openxmlformats.org/officeDocument/2006/relationships" xmlns:p="http://schemas.openxmlformats.org/presentationml/2006/main" xmlns:m="http://schemas.openxmlformats.org/officeDocument/2006/math" xmlns:a14="http://schemas.microsoft.com/office/drawing/2010/main" showMasterSp="1" showMasterPhAnim="1">
   <p:cSld>
     <p:spTree>
       <p:nvGrpSpPr>
@@ -3679,174 +4682,259 @@
       </p:grpSpPr>
       <p:sp>
         <p:nvSpPr>
-          <p:cNvPr id="160" name="Google Shape;96;p19"/>
-          <p:cNvSpPr txBox="1">
-            <a:spLocks noGrp="1"/>
-          </p:cNvSpPr>
+          <p:cNvPr id="198" name="Slide Number Placeholder"/>
+          <p:cNvSpPr txBox="1"/>
+          <p:nvPr>
+            <p:ph type="sldNum" sz="quarter" idx="2"/>
+          </p:nvPr>
+        </p:nvSpPr>
+        <p:spPr>
+          <a:xfrm>
+            <a:off x="8306933" y="4800044"/>
+            <a:ext cx="208418" cy="208281"/>
+          </a:xfrm>
+          <a:prstGeom prst="rect">
+            <a:avLst/>
+          </a:prstGeom>
+          <a:extLst>
+            <a:ext uri="{C572A759-6A51-4108-AA02-DFA0A04FC94B}">
+              <ma14:wrappingTextBoxFlag xmlns:ma14="http://schemas.microsoft.com/office/mac/drawingml/2011/main" val="1"/>
+            </a:ext>
+          </a:extLst>
+        </p:spPr>
+        <p:txBody>
+          <a:bodyPr/>
+          <a:lstStyle/>
+          <a:p>
+            <a:pPr/>
+            <a:fld id="{86CB4B4D-7CA3-9044-876B-883B54F8677D}" type="slidenum"/>
+          </a:p>
+        </p:txBody>
+      </p:sp>
+      <p:sp>
+        <p:nvSpPr>
+          <p:cNvPr id="199" name="Title Placeholder"/>
+          <p:cNvSpPr txBox="1"/>
           <p:nvPr>
             <p:ph type="title"/>
           </p:nvPr>
         </p:nvSpPr>
         <p:spPr>
           <a:xfrm>
-            <a:off x="311699" y="445025"/>
-            <a:ext cx="8520602" cy="572701"/>
+            <a:off x="1297467" y="445025"/>
+            <a:ext cx="7661834" cy="572702"/>
           </a:xfrm>
           <a:prstGeom prst="rect">
             <a:avLst/>
           </a:prstGeom>
         </p:spPr>
         <p:txBody>
-          <a:bodyPr/>
+          <a:bodyPr lIns="91423" tIns="91423" rIns="91423" bIns="91423" anchor="t"/>
           <a:lstStyle>
-            <a:lvl1pPr indent="114300">
-              <a:defRPr sz="2500"/>
+            <a:lvl1pPr indent="114300" defTabSz="914400">
+              <a:lnSpc>
+                <a:spcPct val="100000"/>
+              </a:lnSpc>
+              <a:defRPr sz="2500">
+                <a:solidFill>
+                  <a:srgbClr val="FFFFFE"/>
+                </a:solidFill>
+                <a:latin typeface="Proxima Nova"/>
+                <a:ea typeface="Proxima Nova"/>
+                <a:cs typeface="Proxima Nova"/>
+                <a:sym typeface="Proxima Nova"/>
+              </a:defRPr>
             </a:lvl1pPr>
           </a:lstStyle>
           <a:p>
-            <a:r>
-              <a:rPr lang="en-US" dirty="0"/>
+            <a:pPr/>
+            <a:r>
               <a:t>Discussion</a:t>
             </a:r>
-            <a:endParaRPr dirty="0"/>
           </a:p>
         </p:txBody>
       </p:sp>
       <p:sp>
         <p:nvSpPr>
-          <p:cNvPr id="161" name="Google Shape;97;p19"/>
-          <p:cNvSpPr txBox="1">
-            <a:spLocks noGrp="1"/>
-          </p:cNvSpPr>
+          <p:cNvPr id="200" name="Text Placeholder"/>
+          <p:cNvSpPr txBox="1"/>
           <p:nvPr>
             <p:ph type="body" idx="1"/>
           </p:nvPr>
         </p:nvSpPr>
         <p:spPr>
           <a:xfrm>
-            <a:off x="311699" y="1141699"/>
-            <a:ext cx="5231851" cy="3780345"/>
+            <a:off x="1114425" y="1141699"/>
+            <a:ext cx="4993926" cy="3780345"/>
           </a:xfrm>
           <a:prstGeom prst="rect">
             <a:avLst/>
           </a:prstGeom>
         </p:spPr>
         <p:txBody>
-          <a:bodyPr>
-            <a:normAutofit lnSpcReduction="10000"/>
-          </a:bodyPr>
+          <a:bodyPr lIns="91423" tIns="91423" rIns="91423" bIns="91423"/>
           <a:lstStyle/>
           <a:p>
-            <a:pPr algn="just">
-              <a:buFont typeface="Arial" panose="020B0604020202020204" pitchFamily="34" charset="0"/>
+            <a:pPr marL="457200" indent="-342900" algn="just" defTabSz="914400">
+              <a:lnSpc>
+                <a:spcPct val="103500"/>
+              </a:lnSpc>
+              <a:spcBef>
+                <a:spcPts val="0"/>
+              </a:spcBef>
+              <a:buClr>
+                <a:schemeClr val="accent3"/>
+              </a:buClr>
+              <a:buSzPts val="1200"/>
+              <a:buFont typeface="Arial"/>
               <a:buChar char="•"/>
+              <a:defRPr b="1" sz="1200">
+                <a:solidFill>
+                  <a:srgbClr val="FDFFFF"/>
+                </a:solidFill>
+                <a:latin typeface="Proxima Nova"/>
+                <a:ea typeface="Proxima Nova"/>
+                <a:cs typeface="Proxima Nova"/>
+                <a:sym typeface="Proxima Nova"/>
+              </a:defRPr>
             </a:pPr>
             <a:r>
-              <a:rPr lang="en-US" sz="1200" b="1" dirty="0"/>
-              <a:t>Our project aimed to re-establish Hierarchical learning using the </a:t>
-            </a:r>
-            <a:r>
-              <a:rPr lang="en-US" sz="1200" b="1" dirty="0" err="1"/>
-              <a:t>HiCu</a:t>
-            </a:r>
-            <a:r>
-              <a:rPr lang="en-US" sz="1200" b="1" dirty="0"/>
-              <a:t> algorithm</a:t>
-            </a:r>
-            <a:r>
-              <a:rPr lang="en-US" sz="1200" dirty="0"/>
+              <a:t>Our project aimed to re-establish Hierarchical learning using the HiCu algorithm</a:t>
+            </a:r>
+            <a:r>
+              <a:rPr b="0"/>
               <a:t>, which is more efficient than non-hierarchical learning of ICD-9 codes.</a:t>
             </a:r>
-          </a:p>
-          <a:p>
-            <a:pPr algn="just">
-              <a:buFont typeface="Arial" panose="020B0604020202020204" pitchFamily="34" charset="0"/>
+            <a:endParaRPr b="0"/>
+          </a:p>
+          <a:p>
+            <a:pPr marL="457200" indent="-342900" algn="just" defTabSz="914400">
+              <a:lnSpc>
+                <a:spcPct val="103500"/>
+              </a:lnSpc>
+              <a:spcBef>
+                <a:spcPts val="0"/>
+              </a:spcBef>
+              <a:buClr>
+                <a:schemeClr val="accent3"/>
+              </a:buClr>
+              <a:buSzPts val="1200"/>
+              <a:buFont typeface="Arial"/>
               <a:buChar char="•"/>
+              <a:defRPr sz="1200">
+                <a:solidFill>
+                  <a:srgbClr val="FDFFFF"/>
+                </a:solidFill>
+                <a:latin typeface="Proxima Nova"/>
+                <a:ea typeface="Proxima Nova"/>
+                <a:cs typeface="Proxima Nova"/>
+                <a:sym typeface="Proxima Nova"/>
+              </a:defRPr>
             </a:pPr>
             <a:r>
-              <a:rPr lang="en-US" sz="1200" dirty="0"/>
-              <a:t>We compared </a:t>
-            </a:r>
-            <a:r>
-              <a:rPr lang="en-US" sz="1200" dirty="0" err="1"/>
-              <a:t>HiCu</a:t>
-            </a:r>
-            <a:r>
-              <a:rPr lang="en-US" sz="1200" dirty="0"/>
-              <a:t> performance using </a:t>
-            </a:r>
-            <a:r>
-              <a:rPr lang="en-US" sz="1200" dirty="0" err="1"/>
-              <a:t>MultiResCNN</a:t>
-            </a:r>
-            <a:r>
-              <a:rPr lang="en-US" sz="1200" dirty="0"/>
-              <a:t>, LAAT and RAC models with respect to different metrics and observed that </a:t>
-            </a:r>
-            <a:r>
-              <a:rPr lang="en-US" sz="1200" dirty="0" err="1"/>
-              <a:t>HiCu</a:t>
-            </a:r>
-            <a:r>
-              <a:rPr lang="en-US" sz="1200" dirty="0"/>
-              <a:t> performs better in tree structure training of ICD codes.</a:t>
-            </a:r>
-          </a:p>
-          <a:p>
-            <a:pPr algn="just">
-              <a:buFont typeface="Arial" panose="020B0604020202020204" pitchFamily="34" charset="0"/>
+              <a:t>We compared HiCu performance using MultiResCNN, LAAT and RAC models with respect to different metrics and observed that HiCu performs better in tree structure training of ICD codes.</a:t>
+            </a:r>
+          </a:p>
+          <a:p>
+            <a:pPr marL="457200" indent="-342900" algn="just" defTabSz="914400">
+              <a:lnSpc>
+                <a:spcPct val="103500"/>
+              </a:lnSpc>
+              <a:spcBef>
+                <a:spcPts val="0"/>
+              </a:spcBef>
+              <a:buClr>
+                <a:schemeClr val="accent3"/>
+              </a:buClr>
+              <a:buSzPts val="1200"/>
+              <a:buFont typeface="Arial"/>
               <a:buChar char="•"/>
+              <a:defRPr b="1" sz="1200">
+                <a:solidFill>
+                  <a:srgbClr val="FDFFFF"/>
+                </a:solidFill>
+                <a:latin typeface="Proxima Nova"/>
+                <a:ea typeface="Proxima Nova"/>
+                <a:cs typeface="Proxima Nova"/>
+                <a:sym typeface="Proxima Nova"/>
+              </a:defRPr>
             </a:pPr>
             <a:r>
-              <a:rPr lang="en-US" sz="1200" b="1" dirty="0"/>
               <a:t>For Claim 1</a:t>
             </a:r>
             <a:r>
-              <a:rPr lang="en-US" sz="1200" dirty="0"/>
-              <a:t>, we reduced the hierarchy by flattening the ICD code and observed that the model performed poorly than the original paper in most metrics, e.g. for AUC results. It proves the importance of the hierarchical structure in improving the multi-label classification performance of the </a:t>
-            </a:r>
-            <a:r>
-              <a:rPr lang="en-US" sz="1200" dirty="0" err="1"/>
-              <a:t>HiCu</a:t>
-            </a:r>
-            <a:r>
-              <a:rPr lang="en-US" sz="1200" dirty="0"/>
-              <a:t> algorithm. </a:t>
-            </a:r>
-            <a:r>
-              <a:rPr lang="en-US" sz="1200" b="1" dirty="0"/>
+              <a:rPr b="0"/>
+              <a:t>, we reduced the hierarchy by flattening the ICD code and observed that the model performed poorly than the original paper in most metrics, e.g. for AUC results. It proves the importance of the hierarchical structure in improving the multi-label classification performance of the HiCu algorithm. </a:t>
+            </a:r>
+            <a:r>
               <a:t>After flattening, performance degraded.</a:t>
             </a:r>
           </a:p>
           <a:p>
-            <a:pPr algn="just">
-              <a:buFont typeface="Arial" panose="020B0604020202020204" pitchFamily="34" charset="0"/>
+            <a:pPr marL="457200" indent="-342900" algn="just" defTabSz="914400">
+              <a:lnSpc>
+                <a:spcPct val="103500"/>
+              </a:lnSpc>
+              <a:spcBef>
+                <a:spcPts val="0"/>
+              </a:spcBef>
+              <a:buClr>
+                <a:schemeClr val="accent3"/>
+              </a:buClr>
+              <a:buSzPts val="1200"/>
+              <a:buFont typeface="Arial"/>
               <a:buChar char="•"/>
+              <a:defRPr b="1" sz="1200">
+                <a:solidFill>
+                  <a:srgbClr val="FDFFFF"/>
+                </a:solidFill>
+                <a:latin typeface="Proxima Nova"/>
+                <a:ea typeface="Proxima Nova"/>
+                <a:cs typeface="Proxima Nova"/>
+                <a:sym typeface="Proxima Nova"/>
+              </a:defRPr>
             </a:pPr>
             <a:r>
-              <a:rPr lang="en-US" sz="1200" b="1" dirty="0"/>
               <a:t>For Claim 2</a:t>
             </a:r>
             <a:r>
-              <a:rPr lang="en-US" sz="1200" dirty="0"/>
+              <a:rPr b="0"/>
               <a:t>, we found that a reduced ICD Code Hierarchy model largely affected the training time since </a:t>
             </a:r>
             <a:r>
-              <a:rPr lang="en-US" sz="1200" b="1" dirty="0"/>
               <a:t>training time significantly increased </a:t>
             </a:r>
             <a:r>
-              <a:rPr lang="en-US" sz="1200" dirty="0"/>
+              <a:rPr b="0"/>
               <a:t>as observed in the results.</a:t>
             </a:r>
-          </a:p>
-          <a:p>
-            <a:pPr algn="just">
-              <a:buFont typeface="Arial" panose="020B0604020202020204" pitchFamily="34" charset="0"/>
+            <a:endParaRPr b="0"/>
+          </a:p>
+          <a:p>
+            <a:pPr marL="457200" indent="-342900" algn="just" defTabSz="914400">
+              <a:lnSpc>
+                <a:spcPct val="103500"/>
+              </a:lnSpc>
+              <a:spcBef>
+                <a:spcPts val="0"/>
+              </a:spcBef>
+              <a:buClr>
+                <a:schemeClr val="accent3"/>
+              </a:buClr>
+              <a:buSzPts val="1200"/>
+              <a:buFont typeface="Arial"/>
               <a:buChar char="•"/>
+              <a:defRPr sz="1200">
+                <a:solidFill>
+                  <a:srgbClr val="FDFFFF"/>
+                </a:solidFill>
+                <a:latin typeface="Proxima Nova"/>
+                <a:ea typeface="Proxima Nova"/>
+                <a:cs typeface="Proxima Nova"/>
+                <a:sym typeface="Proxima Nova"/>
+              </a:defRPr>
             </a:pPr>
             <a:r>
-              <a:rPr lang="en-US" sz="1200" dirty="0"/>
               <a:t>The most exciting aspect of our research involved the ablation study in which we removed the ICD-9 Hierarchy and were still able to train the model.</a:t>
             </a:r>
           </a:p>
@@ -3854,32 +4942,31 @@
       </p:sp>
       <p:pic>
         <p:nvPicPr>
-          <p:cNvPr id="5" name="Picture 4">
-            <a:extLst>
-              <a:ext uri="{FF2B5EF4-FFF2-40B4-BE49-F238E27FC236}">
-                <a16:creationId xmlns:a16="http://schemas.microsoft.com/office/drawing/2014/main" id="{8BCC2DFF-80CA-1862-C124-B4F2FD990D20}"/>
-              </a:ext>
-            </a:extLst>
-          </p:cNvPr>
+          <p:cNvPr id="201" name="Picture 4" descr="Picture 4"/>
           <p:cNvPicPr>
             <a:picLocks noChangeAspect="1"/>
           </p:cNvPicPr>
           <p:nvPr/>
         </p:nvPicPr>
         <p:blipFill>
-          <a:blip r:embed="rId2"/>
+          <a:blip r:embed="rId2">
+            <a:extLst/>
+          </a:blip>
           <a:stretch>
             <a:fillRect/>
           </a:stretch>
         </p:blipFill>
         <p:spPr>
           <a:xfrm>
-            <a:off x="5543550" y="2186420"/>
-            <a:ext cx="3600450" cy="1013548"/>
+            <a:off x="6108350" y="2265917"/>
+            <a:ext cx="3035650" cy="854554"/>
           </a:xfrm>
           <a:prstGeom prst="rect">
             <a:avLst/>
           </a:prstGeom>
+          <a:ln w="12700">
+            <a:miter lim="400000"/>
+          </a:ln>
         </p:spPr>
       </p:pic>
     </p:spTree>
@@ -3887,12 +4974,12 @@
   <p:clrMapOvr>
     <a:masterClrMapping/>
   </p:clrMapOvr>
-  <p:transition spd="med"/>
+  <p:transition xmlns:p14="http://schemas.microsoft.com/office/powerpoint/2010/main" spd="med" advClick="1"/>
 </p:sld>
 </file>
 
 <file path=ppt/slides/slide14.xml><?xml version="1.0" encoding="utf-8"?>
-<p:sld xmlns:a="http://schemas.openxmlformats.org/drawingml/2006/main" xmlns:r="http://schemas.openxmlformats.org/officeDocument/2006/relationships" xmlns:p="http://schemas.openxmlformats.org/presentationml/2006/main">
+<p:sld xmlns:a="http://schemas.openxmlformats.org/drawingml/2006/main" xmlns:r="http://schemas.openxmlformats.org/officeDocument/2006/relationships" xmlns:p="http://schemas.openxmlformats.org/presentationml/2006/main" xmlns:m="http://schemas.openxmlformats.org/officeDocument/2006/math" xmlns:a14="http://schemas.microsoft.com/office/drawing/2010/main" showMasterSp="1" showMasterPhAnim="1">
   <p:cSld>
     <p:spTree>
       <p:nvGrpSpPr>
@@ -3910,33 +4997,73 @@
       </p:grpSpPr>
       <p:sp>
         <p:nvSpPr>
-          <p:cNvPr id="163" name="Google Shape;96;p19"/>
-          <p:cNvSpPr txBox="1">
-            <a:spLocks noGrp="1"/>
-          </p:cNvSpPr>
+          <p:cNvPr id="203" name="Slide Number Placeholder"/>
+          <p:cNvSpPr txBox="1"/>
+          <p:nvPr>
+            <p:ph type="sldNum" sz="quarter" idx="2"/>
+          </p:nvPr>
+        </p:nvSpPr>
+        <p:spPr>
+          <a:xfrm>
+            <a:off x="8306933" y="4800044"/>
+            <a:ext cx="208418" cy="208281"/>
+          </a:xfrm>
+          <a:prstGeom prst="rect">
+            <a:avLst/>
+          </a:prstGeom>
+          <a:extLst>
+            <a:ext uri="{C572A759-6A51-4108-AA02-DFA0A04FC94B}">
+              <ma14:wrappingTextBoxFlag xmlns:ma14="http://schemas.microsoft.com/office/mac/drawingml/2011/main" val="1"/>
+            </a:ext>
+          </a:extLst>
+        </p:spPr>
+        <p:txBody>
+          <a:bodyPr/>
+          <a:lstStyle/>
+          <a:p>
+            <a:pPr/>
+            <a:fld id="{86CB4B4D-7CA3-9044-876B-883B54F8677D}" type="slidenum"/>
+          </a:p>
+        </p:txBody>
+      </p:sp>
+      <p:sp>
+        <p:nvSpPr>
+          <p:cNvPr id="204" name="Title Placeholder"/>
+          <p:cNvSpPr txBox="1"/>
           <p:nvPr>
             <p:ph type="title"/>
           </p:nvPr>
         </p:nvSpPr>
         <p:spPr>
           <a:xfrm>
-            <a:off x="311699" y="445025"/>
-            <a:ext cx="8520602" cy="572701"/>
+            <a:off x="1203636" y="445025"/>
+            <a:ext cx="7628665" cy="572702"/>
           </a:xfrm>
           <a:prstGeom prst="rect">
             <a:avLst/>
           </a:prstGeom>
         </p:spPr>
         <p:txBody>
-          <a:bodyPr/>
+          <a:bodyPr lIns="91423" tIns="91423" rIns="91423" bIns="91423" anchor="t"/>
           <a:lstStyle>
-            <a:lvl1pPr indent="114300">
-              <a:defRPr sz="2500"/>
+            <a:lvl1pPr indent="114300" defTabSz="914400">
+              <a:lnSpc>
+                <a:spcPct val="100000"/>
+              </a:lnSpc>
+              <a:defRPr sz="2500">
+                <a:solidFill>
+                  <a:srgbClr val="FFFFFE"/>
+                </a:solidFill>
+                <a:latin typeface="Proxima Nova"/>
+                <a:ea typeface="Proxima Nova"/>
+                <a:cs typeface="Proxima Nova"/>
+                <a:sym typeface="Proxima Nova"/>
+              </a:defRPr>
             </a:lvl1pPr>
           </a:lstStyle>
           <a:p>
-            <a:r>
-              <a:rPr dirty="0"/>
+            <a:pPr/>
+            <a:r>
               <a:t>Conclusion</a:t>
             </a:r>
           </a:p>
@@ -3944,69 +5071,104 @@
       </p:sp>
       <p:sp>
         <p:nvSpPr>
-          <p:cNvPr id="164" name="Google Shape;97;p19"/>
-          <p:cNvSpPr txBox="1">
-            <a:spLocks noGrp="1"/>
-          </p:cNvSpPr>
+          <p:cNvPr id="205" name="Text Placeholder"/>
+          <p:cNvSpPr txBox="1"/>
           <p:nvPr>
             <p:ph type="body" idx="1"/>
           </p:nvPr>
         </p:nvSpPr>
         <p:spPr>
           <a:xfrm>
-            <a:off x="311699" y="1141699"/>
-            <a:ext cx="8520602" cy="3416401"/>
+            <a:off x="1203636" y="1141698"/>
+            <a:ext cx="7628665" cy="3416403"/>
           </a:xfrm>
           <a:prstGeom prst="rect">
             <a:avLst/>
           </a:prstGeom>
         </p:spPr>
         <p:txBody>
-          <a:bodyPr/>
+          <a:bodyPr lIns="91423" tIns="91423" rIns="91423" bIns="91423"/>
           <a:lstStyle/>
           <a:p>
-            <a:pPr algn="just">
+            <a:pPr marL="457200" indent="-342900" algn="just" defTabSz="914400">
+              <a:lnSpc>
+                <a:spcPct val="115000"/>
+              </a:lnSpc>
+              <a:spcBef>
+                <a:spcPts val="0"/>
+              </a:spcBef>
+              <a:buClr>
+                <a:schemeClr val="accent3"/>
+              </a:buClr>
+              <a:buSzPts val="1800"/>
               <a:buFont typeface="Arial"/>
               <a:buChar char="•"/>
+              <a:defRPr>
+                <a:solidFill>
+                  <a:srgbClr val="FCFFFF"/>
+                </a:solidFill>
+                <a:latin typeface="Proxima Nova"/>
+                <a:ea typeface="Proxima Nova"/>
+                <a:cs typeface="Proxima Nova"/>
+                <a:sym typeface="Proxima Nova"/>
+              </a:defRPr>
             </a:pPr>
             <a:r>
-              <a:rPr lang="en-US" dirty="0"/>
-              <a:t>We reaffirmed the objective of </a:t>
-            </a:r>
-            <a:r>
-              <a:rPr lang="en-US" dirty="0" err="1"/>
-              <a:t>HiCu’s</a:t>
-            </a:r>
-            <a:r>
-              <a:rPr lang="en-US" dirty="0"/>
-              <a:t> algorithm with an ablation study of flattening the hierarchy.</a:t>
-            </a:r>
-          </a:p>
-          <a:p>
-            <a:pPr algn="just">
+              <a:t>We reaffirmed the objective of HiCu’s algorithm with an ablation study of flattening the hierarchy.</a:t>
+            </a:r>
+          </a:p>
+          <a:p>
+            <a:pPr marL="457200" indent="-342900" algn="just" defTabSz="914400">
+              <a:lnSpc>
+                <a:spcPct val="115000"/>
+              </a:lnSpc>
+              <a:spcBef>
+                <a:spcPts val="0"/>
+              </a:spcBef>
+              <a:buClr>
+                <a:schemeClr val="accent3"/>
+              </a:buClr>
+              <a:buSzPts val="1800"/>
               <a:buFont typeface="Arial"/>
               <a:buChar char="•"/>
+              <a:defRPr>
+                <a:solidFill>
+                  <a:srgbClr val="FCFFFF"/>
+                </a:solidFill>
+                <a:latin typeface="Proxima Nova"/>
+                <a:ea typeface="Proxima Nova"/>
+                <a:cs typeface="Proxima Nova"/>
+                <a:sym typeface="Proxima Nova"/>
+              </a:defRPr>
             </a:pPr>
-            <a:endParaRPr lang="en-US" dirty="0"/>
-          </a:p>
-          <a:p>
-            <a:pPr algn="just">
+          </a:p>
+          <a:p>
+            <a:pPr marL="457200" indent="-342900" algn="just" defTabSz="914400">
+              <a:lnSpc>
+                <a:spcPct val="115000"/>
+              </a:lnSpc>
+              <a:spcBef>
+                <a:spcPts val="0"/>
+              </a:spcBef>
+              <a:buClr>
+                <a:schemeClr val="accent3"/>
+              </a:buClr>
+              <a:buSzPts val="1800"/>
               <a:buFont typeface="Arial"/>
               <a:buChar char="•"/>
+              <a:defRPr>
+                <a:solidFill>
+                  <a:srgbClr val="FCFFFF"/>
+                </a:solidFill>
+                <a:latin typeface="Proxima Nova"/>
+                <a:ea typeface="Proxima Nova"/>
+                <a:cs typeface="Proxima Nova"/>
+                <a:sym typeface="Proxima Nova"/>
+              </a:defRPr>
             </a:pPr>
             <a:r>
-              <a:rPr dirty="0"/>
-              <a:t>The </a:t>
-            </a:r>
-            <a:r>
-              <a:rPr dirty="0" err="1"/>
-              <a:t>HiCu</a:t>
-            </a:r>
-            <a:r>
-              <a:rPr dirty="0"/>
-              <a:t> algorithm is an innovative approach to automated ICD coding that takes advantage of the hierarchical structure of the ICD codes to improve the model's ability to learn complex relationships between the codes, which is difficult to achieve using traditional flat learning approaches.</a:t>
-            </a:r>
-            <a:endParaRPr lang="en-US" dirty="0"/>
+              <a:t>The HiCu algorithm is an innovative approach to automated ICD coding that takes advantage of the hierarchical structure of the ICD codes to improve the model's ability to learn complex relationships between the codes, which is difficult to achieve using traditional flat learning approaches.</a:t>
+            </a:r>
           </a:p>
         </p:txBody>
       </p:sp>
@@ -4015,12 +5177,12 @@
   <p:clrMapOvr>
     <a:masterClrMapping/>
   </p:clrMapOvr>
-  <p:transition spd="med"/>
+  <p:transition xmlns:p14="http://schemas.microsoft.com/office/powerpoint/2010/main" spd="med" advClick="1"/>
 </p:sld>
 </file>
 
-<file path=ppt/slides/slide2.xml><?xml version="1.0" encoding="utf-8"?>
-<p:sld xmlns:a="http://schemas.openxmlformats.org/drawingml/2006/main" xmlns:r="http://schemas.openxmlformats.org/officeDocument/2006/relationships" xmlns:p="http://schemas.openxmlformats.org/presentationml/2006/main">
+<file path=ppt/slides/slide15.xml><?xml version="1.0" encoding="utf-8"?>
+<p:sld xmlns:a="http://schemas.openxmlformats.org/drawingml/2006/main" xmlns:r="http://schemas.openxmlformats.org/officeDocument/2006/relationships" xmlns:p="http://schemas.openxmlformats.org/presentationml/2006/main" xmlns:m="http://schemas.openxmlformats.org/officeDocument/2006/math" xmlns:a14="http://schemas.microsoft.com/office/drawing/2010/main" showMasterSp="1" showMasterPhAnim="1">
   <p:cSld>
     <p:spTree>
       <p:nvGrpSpPr>
@@ -4038,18 +5200,16 @@
       </p:grpSpPr>
       <p:sp>
         <p:nvSpPr>
-          <p:cNvPr id="117" name="Google Shape;65;p14"/>
-          <p:cNvSpPr txBox="1">
-            <a:spLocks noGrp="1"/>
-          </p:cNvSpPr>
+          <p:cNvPr id="207" name="Title Placeholder"/>
+          <p:cNvSpPr txBox="1"/>
           <p:nvPr>
             <p:ph type="title"/>
           </p:nvPr>
         </p:nvSpPr>
         <p:spPr>
           <a:xfrm>
-            <a:off x="311699" y="445025"/>
-            <a:ext cx="8520602" cy="572701"/>
+            <a:off x="2442633" y="2074663"/>
+            <a:ext cx="7103051" cy="994174"/>
           </a:xfrm>
           <a:prstGeom prst="rect">
             <a:avLst/>
@@ -4057,188 +5217,43 @@
         </p:spPr>
         <p:txBody>
           <a:bodyPr/>
-          <a:lstStyle>
-            <a:lvl1pPr>
-              <a:defRPr sz="2500"/>
-            </a:lvl1pPr>
-          </a:lstStyle>
-          <a:p>
-            <a:r>
-              <a:t>Agenda</a:t>
+          <a:lstStyle/>
+          <a:p>
+            <a:pPr/>
+            <a:r>
+              <a:t>THANK YOU</a:t>
             </a:r>
           </a:p>
         </p:txBody>
       </p:sp>
       <p:sp>
         <p:nvSpPr>
-          <p:cNvPr id="118" name="Google Shape;66;p14"/>
-          <p:cNvSpPr txBox="1">
-            <a:spLocks noGrp="1"/>
-          </p:cNvSpPr>
+          <p:cNvPr id="208" name="Slide Number Placeholder"/>
+          <p:cNvSpPr txBox="1"/>
           <p:nvPr>
-            <p:ph type="body" idx="1"/>
+            <p:ph type="sldNum" sz="quarter" idx="2"/>
           </p:nvPr>
         </p:nvSpPr>
         <p:spPr>
           <a:xfrm>
-            <a:off x="311699" y="1152475"/>
-            <a:ext cx="8520602" cy="3416400"/>
+            <a:off x="8306933" y="4800044"/>
+            <a:ext cx="208418" cy="208281"/>
           </a:xfrm>
           <a:prstGeom prst="rect">
             <a:avLst/>
           </a:prstGeom>
+          <a:extLst>
+            <a:ext uri="{C572A759-6A51-4108-AA02-DFA0A04FC94B}">
+              <ma14:wrappingTextBoxFlag xmlns:ma14="http://schemas.microsoft.com/office/mac/drawingml/2011/main" val="1"/>
+            </a:ext>
+          </a:extLst>
         </p:spPr>
         <p:txBody>
-          <a:bodyPr>
-            <a:normAutofit lnSpcReduction="10000"/>
-          </a:bodyPr>
+          <a:bodyPr/>
           <a:lstStyle/>
           <a:p>
-            <a:pPr>
-              <a:buFontTx/>
-              <a:buAutoNum type="arabicPeriod"/>
-            </a:pPr>
-            <a:r>
-              <a:rPr dirty="0"/>
-              <a:t>Introduction </a:t>
-            </a:r>
-            <a:r>
-              <a:rPr lang="en-US" dirty="0"/>
-              <a:t>/ </a:t>
-            </a:r>
-            <a:r>
-              <a:rPr dirty="0"/>
-              <a:t>Problem Description </a:t>
-            </a:r>
-            <a:endParaRPr lang="en-US" dirty="0"/>
-          </a:p>
-          <a:p>
-            <a:pPr>
-              <a:buFontTx/>
-              <a:buAutoNum type="arabicPeriod"/>
-            </a:pPr>
-            <a:r>
-              <a:rPr dirty="0" err="1"/>
-              <a:t>HiCu</a:t>
-            </a:r>
-            <a:r>
-              <a:rPr dirty="0"/>
-              <a:t> Algorithm</a:t>
-            </a:r>
-          </a:p>
-          <a:p>
-            <a:pPr>
-              <a:buFontTx/>
-              <a:buAutoNum type="arabicPeriod"/>
-            </a:pPr>
-            <a:r>
-              <a:rPr lang="en-US" dirty="0" err="1"/>
-              <a:t>HiCu</a:t>
-            </a:r>
-            <a:r>
-              <a:rPr lang="en-US" dirty="0"/>
-              <a:t> </a:t>
-            </a:r>
-            <a:r>
-              <a:rPr dirty="0"/>
-              <a:t>Architecture / Approach taken in the paper</a:t>
-            </a:r>
-            <a:endParaRPr lang="en-US" dirty="0"/>
-          </a:p>
-          <a:p>
-            <a:pPr>
-              <a:buFontTx/>
-              <a:buAutoNum type="arabicPeriod"/>
-            </a:pPr>
-            <a:r>
-              <a:rPr lang="en-US" dirty="0" err="1"/>
-              <a:t>HiCu</a:t>
-            </a:r>
-            <a:r>
-              <a:rPr lang="en-US" dirty="0"/>
-              <a:t> Results (from Original Paper)</a:t>
-            </a:r>
-            <a:endParaRPr dirty="0"/>
-          </a:p>
-          <a:p>
-            <a:pPr>
-              <a:buFontTx/>
-              <a:buAutoNum type="arabicPeriod"/>
-            </a:pPr>
-            <a:r>
-              <a:rPr dirty="0"/>
-              <a:t>Implementation / Reproduction Attempts</a:t>
-            </a:r>
-            <a:endParaRPr lang="en-US" dirty="0"/>
-          </a:p>
-          <a:p>
-            <a:pPr>
-              <a:buFontTx/>
-              <a:buAutoNum type="arabicPeriod"/>
-            </a:pPr>
-            <a:r>
-              <a:rPr lang="en-US" dirty="0"/>
-              <a:t>Ablation / Code Modification – 1</a:t>
-            </a:r>
-          </a:p>
-          <a:p>
-            <a:pPr>
-              <a:buFontTx/>
-              <a:buAutoNum type="arabicPeriod"/>
-            </a:pPr>
-            <a:r>
-              <a:rPr lang="en-US" dirty="0"/>
-              <a:t>Ablation / Code Modification – 2 and 3</a:t>
-            </a:r>
-          </a:p>
-          <a:p>
-            <a:pPr>
-              <a:buFontTx/>
-              <a:buAutoNum type="arabicPeriod"/>
-            </a:pPr>
-            <a:r>
-              <a:rPr dirty="0"/>
-              <a:t>Results (</a:t>
-            </a:r>
-            <a:r>
-              <a:rPr lang="en-US" dirty="0"/>
-              <a:t>before making code changes</a:t>
-            </a:r>
-            <a:r>
-              <a:rPr dirty="0"/>
-              <a:t>)</a:t>
-            </a:r>
-          </a:p>
-          <a:p>
-            <a:pPr>
-              <a:buFontTx/>
-              <a:buAutoNum type="arabicPeriod"/>
-            </a:pPr>
-            <a:r>
-              <a:rPr lang="en-US" dirty="0"/>
-              <a:t>Results (after making code changes)</a:t>
-            </a:r>
-          </a:p>
-          <a:p>
-            <a:pPr>
-              <a:buFontTx/>
-              <a:buAutoNum type="arabicPeriod"/>
-            </a:pPr>
-            <a:r>
-              <a:rPr dirty="0"/>
-              <a:t>Discussion </a:t>
-            </a:r>
-            <a:endParaRPr lang="en-US" dirty="0"/>
-          </a:p>
-          <a:p>
-            <a:pPr>
-              <a:buFontTx/>
-              <a:buAutoNum type="arabicPeriod"/>
-            </a:pPr>
-            <a:r>
-              <a:rPr dirty="0"/>
-              <a:t>Conclusion</a:t>
-            </a:r>
+            <a:pPr/>
+            <a:fld id="{86CB4B4D-7CA3-9044-876B-883B54F8677D}" type="slidenum"/>
           </a:p>
         </p:txBody>
       </p:sp>
@@ -4247,12 +5262,12 @@
   <p:clrMapOvr>
     <a:masterClrMapping/>
   </p:clrMapOvr>
-  <p:transition spd="med"/>
+  <p:transition xmlns:p14="http://schemas.microsoft.com/office/powerpoint/2010/main" spd="med" advClick="1"/>
 </p:sld>
 </file>
 
-<file path=ppt/slides/slide3.xml><?xml version="1.0" encoding="utf-8"?>
-<p:sld xmlns:a="http://schemas.openxmlformats.org/drawingml/2006/main" xmlns:r="http://schemas.openxmlformats.org/officeDocument/2006/relationships" xmlns:p="http://schemas.openxmlformats.org/presentationml/2006/main">
+<file path=ppt/slides/slide2.xml><?xml version="1.0" encoding="utf-8"?>
+<p:sld xmlns:a="http://schemas.openxmlformats.org/drawingml/2006/main" xmlns:r="http://schemas.openxmlformats.org/officeDocument/2006/relationships" xmlns:p="http://schemas.openxmlformats.org/presentationml/2006/main" xmlns:m="http://schemas.openxmlformats.org/officeDocument/2006/math" xmlns:a14="http://schemas.microsoft.com/office/drawing/2010/main" showMasterSp="1" showMasterPhAnim="1">
   <p:cSld>
     <p:spTree>
       <p:nvGrpSpPr>
@@ -4270,194 +5285,369 @@
       </p:grpSpPr>
       <p:sp>
         <p:nvSpPr>
-          <p:cNvPr id="120" name="Google Shape;71;p15"/>
-          <p:cNvSpPr txBox="1">
-            <a:spLocks noGrp="1"/>
-          </p:cNvSpPr>
+          <p:cNvPr id="144" name="Slide Number Placeholder"/>
+          <p:cNvSpPr txBox="1"/>
+          <p:nvPr>
+            <p:ph type="sldNum" sz="quarter" idx="2"/>
+          </p:nvPr>
+        </p:nvSpPr>
+        <p:spPr>
+          <a:xfrm>
+            <a:off x="8370501" y="4800044"/>
+            <a:ext cx="144849" cy="208281"/>
+          </a:xfrm>
+          <a:prstGeom prst="rect">
+            <a:avLst/>
+          </a:prstGeom>
+          <a:extLst>
+            <a:ext uri="{C572A759-6A51-4108-AA02-DFA0A04FC94B}">
+              <ma14:wrappingTextBoxFlag xmlns:ma14="http://schemas.microsoft.com/office/mac/drawingml/2011/main" val="1"/>
+            </a:ext>
+          </a:extLst>
+        </p:spPr>
+        <p:txBody>
+          <a:bodyPr/>
+          <a:lstStyle/>
+          <a:p>
+            <a:pPr/>
+            <a:fld id="{86CB4B4D-7CA3-9044-876B-883B54F8677D}" type="slidenum"/>
+          </a:p>
+        </p:txBody>
+      </p:sp>
+      <p:sp>
+        <p:nvSpPr>
+          <p:cNvPr id="145" name="Title Placeholder"/>
+          <p:cNvSpPr txBox="1"/>
           <p:nvPr>
             <p:ph type="title"/>
           </p:nvPr>
         </p:nvSpPr>
         <p:spPr>
           <a:xfrm>
-            <a:off x="311699" y="445025"/>
-            <a:ext cx="8520602" cy="572701"/>
+            <a:off x="1146636" y="324103"/>
+            <a:ext cx="8520602" cy="572702"/>
           </a:xfrm>
           <a:prstGeom prst="rect">
             <a:avLst/>
           </a:prstGeom>
         </p:spPr>
         <p:txBody>
-          <a:bodyPr/>
+          <a:bodyPr lIns="91423" tIns="91423" rIns="91423" bIns="91423" anchor="t"/>
           <a:lstStyle>
-            <a:lvl1pPr indent="114300">
-              <a:defRPr sz="2500"/>
+            <a:lvl1pPr defTabSz="914400">
+              <a:lnSpc>
+                <a:spcPct val="100000"/>
+              </a:lnSpc>
+              <a:defRPr sz="2500">
+                <a:latin typeface="Proxima Nova"/>
+                <a:ea typeface="Proxima Nova"/>
+                <a:cs typeface="Proxima Nova"/>
+                <a:sym typeface="Proxima Nova"/>
+              </a:defRPr>
             </a:lvl1pPr>
           </a:lstStyle>
           <a:p>
-            <a:r>
-              <a:t>Introduction / Problem Description</a:t>
+            <a:pPr/>
+            <a:r>
+              <a:t>Agenda</a:t>
             </a:r>
           </a:p>
         </p:txBody>
       </p:sp>
       <p:sp>
         <p:nvSpPr>
-          <p:cNvPr id="121" name="Google Shape;72;p15"/>
-          <p:cNvSpPr txBox="1">
-            <a:spLocks noGrp="1"/>
-          </p:cNvSpPr>
+          <p:cNvPr id="146" name="Text Placeholder"/>
+          <p:cNvSpPr txBox="1"/>
           <p:nvPr>
             <p:ph type="body" idx="1"/>
           </p:nvPr>
         </p:nvSpPr>
         <p:spPr>
           <a:xfrm>
-            <a:off x="311699" y="1017725"/>
-            <a:ext cx="8520602" cy="3551150"/>
+            <a:off x="1146636" y="1031553"/>
+            <a:ext cx="8520602" cy="3416401"/>
           </a:xfrm>
           <a:prstGeom prst="rect">
             <a:avLst/>
           </a:prstGeom>
         </p:spPr>
         <p:txBody>
-          <a:bodyPr/>
+          <a:bodyPr lIns="91423" tIns="91423" rIns="91423" bIns="91423"/>
           <a:lstStyle/>
           <a:p>
-            <a:pPr algn="just">
+            <a:pPr marL="457200" indent="-342900" defTabSz="914400">
               <a:lnSpc>
                 <a:spcPct val="103500"/>
               </a:lnSpc>
-              <a:buSzPts val="1500"/>
-              <a:buFont typeface="Arial"/>
-              <a:buChar char="•"/>
-              <a:defRPr sz="1500"/>
+              <a:spcBef>
+                <a:spcPts val="0"/>
+              </a:spcBef>
+              <a:buClr>
+                <a:schemeClr val="accent3"/>
+              </a:buClr>
+              <a:buSzPts val="1800"/>
+              <a:buAutoNum type="arabicPeriod" startAt="1"/>
+              <a:defRPr>
+                <a:latin typeface="Proxima Nova"/>
+                <a:ea typeface="Proxima Nova"/>
+                <a:cs typeface="Proxima Nova"/>
+                <a:sym typeface="Proxima Nova"/>
+              </a:defRPr>
             </a:pPr>
             <a:r>
-              <a:rPr dirty="0"/>
-              <a:t>Paper: </a:t>
-            </a:r>
-            <a:r>
-              <a:rPr b="1" dirty="0"/>
-              <a:t>"</a:t>
-            </a:r>
-            <a:r>
-              <a:rPr b="1" dirty="0" err="1"/>
-              <a:t>HiCu</a:t>
-            </a:r>
-            <a:r>
-              <a:rPr b="1" dirty="0"/>
-              <a:t>: Leveraging Hierarchy for Curriculum Learning in Automated ICD Coding"</a:t>
-            </a:r>
-            <a:r>
-              <a:rPr dirty="0"/>
-              <a:t> by Ren et al.</a:t>
-            </a:r>
-          </a:p>
-          <a:p>
-            <a:pPr algn="just">
+              <a:t>Introduction </a:t>
+            </a:r>
+            <a:r>
+              <a:t>/ </a:t>
+            </a:r>
+            <a:r>
+              <a:t>Problem Description </a:t>
+            </a:r>
+          </a:p>
+          <a:p>
+            <a:pPr marL="457200" indent="-342900" defTabSz="914400">
               <a:lnSpc>
                 <a:spcPct val="103500"/>
               </a:lnSpc>
-              <a:buSzPts val="1500"/>
-              <a:buFont typeface="Arial"/>
-              <a:buChar char="•"/>
-              <a:defRPr sz="1500"/>
+              <a:spcBef>
+                <a:spcPts val="0"/>
+              </a:spcBef>
+              <a:buClr>
+                <a:schemeClr val="accent3"/>
+              </a:buClr>
+              <a:buSzPts val="1800"/>
+              <a:buAutoNum type="arabicPeriod" startAt="1"/>
+              <a:defRPr>
+                <a:latin typeface="Proxima Nova"/>
+                <a:ea typeface="Proxima Nova"/>
+                <a:cs typeface="Proxima Nova"/>
+                <a:sym typeface="Proxima Nova"/>
+              </a:defRPr>
             </a:pPr>
             <a:r>
-              <a:rPr dirty="0"/>
-              <a:t>The </a:t>
-            </a:r>
-            <a:r>
-              <a:rPr dirty="0" err="1"/>
-              <a:t>HiCu</a:t>
-            </a:r>
-            <a:r>
-              <a:rPr dirty="0"/>
-              <a:t> paper addresses the problem of automated coding of medical diagnoses and procedures using the International Classification of Diseases (ICD) system.</a:t>
-            </a:r>
-          </a:p>
-          <a:p>
-            <a:pPr algn="just">
+              <a:t>HiCu Algorithm</a:t>
+            </a:r>
+          </a:p>
+          <a:p>
+            <a:pPr marL="457200" indent="-342900" defTabSz="914400">
               <a:lnSpc>
                 <a:spcPct val="103500"/>
               </a:lnSpc>
-              <a:buSzPts val="1500"/>
-              <a:buFont typeface="Arial"/>
-              <a:buChar char="•"/>
-              <a:defRPr sz="1500"/>
+              <a:spcBef>
+                <a:spcPts val="0"/>
+              </a:spcBef>
+              <a:buClr>
+                <a:schemeClr val="accent3"/>
+              </a:buClr>
+              <a:buSzPts val="1800"/>
+              <a:buAutoNum type="arabicPeriod" startAt="1"/>
+              <a:defRPr>
+                <a:latin typeface="Proxima Nova"/>
+                <a:ea typeface="Proxima Nova"/>
+                <a:cs typeface="Proxima Nova"/>
+                <a:sym typeface="Proxima Nova"/>
+              </a:defRPr>
             </a:pPr>
             <a:r>
-              <a:rPr dirty="0"/>
-              <a:t>Mapping clinical notes, discharge summaries, and patient profiles to ICD codes is a time-consuming and error-prone task.</a:t>
-            </a:r>
-          </a:p>
-          <a:p>
-            <a:pPr algn="just">
+              <a:t>HiCu Architecture / Approach taken in the paper</a:t>
+            </a:r>
+          </a:p>
+          <a:p>
+            <a:pPr marL="457200" indent="-342900" defTabSz="914400">
               <a:lnSpc>
                 <a:spcPct val="103500"/>
               </a:lnSpc>
-              <a:buSzPts val="1500"/>
-              <a:buFont typeface="Arial"/>
-              <a:buChar char="•"/>
-              <a:defRPr sz="1500"/>
+              <a:spcBef>
+                <a:spcPts val="0"/>
+              </a:spcBef>
+              <a:buClr>
+                <a:schemeClr val="accent3"/>
+              </a:buClr>
+              <a:buSzPts val="1800"/>
+              <a:buAutoNum type="arabicPeriod" startAt="1"/>
+              <a:defRPr>
+                <a:latin typeface="Proxima Nova"/>
+                <a:ea typeface="Proxima Nova"/>
+                <a:cs typeface="Proxima Nova"/>
+                <a:sym typeface="Proxima Nova"/>
+              </a:defRPr>
             </a:pPr>
             <a:r>
-              <a:rPr dirty="0"/>
-              <a:t>The complex relationships between the many possible codes make automated ICD coding a challenging task.</a:t>
-            </a:r>
-          </a:p>
-          <a:p>
-            <a:pPr algn="just">
+              <a:t>HiCu Results (from Original Paper)</a:t>
+            </a:r>
+          </a:p>
+          <a:p>
+            <a:pPr marL="457200" indent="-342900" defTabSz="914400">
               <a:lnSpc>
                 <a:spcPct val="103500"/>
               </a:lnSpc>
-              <a:buSzPts val="1500"/>
-              <a:buFont typeface="Arial"/>
-              <a:buChar char="•"/>
-              <a:defRPr sz="1500"/>
+              <a:spcBef>
+                <a:spcPts val="0"/>
+              </a:spcBef>
+              <a:buClr>
+                <a:schemeClr val="accent3"/>
+              </a:buClr>
+              <a:buSzPts val="1800"/>
+              <a:buAutoNum type="arabicPeriod" startAt="1"/>
+              <a:defRPr>
+                <a:latin typeface="Proxima Nova"/>
+                <a:ea typeface="Proxima Nova"/>
+                <a:cs typeface="Proxima Nova"/>
+                <a:sym typeface="Proxima Nova"/>
+              </a:defRPr>
             </a:pPr>
             <a:r>
-              <a:rPr dirty="0"/>
-              <a:t>The paper proposes a novel hierarchical curriculum learning approach to improve the accuracy and efficiency of automated ICD coding.</a:t>
-            </a:r>
-          </a:p>
-          <a:p>
-            <a:pPr algn="just">
+              <a:t>Implementation / Reproduction Attempts</a:t>
+            </a:r>
+          </a:p>
+          <a:p>
+            <a:pPr marL="457200" indent="-342900" defTabSz="914400">
               <a:lnSpc>
                 <a:spcPct val="103500"/>
               </a:lnSpc>
-              <a:buSzPts val="1500"/>
-              <a:buFont typeface="Arial"/>
-              <a:buChar char="•"/>
-              <a:defRPr sz="1500"/>
+              <a:spcBef>
+                <a:spcPts val="0"/>
+              </a:spcBef>
+              <a:buClr>
+                <a:schemeClr val="accent3"/>
+              </a:buClr>
+              <a:buSzPts val="1800"/>
+              <a:buAutoNum type="arabicPeriod" startAt="1"/>
+              <a:defRPr>
+                <a:latin typeface="Proxima Nova"/>
+                <a:ea typeface="Proxima Nova"/>
+                <a:cs typeface="Proxima Nova"/>
+                <a:sym typeface="Proxima Nova"/>
+              </a:defRPr>
             </a:pPr>
             <a:r>
-              <a:rPr dirty="0"/>
-              <a:t>By leveraging the hierarchical structure of the ICD codes, the </a:t>
-            </a:r>
-            <a:r>
-              <a:rPr dirty="0" err="1"/>
-              <a:t>HiCu</a:t>
-            </a:r>
-            <a:r>
-              <a:rPr dirty="0"/>
-              <a:t> approach is designed to improve the model's ability to learn complex relationships between codes.</a:t>
-            </a:r>
-          </a:p>
-          <a:p>
-            <a:pPr algn="just">
+              <a:t>Ablation / Code Modification – 1</a:t>
+            </a:r>
+          </a:p>
+          <a:p>
+            <a:pPr marL="457200" indent="-342900" defTabSz="914400">
               <a:lnSpc>
                 <a:spcPct val="103500"/>
               </a:lnSpc>
-              <a:buSzPts val="1500"/>
-              <a:buFont typeface="Arial"/>
-              <a:buChar char="•"/>
-              <a:defRPr sz="1500"/>
+              <a:spcBef>
+                <a:spcPts val="0"/>
+              </a:spcBef>
+              <a:buClr>
+                <a:schemeClr val="accent3"/>
+              </a:buClr>
+              <a:buSzPts val="1800"/>
+              <a:buAutoNum type="arabicPeriod" startAt="1"/>
+              <a:defRPr>
+                <a:latin typeface="Proxima Nova"/>
+                <a:ea typeface="Proxima Nova"/>
+                <a:cs typeface="Proxima Nova"/>
+                <a:sym typeface="Proxima Nova"/>
+              </a:defRPr>
             </a:pPr>
             <a:r>
-              <a:rPr dirty="0"/>
-              <a:t>The importance of this problem cannot be overstated as it can help reduce costs for patients and providers, streamline medical workflows, and improve healthcare outcomes.</a:t>
+              <a:t>Ablation / Code Modification – 2 and 3</a:t>
+            </a:r>
+          </a:p>
+          <a:p>
+            <a:pPr marL="457200" indent="-342900" defTabSz="914400">
+              <a:lnSpc>
+                <a:spcPct val="103500"/>
+              </a:lnSpc>
+              <a:spcBef>
+                <a:spcPts val="0"/>
+              </a:spcBef>
+              <a:buClr>
+                <a:schemeClr val="accent3"/>
+              </a:buClr>
+              <a:buSzPts val="1800"/>
+              <a:buAutoNum type="arabicPeriod" startAt="1"/>
+              <a:defRPr>
+                <a:latin typeface="Proxima Nova"/>
+                <a:ea typeface="Proxima Nova"/>
+                <a:cs typeface="Proxima Nova"/>
+                <a:sym typeface="Proxima Nova"/>
+              </a:defRPr>
+            </a:pPr>
+            <a:r>
+              <a:t>Results (</a:t>
+            </a:r>
+            <a:r>
+              <a:t>before making code changes</a:t>
+            </a:r>
+            <a:r>
+              <a:t>)</a:t>
+            </a:r>
+          </a:p>
+          <a:p>
+            <a:pPr marL="457200" indent="-342900" defTabSz="914400">
+              <a:lnSpc>
+                <a:spcPct val="103500"/>
+              </a:lnSpc>
+              <a:spcBef>
+                <a:spcPts val="0"/>
+              </a:spcBef>
+              <a:buClr>
+                <a:schemeClr val="accent3"/>
+              </a:buClr>
+              <a:buSzPts val="1800"/>
+              <a:buAutoNum type="arabicPeriod" startAt="1"/>
+              <a:defRPr>
+                <a:latin typeface="Proxima Nova"/>
+                <a:ea typeface="Proxima Nova"/>
+                <a:cs typeface="Proxima Nova"/>
+                <a:sym typeface="Proxima Nova"/>
+              </a:defRPr>
+            </a:pPr>
+            <a:r>
+              <a:t>Results (after making code changes)</a:t>
+            </a:r>
+          </a:p>
+          <a:p>
+            <a:pPr marL="457200" indent="-342900" defTabSz="914400">
+              <a:lnSpc>
+                <a:spcPct val="103500"/>
+              </a:lnSpc>
+              <a:spcBef>
+                <a:spcPts val="0"/>
+              </a:spcBef>
+              <a:buClr>
+                <a:schemeClr val="accent3"/>
+              </a:buClr>
+              <a:buSzPts val="1800"/>
+              <a:buAutoNum type="arabicPeriod" startAt="1"/>
+              <a:defRPr>
+                <a:latin typeface="Proxima Nova"/>
+                <a:ea typeface="Proxima Nova"/>
+                <a:cs typeface="Proxima Nova"/>
+                <a:sym typeface="Proxima Nova"/>
+              </a:defRPr>
+            </a:pPr>
+            <a:r>
+              <a:t>Discussion </a:t>
+            </a:r>
+          </a:p>
+          <a:p>
+            <a:pPr marL="457200" indent="-342900" defTabSz="914400">
+              <a:lnSpc>
+                <a:spcPct val="103500"/>
+              </a:lnSpc>
+              <a:spcBef>
+                <a:spcPts val="0"/>
+              </a:spcBef>
+              <a:buClr>
+                <a:schemeClr val="accent3"/>
+              </a:buClr>
+              <a:buSzPts val="1800"/>
+              <a:buAutoNum type="arabicPeriod" startAt="1"/>
+              <a:defRPr>
+                <a:latin typeface="Proxima Nova"/>
+                <a:ea typeface="Proxima Nova"/>
+                <a:cs typeface="Proxima Nova"/>
+                <a:sym typeface="Proxima Nova"/>
+              </a:defRPr>
+            </a:pPr>
+            <a:r>
+              <a:t>Conclusion</a:t>
             </a:r>
           </a:p>
         </p:txBody>
@@ -4467,12 +5657,12 @@
   <p:clrMapOvr>
     <a:masterClrMapping/>
   </p:clrMapOvr>
-  <p:transition spd="med"/>
+  <p:transition xmlns:p14="http://schemas.microsoft.com/office/powerpoint/2010/main" spd="med" advClick="1"/>
 </p:sld>
 </file>
 
-<file path=ppt/slides/slide4.xml><?xml version="1.0" encoding="utf-8"?>
-<p:sld xmlns:a="http://schemas.openxmlformats.org/drawingml/2006/main" xmlns:r="http://schemas.openxmlformats.org/officeDocument/2006/relationships" xmlns:p="http://schemas.openxmlformats.org/presentationml/2006/main">
+<file path=ppt/slides/slide3.xml><?xml version="1.0" encoding="utf-8"?>
+<p:sld xmlns:a="http://schemas.openxmlformats.org/drawingml/2006/main" xmlns:r="http://schemas.openxmlformats.org/officeDocument/2006/relationships" xmlns:p="http://schemas.openxmlformats.org/presentationml/2006/main" xmlns:m="http://schemas.openxmlformats.org/officeDocument/2006/math" xmlns:a14="http://schemas.microsoft.com/office/drawing/2010/main" showMasterSp="1" showMasterPhAnim="1">
   <p:cSld>
     <p:spTree>
       <p:nvGrpSpPr>
@@ -4490,148 +5680,293 @@
       </p:grpSpPr>
       <p:sp>
         <p:nvSpPr>
-          <p:cNvPr id="123" name="Title 1"/>
-          <p:cNvSpPr txBox="1">
-            <a:spLocks noGrp="1"/>
-          </p:cNvSpPr>
+          <p:cNvPr id="148" name="Slide Number Placeholder"/>
+          <p:cNvSpPr txBox="1"/>
+          <p:nvPr>
+            <p:ph type="sldNum" sz="quarter" idx="2"/>
+          </p:nvPr>
+        </p:nvSpPr>
+        <p:spPr>
+          <a:xfrm>
+            <a:off x="8370501" y="4800044"/>
+            <a:ext cx="144849" cy="208281"/>
+          </a:xfrm>
+          <a:prstGeom prst="rect">
+            <a:avLst/>
+          </a:prstGeom>
+          <a:extLst>
+            <a:ext uri="{C572A759-6A51-4108-AA02-DFA0A04FC94B}">
+              <ma14:wrappingTextBoxFlag xmlns:ma14="http://schemas.microsoft.com/office/mac/drawingml/2011/main" val="1"/>
+            </a:ext>
+          </a:extLst>
+        </p:spPr>
+        <p:txBody>
+          <a:bodyPr/>
+          <a:lstStyle/>
+          <a:p>
+            <a:pPr/>
+            <a:fld id="{86CB4B4D-7CA3-9044-876B-883B54F8677D}" type="slidenum"/>
+          </a:p>
+        </p:txBody>
+      </p:sp>
+      <p:sp>
+        <p:nvSpPr>
+          <p:cNvPr id="149" name="Title Placeholder"/>
+          <p:cNvSpPr txBox="1"/>
           <p:nvPr>
             <p:ph type="title"/>
           </p:nvPr>
         </p:nvSpPr>
         <p:spPr>
           <a:xfrm>
-            <a:off x="311699" y="445025"/>
-            <a:ext cx="8520602" cy="572701"/>
+            <a:off x="1150985" y="356125"/>
+            <a:ext cx="7617816" cy="572702"/>
           </a:xfrm>
           <a:prstGeom prst="rect">
             <a:avLst/>
           </a:prstGeom>
         </p:spPr>
         <p:txBody>
-          <a:bodyPr/>
+          <a:bodyPr lIns="91423" tIns="91423" rIns="91423" bIns="91423" anchor="t"/>
           <a:lstStyle>
-            <a:lvl1pPr>
-              <a:defRPr sz="2000">
+            <a:lvl1pPr indent="114300" defTabSz="914400">
+              <a:lnSpc>
+                <a:spcPct val="100000"/>
+              </a:lnSpc>
+              <a:defRPr sz="2500">
                 <a:solidFill>
-                  <a:srgbClr val="2E3743"/>
+                  <a:srgbClr val="FCFFFE"/>
                 </a:solidFill>
-                <a:latin typeface="Roboto"/>
-                <a:ea typeface="Roboto"/>
-                <a:cs typeface="Roboto"/>
-                <a:sym typeface="Roboto"/>
+                <a:latin typeface="Proxima Nova"/>
+                <a:ea typeface="Proxima Nova"/>
+                <a:cs typeface="Proxima Nova"/>
+                <a:sym typeface="Proxima Nova"/>
               </a:defRPr>
             </a:lvl1pPr>
           </a:lstStyle>
           <a:p>
-            <a:r>
-              <a:rPr dirty="0" err="1"/>
-              <a:t>HiCu</a:t>
-            </a:r>
-            <a:r>
-              <a:rPr dirty="0"/>
-              <a:t> </a:t>
-            </a:r>
-            <a:r>
-              <a:rPr lang="en-US" dirty="0"/>
-              <a:t>Algorithm </a:t>
-            </a:r>
-            <a:r>
-              <a:rPr dirty="0"/>
-              <a:t>- ICD code label tree</a:t>
+            <a:pPr/>
+            <a:r>
+              <a:t>Introduction / Problem Description</a:t>
             </a:r>
           </a:p>
         </p:txBody>
       </p:sp>
       <p:sp>
         <p:nvSpPr>
-          <p:cNvPr id="124" name="Text Placeholder 2"/>
-          <p:cNvSpPr txBox="1">
-            <a:spLocks noGrp="1"/>
-          </p:cNvSpPr>
+          <p:cNvPr id="150" name="Text Placeholder"/>
+          <p:cNvSpPr txBox="1"/>
           <p:nvPr>
-            <p:ph type="body" sz="half" idx="1"/>
+            <p:ph type="body" idx="1"/>
           </p:nvPr>
         </p:nvSpPr>
         <p:spPr>
           <a:xfrm>
-            <a:off x="311699" y="1152475"/>
-            <a:ext cx="2941053" cy="3416400"/>
+            <a:off x="1214485" y="1017724"/>
+            <a:ext cx="7617816" cy="3551151"/>
           </a:xfrm>
           <a:prstGeom prst="rect">
             <a:avLst/>
           </a:prstGeom>
         </p:spPr>
         <p:txBody>
-          <a:bodyPr/>
+          <a:bodyPr lIns="91423" tIns="91423" rIns="91423" bIns="91423"/>
           <a:lstStyle/>
           <a:p>
-            <a:pPr marL="114300" indent="0" algn="just">
+            <a:pPr marL="443484" indent="-332613" algn="just" defTabSz="886968">
+              <a:lnSpc>
+                <a:spcPct val="103500"/>
+              </a:lnSpc>
+              <a:spcBef>
+                <a:spcPts val="0"/>
+              </a:spcBef>
+              <a:buClr>
+                <a:schemeClr val="accent3"/>
+              </a:buClr>
               <a:buSzPts val="1400"/>
-              <a:buNone/>
-              <a:defRPr sz="1400" b="1"/>
+              <a:buFont typeface="Arial"/>
+              <a:buChar char="•"/>
+              <a:defRPr sz="1455">
+                <a:latin typeface="Proxima Nova"/>
+                <a:ea typeface="Proxima Nova"/>
+                <a:cs typeface="Proxima Nova"/>
+                <a:sym typeface="Proxima Nova"/>
+              </a:defRPr>
             </a:pPr>
             <a:r>
-              <a:rPr dirty="0" err="1"/>
-              <a:t>HiCu</a:t>
-            </a:r>
-            <a:r>
-              <a:rPr dirty="0"/>
-              <a:t> Algorithm </a:t>
-            </a:r>
-            <a:r>
-              <a:rPr b="0" dirty="0"/>
-              <a:t>is a hierarchical curriculum learning approach that leverages the hierarchical structure of the ICD codes to improve the accuracy and efficiency of automated ICD coding.</a:t>
-            </a:r>
-            <a:r>
-              <a:rPr lang="en-US" b="0" dirty="0"/>
-              <a:t> </a:t>
-            </a:r>
-            <a:r>
-              <a:rPr lang="en-US" sz="1400" dirty="0"/>
-              <a:t>An example ICD code is shown here.</a:t>
-            </a:r>
-            <a:endParaRPr sz="1400" dirty="0"/>
+              <a:t>Paper: </a:t>
+            </a:r>
+            <a:r>
+              <a:rPr b="1"/>
+              <a:t>"HiCu: Leveraging Hierarchy for Curriculum Learning in Automated ICD Coding"</a:t>
+            </a:r>
+            <a:r>
+              <a:t> by Ren et al.</a:t>
+            </a:r>
+          </a:p>
+          <a:p>
+            <a:pPr marL="443484" indent="-332613" algn="just" defTabSz="886968">
+              <a:lnSpc>
+                <a:spcPct val="103500"/>
+              </a:lnSpc>
+              <a:spcBef>
+                <a:spcPts val="0"/>
+              </a:spcBef>
+              <a:buClr>
+                <a:schemeClr val="accent3"/>
+              </a:buClr>
+              <a:buSzPts val="1400"/>
+              <a:buFont typeface="Arial"/>
+              <a:buChar char="•"/>
+              <a:defRPr sz="1455">
+                <a:latin typeface="Proxima Nova"/>
+                <a:ea typeface="Proxima Nova"/>
+                <a:cs typeface="Proxima Nova"/>
+                <a:sym typeface="Proxima Nova"/>
+              </a:defRPr>
+            </a:pPr>
+            <a:r>
+              <a:t>The HiCu paper addresses the problem of automated coding of medical diagnoses and procedures using the International Classification of Diseases (ICD) system.</a:t>
+            </a:r>
+          </a:p>
+          <a:p>
+            <a:pPr marL="443484" indent="-332613" algn="just" defTabSz="886968">
+              <a:lnSpc>
+                <a:spcPct val="103500"/>
+              </a:lnSpc>
+              <a:spcBef>
+                <a:spcPts val="0"/>
+              </a:spcBef>
+              <a:buClr>
+                <a:schemeClr val="accent3"/>
+              </a:buClr>
+              <a:buSzPts val="1400"/>
+              <a:buFont typeface="Arial"/>
+              <a:buChar char="•"/>
+              <a:defRPr sz="1455">
+                <a:latin typeface="Proxima Nova"/>
+                <a:ea typeface="Proxima Nova"/>
+                <a:cs typeface="Proxima Nova"/>
+                <a:sym typeface="Proxima Nova"/>
+              </a:defRPr>
+            </a:pPr>
+            <a:r>
+              <a:t>Mapping clinical notes, discharge summaries, and patient profiles to ICD codes is a time-consuming and error-prone task.</a:t>
+            </a:r>
+          </a:p>
+          <a:p>
+            <a:pPr marL="443484" indent="-332613" algn="just" defTabSz="886968">
+              <a:lnSpc>
+                <a:spcPct val="103500"/>
+              </a:lnSpc>
+              <a:spcBef>
+                <a:spcPts val="0"/>
+              </a:spcBef>
+              <a:buClr>
+                <a:schemeClr val="accent3"/>
+              </a:buClr>
+              <a:buSzPts val="1400"/>
+              <a:buFont typeface="Arial"/>
+              <a:buChar char="•"/>
+              <a:defRPr sz="1455">
+                <a:latin typeface="Proxima Nova"/>
+                <a:ea typeface="Proxima Nova"/>
+                <a:cs typeface="Proxima Nova"/>
+                <a:sym typeface="Proxima Nova"/>
+              </a:defRPr>
+            </a:pPr>
+            <a:r>
+              <a:t>The complex relationships between the many possible codes make automated ICD coding a challenging task.</a:t>
+            </a:r>
+          </a:p>
+          <a:p>
+            <a:pPr marL="443484" indent="-332613" algn="just" defTabSz="886968">
+              <a:lnSpc>
+                <a:spcPct val="103500"/>
+              </a:lnSpc>
+              <a:spcBef>
+                <a:spcPts val="0"/>
+              </a:spcBef>
+              <a:buClr>
+                <a:schemeClr val="accent3"/>
+              </a:buClr>
+              <a:buSzPts val="1400"/>
+              <a:buFont typeface="Arial"/>
+              <a:buChar char="•"/>
+              <a:defRPr sz="1455">
+                <a:latin typeface="Proxima Nova"/>
+                <a:ea typeface="Proxima Nova"/>
+                <a:cs typeface="Proxima Nova"/>
+                <a:sym typeface="Proxima Nova"/>
+              </a:defRPr>
+            </a:pPr>
+            <a:r>
+              <a:t>The paper proposes a novel hierarchical curriculum learning approach to improve the accuracy and efficiency of automated ICD coding.</a:t>
+            </a:r>
+          </a:p>
+          <a:p>
+            <a:pPr marL="443484" indent="-332613" algn="just" defTabSz="886968">
+              <a:lnSpc>
+                <a:spcPct val="103500"/>
+              </a:lnSpc>
+              <a:spcBef>
+                <a:spcPts val="0"/>
+              </a:spcBef>
+              <a:buClr>
+                <a:schemeClr val="accent3"/>
+              </a:buClr>
+              <a:buSzPts val="1400"/>
+              <a:buFont typeface="Arial"/>
+              <a:buChar char="•"/>
+              <a:defRPr sz="1455">
+                <a:latin typeface="Proxima Nova"/>
+                <a:ea typeface="Proxima Nova"/>
+                <a:cs typeface="Proxima Nova"/>
+                <a:sym typeface="Proxima Nova"/>
+              </a:defRPr>
+            </a:pPr>
+            <a:r>
+              <a:t>By leveraging the hierarchical structure of the ICD codes, the HiCu approach is designed to improve the model's ability to learn complex relationships between codes.</a:t>
+            </a:r>
+          </a:p>
+          <a:p>
+            <a:pPr marL="443484" indent="-332613" algn="just" defTabSz="886968">
+              <a:lnSpc>
+                <a:spcPct val="103500"/>
+              </a:lnSpc>
+              <a:spcBef>
+                <a:spcPts val="0"/>
+              </a:spcBef>
+              <a:buClr>
+                <a:schemeClr val="accent3"/>
+              </a:buClr>
+              <a:buSzPts val="1400"/>
+              <a:buFont typeface="Arial"/>
+              <a:buChar char="•"/>
+              <a:defRPr sz="1455">
+                <a:latin typeface="Proxima Nova"/>
+                <a:ea typeface="Proxima Nova"/>
+                <a:cs typeface="Proxima Nova"/>
+                <a:sym typeface="Proxima Nova"/>
+              </a:defRPr>
+            </a:pPr>
+            <a:r>
+              <a:t>The importance of this problem cannot be overstated as it can help reduce costs for patients and providers, streamline medical workflows, and improve healthcare outcomes.</a:t>
+            </a:r>
           </a:p>
         </p:txBody>
       </p:sp>
-      <p:pic>
-        <p:nvPicPr>
-          <p:cNvPr id="125" name="Picture 4" descr="Picture 4"/>
-          <p:cNvPicPr>
-            <a:picLocks noChangeAspect="1"/>
-          </p:cNvPicPr>
-          <p:nvPr/>
-        </p:nvPicPr>
-        <p:blipFill>
-          <a:blip r:embed="rId2"/>
-          <a:stretch>
-            <a:fillRect/>
-          </a:stretch>
-        </p:blipFill>
-        <p:spPr>
-          <a:xfrm>
-            <a:off x="3429000" y="1218308"/>
-            <a:ext cx="5493544" cy="2893002"/>
-          </a:xfrm>
-          <a:prstGeom prst="rect">
-            <a:avLst/>
-          </a:prstGeom>
-          <a:ln w="12700">
-            <a:miter lim="400000"/>
-          </a:ln>
-        </p:spPr>
-      </p:pic>
     </p:spTree>
   </p:cSld>
   <p:clrMapOvr>
     <a:masterClrMapping/>
   </p:clrMapOvr>
-  <p:transition spd="med"/>
+  <p:transition xmlns:p14="http://schemas.microsoft.com/office/powerpoint/2010/main" spd="med" advClick="1"/>
 </p:sld>
 </file>
 
-<file path=ppt/slides/slide5.xml><?xml version="1.0" encoding="utf-8"?>
-<p:sld xmlns:a="http://schemas.openxmlformats.org/drawingml/2006/main" xmlns:r="http://schemas.openxmlformats.org/officeDocument/2006/relationships" xmlns:p="http://schemas.openxmlformats.org/presentationml/2006/main">
+<file path=ppt/slides/slide4.xml><?xml version="1.0" encoding="utf-8"?>
+<p:sld xmlns:a="http://schemas.openxmlformats.org/drawingml/2006/main" xmlns:r="http://schemas.openxmlformats.org/officeDocument/2006/relationships" xmlns:p="http://schemas.openxmlformats.org/presentationml/2006/main" xmlns:m="http://schemas.openxmlformats.org/officeDocument/2006/math" xmlns:a14="http://schemas.microsoft.com/office/drawing/2010/main" showMasterSp="1" showMasterPhAnim="1">
   <p:cSld>
     <p:spTree>
       <p:nvGrpSpPr>
@@ -4649,207 +5984,155 @@
       </p:grpSpPr>
       <p:sp>
         <p:nvSpPr>
-          <p:cNvPr id="127" name="Google Shape;89;p18"/>
-          <p:cNvSpPr txBox="1">
-            <a:spLocks noGrp="1"/>
-          </p:cNvSpPr>
+          <p:cNvPr id="152" name="Slide Number Placeholder"/>
+          <p:cNvSpPr txBox="1"/>
+          <p:nvPr>
+            <p:ph type="sldNum" sz="quarter" idx="2"/>
+          </p:nvPr>
+        </p:nvSpPr>
+        <p:spPr>
+          <a:xfrm>
+            <a:off x="8370501" y="4800044"/>
+            <a:ext cx="144849" cy="208281"/>
+          </a:xfrm>
+          <a:prstGeom prst="rect">
+            <a:avLst/>
+          </a:prstGeom>
+          <a:extLst>
+            <a:ext uri="{C572A759-6A51-4108-AA02-DFA0A04FC94B}">
+              <ma14:wrappingTextBoxFlag xmlns:ma14="http://schemas.microsoft.com/office/mac/drawingml/2011/main" val="1"/>
+            </a:ext>
+          </a:extLst>
+        </p:spPr>
+        <p:txBody>
+          <a:bodyPr/>
+          <a:lstStyle/>
+          <a:p>
+            <a:pPr/>
+            <a:fld id="{86CB4B4D-7CA3-9044-876B-883B54F8677D}" type="slidenum"/>
+          </a:p>
+        </p:txBody>
+      </p:sp>
+      <p:sp>
+        <p:nvSpPr>
+          <p:cNvPr id="153" name="Title Placeholder"/>
+          <p:cNvSpPr txBox="1"/>
           <p:nvPr>
             <p:ph type="title"/>
           </p:nvPr>
         </p:nvSpPr>
         <p:spPr>
           <a:xfrm>
-            <a:off x="311699" y="445025"/>
-            <a:ext cx="8520602" cy="572701"/>
+            <a:off x="1254421" y="428766"/>
+            <a:ext cx="8520602" cy="572702"/>
           </a:xfrm>
           <a:prstGeom prst="rect">
             <a:avLst/>
           </a:prstGeom>
         </p:spPr>
         <p:txBody>
-          <a:bodyPr/>
-          <a:lstStyle>
-            <a:lvl1pPr>
-              <a:defRPr sz="2500"/>
-            </a:lvl1pPr>
-          </a:lstStyle>
-          <a:p>
-            <a:r>
-              <a:rPr dirty="0" err="1"/>
-              <a:t>HiCu</a:t>
-            </a:r>
-            <a:r>
-              <a:rPr dirty="0"/>
-              <a:t> Architecture</a:t>
+          <a:bodyPr lIns="91423" tIns="91423" rIns="91423" bIns="91423" anchor="t"/>
+          <a:lstStyle/>
+          <a:p>
+            <a:pPr defTabSz="914400">
+              <a:lnSpc>
+                <a:spcPct val="100000"/>
+              </a:lnSpc>
+              <a:defRPr sz="2500">
+                <a:latin typeface="Roboto"/>
+                <a:ea typeface="Roboto"/>
+                <a:cs typeface="Roboto"/>
+                <a:sym typeface="Roboto"/>
+              </a:defRPr>
+            </a:pPr>
+            <a:r>
+              <a:t>HiCu </a:t>
+            </a:r>
+            <a:r>
+              <a:t>Algorithm </a:t>
+            </a:r>
+            <a:r>
+              <a:t>- ICD code label tree</a:t>
             </a:r>
           </a:p>
         </p:txBody>
       </p:sp>
       <p:sp>
         <p:nvSpPr>
-          <p:cNvPr id="128" name="Google Shape;90;p18"/>
-          <p:cNvSpPr txBox="1">
-            <a:spLocks noGrp="1"/>
-          </p:cNvSpPr>
+          <p:cNvPr id="154" name="Text Placeholder"/>
+          <p:cNvSpPr txBox="1"/>
           <p:nvPr>
             <p:ph type="body" sz="half" idx="1"/>
           </p:nvPr>
         </p:nvSpPr>
         <p:spPr>
           <a:xfrm>
-            <a:off x="76782" y="1002386"/>
-            <a:ext cx="4483664" cy="3988424"/>
+            <a:off x="1192164" y="1110816"/>
+            <a:ext cx="3268707" cy="3416401"/>
           </a:xfrm>
           <a:prstGeom prst="rect">
             <a:avLst/>
           </a:prstGeom>
         </p:spPr>
         <p:txBody>
-          <a:bodyPr>
-            <a:normAutofit/>
-          </a:bodyPr>
+          <a:bodyPr lIns="91423" tIns="91423" rIns="91423" bIns="91423"/>
           <a:lstStyle/>
           <a:p>
-            <a:pPr marL="0" indent="114300">
-              <a:lnSpc>
-                <a:spcPct val="92000"/>
-              </a:lnSpc>
-              <a:buSzTx/>
-              <a:buNone/>
-              <a:defRPr sz="1100" b="1"/>
+            <a:pPr indent="114300" algn="just" defTabSz="914400">
+              <a:lnSpc>
+                <a:spcPct val="115000"/>
+              </a:lnSpc>
+              <a:spcBef>
+                <a:spcPts val="0"/>
+              </a:spcBef>
+              <a:buClr>
+                <a:schemeClr val="accent3"/>
+              </a:buClr>
+              <a:buFont typeface="Proxima Nova"/>
+              <a:defRPr b="1" sz="1400">
+                <a:latin typeface="Proxima Nova"/>
+                <a:ea typeface="Proxima Nova"/>
+                <a:cs typeface="Proxima Nova"/>
+                <a:sym typeface="Proxima Nova"/>
+              </a:defRPr>
             </a:pPr>
             <a:r>
-              <a:rPr sz="1100" dirty="0"/>
-              <a:t>Key Components:</a:t>
-            </a:r>
-            <a:br>
-              <a:rPr lang="en-US" sz="1100" dirty="0"/>
-            </a:br>
-            <a:endParaRPr sz="1100" dirty="0"/>
-          </a:p>
-          <a:p>
-            <a:pPr marL="366486" indent="-317500" algn="just">
-              <a:lnSpc>
-                <a:spcPct val="92000"/>
-              </a:lnSpc>
-              <a:buSzPts val="1100"/>
-              <a:buFont typeface="Arial"/>
-              <a:buChar char="•"/>
-              <a:defRPr sz="1100" b="1"/>
-            </a:pPr>
-            <a:r>
-              <a:rPr sz="1100" dirty="0"/>
-              <a:t>Encoder-Decoder Framework:</a:t>
-            </a:r>
-            <a:r>
-              <a:rPr sz="1100" b="0" dirty="0"/>
-              <a:t> The </a:t>
-            </a:r>
-            <a:r>
-              <a:rPr sz="1100" b="0" dirty="0" err="1"/>
-              <a:t>HiCu</a:t>
-            </a:r>
-            <a:r>
-              <a:rPr sz="1100" b="0" dirty="0"/>
-              <a:t> architecture consists of an encoder-decoder framework that is combined with a hierarchical curriculum learning algorithm.</a:t>
-            </a:r>
-            <a:endParaRPr sz="1100" dirty="0"/>
-          </a:p>
-          <a:p>
-            <a:pPr marL="366486" indent="-317500" algn="just">
-              <a:lnSpc>
-                <a:spcPct val="92000"/>
-              </a:lnSpc>
-              <a:buSzPts val="1100"/>
-              <a:buFont typeface="Arial"/>
-              <a:buChar char="•"/>
-              <a:defRPr sz="1100" b="1"/>
-            </a:pPr>
-            <a:r>
-              <a:rPr sz="1100" dirty="0"/>
-              <a:t>Sequential Training Algorithm:</a:t>
-            </a:r>
-            <a:r>
-              <a:rPr sz="1100" b="0" dirty="0"/>
-              <a:t> The model is trained in a sequential algorithmic framework, where simpler codes are learned before more complex codes. The model is first trained on labels at the first level of the label tree using a level one decoder and then proceeds to level two using a knowledge transfer mechanism.</a:t>
-            </a:r>
-            <a:endParaRPr sz="1100" dirty="0"/>
-          </a:p>
-          <a:p>
-            <a:pPr marL="366486" indent="-317500" algn="just">
-              <a:lnSpc>
-                <a:spcPct val="92000"/>
-              </a:lnSpc>
-              <a:buSzPts val="1100"/>
-              <a:buFont typeface="Arial"/>
-              <a:buChar char="•"/>
-              <a:defRPr sz="1100" b="1"/>
-            </a:pPr>
-            <a:r>
-              <a:rPr sz="1100" dirty="0"/>
-              <a:t>Hyperbolic Embeddings: </a:t>
-            </a:r>
-            <a:r>
-              <a:rPr sz="1100" b="0" dirty="0"/>
-              <a:t>During training at each level, the hyperbolic embeddings of the ICD codes are used to guide the attention computation in the decoder. The hyperbolic embeddings allow the model to learn a representation of the ICD code hierarchy that is more structured and aligned with the hierarchical structure of the codes.</a:t>
-            </a:r>
-            <a:endParaRPr sz="1100" dirty="0"/>
-          </a:p>
-          <a:p>
-            <a:pPr marL="366486" indent="-317500" algn="just">
-              <a:lnSpc>
-                <a:spcPct val="92000"/>
-              </a:lnSpc>
-              <a:buSzPts val="1100"/>
-              <a:buFont typeface="Arial"/>
-              <a:buChar char="•"/>
-              <a:defRPr sz="1100" b="1"/>
-            </a:pPr>
-            <a:r>
-              <a:rPr sz="1100" dirty="0"/>
-              <a:t>High-order Grouping of ICD Code Blocks:</a:t>
-            </a:r>
-            <a:r>
-              <a:rPr sz="1100" b="0" dirty="0"/>
-              <a:t> The </a:t>
-            </a:r>
-            <a:r>
-              <a:rPr sz="1100" b="0" dirty="0" err="1"/>
-              <a:t>HiCu</a:t>
-            </a:r>
-            <a:r>
-              <a:rPr sz="1100" b="0" dirty="0"/>
-              <a:t> algorithm uses a high-order grouping of ICD code blocks to create a two-level hierarchy. This modification of the </a:t>
-            </a:r>
-            <a:r>
-              <a:rPr sz="1100" b="0" dirty="0" err="1"/>
-              <a:t>HiCu</a:t>
-            </a:r>
-            <a:r>
-              <a:rPr sz="1100" b="0" dirty="0"/>
-              <a:t> algorithm is trained on the MIMIC-III dataset to verify its performance.</a:t>
+              <a:t>HiCu Algorithm </a:t>
+            </a:r>
+            <a:r>
+              <a:rPr b="0"/>
+              <a:t>is a hierarchical curriculum learning approach that leverages the hierarchical structure of the ICD codes to improve the accuracy and efficiency of automated ICD coding.</a:t>
+            </a:r>
+            <a:r>
+              <a:rPr b="0"/>
+              <a:t> </a:t>
+            </a:r>
+            <a:r>
+              <a:t>An example ICD code is shown here.</a:t>
             </a:r>
           </a:p>
         </p:txBody>
       </p:sp>
       <p:pic>
         <p:nvPicPr>
-          <p:cNvPr id="129" name="Picture 2" descr="Picture 2"/>
+          <p:cNvPr id="155" name="Picture 4" descr="Picture 4"/>
           <p:cNvPicPr>
             <a:picLocks noChangeAspect="1"/>
           </p:cNvPicPr>
           <p:nvPr/>
         </p:nvPicPr>
         <p:blipFill>
-          <a:blip r:embed="rId2"/>
+          <a:blip r:embed="rId2">
+            <a:extLst/>
+          </a:blip>
           <a:stretch>
             <a:fillRect/>
           </a:stretch>
         </p:blipFill>
         <p:spPr>
           <a:xfrm>
-            <a:off x="4795365" y="1403010"/>
-            <a:ext cx="4271853" cy="3155030"/>
+            <a:off x="4538610" y="1251664"/>
+            <a:ext cx="4285756" cy="2256959"/>
           </a:xfrm>
           <a:prstGeom prst="rect">
             <a:avLst/>
@@ -4864,12 +6147,12 @@
   <p:clrMapOvr>
     <a:masterClrMapping/>
   </p:clrMapOvr>
-  <p:transition spd="med"/>
+  <p:transition xmlns:p14="http://schemas.microsoft.com/office/powerpoint/2010/main" spd="med" advClick="1"/>
 </p:sld>
 </file>
 
-<file path=ppt/slides/slide6.xml><?xml version="1.0" encoding="utf-8"?>
-<p:sld xmlns:a="http://schemas.openxmlformats.org/drawingml/2006/main" xmlns:r="http://schemas.openxmlformats.org/officeDocument/2006/relationships" xmlns:p="http://schemas.openxmlformats.org/presentationml/2006/main">
+<file path=ppt/slides/slide5.xml><?xml version="1.0" encoding="utf-8"?>
+<p:sld xmlns:a="http://schemas.openxmlformats.org/drawingml/2006/main" xmlns:r="http://schemas.openxmlformats.org/officeDocument/2006/relationships" xmlns:p="http://schemas.openxmlformats.org/presentationml/2006/main" xmlns:m="http://schemas.openxmlformats.org/officeDocument/2006/math" xmlns:a14="http://schemas.microsoft.com/office/drawing/2010/main" showMasterSp="1" showMasterPhAnim="1">
   <p:cSld>
     <p:spTree>
       <p:nvGrpSpPr>
@@ -4887,140 +6170,257 @@
       </p:grpSpPr>
       <p:sp>
         <p:nvSpPr>
-          <p:cNvPr id="134" name="Google Shape;96;p19"/>
-          <p:cNvSpPr txBox="1">
-            <a:spLocks noGrp="1"/>
-          </p:cNvSpPr>
+          <p:cNvPr id="157" name="Slide Number Placeholder"/>
+          <p:cNvSpPr txBox="1"/>
+          <p:nvPr>
+            <p:ph type="sldNum" sz="quarter" idx="2"/>
+          </p:nvPr>
+        </p:nvSpPr>
+        <p:spPr>
+          <a:xfrm>
+            <a:off x="8370501" y="4800044"/>
+            <a:ext cx="144849" cy="208281"/>
+          </a:xfrm>
+          <a:prstGeom prst="rect">
+            <a:avLst/>
+          </a:prstGeom>
+          <a:extLst>
+            <a:ext uri="{C572A759-6A51-4108-AA02-DFA0A04FC94B}">
+              <ma14:wrappingTextBoxFlag xmlns:ma14="http://schemas.microsoft.com/office/mac/drawingml/2011/main" val="1"/>
+            </a:ext>
+          </a:extLst>
+        </p:spPr>
+        <p:txBody>
+          <a:bodyPr/>
+          <a:lstStyle/>
+          <a:p>
+            <a:pPr/>
+            <a:fld id="{86CB4B4D-7CA3-9044-876B-883B54F8677D}" type="slidenum"/>
+          </a:p>
+        </p:txBody>
+      </p:sp>
+      <p:sp>
+        <p:nvSpPr>
+          <p:cNvPr id="158" name="Title Placeholder"/>
+          <p:cNvSpPr txBox="1"/>
           <p:nvPr>
             <p:ph type="title"/>
           </p:nvPr>
         </p:nvSpPr>
         <p:spPr>
           <a:xfrm>
-            <a:off x="311699" y="445025"/>
-            <a:ext cx="8520602" cy="572701"/>
+            <a:off x="1228469" y="330725"/>
+            <a:ext cx="7680032" cy="572702"/>
           </a:xfrm>
           <a:prstGeom prst="rect">
             <a:avLst/>
           </a:prstGeom>
         </p:spPr>
         <p:txBody>
-          <a:bodyPr/>
+          <a:bodyPr lIns="91423" tIns="91423" rIns="91423" bIns="91423" anchor="t"/>
           <a:lstStyle>
-            <a:lvl1pPr indent="114300">
-              <a:defRPr sz="2500"/>
+            <a:lvl1pPr defTabSz="914400">
+              <a:lnSpc>
+                <a:spcPct val="100000"/>
+              </a:lnSpc>
+              <a:defRPr sz="2500">
+                <a:latin typeface="Proxima Nova"/>
+                <a:ea typeface="Proxima Nova"/>
+                <a:cs typeface="Proxima Nova"/>
+                <a:sym typeface="Proxima Nova"/>
+              </a:defRPr>
             </a:lvl1pPr>
           </a:lstStyle>
           <a:p>
-            <a:r>
-              <a:t>Results (from Original Paper)</a:t>
+            <a:pPr/>
+            <a:r>
+              <a:t>HiCu Architecture</a:t>
             </a:r>
           </a:p>
         </p:txBody>
       </p:sp>
       <p:sp>
         <p:nvSpPr>
-          <p:cNvPr id="135" name="Google Shape;97;p19"/>
-          <p:cNvSpPr txBox="1">
-            <a:spLocks noGrp="1"/>
-          </p:cNvSpPr>
+          <p:cNvPr id="159" name="Text Placeholder"/>
+          <p:cNvSpPr txBox="1"/>
           <p:nvPr>
             <p:ph type="body" sz="half" idx="1"/>
           </p:nvPr>
         </p:nvSpPr>
         <p:spPr>
           <a:xfrm>
-            <a:off x="311699" y="1141699"/>
-            <a:ext cx="3276100" cy="3416401"/>
+            <a:off x="1110811" y="1002386"/>
+            <a:ext cx="3789547" cy="3988424"/>
           </a:xfrm>
           <a:prstGeom prst="rect">
             <a:avLst/>
           </a:prstGeom>
         </p:spPr>
         <p:txBody>
-          <a:bodyPr>
-            <a:normAutofit fontScale="92500"/>
-          </a:bodyPr>
+          <a:bodyPr lIns="91423" tIns="91423" rIns="91423" bIns="91423"/>
           <a:lstStyle/>
           <a:p>
-            <a:pPr algn="just">
-              <a:buSzPts val="1100"/>
+            <a:pPr indent="110871" defTabSz="886968">
+              <a:lnSpc>
+                <a:spcPct val="92000"/>
+              </a:lnSpc>
+              <a:spcBef>
+                <a:spcPts val="0"/>
+              </a:spcBef>
+              <a:buClr>
+                <a:schemeClr val="accent3"/>
+              </a:buClr>
+              <a:buFont typeface="Proxima Nova"/>
+              <a:defRPr b="1" sz="1067">
+                <a:latin typeface="Proxima Nova"/>
+                <a:ea typeface="Proxima Nova"/>
+                <a:cs typeface="Proxima Nova"/>
+                <a:sym typeface="Proxima Nova"/>
+              </a:defRPr>
+            </a:pPr>
+            <a:r>
+              <a:t>Key Components:</a:t>
+            </a:r>
+            <a:br/>
+          </a:p>
+          <a:p>
+            <a:pPr marL="355491" indent="-307975" algn="just" defTabSz="886968">
+              <a:lnSpc>
+                <a:spcPct val="92000"/>
+              </a:lnSpc>
+              <a:spcBef>
+                <a:spcPts val="0"/>
+              </a:spcBef>
+              <a:buClr>
+                <a:schemeClr val="accent3"/>
+              </a:buClr>
+              <a:buSzPts val="1000"/>
               <a:buFont typeface="Arial"/>
               <a:buChar char="•"/>
-              <a:defRPr sz="1100"/>
+              <a:defRPr b="1" sz="1067">
+                <a:latin typeface="Proxima Nova"/>
+                <a:ea typeface="Proxima Nova"/>
+                <a:cs typeface="Proxima Nova"/>
+                <a:sym typeface="Proxima Nova"/>
+              </a:defRPr>
             </a:pPr>
             <a:r>
-              <a:rPr sz="1200" dirty="0"/>
-              <a:t>MIMIC-III Full Code Results (in %). The results obtained are shown in means ± standard deviations from 10 random runs.</a:t>
-            </a:r>
-            <a:endParaRPr dirty="0"/>
-          </a:p>
-          <a:p>
-            <a:pPr algn="just">
-              <a:buSzPts val="1100"/>
+              <a:t>Encoder-Decoder Framework:</a:t>
+            </a:r>
+            <a:r>
+              <a:rPr b="0"/>
+              <a:t> The HiCu architecture consists of an encoder-decoder framework that is combined with a hierarchical curriculum learning algorithm.</a:t>
+            </a:r>
+          </a:p>
+          <a:p>
+            <a:pPr marL="355491" indent="-307975" algn="just" defTabSz="886968">
+              <a:lnSpc>
+                <a:spcPct val="92000"/>
+              </a:lnSpc>
+              <a:spcBef>
+                <a:spcPts val="0"/>
+              </a:spcBef>
+              <a:buClr>
+                <a:schemeClr val="accent3"/>
+              </a:buClr>
+              <a:buSzPts val="1000"/>
               <a:buFont typeface="Arial"/>
               <a:buChar char="•"/>
-              <a:defRPr sz="1100"/>
+              <a:defRPr b="1" sz="1067">
+                <a:latin typeface="Proxima Nova"/>
+                <a:ea typeface="Proxima Nova"/>
+                <a:cs typeface="Proxima Nova"/>
+                <a:sym typeface="Proxima Nova"/>
+              </a:defRPr>
             </a:pPr>
             <a:r>
-              <a:rPr sz="1200" dirty="0"/>
-              <a:t>The first block in the table shows the baseline results reported in the papers.</a:t>
-            </a:r>
-            <a:endParaRPr dirty="0"/>
-          </a:p>
-          <a:p>
-            <a:pPr algn="just">
-              <a:buSzPts val="1100"/>
+              <a:t>Sequential Training Algorithm:</a:t>
+            </a:r>
+            <a:r>
+              <a:rPr b="0"/>
+              <a:t> The model is trained in a sequential algorithmic framework, where simpler codes are learned before more complex codes. The model is first trained on labels at the first level of the label tree using a level one decoder and then proceeds to level two using a knowledge transfer mechanism.</a:t>
+            </a:r>
+          </a:p>
+          <a:p>
+            <a:pPr marL="355491" indent="-307975" algn="just" defTabSz="886968">
+              <a:lnSpc>
+                <a:spcPct val="92000"/>
+              </a:lnSpc>
+              <a:spcBef>
+                <a:spcPts val="0"/>
+              </a:spcBef>
+              <a:buClr>
+                <a:schemeClr val="accent3"/>
+              </a:buClr>
+              <a:buSzPts val="1000"/>
               <a:buFont typeface="Arial"/>
               <a:buChar char="•"/>
-              <a:defRPr sz="1100"/>
+              <a:defRPr b="1" sz="1067">
+                <a:latin typeface="Proxima Nova"/>
+                <a:ea typeface="Proxima Nova"/>
+                <a:cs typeface="Proxima Nova"/>
+                <a:sym typeface="Proxima Nova"/>
+              </a:defRPr>
             </a:pPr>
             <a:r>
-              <a:rPr sz="1200" dirty="0"/>
-              <a:t>The following three blocks specify three groups of experiments, each showing the baseline which was re-implemented in original paper (with *) and the corresponding models which were further evaluated with </a:t>
-            </a:r>
-            <a:r>
-              <a:rPr sz="1200" dirty="0" err="1"/>
-              <a:t>HiCu</a:t>
-            </a:r>
-            <a:r>
-              <a:rPr sz="1200" dirty="0"/>
-              <a:t> learning algorithm.</a:t>
-            </a:r>
-            <a:endParaRPr dirty="0"/>
-          </a:p>
-          <a:p>
-            <a:pPr algn="just">
-              <a:buSzPts val="1100"/>
+              <a:t>Hyperbolic Embeddings: </a:t>
+            </a:r>
+            <a:r>
+              <a:rPr b="0"/>
+              <a:t>During training at each level, the hyperbolic embeddings of the ICD codes are used to guide the attention computation in the decoder. The hyperbolic embeddings allow the model to learn a representation of the ICD code hierarchy that is more structured and aligned with the hierarchical structure of the codes.</a:t>
+            </a:r>
+          </a:p>
+          <a:p>
+            <a:pPr marL="355491" indent="-307975" algn="just" defTabSz="886968">
+              <a:lnSpc>
+                <a:spcPct val="92000"/>
+              </a:lnSpc>
+              <a:spcBef>
+                <a:spcPts val="0"/>
+              </a:spcBef>
+              <a:buClr>
+                <a:schemeClr val="accent3"/>
+              </a:buClr>
+              <a:buSzPts val="1000"/>
               <a:buFont typeface="Arial"/>
               <a:buChar char="•"/>
-              <a:defRPr sz="1100"/>
+              <a:defRPr b="1" sz="1067">
+                <a:latin typeface="Proxima Nova"/>
+                <a:ea typeface="Proxima Nova"/>
+                <a:cs typeface="Proxima Nova"/>
+                <a:sym typeface="Proxima Nova"/>
+              </a:defRPr>
             </a:pPr>
             <a:r>
-              <a:rPr sz="1200" dirty="0"/>
-              <a:t>The bold values indicate the best results which was obtained from all experiments, whereas the underlined values indicate the best results among each experiment group, in the original paper.</a:t>
+              <a:t>High-order Grouping of ICD Code Blocks:</a:t>
+            </a:r>
+            <a:r>
+              <a:rPr b="0"/>
+              <a:t> The HiCu algorithm uses a high-order grouping of ICD code blocks to create a two-level hierarchy. This modification of the HiCu algorithm is trained on the MIMIC-III dataset to verify its performance.</a:t>
             </a:r>
           </a:p>
         </p:txBody>
       </p:sp>
       <p:pic>
         <p:nvPicPr>
-          <p:cNvPr id="136" name="Picture 2" descr="Picture 2"/>
+          <p:cNvPr id="160" name="Picture 2" descr="Picture 2"/>
           <p:cNvPicPr>
             <a:picLocks noChangeAspect="1"/>
           </p:cNvPicPr>
           <p:nvPr/>
         </p:nvPicPr>
         <p:blipFill>
-          <a:blip r:embed="rId2"/>
+          <a:blip r:embed="rId2">
+            <a:extLst/>
+          </a:blip>
           <a:stretch>
             <a:fillRect/>
           </a:stretch>
         </p:blipFill>
         <p:spPr>
           <a:xfrm>
-            <a:off x="3587798" y="1017724"/>
-            <a:ext cx="5360757" cy="3150342"/>
+            <a:off x="4896744" y="1516647"/>
+            <a:ext cx="4170474" cy="3080156"/>
           </a:xfrm>
           <a:prstGeom prst="rect">
             <a:avLst/>
@@ -5035,12 +6435,12 @@
   <p:clrMapOvr>
     <a:masterClrMapping/>
   </p:clrMapOvr>
-  <p:transition spd="med"/>
+  <p:transition xmlns:p14="http://schemas.microsoft.com/office/powerpoint/2010/main" spd="med" advClick="1"/>
 </p:sld>
 </file>
 
-<file path=ppt/slides/slide7.xml><?xml version="1.0" encoding="utf-8"?>
-<p:sld xmlns:a="http://schemas.openxmlformats.org/drawingml/2006/main" xmlns:r="http://schemas.openxmlformats.org/officeDocument/2006/relationships" xmlns:p="http://schemas.openxmlformats.org/presentationml/2006/main">
+<file path=ppt/slides/slide6.xml><?xml version="1.0" encoding="utf-8"?>
+<p:sld xmlns:a="http://schemas.openxmlformats.org/drawingml/2006/main" xmlns:r="http://schemas.openxmlformats.org/officeDocument/2006/relationships" xmlns:p="http://schemas.openxmlformats.org/presentationml/2006/main" xmlns:m="http://schemas.openxmlformats.org/officeDocument/2006/math" xmlns:a14="http://schemas.microsoft.com/office/drawing/2010/main" showMasterSp="1" showMasterPhAnim="1">
   <p:cSld>
     <p:spTree>
       <p:nvGrpSpPr>
@@ -5058,161 +6458,220 @@
       </p:grpSpPr>
       <p:sp>
         <p:nvSpPr>
-          <p:cNvPr id="138" name="Title 1"/>
-          <p:cNvSpPr txBox="1">
-            <a:spLocks noGrp="1"/>
-          </p:cNvSpPr>
+          <p:cNvPr id="162" name="Slide Number Placeholder"/>
+          <p:cNvSpPr txBox="1"/>
+          <p:nvPr>
+            <p:ph type="sldNum" sz="quarter" idx="2"/>
+          </p:nvPr>
+        </p:nvSpPr>
+        <p:spPr>
+          <a:xfrm>
+            <a:off x="8370501" y="4800044"/>
+            <a:ext cx="144849" cy="208281"/>
+          </a:xfrm>
+          <a:prstGeom prst="rect">
+            <a:avLst/>
+          </a:prstGeom>
+          <a:extLst>
+            <a:ext uri="{C572A759-6A51-4108-AA02-DFA0A04FC94B}">
+              <ma14:wrappingTextBoxFlag xmlns:ma14="http://schemas.microsoft.com/office/mac/drawingml/2011/main" val="1"/>
+            </a:ext>
+          </a:extLst>
+        </p:spPr>
+        <p:txBody>
+          <a:bodyPr/>
+          <a:lstStyle/>
+          <a:p>
+            <a:pPr/>
+            <a:fld id="{86CB4B4D-7CA3-9044-876B-883B54F8677D}" type="slidenum"/>
+          </a:p>
+        </p:txBody>
+      </p:sp>
+      <p:sp>
+        <p:nvSpPr>
+          <p:cNvPr id="163" name="Title Placeholder"/>
+          <p:cNvSpPr txBox="1"/>
           <p:nvPr>
             <p:ph type="title"/>
           </p:nvPr>
         </p:nvSpPr>
         <p:spPr>
           <a:xfrm>
-            <a:off x="311699" y="445025"/>
-            <a:ext cx="8520602" cy="572701"/>
+            <a:off x="1177015" y="394225"/>
+            <a:ext cx="7579086" cy="572702"/>
           </a:xfrm>
           <a:prstGeom prst="rect">
             <a:avLst/>
           </a:prstGeom>
         </p:spPr>
         <p:txBody>
-          <a:bodyPr/>
+          <a:bodyPr lIns="91423" tIns="91423" rIns="91423" bIns="91423" anchor="t"/>
           <a:lstStyle>
-            <a:lvl1pPr>
-              <a:defRPr sz="2500"/>
+            <a:lvl1pPr indent="114300" defTabSz="914400">
+              <a:lnSpc>
+                <a:spcPct val="100000"/>
+              </a:lnSpc>
+              <a:defRPr sz="2500">
+                <a:latin typeface="Proxima Nova"/>
+                <a:ea typeface="Proxima Nova"/>
+                <a:cs typeface="Proxima Nova"/>
+                <a:sym typeface="Proxima Nova"/>
+              </a:defRPr>
             </a:lvl1pPr>
           </a:lstStyle>
           <a:p>
-            <a:r>
-              <a:rPr dirty="0"/>
-              <a:t>Results (from Original Paper) Contd..</a:t>
+            <a:pPr/>
+            <a:r>
+              <a:t>Results (from Original Paper)</a:t>
             </a:r>
           </a:p>
         </p:txBody>
       </p:sp>
       <p:sp>
         <p:nvSpPr>
-          <p:cNvPr id="139" name="Text Placeholder 2"/>
-          <p:cNvSpPr txBox="1">
-            <a:spLocks noGrp="1"/>
-          </p:cNvSpPr>
+          <p:cNvPr id="164" name="Text Placeholder"/>
+          <p:cNvSpPr txBox="1"/>
           <p:nvPr>
             <p:ph type="body" sz="half" idx="1"/>
           </p:nvPr>
         </p:nvSpPr>
         <p:spPr>
           <a:xfrm>
-            <a:off x="311700" y="1152475"/>
-            <a:ext cx="3541344" cy="3416400"/>
+            <a:off x="1114424" y="1141698"/>
+            <a:ext cx="3541331" cy="3416403"/>
           </a:xfrm>
           <a:prstGeom prst="rect">
             <a:avLst/>
           </a:prstGeom>
         </p:spPr>
         <p:txBody>
-          <a:bodyPr>
-            <a:normAutofit fontScale="92500" lnSpcReduction="10000"/>
-          </a:bodyPr>
+          <a:bodyPr lIns="91423" tIns="91423" rIns="91423" bIns="91423"/>
           <a:lstStyle/>
           <a:p>
-            <a:pPr marL="0" indent="114300">
-              <a:buSzTx/>
-              <a:buNone/>
-              <a:defRPr sz="1100" b="1"/>
-            </a:pPr>
-            <a:r>
-              <a:rPr dirty="0"/>
-              <a:t>AUC Improvements on Rare Codes: </a:t>
-            </a:r>
-          </a:p>
-          <a:p>
-            <a:pPr marL="0" indent="114300">
-              <a:buSzTx/>
-              <a:buNone/>
-              <a:defRPr sz="1100" b="1"/>
-            </a:pPr>
-            <a:endParaRPr dirty="0"/>
-          </a:p>
-          <a:p>
-            <a:pPr algn="just">
+            <a:pPr marL="457200" indent="-342900" algn="just" defTabSz="914400">
+              <a:lnSpc>
+                <a:spcPct val="115000"/>
+              </a:lnSpc>
+              <a:spcBef>
+                <a:spcPts val="0"/>
+              </a:spcBef>
+              <a:buClr>
+                <a:schemeClr val="accent3"/>
+              </a:buClr>
               <a:buSzPts val="1100"/>
               <a:buFont typeface="Arial"/>
               <a:buChar char="•"/>
-              <a:defRPr sz="1100"/>
+              <a:defRPr sz="1100">
+                <a:latin typeface="Proxima Nova"/>
+                <a:ea typeface="Proxima Nova"/>
+                <a:cs typeface="Proxima Nova"/>
+                <a:sym typeface="Proxima Nova"/>
+              </a:defRPr>
             </a:pPr>
             <a:r>
-              <a:rPr sz="1300" dirty="0"/>
-              <a:t>AUC Score difference between vanilla </a:t>
-            </a:r>
-            <a:r>
-              <a:rPr sz="1300" dirty="0" err="1"/>
-              <a:t>MultiResCNN</a:t>
-            </a:r>
-            <a:r>
-              <a:rPr sz="1300" dirty="0"/>
-              <a:t> and (</a:t>
-            </a:r>
-            <a:r>
-              <a:rPr sz="1300" dirty="0" err="1"/>
-              <a:t>MultiResCNN</a:t>
-            </a:r>
-            <a:r>
-              <a:rPr sz="1300" dirty="0"/>
-              <a:t> w/ </a:t>
-            </a:r>
-            <a:r>
-              <a:rPr sz="1300" dirty="0" err="1"/>
-              <a:t>HiCuA+ASL</a:t>
-            </a:r>
-            <a:r>
-              <a:rPr sz="1300" dirty="0"/>
-              <a:t>). </a:t>
-            </a:r>
-          </a:p>
-          <a:p>
-            <a:pPr algn="just">
+              <a:t>MIMIC-III Full Code Results (in %). The results obtained are shown in means ± standard deviations from 10 random runs.</a:t>
+            </a:r>
+            <a:endParaRPr sz="1000"/>
+          </a:p>
+          <a:p>
+            <a:pPr marL="457200" indent="-342900" algn="just" defTabSz="914400">
+              <a:lnSpc>
+                <a:spcPct val="115000"/>
+              </a:lnSpc>
+              <a:spcBef>
+                <a:spcPts val="0"/>
+              </a:spcBef>
+              <a:buClr>
+                <a:schemeClr val="accent3"/>
+              </a:buClr>
               <a:buSzPts val="1100"/>
               <a:buFont typeface="Arial"/>
               <a:buChar char="•"/>
-              <a:defRPr sz="1100"/>
+              <a:defRPr sz="1100">
+                <a:latin typeface="Proxima Nova"/>
+                <a:ea typeface="Proxima Nova"/>
+                <a:cs typeface="Proxima Nova"/>
+                <a:sym typeface="Proxima Nova"/>
+              </a:defRPr>
             </a:pPr>
             <a:r>
-              <a:rPr sz="1300" dirty="0"/>
-              <a:t>ICD codes are grouped by their frequency (i.e. occurring times in ground truth). </a:t>
-            </a:r>
-          </a:p>
-          <a:p>
-            <a:pPr algn="just">
+              <a:t>The first block in the table shows the baseline results reported in the papers.</a:t>
+            </a:r>
+            <a:endParaRPr sz="1000"/>
+          </a:p>
+          <a:p>
+            <a:pPr marL="457200" indent="-342900" algn="just" defTabSz="914400">
+              <a:lnSpc>
+                <a:spcPct val="115000"/>
+              </a:lnSpc>
+              <a:spcBef>
+                <a:spcPts val="0"/>
+              </a:spcBef>
+              <a:buClr>
+                <a:schemeClr val="accent3"/>
+              </a:buClr>
               <a:buSzPts val="1100"/>
               <a:buFont typeface="Arial"/>
               <a:buChar char="•"/>
-              <a:defRPr sz="1100"/>
+              <a:defRPr sz="1100">
+                <a:latin typeface="Proxima Nova"/>
+                <a:ea typeface="Proxima Nova"/>
+                <a:cs typeface="Proxima Nova"/>
+                <a:sym typeface="Proxima Nova"/>
+              </a:defRPr>
             </a:pPr>
             <a:r>
-              <a:rPr sz="1300" dirty="0"/>
-              <a:t>This figure shows the increase of average AUC scores (in %) inside of each frequency group. For example, the size of the bar plot above code frequency ”1” indicates the increase of average AUC scores within the code subset that appears only once in the training set. The figure indicates a visible enhancement in rare code prediction.</a:t>
+              <a:t>The following three blocks specify three groups of experiments, each showing the baseline which was re-implemented in original paper (with *) and the corresponding models which were further evaluated with HiCu learning algorithm.</a:t>
+            </a:r>
+            <a:endParaRPr sz="1000"/>
+          </a:p>
+          <a:p>
+            <a:pPr marL="457200" indent="-342900" algn="just" defTabSz="914400">
+              <a:lnSpc>
+                <a:spcPct val="115000"/>
+              </a:lnSpc>
+              <a:spcBef>
+                <a:spcPts val="0"/>
+              </a:spcBef>
+              <a:buClr>
+                <a:schemeClr val="accent3"/>
+              </a:buClr>
+              <a:buSzPts val="1100"/>
+              <a:buFont typeface="Arial"/>
+              <a:buChar char="•"/>
+              <a:defRPr sz="1100">
+                <a:latin typeface="Proxima Nova"/>
+                <a:ea typeface="Proxima Nova"/>
+                <a:cs typeface="Proxima Nova"/>
+                <a:sym typeface="Proxima Nova"/>
+              </a:defRPr>
+            </a:pPr>
+            <a:r>
+              <a:t>The bold values indicate the best results which was obtained from all experiments, whereas the underlined values indicate the best results among each experiment group, in the original paper.</a:t>
             </a:r>
           </a:p>
         </p:txBody>
       </p:sp>
       <p:pic>
         <p:nvPicPr>
-          <p:cNvPr id="140" name="Picture 4" descr="Picture 4"/>
+          <p:cNvPr id="165" name="Picture 2" descr="Picture 2"/>
           <p:cNvPicPr>
             <a:picLocks noChangeAspect="1"/>
           </p:cNvPicPr>
           <p:nvPr/>
         </p:nvPicPr>
         <p:blipFill>
-          <a:blip r:embed="rId2"/>
+          <a:blip r:embed="rId2">
+            <a:extLst/>
+          </a:blip>
           <a:stretch>
             <a:fillRect/>
           </a:stretch>
         </p:blipFill>
         <p:spPr>
           <a:xfrm>
-            <a:off x="3964725" y="1152475"/>
-            <a:ext cx="4867574" cy="3258981"/>
+            <a:off x="4655753" y="1331525"/>
+            <a:ext cx="4292802" cy="2522740"/>
           </a:xfrm>
           <a:prstGeom prst="rect">
             <a:avLst/>
@@ -5227,12 +6686,12 @@
   <p:clrMapOvr>
     <a:masterClrMapping/>
   </p:clrMapOvr>
-  <p:transition spd="med"/>
+  <p:transition xmlns:p14="http://schemas.microsoft.com/office/powerpoint/2010/main" spd="med" advClick="1"/>
 </p:sld>
 </file>
 
-<file path=ppt/slides/slide8.xml><?xml version="1.0" encoding="utf-8"?>
-<p:sld xmlns:a="http://schemas.openxmlformats.org/drawingml/2006/main" xmlns:r="http://schemas.openxmlformats.org/officeDocument/2006/relationships" xmlns:p="http://schemas.openxmlformats.org/presentationml/2006/main">
+<file path=ppt/slides/slide7.xml><?xml version="1.0" encoding="utf-8"?>
+<p:sld xmlns:a="http://schemas.openxmlformats.org/drawingml/2006/main" xmlns:r="http://schemas.openxmlformats.org/officeDocument/2006/relationships" xmlns:p="http://schemas.openxmlformats.org/presentationml/2006/main" xmlns:m="http://schemas.openxmlformats.org/officeDocument/2006/math" xmlns:a14="http://schemas.microsoft.com/office/drawing/2010/main" showMasterSp="1" showMasterPhAnim="1">
   <p:cSld>
     <p:spTree>
       <p:nvGrpSpPr>
@@ -5250,268 +6709,301 @@
       </p:grpSpPr>
       <p:sp>
         <p:nvSpPr>
-          <p:cNvPr id="131" name="Google Shape;83;p17"/>
-          <p:cNvSpPr txBox="1">
-            <a:spLocks noGrp="1"/>
-          </p:cNvSpPr>
+          <p:cNvPr id="167" name="Slide Number Placeholder"/>
+          <p:cNvSpPr txBox="1"/>
+          <p:nvPr>
+            <p:ph type="sldNum" sz="quarter" idx="2"/>
+          </p:nvPr>
+        </p:nvSpPr>
+        <p:spPr>
+          <a:xfrm>
+            <a:off x="8370501" y="4800044"/>
+            <a:ext cx="144849" cy="208281"/>
+          </a:xfrm>
+          <a:prstGeom prst="rect">
+            <a:avLst/>
+          </a:prstGeom>
+          <a:extLst>
+            <a:ext uri="{C572A759-6A51-4108-AA02-DFA0A04FC94B}">
+              <ma14:wrappingTextBoxFlag xmlns:ma14="http://schemas.microsoft.com/office/mac/drawingml/2011/main" val="1"/>
+            </a:ext>
+          </a:extLst>
+        </p:spPr>
+        <p:txBody>
+          <a:bodyPr/>
+          <a:lstStyle/>
+          <a:p>
+            <a:pPr/>
+            <a:fld id="{86CB4B4D-7CA3-9044-876B-883B54F8677D}" type="slidenum"/>
+          </a:p>
+        </p:txBody>
+      </p:sp>
+      <p:sp>
+        <p:nvSpPr>
+          <p:cNvPr id="168" name="Title Placeholder"/>
+          <p:cNvSpPr txBox="1"/>
           <p:nvPr>
             <p:ph type="title"/>
           </p:nvPr>
         </p:nvSpPr>
         <p:spPr>
           <a:xfrm>
-            <a:off x="311699" y="445025"/>
-            <a:ext cx="8520602" cy="572701"/>
+            <a:off x="1269433" y="445025"/>
+            <a:ext cx="7562868" cy="572702"/>
           </a:xfrm>
           <a:prstGeom prst="rect">
             <a:avLst/>
           </a:prstGeom>
         </p:spPr>
         <p:txBody>
-          <a:bodyPr/>
+          <a:bodyPr lIns="91423" tIns="91423" rIns="91423" bIns="91423" anchor="t"/>
           <a:lstStyle>
-            <a:lvl1pPr indent="114300">
-              <a:defRPr sz="2500"/>
+            <a:lvl1pPr defTabSz="914400">
+              <a:lnSpc>
+                <a:spcPct val="100000"/>
+              </a:lnSpc>
+              <a:defRPr sz="2500">
+                <a:latin typeface="Proxima Nova"/>
+                <a:ea typeface="Proxima Nova"/>
+                <a:cs typeface="Proxima Nova"/>
+                <a:sym typeface="Proxima Nova"/>
+              </a:defRPr>
             </a:lvl1pPr>
           </a:lstStyle>
           <a:p>
-            <a:r>
-              <a:t>Implementation / Reproduction Attempts</a:t>
+            <a:pPr/>
+            <a:r>
+              <a:t>Results (from Original Paper) Contd..</a:t>
             </a:r>
           </a:p>
         </p:txBody>
       </p:sp>
       <p:sp>
         <p:nvSpPr>
-          <p:cNvPr id="132" name="Google Shape;84;p17"/>
-          <p:cNvSpPr txBox="1">
-            <a:spLocks noGrp="1"/>
-          </p:cNvSpPr>
+          <p:cNvPr id="169" name="Text Placeholder"/>
+          <p:cNvSpPr txBox="1"/>
           <p:nvPr>
-            <p:ph type="body" idx="1"/>
+            <p:ph type="body" sz="half" idx="1"/>
           </p:nvPr>
         </p:nvSpPr>
         <p:spPr>
           <a:xfrm>
-            <a:off x="311699" y="1152475"/>
-            <a:ext cx="8520602" cy="3416400"/>
+            <a:off x="1120104" y="1152475"/>
+            <a:ext cx="3950888" cy="3416400"/>
           </a:xfrm>
           <a:prstGeom prst="rect">
             <a:avLst/>
           </a:prstGeom>
         </p:spPr>
         <p:txBody>
-          <a:bodyPr>
-            <a:normAutofit/>
-          </a:bodyPr>
+          <a:bodyPr lIns="91423" tIns="91423" rIns="91423" bIns="91423"/>
           <a:lstStyle/>
           <a:p>
-            <a:pPr marL="429768" indent="-322325" defTabSz="859536">
-              <a:buSzPts val="1600"/>
+            <a:pPr indent="114300" defTabSz="914400">
+              <a:lnSpc>
+                <a:spcPct val="103500"/>
+              </a:lnSpc>
+              <a:spcBef>
+                <a:spcPts val="0"/>
+              </a:spcBef>
+              <a:buClr>
+                <a:schemeClr val="accent3"/>
+              </a:buClr>
+              <a:buFont typeface="Proxima Nova"/>
+              <a:defRPr b="1" sz="1000">
+                <a:latin typeface="Proxima Nova"/>
+                <a:ea typeface="Proxima Nova"/>
+                <a:cs typeface="Proxima Nova"/>
+                <a:sym typeface="Proxima Nova"/>
+              </a:defRPr>
+            </a:pPr>
+            <a:r>
+              <a:t>AUC Improvements on Rare Codes: </a:t>
+            </a:r>
+          </a:p>
+          <a:p>
+            <a:pPr indent="114300" defTabSz="914400">
+              <a:lnSpc>
+                <a:spcPct val="103500"/>
+              </a:lnSpc>
+              <a:spcBef>
+                <a:spcPts val="0"/>
+              </a:spcBef>
+              <a:buClr>
+                <a:schemeClr val="accent3"/>
+              </a:buClr>
+              <a:buFont typeface="Proxima Nova"/>
+              <a:defRPr b="1" sz="1000">
+                <a:latin typeface="Proxima Nova"/>
+                <a:ea typeface="Proxima Nova"/>
+                <a:cs typeface="Proxima Nova"/>
+                <a:sym typeface="Proxima Nova"/>
+              </a:defRPr>
+            </a:pPr>
+          </a:p>
+          <a:p>
+            <a:pPr marL="457200" indent="-342900" algn="just" defTabSz="914400">
+              <a:lnSpc>
+                <a:spcPct val="103500"/>
+              </a:lnSpc>
+              <a:spcBef>
+                <a:spcPts val="0"/>
+              </a:spcBef>
+              <a:buClr>
+                <a:schemeClr val="accent3"/>
+              </a:buClr>
+              <a:buSzPts val="1200"/>
               <a:buFont typeface="Arial"/>
               <a:buChar char="•"/>
-              <a:defRPr sz="1692"/>
+              <a:defRPr sz="1200">
+                <a:latin typeface="Proxima Nova"/>
+                <a:ea typeface="Proxima Nova"/>
+                <a:cs typeface="Proxima Nova"/>
+                <a:sym typeface="Proxima Nova"/>
+              </a:defRPr>
             </a:pPr>
             <a:r>
-              <a:rPr dirty="0"/>
-              <a:t>Reproduction attempts</a:t>
-            </a:r>
-          </a:p>
-          <a:p>
-            <a:pPr marL="859536" lvl="1" indent="-298450" defTabSz="859536">
-              <a:buSzPts val="1300"/>
+              <a:t>AUC Score difference between vanilla MultiResCNN and (MultiResCNN w/ HiCuA+ASL). </a:t>
+            </a:r>
+          </a:p>
+          <a:p>
+            <a:pPr marL="457200" indent="-342900" algn="just" defTabSz="914400">
+              <a:lnSpc>
+                <a:spcPct val="103500"/>
+              </a:lnSpc>
+              <a:spcBef>
+                <a:spcPts val="0"/>
+              </a:spcBef>
+              <a:buClr>
+                <a:schemeClr val="accent3"/>
+              </a:buClr>
+              <a:buSzPts val="1200"/>
               <a:buFont typeface="Arial"/>
               <a:buChar char="•"/>
-              <a:defRPr sz="1316"/>
+              <a:defRPr sz="1200">
+                <a:latin typeface="Proxima Nova"/>
+                <a:ea typeface="Proxima Nova"/>
+                <a:cs typeface="Proxima Nova"/>
+                <a:sym typeface="Proxima Nova"/>
+              </a:defRPr>
             </a:pPr>
-            <a:r>
-              <a:rPr dirty="0"/>
-              <a:t>The original design hypothesis for multilevel ICD-9 has been altered.</a:t>
-            </a:r>
-          </a:p>
-          <a:p>
-            <a:pPr marL="859536" lvl="1" indent="-298450" defTabSz="859536">
-              <a:buSzPts val="1300"/>
+          </a:p>
+          <a:p>
+            <a:pPr marL="457200" indent="-342900" algn="just" defTabSz="914400">
+              <a:lnSpc>
+                <a:spcPct val="103500"/>
+              </a:lnSpc>
+              <a:spcBef>
+                <a:spcPts val="0"/>
+              </a:spcBef>
+              <a:buClr>
+                <a:schemeClr val="accent3"/>
+              </a:buClr>
+              <a:buSzPts val="1200"/>
               <a:buFont typeface="Arial"/>
               <a:buChar char="•"/>
-              <a:defRPr sz="1316"/>
+              <a:defRPr sz="1200">
+                <a:latin typeface="Proxima Nova"/>
+                <a:ea typeface="Proxima Nova"/>
+                <a:cs typeface="Proxima Nova"/>
+                <a:sym typeface="Proxima Nova"/>
+              </a:defRPr>
             </a:pPr>
             <a:r>
-              <a:rPr lang="en-US" dirty="0"/>
-              <a:t>Modified a few </a:t>
-            </a:r>
-            <a:r>
-              <a:rPr dirty="0"/>
-              <a:t>hyperparameters from the original paper to compare changes.</a:t>
-            </a:r>
-            <a:endParaRPr lang="en-US" dirty="0"/>
-          </a:p>
-          <a:p>
-            <a:pPr marL="429768" indent="-322325" defTabSz="859536">
-              <a:buSzPts val="1600"/>
+              <a:t>ICD codes are grouped by their frequency (i.e. occurring times in ground truth). </a:t>
+            </a:r>
+            <a:endParaRPr sz="1000"/>
+          </a:p>
+          <a:p>
+            <a:pPr marL="457200" indent="-342900" algn="just" defTabSz="914400">
+              <a:lnSpc>
+                <a:spcPct val="103500"/>
+              </a:lnSpc>
+              <a:spcBef>
+                <a:spcPts val="0"/>
+              </a:spcBef>
+              <a:buClr>
+                <a:schemeClr val="accent3"/>
+              </a:buClr>
+              <a:buSzPts val="1200"/>
               <a:buFont typeface="Arial"/>
               <a:buChar char="•"/>
-              <a:defRPr sz="1692"/>
+              <a:defRPr sz="1200">
+                <a:latin typeface="Proxima Nova"/>
+                <a:ea typeface="Proxima Nova"/>
+                <a:cs typeface="Proxima Nova"/>
+                <a:sym typeface="Proxima Nova"/>
+              </a:defRPr>
             </a:pPr>
-            <a:r>
-              <a:rPr lang="en-US" dirty="0"/>
-              <a:t>Code changes / Implementation </a:t>
-            </a:r>
-          </a:p>
-          <a:p>
-            <a:pPr marL="859536" lvl="1" indent="-298450" defTabSz="859536">
-              <a:buSzPts val="1300"/>
+            <a:endParaRPr sz="1000"/>
+          </a:p>
+          <a:p>
+            <a:pPr marL="457200" indent="-342900" algn="just" defTabSz="914400">
+              <a:lnSpc>
+                <a:spcPct val="103500"/>
+              </a:lnSpc>
+              <a:spcBef>
+                <a:spcPts val="0"/>
+              </a:spcBef>
+              <a:buClr>
+                <a:schemeClr val="accent3"/>
+              </a:buClr>
+              <a:buSzPts val="1200"/>
               <a:buFont typeface="Arial"/>
               <a:buChar char="•"/>
-              <a:defRPr sz="1316"/>
+              <a:defRPr sz="1200">
+                <a:latin typeface="Proxima Nova"/>
+                <a:ea typeface="Proxima Nova"/>
+                <a:cs typeface="Proxima Nova"/>
+                <a:sym typeface="Proxima Nova"/>
+              </a:defRPr>
             </a:pPr>
             <a:r>
-              <a:rPr lang="en-US" dirty="0"/>
-              <a:t>The ICD-9 Code hierarchy has been flattened.</a:t>
-            </a:r>
-          </a:p>
-          <a:p>
-            <a:pPr marL="859536" lvl="1" indent="-298450" defTabSz="859536">
-              <a:buSzPts val="1300"/>
-              <a:buFont typeface="Arial"/>
-              <a:buChar char="•"/>
-              <a:defRPr sz="1316"/>
-            </a:pPr>
-            <a:r>
-              <a:rPr lang="en-US" dirty="0"/>
-              <a:t>The result ICD codes follow 2 level depth - &lt;root, code&gt; (Ablation)</a:t>
-            </a:r>
-          </a:p>
-          <a:p>
-            <a:pPr marL="859536" lvl="1" indent="-298450" defTabSz="859536">
-              <a:buSzPts val="1300"/>
-              <a:buFont typeface="Arial"/>
-              <a:buChar char="•"/>
-              <a:defRPr sz="1316"/>
-            </a:pPr>
-            <a:r>
-              <a:rPr lang="en-US" dirty="0"/>
-              <a:t>Reduce the Poincare/negative to 1.</a:t>
-            </a:r>
-          </a:p>
-          <a:p>
-            <a:pPr marL="429768" indent="-322325" defTabSz="859536">
-              <a:buSzPts val="1600"/>
-              <a:buFont typeface="Arial"/>
-              <a:buChar char="•"/>
-              <a:defRPr sz="1692"/>
-            </a:pPr>
-            <a:r>
-              <a:rPr lang="en-US" dirty="0"/>
-              <a:t>Process </a:t>
-            </a:r>
-            <a:r>
-              <a:rPr dirty="0"/>
-              <a:t>of reproducing the results</a:t>
-            </a:r>
-          </a:p>
-          <a:p>
-            <a:pPr marL="859536" lvl="1" indent="-298450" defTabSz="859536">
-              <a:buSzPts val="1300"/>
-              <a:buFont typeface="Arial"/>
-              <a:buChar char="•"/>
-              <a:defRPr sz="1316"/>
-            </a:pPr>
-            <a:r>
-              <a:rPr dirty="0"/>
-              <a:t>Flatten</a:t>
-            </a:r>
-            <a:r>
-              <a:rPr lang="en-US" dirty="0"/>
-              <a:t>ed</a:t>
-            </a:r>
-            <a:r>
-              <a:rPr dirty="0"/>
-              <a:t> the ICD-9 hierarchy to &lt;root, code&gt; (only 2 level)</a:t>
-            </a:r>
-          </a:p>
-          <a:p>
-            <a:pPr marL="859536" lvl="1" indent="-298450" defTabSz="859536">
-              <a:buSzPts val="1300"/>
-              <a:buFont typeface="Arial"/>
-              <a:buChar char="•"/>
-              <a:defRPr sz="1316"/>
-            </a:pPr>
-            <a:r>
-              <a:rPr dirty="0"/>
-              <a:t>The loss function </a:t>
-            </a:r>
-            <a:r>
-              <a:rPr lang="en-US" dirty="0"/>
-              <a:t>and other metrics </a:t>
-            </a:r>
-            <a:r>
-              <a:rPr dirty="0"/>
-              <a:t>g</a:t>
-            </a:r>
-            <a:r>
-              <a:rPr lang="en-US" dirty="0"/>
-              <a:t>ot </a:t>
-            </a:r>
-            <a:r>
-              <a:rPr dirty="0"/>
-              <a:t>worst</a:t>
-            </a:r>
-            <a:r>
-              <a:rPr lang="en-US" dirty="0"/>
-              <a:t>, compared to the original paper.</a:t>
-            </a:r>
-            <a:endParaRPr dirty="0"/>
-          </a:p>
-          <a:p>
-            <a:pPr marL="429768" indent="-322325" defTabSz="859536">
-              <a:buSzPts val="1600"/>
-              <a:buFont typeface="Arial"/>
-              <a:buChar char="•"/>
-              <a:defRPr sz="1692"/>
-            </a:pPr>
-            <a:r>
-              <a:rPr lang="en-US" dirty="0"/>
-              <a:t>C</a:t>
-            </a:r>
-            <a:r>
-              <a:rPr dirty="0"/>
-              <a:t>hallenges encountered during the reproduction attempts</a:t>
-            </a:r>
-          </a:p>
-          <a:p>
-            <a:pPr marL="859536" lvl="1" indent="-298450" defTabSz="859536">
-              <a:buSzPts val="1300"/>
-              <a:buFont typeface="Arial"/>
-              <a:buChar char="•"/>
-              <a:defRPr sz="1316"/>
-            </a:pPr>
-            <a:r>
-              <a:rPr dirty="0"/>
-              <a:t>Hardware limitations </a:t>
-            </a:r>
-            <a:r>
-              <a:rPr lang="en-US" dirty="0"/>
-              <a:t>e.g.</a:t>
-            </a:r>
-            <a:r>
-              <a:rPr dirty="0"/>
-              <a:t> GPU/CPU/RAM inadequate to run the entire dataset.</a:t>
+              <a:t>This figure shows the increase of average AUC scores (in %) inside of each frequency group. For example, the size of the bar plot above code frequency ”1” indicates the increase of average AUC scores within the code subset that appears only once in the training set. The figure indicates a visible enhancement in rare code prediction.</a:t>
             </a:r>
           </a:p>
         </p:txBody>
       </p:sp>
+      <p:pic>
+        <p:nvPicPr>
+          <p:cNvPr id="170" name="Picture 4" descr="Picture 4"/>
+          <p:cNvPicPr>
+            <a:picLocks noChangeAspect="1"/>
+          </p:cNvPicPr>
+          <p:nvPr/>
+        </p:nvPicPr>
+        <p:blipFill>
+          <a:blip r:embed="rId2">
+            <a:extLst/>
+          </a:blip>
+          <a:stretch>
+            <a:fillRect/>
+          </a:stretch>
+        </p:blipFill>
+        <p:spPr>
+          <a:xfrm>
+            <a:off x="5118329" y="1533746"/>
+            <a:ext cx="3755629" cy="2514502"/>
+          </a:xfrm>
+          <a:prstGeom prst="rect">
+            <a:avLst/>
+          </a:prstGeom>
+          <a:ln w="12700">
+            <a:miter lim="400000"/>
+          </a:ln>
+        </p:spPr>
+      </p:pic>
     </p:spTree>
   </p:cSld>
   <p:clrMapOvr>
     <a:masterClrMapping/>
   </p:clrMapOvr>
-  <p:transition spd="med"/>
+  <p:transition xmlns:p14="http://schemas.microsoft.com/office/powerpoint/2010/main" spd="med" advClick="1"/>
 </p:sld>
 </file>
 
-<file path=ppt/slides/slide9.xml><?xml version="1.0" encoding="utf-8"?>
-<p:sld xmlns:a="http://schemas.openxmlformats.org/drawingml/2006/main" xmlns:r="http://schemas.openxmlformats.org/officeDocument/2006/relationships" xmlns:p="http://schemas.openxmlformats.org/presentationml/2006/main">
+<file path=ppt/slides/slide8.xml><?xml version="1.0" encoding="utf-8"?>
+<p:sld xmlns:a="http://schemas.openxmlformats.org/drawingml/2006/main" xmlns:r="http://schemas.openxmlformats.org/officeDocument/2006/relationships" xmlns:p="http://schemas.openxmlformats.org/presentationml/2006/main" xmlns:m="http://schemas.openxmlformats.org/officeDocument/2006/math" xmlns:a14="http://schemas.microsoft.com/office/drawing/2010/main" showMasterSp="1" showMasterPhAnim="1">
   <p:cSld>
     <p:spTree>
       <p:nvGrpSpPr>
@@ -5529,82 +7021,569 @@
       </p:grpSpPr>
       <p:sp>
         <p:nvSpPr>
-          <p:cNvPr id="142" name="Google Shape;96;p19"/>
-          <p:cNvSpPr txBox="1">
-            <a:spLocks noGrp="1"/>
-          </p:cNvSpPr>
+          <p:cNvPr id="172" name="Slide Number Placeholder"/>
+          <p:cNvSpPr txBox="1"/>
+          <p:nvPr>
+            <p:ph type="sldNum" sz="quarter" idx="2"/>
+          </p:nvPr>
+        </p:nvSpPr>
+        <p:spPr>
+          <a:xfrm>
+            <a:off x="8370501" y="4800044"/>
+            <a:ext cx="144849" cy="208281"/>
+          </a:xfrm>
+          <a:prstGeom prst="rect">
+            <a:avLst/>
+          </a:prstGeom>
+          <a:extLst>
+            <a:ext uri="{C572A759-6A51-4108-AA02-DFA0A04FC94B}">
+              <ma14:wrappingTextBoxFlag xmlns:ma14="http://schemas.microsoft.com/office/mac/drawingml/2011/main" val="1"/>
+            </a:ext>
+          </a:extLst>
+        </p:spPr>
+        <p:txBody>
+          <a:bodyPr/>
+          <a:lstStyle/>
+          <a:p>
+            <a:pPr/>
+            <a:fld id="{86CB4B4D-7CA3-9044-876B-883B54F8677D}" type="slidenum"/>
+          </a:p>
+        </p:txBody>
+      </p:sp>
+      <p:sp>
+        <p:nvSpPr>
+          <p:cNvPr id="173" name="Title Placeholder"/>
+          <p:cNvSpPr txBox="1"/>
           <p:nvPr>
             <p:ph type="title"/>
           </p:nvPr>
         </p:nvSpPr>
         <p:spPr>
           <a:xfrm>
-            <a:off x="311699" y="445025"/>
-            <a:ext cx="8520602" cy="572701"/>
+            <a:off x="1117364" y="445025"/>
+            <a:ext cx="7714937" cy="572702"/>
           </a:xfrm>
           <a:prstGeom prst="rect">
             <a:avLst/>
           </a:prstGeom>
         </p:spPr>
         <p:txBody>
-          <a:bodyPr/>
+          <a:bodyPr lIns="91423" tIns="91423" rIns="91423" bIns="91423" anchor="t"/>
           <a:lstStyle>
-            <a:lvl1pPr indent="114300">
-              <a:defRPr sz="2500"/>
+            <a:lvl1pPr indent="114300" defTabSz="914400">
+              <a:lnSpc>
+                <a:spcPct val="100000"/>
+              </a:lnSpc>
+              <a:defRPr sz="2500">
+                <a:latin typeface="Proxima Nova"/>
+                <a:ea typeface="Proxima Nova"/>
+                <a:cs typeface="Proxima Nova"/>
+                <a:sym typeface="Proxima Nova"/>
+              </a:defRPr>
             </a:lvl1pPr>
           </a:lstStyle>
           <a:p>
-            <a:r>
-              <a:rPr dirty="0"/>
-              <a:t>Ablation</a:t>
-            </a:r>
-            <a:r>
-              <a:rPr lang="en-US" dirty="0"/>
-              <a:t> </a:t>
-            </a:r>
-            <a:r>
-              <a:rPr dirty="0"/>
-              <a:t>/</a:t>
-            </a:r>
-            <a:r>
-              <a:rPr lang="en-US" dirty="0"/>
-              <a:t> </a:t>
-            </a:r>
-            <a:r>
-              <a:rPr dirty="0"/>
-              <a:t>Code Modification - 1</a:t>
+            <a:pPr/>
+            <a:r>
+              <a:t>Implementation / Reproduction Attempts</a:t>
             </a:r>
           </a:p>
         </p:txBody>
       </p:sp>
       <p:sp>
         <p:nvSpPr>
-          <p:cNvPr id="143" name="Google Shape;97;p19"/>
-          <p:cNvSpPr txBox="1">
-            <a:spLocks noGrp="1"/>
-          </p:cNvSpPr>
+          <p:cNvPr id="174" name="Text Placeholder"/>
+          <p:cNvSpPr txBox="1"/>
           <p:nvPr>
             <p:ph type="body" idx="1"/>
           </p:nvPr>
         </p:nvSpPr>
         <p:spPr>
           <a:xfrm>
-            <a:off x="311699" y="1141699"/>
-            <a:ext cx="8520602" cy="3416401"/>
+            <a:off x="1117364" y="1152475"/>
+            <a:ext cx="7714937" cy="3416400"/>
           </a:xfrm>
           <a:prstGeom prst="rect">
             <a:avLst/>
           </a:prstGeom>
+        </p:spPr>
+        <p:txBody>
+          <a:bodyPr lIns="91423" tIns="91423" rIns="91423" bIns="91423"/>
+          <a:lstStyle/>
+          <a:p>
+            <a:pPr marL="429768" indent="-322324" defTabSz="859536">
+              <a:lnSpc>
+                <a:spcPct val="115000"/>
+              </a:lnSpc>
+              <a:spcBef>
+                <a:spcPts val="0"/>
+              </a:spcBef>
+              <a:buClr>
+                <a:schemeClr val="accent3"/>
+              </a:buClr>
+              <a:buSzPts val="1600"/>
+              <a:buFont typeface="Arial"/>
+              <a:buChar char="•"/>
+              <a:defRPr sz="1600">
+                <a:latin typeface="Proxima Nova"/>
+                <a:ea typeface="Proxima Nova"/>
+                <a:cs typeface="Proxima Nova"/>
+                <a:sym typeface="Proxima Nova"/>
+              </a:defRPr>
+            </a:pPr>
+            <a:r>
+              <a:t>Reproduction attempts</a:t>
+            </a:r>
+          </a:p>
+          <a:p>
+            <a:pPr lvl="1" marL="859536" indent="-298450" defTabSz="859536">
+              <a:lnSpc>
+                <a:spcPct val="115000"/>
+              </a:lnSpc>
+              <a:spcBef>
+                <a:spcPts val="0"/>
+              </a:spcBef>
+              <a:buClr>
+                <a:schemeClr val="accent3"/>
+              </a:buClr>
+              <a:buSzPts val="1300"/>
+              <a:buFont typeface="Arial"/>
+              <a:defRPr sz="1300">
+                <a:latin typeface="Proxima Nova"/>
+                <a:ea typeface="Proxima Nova"/>
+                <a:cs typeface="Proxima Nova"/>
+                <a:sym typeface="Proxima Nova"/>
+              </a:defRPr>
+            </a:pPr>
+            <a:r>
+              <a:t>The original design hypothesis for multilevel ICD-9 has been altered.</a:t>
+            </a:r>
+          </a:p>
+          <a:p>
+            <a:pPr lvl="1" marL="859536" indent="-298450" defTabSz="859536">
+              <a:lnSpc>
+                <a:spcPct val="115000"/>
+              </a:lnSpc>
+              <a:spcBef>
+                <a:spcPts val="0"/>
+              </a:spcBef>
+              <a:buClr>
+                <a:schemeClr val="accent3"/>
+              </a:buClr>
+              <a:buSzPts val="1300"/>
+              <a:buFont typeface="Arial"/>
+              <a:defRPr sz="1300">
+                <a:latin typeface="Proxima Nova"/>
+                <a:ea typeface="Proxima Nova"/>
+                <a:cs typeface="Proxima Nova"/>
+                <a:sym typeface="Proxima Nova"/>
+              </a:defRPr>
+            </a:pPr>
+            <a:r>
+              <a:t>Modified a few hyper parameters from the original paper to compare changes.</a:t>
+            </a:r>
+          </a:p>
+          <a:p>
+            <a:pPr marL="429768" indent="-322324" defTabSz="859536">
+              <a:lnSpc>
+                <a:spcPct val="115000"/>
+              </a:lnSpc>
+              <a:spcBef>
+                <a:spcPts val="0"/>
+              </a:spcBef>
+              <a:buClr>
+                <a:schemeClr val="accent3"/>
+              </a:buClr>
+              <a:buSzPts val="1600"/>
+              <a:buFont typeface="Arial"/>
+              <a:buChar char="•"/>
+              <a:defRPr sz="1600">
+                <a:latin typeface="Proxima Nova"/>
+                <a:ea typeface="Proxima Nova"/>
+                <a:cs typeface="Proxima Nova"/>
+                <a:sym typeface="Proxima Nova"/>
+              </a:defRPr>
+            </a:pPr>
+            <a:r>
+              <a:t>Code changes / Implementation </a:t>
+            </a:r>
+          </a:p>
+          <a:p>
+            <a:pPr lvl="1" marL="859536" indent="-298450" defTabSz="859536">
+              <a:lnSpc>
+                <a:spcPct val="115000"/>
+              </a:lnSpc>
+              <a:spcBef>
+                <a:spcPts val="0"/>
+              </a:spcBef>
+              <a:buClr>
+                <a:schemeClr val="accent3"/>
+              </a:buClr>
+              <a:buSzPts val="1300"/>
+              <a:buFont typeface="Arial"/>
+              <a:defRPr sz="1300">
+                <a:latin typeface="Proxima Nova"/>
+                <a:ea typeface="Proxima Nova"/>
+                <a:cs typeface="Proxima Nova"/>
+                <a:sym typeface="Proxima Nova"/>
+              </a:defRPr>
+            </a:pPr>
+            <a:r>
+              <a:t>The ICD-9 Code hierarchy has been flattened.</a:t>
+            </a:r>
+          </a:p>
+          <a:p>
+            <a:pPr lvl="1" marL="859536" indent="-298450" defTabSz="859536">
+              <a:lnSpc>
+                <a:spcPct val="115000"/>
+              </a:lnSpc>
+              <a:spcBef>
+                <a:spcPts val="0"/>
+              </a:spcBef>
+              <a:buClr>
+                <a:schemeClr val="accent3"/>
+              </a:buClr>
+              <a:buSzPts val="1300"/>
+              <a:buFont typeface="Arial"/>
+              <a:defRPr sz="1300">
+                <a:latin typeface="Proxima Nova"/>
+                <a:ea typeface="Proxima Nova"/>
+                <a:cs typeface="Proxima Nova"/>
+                <a:sym typeface="Proxima Nova"/>
+              </a:defRPr>
+            </a:pPr>
+            <a:r>
+              <a:t>The result ICD codes follow 2 level depth - &lt;root, code&gt; (Ablation)</a:t>
+            </a:r>
+          </a:p>
+          <a:p>
+            <a:pPr lvl="1" marL="859536" indent="-298450" defTabSz="859536">
+              <a:lnSpc>
+                <a:spcPct val="115000"/>
+              </a:lnSpc>
+              <a:spcBef>
+                <a:spcPts val="0"/>
+              </a:spcBef>
+              <a:buClr>
+                <a:schemeClr val="accent3"/>
+              </a:buClr>
+              <a:buSzPts val="1300"/>
+              <a:buFont typeface="Arial"/>
+              <a:defRPr sz="1300">
+                <a:latin typeface="Proxima Nova"/>
+                <a:ea typeface="Proxima Nova"/>
+                <a:cs typeface="Proxima Nova"/>
+                <a:sym typeface="Proxima Nova"/>
+              </a:defRPr>
+            </a:pPr>
+            <a:r>
+              <a:t>Reduce the Poincare/negative to 1.</a:t>
+            </a:r>
+          </a:p>
+          <a:p>
+            <a:pPr marL="429768" indent="-322324" defTabSz="859536">
+              <a:lnSpc>
+                <a:spcPct val="115000"/>
+              </a:lnSpc>
+              <a:spcBef>
+                <a:spcPts val="0"/>
+              </a:spcBef>
+              <a:buClr>
+                <a:schemeClr val="accent3"/>
+              </a:buClr>
+              <a:buSzPts val="1600"/>
+              <a:buFont typeface="Arial"/>
+              <a:buChar char="•"/>
+              <a:defRPr sz="1600">
+                <a:latin typeface="Proxima Nova"/>
+                <a:ea typeface="Proxima Nova"/>
+                <a:cs typeface="Proxima Nova"/>
+                <a:sym typeface="Proxima Nova"/>
+              </a:defRPr>
+            </a:pPr>
+            <a:r>
+              <a:t>Process of reproducing the results</a:t>
+            </a:r>
+          </a:p>
+          <a:p>
+            <a:pPr lvl="1" marL="859536" indent="-298450" defTabSz="859536">
+              <a:lnSpc>
+                <a:spcPct val="115000"/>
+              </a:lnSpc>
+              <a:spcBef>
+                <a:spcPts val="0"/>
+              </a:spcBef>
+              <a:buClr>
+                <a:schemeClr val="accent3"/>
+              </a:buClr>
+              <a:buSzPts val="1300"/>
+              <a:buFont typeface="Arial"/>
+              <a:defRPr sz="1300">
+                <a:latin typeface="Proxima Nova"/>
+                <a:ea typeface="Proxima Nova"/>
+                <a:cs typeface="Proxima Nova"/>
+                <a:sym typeface="Proxima Nova"/>
+              </a:defRPr>
+            </a:pPr>
+            <a:r>
+              <a:t>Flatten</a:t>
+            </a:r>
+            <a:r>
+              <a:t>ed</a:t>
+            </a:r>
+            <a:r>
+              <a:t> the ICD-9 hierarchy to &lt;root, code&gt; (only 2 level)</a:t>
+            </a:r>
+          </a:p>
+          <a:p>
+            <a:pPr lvl="1" marL="859536" indent="-298450" defTabSz="859536">
+              <a:lnSpc>
+                <a:spcPct val="115000"/>
+              </a:lnSpc>
+              <a:spcBef>
+                <a:spcPts val="0"/>
+              </a:spcBef>
+              <a:buClr>
+                <a:schemeClr val="accent3"/>
+              </a:buClr>
+              <a:buSzPts val="1300"/>
+              <a:buFont typeface="Arial"/>
+              <a:defRPr sz="1300">
+                <a:latin typeface="Proxima Nova"/>
+                <a:ea typeface="Proxima Nova"/>
+                <a:cs typeface="Proxima Nova"/>
+                <a:sym typeface="Proxima Nova"/>
+              </a:defRPr>
+            </a:pPr>
+            <a:r>
+              <a:t>The loss function </a:t>
+            </a:r>
+            <a:r>
+              <a:t>and other metrics </a:t>
+            </a:r>
+            <a:r>
+              <a:t>g</a:t>
+            </a:r>
+            <a:r>
+              <a:t>ot </a:t>
+            </a:r>
+            <a:r>
+              <a:t>worst</a:t>
+            </a:r>
+            <a:r>
+              <a:t>, compared to the original paper.</a:t>
+            </a:r>
+          </a:p>
+          <a:p>
+            <a:pPr marL="429768" indent="-322324" defTabSz="859536">
+              <a:lnSpc>
+                <a:spcPct val="115000"/>
+              </a:lnSpc>
+              <a:spcBef>
+                <a:spcPts val="0"/>
+              </a:spcBef>
+              <a:buClr>
+                <a:schemeClr val="accent3"/>
+              </a:buClr>
+              <a:buSzPts val="1600"/>
+              <a:buFont typeface="Arial"/>
+              <a:buChar char="•"/>
+              <a:defRPr sz="1600">
+                <a:latin typeface="Proxima Nova"/>
+                <a:ea typeface="Proxima Nova"/>
+                <a:cs typeface="Proxima Nova"/>
+                <a:sym typeface="Proxima Nova"/>
+              </a:defRPr>
+            </a:pPr>
+            <a:r>
+              <a:t>Challenges encountered during the reproduction attempts</a:t>
+            </a:r>
+          </a:p>
+          <a:p>
+            <a:pPr lvl="1" marL="859536" indent="-298450" defTabSz="859536">
+              <a:lnSpc>
+                <a:spcPct val="115000"/>
+              </a:lnSpc>
+              <a:spcBef>
+                <a:spcPts val="0"/>
+              </a:spcBef>
+              <a:buClr>
+                <a:schemeClr val="accent3"/>
+              </a:buClr>
+              <a:buSzPts val="1300"/>
+              <a:buFont typeface="Arial"/>
+              <a:defRPr sz="1300">
+                <a:latin typeface="Proxima Nova"/>
+                <a:ea typeface="Proxima Nova"/>
+                <a:cs typeface="Proxima Nova"/>
+                <a:sym typeface="Proxima Nova"/>
+              </a:defRPr>
+            </a:pPr>
+            <a:r>
+              <a:t>Hardware limitations </a:t>
+            </a:r>
+            <a:r>
+              <a:t>e.g.</a:t>
+            </a:r>
+            <a:r>
+              <a:t> GPU/CPU/RAM inadequate to run the entire dataset.</a:t>
+            </a:r>
+          </a:p>
+        </p:txBody>
+      </p:sp>
+    </p:spTree>
+  </p:cSld>
+  <p:clrMapOvr>
+    <a:masterClrMapping/>
+  </p:clrMapOvr>
+  <p:transition xmlns:p14="http://schemas.microsoft.com/office/powerpoint/2010/main" spd="med" advClick="1"/>
+</p:sld>
+</file>
+
+<file path=ppt/slides/slide9.xml><?xml version="1.0" encoding="utf-8"?>
+<p:sld xmlns:a="http://schemas.openxmlformats.org/drawingml/2006/main" xmlns:r="http://schemas.openxmlformats.org/officeDocument/2006/relationships" xmlns:p="http://schemas.openxmlformats.org/presentationml/2006/main" xmlns:m="http://schemas.openxmlformats.org/officeDocument/2006/math" xmlns:a14="http://schemas.microsoft.com/office/drawing/2010/main" showMasterSp="1" showMasterPhAnim="1">
+  <p:cSld>
+    <p:spTree>
+      <p:nvGrpSpPr>
+        <p:cNvPr id="1" name=""/>
+        <p:cNvGrpSpPr/>
+        <p:nvPr/>
+      </p:nvGrpSpPr>
+      <p:grpSpPr>
+        <a:xfrm>
+          <a:off x="0" y="0"/>
+          <a:ext cx="0" cy="0"/>
+          <a:chOff x="0" y="0"/>
+          <a:chExt cx="0" cy="0"/>
+        </a:xfrm>
+      </p:grpSpPr>
+      <p:sp>
+        <p:nvSpPr>
+          <p:cNvPr id="176" name="Slide Number Placeholder"/>
+          <p:cNvSpPr txBox="1"/>
+          <p:nvPr>
+            <p:ph type="sldNum" sz="quarter" idx="2"/>
+          </p:nvPr>
+        </p:nvSpPr>
+        <p:spPr>
+          <a:xfrm>
+            <a:off x="8370501" y="4800044"/>
+            <a:ext cx="144849" cy="208281"/>
+          </a:xfrm>
+          <a:prstGeom prst="rect">
+            <a:avLst/>
+          </a:prstGeom>
+          <a:extLst>
+            <a:ext uri="{C572A759-6A51-4108-AA02-DFA0A04FC94B}">
+              <ma14:wrappingTextBoxFlag xmlns:ma14="http://schemas.microsoft.com/office/mac/drawingml/2011/main" val="1"/>
+            </a:ext>
+          </a:extLst>
         </p:spPr>
         <p:txBody>
           <a:bodyPr/>
+          <a:lstStyle/>
+          <a:p>
+            <a:pPr/>
+            <a:fld id="{86CB4B4D-7CA3-9044-876B-883B54F8677D}" type="slidenum"/>
+          </a:p>
+        </p:txBody>
+      </p:sp>
+      <p:sp>
+        <p:nvSpPr>
+          <p:cNvPr id="177" name="Title Placeholder"/>
+          <p:cNvSpPr txBox="1"/>
+          <p:nvPr>
+            <p:ph type="title"/>
+          </p:nvPr>
+        </p:nvSpPr>
+        <p:spPr>
+          <a:xfrm>
+            <a:off x="1169627" y="445025"/>
+            <a:ext cx="7662674" cy="572702"/>
+          </a:xfrm>
+          <a:prstGeom prst="rect">
+            <a:avLst/>
+          </a:prstGeom>
+        </p:spPr>
+        <p:txBody>
+          <a:bodyPr lIns="91423" tIns="91423" rIns="91423" bIns="91423" anchor="t"/>
+          <a:lstStyle/>
+          <a:p>
+            <a:pPr indent="114300" defTabSz="914400">
+              <a:lnSpc>
+                <a:spcPct val="100000"/>
+              </a:lnSpc>
+              <a:defRPr sz="2500">
+                <a:solidFill>
+                  <a:srgbClr val="FAFDFB"/>
+                </a:solidFill>
+                <a:latin typeface="Proxima Nova"/>
+                <a:ea typeface="Proxima Nova"/>
+                <a:cs typeface="Proxima Nova"/>
+                <a:sym typeface="Proxima Nova"/>
+              </a:defRPr>
+            </a:pPr>
+            <a:r>
+              <a:t>Ablation</a:t>
+            </a:r>
+            <a:r>
+              <a:t> </a:t>
+            </a:r>
+            <a:r>
+              <a:t>/</a:t>
+            </a:r>
+            <a:r>
+              <a:t> </a:t>
+            </a:r>
+            <a:r>
+              <a:t>Code Modification - 1</a:t>
+            </a:r>
+          </a:p>
+        </p:txBody>
+      </p:sp>
+      <p:sp>
+        <p:nvSpPr>
+          <p:cNvPr id="178" name="Text Placeholder"/>
+          <p:cNvSpPr txBox="1"/>
+          <p:nvPr>
+            <p:ph type="body" idx="1"/>
+          </p:nvPr>
+        </p:nvSpPr>
+        <p:spPr>
+          <a:xfrm>
+            <a:off x="1036678" y="1141698"/>
+            <a:ext cx="7795623" cy="3416403"/>
+          </a:xfrm>
+          <a:prstGeom prst="rect">
+            <a:avLst/>
+          </a:prstGeom>
+        </p:spPr>
+        <p:txBody>
+          <a:bodyPr lIns="91423" tIns="91423" rIns="91423" bIns="91423"/>
           <a:lstStyle>
-            <a:lvl1pPr>
+            <a:lvl1pPr marL="457200" indent="-342900" defTabSz="914400">
+              <a:lnSpc>
+                <a:spcPct val="115000"/>
+              </a:lnSpc>
+              <a:spcBef>
+                <a:spcPts val="0"/>
+              </a:spcBef>
+              <a:buClr>
+                <a:schemeClr val="accent3"/>
+              </a:buClr>
+              <a:buSzPts val="1800"/>
               <a:buFont typeface="Arial"/>
               <a:buChar char="•"/>
+              <a:defRPr>
+                <a:latin typeface="Proxima Nova"/>
+                <a:ea typeface="Proxima Nova"/>
+                <a:cs typeface="Proxima Nova"/>
+                <a:sym typeface="Proxima Nova"/>
+              </a:defRPr>
             </a:lvl1pPr>
           </a:lstStyle>
           <a:p>
+            <a:pPr/>
             <a:r>
               <a:t>The following code has been modified to flatten the ICD-9 code:</a:t>
             </a:r>
@@ -5613,37 +7592,39 @@
       </p:sp>
       <p:grpSp>
         <p:nvGrpSpPr>
-          <p:cNvPr id="146" name="Image Gallery"/>
+          <p:cNvPr id="181" name="Image Gallery"/>
           <p:cNvGrpSpPr/>
           <p:nvPr/>
         </p:nvGrpSpPr>
         <p:grpSpPr>
           <a:xfrm>
-            <a:off x="863169" y="1711386"/>
-            <a:ext cx="4090369" cy="2146711"/>
+            <a:off x="1322885" y="1799225"/>
+            <a:ext cx="4463241" cy="2342402"/>
             <a:chOff x="0" y="0"/>
-            <a:chExt cx="4090368" cy="2146709"/>
+            <a:chExt cx="4463239" cy="2342401"/>
           </a:xfrm>
         </p:grpSpPr>
         <p:pic>
           <p:nvPicPr>
-            <p:cNvPr id="144" name="MainFlatten1.png" descr="MainFlatten1.png"/>
+            <p:cNvPr id="179" name="MainFlatten1.png" descr="MainFlatten1.png"/>
             <p:cNvPicPr>
               <a:picLocks noChangeAspect="1"/>
             </p:cNvPicPr>
             <p:nvPr/>
           </p:nvPicPr>
           <p:blipFill>
-            <a:blip r:embed="rId2"/>
-            <a:srcRect l="11517" r="11517"/>
+            <a:blip r:embed="rId2">
+              <a:extLst/>
+            </a:blip>
+            <a:srcRect l="11517" t="0" r="11517" b="0"/>
             <a:stretch>
               <a:fillRect/>
             </a:stretch>
           </p:blipFill>
           <p:spPr>
             <a:xfrm>
-              <a:off x="0" y="0"/>
-              <a:ext cx="4090369" cy="1720727"/>
+              <a:off x="0" y="-1"/>
+              <a:ext cx="4463241" cy="1877588"/>
             </a:xfrm>
             <a:prstGeom prst="rect">
               <a:avLst/>
@@ -5657,14 +7638,14 @@
         </p:pic>
         <p:sp>
           <p:nvSpPr>
-            <p:cNvPr id="145" name="source code - main.py"/>
-            <p:cNvSpPr/>
+            <p:cNvPr id="180" name="source code - main.py"/>
+            <p:cNvSpPr txBox="1"/>
             <p:nvPr/>
           </p:nvSpPr>
           <p:spPr>
             <a:xfrm>
-              <a:off x="0" y="1796926"/>
-              <a:ext cx="4090369" cy="349784"/>
+              <a:off x="0" y="1960732"/>
+              <a:ext cx="4463240" cy="381669"/>
             </a:xfrm>
             <a:prstGeom prst="rect">
               <a:avLst/>
@@ -5677,7 +7658,7 @@
             <a:effectLst/>
             <a:extLst>
               <a:ext uri="{C572A759-6A51-4108-AA02-DFA0A04FC94B}">
-                <ma14:wrappingTextBoxFlag xmlns="" xmlns:m="http://schemas.openxmlformats.org/officeDocument/2006/math" xmlns:a14="http://schemas.microsoft.com/office/drawing/2010/main" xmlns:ma14="http://schemas.microsoft.com/office/mac/drawingml/2011/main" val="1"/>
+                <ma14:wrappingTextBoxFlag xmlns:ma14="http://schemas.microsoft.com/office/mac/drawingml/2011/main" val="1"/>
               </a:ext>
             </a:extLst>
           </p:spPr>
@@ -5685,8 +7666,21 @@
             <a:bodyPr wrap="square" lIns="76200" tIns="76200" rIns="76200" bIns="76200" numCol="1" anchor="t">
               <a:noAutofit/>
             </a:bodyPr>
-            <a:lstStyle/>
+            <a:lstStyle>
+              <a:lvl1pPr>
+                <a:defRPr>
+                  <a:solidFill>
+                    <a:srgbClr val="FFFDFF"/>
+                  </a:solidFill>
+                  <a:latin typeface="+mn-lt"/>
+                  <a:ea typeface="+mn-ea"/>
+                  <a:cs typeface="+mn-cs"/>
+                  <a:sym typeface="Arial"/>
+                </a:defRPr>
+              </a:lvl1pPr>
+            </a:lstStyle>
             <a:p>
+              <a:pPr/>
               <a:r>
                 <a:t>source code - main.py</a:t>
               </a:r>
@@ -5696,23 +7690,25 @@
       </p:grpSp>
       <p:pic>
         <p:nvPicPr>
-          <p:cNvPr id="147" name="Image Gallery" descr="Image Gallery"/>
+          <p:cNvPr id="182" name="Image Gallery" descr="Image Gallery"/>
           <p:cNvPicPr>
             <a:picLocks noChangeAspect="1"/>
           </p:cNvPicPr>
           <p:nvPr/>
         </p:nvPicPr>
         <p:blipFill>
-          <a:blip r:embed="rId3"/>
-          <a:srcRect l="1364" r="1364"/>
+          <a:blip r:embed="rId3">
+            <a:extLst/>
+          </a:blip>
+          <a:srcRect l="1363" t="0" r="1363" b="0"/>
           <a:stretch>
             <a:fillRect/>
           </a:stretch>
         </p:blipFill>
         <p:spPr>
           <a:xfrm>
-            <a:off x="5153206" y="2214899"/>
-            <a:ext cx="3755747" cy="1270001"/>
+            <a:off x="5855725" y="1801108"/>
+            <a:ext cx="3164318" cy="1070011"/>
           </a:xfrm>
           <a:prstGeom prst="rect">
             <a:avLst/>
@@ -5727,12 +7723,12 @@
   <p:clrMapOvr>
     <a:masterClrMapping/>
   </p:clrMapOvr>
-  <p:transition spd="med"/>
+  <p:transition xmlns:p14="http://schemas.microsoft.com/office/powerpoint/2010/main" spd="med" advClick="1"/>
 </p:sld>
 </file>
 
 <file path=ppt/theme/theme1.xml><?xml version="1.0" encoding="utf-8"?>
-<a:theme xmlns:a="http://schemas.openxmlformats.org/drawingml/2006/main" name="Spearmint">
+<a:theme xmlns:a="http://schemas.openxmlformats.org/drawingml/2006/main" xmlns:r="http://schemas.openxmlformats.org/officeDocument/2006/relationships" name="Spearmint">
   <a:themeElements>
     <a:clrScheme name="Spearmint">
       <a:dk1>
@@ -5774,14 +7770,14 @@
     </a:clrScheme>
     <a:fontScheme name="Spearmint">
       <a:majorFont>
+        <a:latin typeface="Helvetica"/>
+        <a:ea typeface="Helvetica"/>
+        <a:cs typeface="Helvetica"/>
+      </a:majorFont>
+      <a:minorFont>
         <a:latin typeface="Arial"/>
         <a:ea typeface="Arial"/>
         <a:cs typeface="Arial"/>
-      </a:majorFont>
-      <a:minorFont>
-        <a:latin typeface="Helvetica"/>
-        <a:ea typeface="Helvetica"/>
-        <a:cs typeface="Helvetica"/>
       </a:minorFont>
     </a:fontScheme>
     <a:fmtScheme name="Spearmint">
@@ -5858,7 +7854,7 @@
       <a:effectStyleLst>
         <a:effectStyle>
           <a:effectLst>
-            <a:outerShdw blurRad="38100" dist="23000" dir="5400000" rotWithShape="0">
+            <a:outerShdw sx="100000" sy="100000" kx="0" ky="0" algn="b" rotWithShape="0" blurRad="38100" dist="23000" dir="5400000">
               <a:srgbClr val="000000">
                 <a:alpha val="35000"/>
               </a:srgbClr>
@@ -5867,7 +7863,7 @@
         </a:effectStyle>
         <a:effectStyle>
           <a:effectLst>
-            <a:outerShdw blurRad="38100" dist="23000" dir="5400000" rotWithShape="0">
+            <a:outerShdw sx="100000" sy="100000" kx="0" ky="0" algn="b" rotWithShape="0" blurRad="38100" dist="23000" dir="5400000">
               <a:srgbClr val="000000">
                 <a:alpha val="35000"/>
               </a:srgbClr>
@@ -5876,9 +7872,9 @@
         </a:effectStyle>
         <a:effectStyle>
           <a:effectLst>
-            <a:outerShdw blurRad="38100" dist="20000" dir="5400000" rotWithShape="0">
+            <a:outerShdw sx="100000" sy="100000" kx="0" ky="0" algn="b" rotWithShape="0" blurRad="38100" dist="23000" dir="5400000">
               <a:srgbClr val="000000">
-                <a:alpha val="38000"/>
+                <a:alpha val="35000"/>
               </a:srgbClr>
             </a:outerShdw>
           </a:effectLst>
@@ -5940,7 +7936,7 @@
     <a:spDef>
       <a:spPr>
         <a:solidFill>
-          <a:srgbClr val="FFFFFF"/>
+          <a:srgbClr val="202729"/>
         </a:solidFill>
         <a:ln w="25400" cap="flat">
           <a:solidFill>
@@ -5950,7 +7946,7 @@
           <a:round/>
         </a:ln>
         <a:effectLst>
-          <a:outerShdw blurRad="38100" dist="23000" dir="5400000" rotWithShape="0">
+          <a:outerShdw sx="100000" sy="100000" kx="0" ky="0" algn="b" rotWithShape="0" blurRad="38100" dist="23000" dir="5400000">
             <a:srgbClr val="000000">
               <a:alpha val="35000"/>
             </a:srgbClr>
@@ -5958,7 +7954,7 @@
         </a:effectLst>
         <a:sp3d/>
       </a:spPr>
-      <a:bodyPr rot="0" spcFirstLastPara="1" vertOverflow="overflow" horzOverflow="overflow" vert="horz" wrap="square" lIns="45719" tIns="45719" rIns="45719" bIns="45719" numCol="1" spcCol="38100" rtlCol="0" anchor="ctr">
+      <a:bodyPr rot="0" spcFirstLastPara="1" vertOverflow="overflow" horzOverflow="overflow" vert="horz" wrap="square" lIns="45718" tIns="45718" rIns="45718" bIns="45718" numCol="1" spcCol="38100" rtlCol="0" anchor="ctr" upright="0">
         <a:spAutoFit/>
       </a:bodyPr>
       <a:lstStyle>
@@ -5977,7 +7973,7 @@
           <a:buFontTx/>
           <a:buNone/>
           <a:tabLst/>
-          <a:defRPr kumimoji="0" sz="1400" b="0" i="0" u="none" strike="noStrike" cap="none" spc="0" normalizeH="0" baseline="0">
+          <a:defRPr b="0" baseline="0" cap="none" i="0" spc="0" strike="noStrike" sz="1400" u="none" kumimoji="0" normalizeH="0">
             <a:ln>
               <a:noFill/>
             </a:ln>
@@ -5989,7 +7985,7 @@
             <a:latin typeface="+mj-lt"/>
             <a:ea typeface="+mj-ea"/>
             <a:cs typeface="+mj-cs"/>
-            <a:sym typeface="Arial"/>
+            <a:sym typeface="Helvetica"/>
           </a:defRPr>
         </a:defPPr>
         <a:lvl1pPr marL="0" marR="0" indent="0" algn="l" defTabSz="914400" rtl="0" fontAlgn="auto" latinLnBrk="1" hangingPunct="0">
@@ -6007,7 +8003,7 @@
           <a:buFontTx/>
           <a:buNone/>
           <a:tabLst/>
-          <a:defRPr kumimoji="0" sz="1800" b="0" i="0" u="none" strike="noStrike" cap="none" spc="0" normalizeH="0" baseline="0">
+          <a:defRPr b="0" baseline="0" cap="none" i="0" spc="0" strike="noStrike" sz="1800" u="none" kumimoji="0" normalizeH="0">
             <a:ln>
               <a:noFill/>
             </a:ln>
@@ -6033,7 +8029,7 @@
           <a:buFontTx/>
           <a:buNone/>
           <a:tabLst/>
-          <a:defRPr kumimoji="0" sz="1800" b="0" i="0" u="none" strike="noStrike" cap="none" spc="0" normalizeH="0" baseline="0">
+          <a:defRPr b="0" baseline="0" cap="none" i="0" spc="0" strike="noStrike" sz="1800" u="none" kumimoji="0" normalizeH="0">
             <a:ln>
               <a:noFill/>
             </a:ln>
@@ -6059,7 +8055,7 @@
           <a:buFontTx/>
           <a:buNone/>
           <a:tabLst/>
-          <a:defRPr kumimoji="0" sz="1800" b="0" i="0" u="none" strike="noStrike" cap="none" spc="0" normalizeH="0" baseline="0">
+          <a:defRPr b="0" baseline="0" cap="none" i="0" spc="0" strike="noStrike" sz="1800" u="none" kumimoji="0" normalizeH="0">
             <a:ln>
               <a:noFill/>
             </a:ln>
@@ -6085,7 +8081,7 @@
           <a:buFontTx/>
           <a:buNone/>
           <a:tabLst/>
-          <a:defRPr kumimoji="0" sz="1800" b="0" i="0" u="none" strike="noStrike" cap="none" spc="0" normalizeH="0" baseline="0">
+          <a:defRPr b="0" baseline="0" cap="none" i="0" spc="0" strike="noStrike" sz="1800" u="none" kumimoji="0" normalizeH="0">
             <a:ln>
               <a:noFill/>
             </a:ln>
@@ -6111,7 +8107,7 @@
           <a:buFontTx/>
           <a:buNone/>
           <a:tabLst/>
-          <a:defRPr kumimoji="0" sz="1800" b="0" i="0" u="none" strike="noStrike" cap="none" spc="0" normalizeH="0" baseline="0">
+          <a:defRPr b="0" baseline="0" cap="none" i="0" spc="0" strike="noStrike" sz="1800" u="none" kumimoji="0" normalizeH="0">
             <a:ln>
               <a:noFill/>
             </a:ln>
@@ -6137,7 +8133,7 @@
           <a:buFontTx/>
           <a:buNone/>
           <a:tabLst/>
-          <a:defRPr kumimoji="0" sz="1800" b="0" i="0" u="none" strike="noStrike" cap="none" spc="0" normalizeH="0" baseline="0">
+          <a:defRPr b="0" baseline="0" cap="none" i="0" spc="0" strike="noStrike" sz="1800" u="none" kumimoji="0" normalizeH="0">
             <a:ln>
               <a:noFill/>
             </a:ln>
@@ -6163,7 +8159,7 @@
           <a:buFontTx/>
           <a:buNone/>
           <a:tabLst/>
-          <a:defRPr kumimoji="0" sz="1800" b="0" i="0" u="none" strike="noStrike" cap="none" spc="0" normalizeH="0" baseline="0">
+          <a:defRPr b="0" baseline="0" cap="none" i="0" spc="0" strike="noStrike" sz="1800" u="none" kumimoji="0" normalizeH="0">
             <a:ln>
               <a:noFill/>
             </a:ln>
@@ -6189,7 +8185,7 @@
           <a:buFontTx/>
           <a:buNone/>
           <a:tabLst/>
-          <a:defRPr kumimoji="0" sz="1800" b="0" i="0" u="none" strike="noStrike" cap="none" spc="0" normalizeH="0" baseline="0">
+          <a:defRPr b="0" baseline="0" cap="none" i="0" spc="0" strike="noStrike" sz="1800" u="none" kumimoji="0" normalizeH="0">
             <a:ln>
               <a:noFill/>
             </a:ln>
@@ -6215,7 +8211,7 @@
           <a:buFontTx/>
           <a:buNone/>
           <a:tabLst/>
-          <a:defRPr kumimoji="0" sz="1800" b="0" i="0" u="none" strike="noStrike" cap="none" spc="0" normalizeH="0" baseline="0">
+          <a:defRPr b="0" baseline="0" cap="none" i="0" spc="0" strike="noStrike" sz="1800" u="none" kumimoji="0" normalizeH="0">
             <a:ln>
               <a:noFill/>
             </a:ln>
@@ -6228,15 +8224,9 @@
         </a:lvl9pPr>
       </a:lstStyle>
       <a:style>
-        <a:lnRef idx="0">
-          <a:scrgbClr r="0" g="0" b="0"/>
-        </a:lnRef>
-        <a:fillRef idx="0">
-          <a:scrgbClr r="0" g="0" b="0"/>
-        </a:fillRef>
-        <a:effectRef idx="0">
-          <a:scrgbClr r="0" g="0" b="0"/>
-        </a:effectRef>
+        <a:lnRef idx="0"/>
+        <a:fillRef idx="0"/>
+        <a:effectRef idx="0"/>
         <a:fontRef idx="none"/>
       </a:style>
     </a:spDef>
@@ -6251,15 +8241,15 @@
           <a:round/>
         </a:ln>
         <a:effectLst>
-          <a:outerShdw blurRad="38100" dist="20000" dir="5400000" rotWithShape="0">
+          <a:outerShdw sx="100000" sy="100000" kx="0" ky="0" algn="b" rotWithShape="0" blurRad="38100" dist="23000" dir="5400000">
             <a:srgbClr val="000000">
-              <a:alpha val="38000"/>
+              <a:alpha val="35000"/>
             </a:srgbClr>
           </a:outerShdw>
         </a:effectLst>
         <a:sp3d/>
       </a:spPr>
-      <a:bodyPr rot="0" spcFirstLastPara="1" vertOverflow="overflow" horzOverflow="overflow" vert="horz" wrap="square" lIns="91439" tIns="45719" rIns="91439" bIns="45719" numCol="1" spcCol="38100" rtlCol="0" anchor="t">
+      <a:bodyPr rot="0" spcFirstLastPara="1" vertOverflow="overflow" horzOverflow="overflow" vert="horz" wrap="square" lIns="91439" tIns="45719" rIns="91439" bIns="45719" numCol="1" spcCol="38100" rtlCol="0" anchor="t" upright="0">
         <a:noAutofit/>
       </a:bodyPr>
       <a:lstStyle>
@@ -6278,7 +8268,7 @@
           <a:buFontTx/>
           <a:buNone/>
           <a:tabLst/>
-          <a:defRPr kumimoji="0" sz="1800" b="0" i="0" u="none" strike="noStrike" cap="none" spc="0" normalizeH="0" baseline="0">
+          <a:defRPr b="0" baseline="0" cap="none" i="0" spc="0" strike="noStrike" sz="1800" u="none" kumimoji="0" normalizeH="0">
             <a:ln>
               <a:noFill/>
             </a:ln>
@@ -6304,7 +8294,7 @@
           <a:buFontTx/>
           <a:buNone/>
           <a:tabLst/>
-          <a:defRPr kumimoji="0" sz="1800" b="0" i="0" u="none" strike="noStrike" cap="none" spc="0" normalizeH="0" baseline="0">
+          <a:defRPr b="0" baseline="0" cap="none" i="0" spc="0" strike="noStrike" sz="1800" u="none" kumimoji="0" normalizeH="0">
             <a:ln>
               <a:noFill/>
             </a:ln>
@@ -6330,7 +8320,7 @@
           <a:buFontTx/>
           <a:buNone/>
           <a:tabLst/>
-          <a:defRPr kumimoji="0" sz="1800" b="0" i="0" u="none" strike="noStrike" cap="none" spc="0" normalizeH="0" baseline="0">
+          <a:defRPr b="0" baseline="0" cap="none" i="0" spc="0" strike="noStrike" sz="1800" u="none" kumimoji="0" normalizeH="0">
             <a:ln>
               <a:noFill/>
             </a:ln>
@@ -6356,7 +8346,7 @@
           <a:buFontTx/>
           <a:buNone/>
           <a:tabLst/>
-          <a:defRPr kumimoji="0" sz="1800" b="0" i="0" u="none" strike="noStrike" cap="none" spc="0" normalizeH="0" baseline="0">
+          <a:defRPr b="0" baseline="0" cap="none" i="0" spc="0" strike="noStrike" sz="1800" u="none" kumimoji="0" normalizeH="0">
             <a:ln>
               <a:noFill/>
             </a:ln>
@@ -6382,7 +8372,7 @@
           <a:buFontTx/>
           <a:buNone/>
           <a:tabLst/>
-          <a:defRPr kumimoji="0" sz="1800" b="0" i="0" u="none" strike="noStrike" cap="none" spc="0" normalizeH="0" baseline="0">
+          <a:defRPr b="0" baseline="0" cap="none" i="0" spc="0" strike="noStrike" sz="1800" u="none" kumimoji="0" normalizeH="0">
             <a:ln>
               <a:noFill/>
             </a:ln>
@@ -6408,7 +8398,7 @@
           <a:buFontTx/>
           <a:buNone/>
           <a:tabLst/>
-          <a:defRPr kumimoji="0" sz="1800" b="0" i="0" u="none" strike="noStrike" cap="none" spc="0" normalizeH="0" baseline="0">
+          <a:defRPr b="0" baseline="0" cap="none" i="0" spc="0" strike="noStrike" sz="1800" u="none" kumimoji="0" normalizeH="0">
             <a:ln>
               <a:noFill/>
             </a:ln>
@@ -6434,7 +8424,7 @@
           <a:buFontTx/>
           <a:buNone/>
           <a:tabLst/>
-          <a:defRPr kumimoji="0" sz="1800" b="0" i="0" u="none" strike="noStrike" cap="none" spc="0" normalizeH="0" baseline="0">
+          <a:defRPr b="0" baseline="0" cap="none" i="0" spc="0" strike="noStrike" sz="1800" u="none" kumimoji="0" normalizeH="0">
             <a:ln>
               <a:noFill/>
             </a:ln>
@@ -6460,7 +8450,7 @@
           <a:buFontTx/>
           <a:buNone/>
           <a:tabLst/>
-          <a:defRPr kumimoji="0" sz="1800" b="0" i="0" u="none" strike="noStrike" cap="none" spc="0" normalizeH="0" baseline="0">
+          <a:defRPr b="0" baseline="0" cap="none" i="0" spc="0" strike="noStrike" sz="1800" u="none" kumimoji="0" normalizeH="0">
             <a:ln>
               <a:noFill/>
             </a:ln>
@@ -6486,7 +8476,7 @@
           <a:buFontTx/>
           <a:buNone/>
           <a:tabLst/>
-          <a:defRPr kumimoji="0" sz="1800" b="0" i="0" u="none" strike="noStrike" cap="none" spc="0" normalizeH="0" baseline="0">
+          <a:defRPr b="0" baseline="0" cap="none" i="0" spc="0" strike="noStrike" sz="1800" u="none" kumimoji="0" normalizeH="0">
             <a:ln>
               <a:noFill/>
             </a:ln>
@@ -6512,7 +8502,7 @@
           <a:buFontTx/>
           <a:buNone/>
           <a:tabLst/>
-          <a:defRPr kumimoji="0" sz="1800" b="0" i="0" u="none" strike="noStrike" cap="none" spc="0" normalizeH="0" baseline="0">
+          <a:defRPr b="0" baseline="0" cap="none" i="0" spc="0" strike="noStrike" sz="1800" u="none" kumimoji="0" normalizeH="0">
             <a:ln>
               <a:noFill/>
             </a:ln>
@@ -6525,15 +8515,9 @@
         </a:lvl9pPr>
       </a:lstStyle>
       <a:style>
-        <a:lnRef idx="0">
-          <a:scrgbClr r="0" g="0" b="0"/>
-        </a:lnRef>
-        <a:fillRef idx="0">
-          <a:scrgbClr r="0" g="0" b="0"/>
-        </a:fillRef>
-        <a:effectRef idx="0">
-          <a:scrgbClr r="0" g="0" b="0"/>
-        </a:effectRef>
+        <a:lnRef idx="0"/>
+        <a:fillRef idx="0"/>
+        <a:effectRef idx="0"/>
         <a:fontRef idx="none"/>
       </a:style>
     </a:lnDef>
@@ -6547,7 +8531,7 @@
         <a:effectLst/>
         <a:sp3d/>
       </a:spPr>
-      <a:bodyPr rot="0" spcFirstLastPara="1" vertOverflow="overflow" horzOverflow="overflow" vert="horz" wrap="square" lIns="45719" tIns="45719" rIns="45719" bIns="45719" numCol="1" spcCol="38100" rtlCol="0" anchor="t">
+      <a:bodyPr rot="0" spcFirstLastPara="1" vertOverflow="overflow" horzOverflow="overflow" vert="horz" wrap="square" lIns="45718" tIns="45718" rIns="45718" bIns="45718" numCol="1" spcCol="38100" rtlCol="0" anchor="t" upright="0">
         <a:spAutoFit/>
       </a:bodyPr>
       <a:lstStyle>
@@ -6566,7 +8550,7 @@
           <a:buFontTx/>
           <a:buNone/>
           <a:tabLst/>
-          <a:defRPr kumimoji="0" sz="1400" b="0" i="0" u="none" strike="noStrike" cap="none" spc="0" normalizeH="0" baseline="0">
+          <a:defRPr b="0" baseline="0" cap="none" i="0" spc="0" strike="noStrike" sz="1400" u="none" kumimoji="0" normalizeH="0">
             <a:ln>
               <a:noFill/>
             </a:ln>
@@ -6578,7 +8562,7 @@
             <a:latin typeface="+mj-lt"/>
             <a:ea typeface="+mj-ea"/>
             <a:cs typeface="+mj-cs"/>
-            <a:sym typeface="Arial"/>
+            <a:sym typeface="Helvetica"/>
           </a:defRPr>
         </a:defPPr>
         <a:lvl1pPr marL="0" marR="0" indent="0" algn="l" defTabSz="914400" rtl="0" fontAlgn="auto" latinLnBrk="1" hangingPunct="0">
@@ -6596,7 +8580,7 @@
           <a:buFontTx/>
           <a:buNone/>
           <a:tabLst/>
-          <a:defRPr kumimoji="0" sz="1800" b="0" i="0" u="none" strike="noStrike" cap="none" spc="0" normalizeH="0" baseline="0">
+          <a:defRPr b="0" baseline="0" cap="none" i="0" spc="0" strike="noStrike" sz="1800" u="none" kumimoji="0" normalizeH="0">
             <a:ln>
               <a:noFill/>
             </a:ln>
@@ -6622,7 +8606,7 @@
           <a:buFontTx/>
           <a:buNone/>
           <a:tabLst/>
-          <a:defRPr kumimoji="0" sz="1800" b="0" i="0" u="none" strike="noStrike" cap="none" spc="0" normalizeH="0" baseline="0">
+          <a:defRPr b="0" baseline="0" cap="none" i="0" spc="0" strike="noStrike" sz="1800" u="none" kumimoji="0" normalizeH="0">
             <a:ln>
               <a:noFill/>
             </a:ln>
@@ -6648,7 +8632,7 @@
           <a:buFontTx/>
           <a:buNone/>
           <a:tabLst/>
-          <a:defRPr kumimoji="0" sz="1800" b="0" i="0" u="none" strike="noStrike" cap="none" spc="0" normalizeH="0" baseline="0">
+          <a:defRPr b="0" baseline="0" cap="none" i="0" spc="0" strike="noStrike" sz="1800" u="none" kumimoji="0" normalizeH="0">
             <a:ln>
               <a:noFill/>
             </a:ln>
@@ -6674,7 +8658,7 @@
           <a:buFontTx/>
           <a:buNone/>
           <a:tabLst/>
-          <a:defRPr kumimoji="0" sz="1800" b="0" i="0" u="none" strike="noStrike" cap="none" spc="0" normalizeH="0" baseline="0">
+          <a:defRPr b="0" baseline="0" cap="none" i="0" spc="0" strike="noStrike" sz="1800" u="none" kumimoji="0" normalizeH="0">
             <a:ln>
               <a:noFill/>
             </a:ln>
@@ -6700,7 +8684,7 @@
           <a:buFontTx/>
           <a:buNone/>
           <a:tabLst/>
-          <a:defRPr kumimoji="0" sz="1800" b="0" i="0" u="none" strike="noStrike" cap="none" spc="0" normalizeH="0" baseline="0">
+          <a:defRPr b="0" baseline="0" cap="none" i="0" spc="0" strike="noStrike" sz="1800" u="none" kumimoji="0" normalizeH="0">
             <a:ln>
               <a:noFill/>
             </a:ln>
@@ -6726,7 +8710,7 @@
           <a:buFontTx/>
           <a:buNone/>
           <a:tabLst/>
-          <a:defRPr kumimoji="0" sz="1800" b="0" i="0" u="none" strike="noStrike" cap="none" spc="0" normalizeH="0" baseline="0">
+          <a:defRPr b="0" baseline="0" cap="none" i="0" spc="0" strike="noStrike" sz="1800" u="none" kumimoji="0" normalizeH="0">
             <a:ln>
               <a:noFill/>
             </a:ln>
@@ -6752,7 +8736,7 @@
           <a:buFontTx/>
           <a:buNone/>
           <a:tabLst/>
-          <a:defRPr kumimoji="0" sz="1800" b="0" i="0" u="none" strike="noStrike" cap="none" spc="0" normalizeH="0" baseline="0">
+          <a:defRPr b="0" baseline="0" cap="none" i="0" spc="0" strike="noStrike" sz="1800" u="none" kumimoji="0" normalizeH="0">
             <a:ln>
               <a:noFill/>
             </a:ln>
@@ -6778,7 +8762,7 @@
           <a:buFontTx/>
           <a:buNone/>
           <a:tabLst/>
-          <a:defRPr kumimoji="0" sz="1800" b="0" i="0" u="none" strike="noStrike" cap="none" spc="0" normalizeH="0" baseline="0">
+          <a:defRPr b="0" baseline="0" cap="none" i="0" spc="0" strike="noStrike" sz="1800" u="none" kumimoji="0" normalizeH="0">
             <a:ln>
               <a:noFill/>
             </a:ln>
@@ -6804,7 +8788,7 @@
           <a:buFontTx/>
           <a:buNone/>
           <a:tabLst/>
-          <a:defRPr kumimoji="0" sz="1800" b="0" i="0" u="none" strike="noStrike" cap="none" spc="0" normalizeH="0" baseline="0">
+          <a:defRPr b="0" baseline="0" cap="none" i="0" spc="0" strike="noStrike" sz="1800" u="none" kumimoji="0" normalizeH="0">
             <a:ln>
               <a:noFill/>
             </a:ln>
@@ -6817,25 +8801,18 @@
         </a:lvl9pPr>
       </a:lstStyle>
       <a:style>
-        <a:lnRef idx="0">
-          <a:scrgbClr r="0" g="0" b="0"/>
-        </a:lnRef>
-        <a:fillRef idx="0">
-          <a:scrgbClr r="0" g="0" b="0"/>
-        </a:fillRef>
-        <a:effectRef idx="0">
-          <a:scrgbClr r="0" g="0" b="0"/>
-        </a:effectRef>
+        <a:lnRef idx="0"/>
+        <a:fillRef idx="0"/>
+        <a:effectRef idx="0"/>
         <a:fontRef idx="none"/>
       </a:style>
     </a:txDef>
   </a:objectDefaults>
-  <a:extraClrSchemeLst/>
 </a:theme>
 </file>
 
 <file path=ppt/theme/theme2.xml><?xml version="1.0" encoding="utf-8"?>
-<a:theme xmlns:a="http://schemas.openxmlformats.org/drawingml/2006/main" name="Spearmint">
+<a:theme xmlns:a="http://schemas.openxmlformats.org/drawingml/2006/main" xmlns:r="http://schemas.openxmlformats.org/officeDocument/2006/relationships" name="Spearmint">
   <a:themeElements>
     <a:clrScheme name="Spearmint">
       <a:dk1>
@@ -6877,14 +8854,14 @@
     </a:clrScheme>
     <a:fontScheme name="Spearmint">
       <a:majorFont>
+        <a:latin typeface="Helvetica"/>
+        <a:ea typeface="Helvetica"/>
+        <a:cs typeface="Helvetica"/>
+      </a:majorFont>
+      <a:minorFont>
         <a:latin typeface="Arial"/>
         <a:ea typeface="Arial"/>
         <a:cs typeface="Arial"/>
-      </a:majorFont>
-      <a:minorFont>
-        <a:latin typeface="Helvetica"/>
-        <a:ea typeface="Helvetica"/>
-        <a:cs typeface="Helvetica"/>
       </a:minorFont>
     </a:fontScheme>
     <a:fmtScheme name="Spearmint">
@@ -6961,7 +8938,7 @@
       <a:effectStyleLst>
         <a:effectStyle>
           <a:effectLst>
-            <a:outerShdw blurRad="38100" dist="23000" dir="5400000" rotWithShape="0">
+            <a:outerShdw sx="100000" sy="100000" kx="0" ky="0" algn="b" rotWithShape="0" blurRad="38100" dist="23000" dir="5400000">
               <a:srgbClr val="000000">
                 <a:alpha val="35000"/>
               </a:srgbClr>
@@ -6970,7 +8947,7 @@
         </a:effectStyle>
         <a:effectStyle>
           <a:effectLst>
-            <a:outerShdw blurRad="38100" dist="23000" dir="5400000" rotWithShape="0">
+            <a:outerShdw sx="100000" sy="100000" kx="0" ky="0" algn="b" rotWithShape="0" blurRad="38100" dist="23000" dir="5400000">
               <a:srgbClr val="000000">
                 <a:alpha val="35000"/>
               </a:srgbClr>
@@ -6979,9 +8956,9 @@
         </a:effectStyle>
         <a:effectStyle>
           <a:effectLst>
-            <a:outerShdw blurRad="38100" dist="20000" dir="5400000" rotWithShape="0">
+            <a:outerShdw sx="100000" sy="100000" kx="0" ky="0" algn="b" rotWithShape="0" blurRad="38100" dist="23000" dir="5400000">
               <a:srgbClr val="000000">
-                <a:alpha val="38000"/>
+                <a:alpha val="35000"/>
               </a:srgbClr>
             </a:outerShdw>
           </a:effectLst>
@@ -7043,7 +9020,7 @@
     <a:spDef>
       <a:spPr>
         <a:solidFill>
-          <a:srgbClr val="FFFFFF"/>
+          <a:srgbClr val="202729"/>
         </a:solidFill>
         <a:ln w="25400" cap="flat">
           <a:solidFill>
@@ -7053,7 +9030,7 @@
           <a:round/>
         </a:ln>
         <a:effectLst>
-          <a:outerShdw blurRad="38100" dist="23000" dir="5400000" rotWithShape="0">
+          <a:outerShdw sx="100000" sy="100000" kx="0" ky="0" algn="b" rotWithShape="0" blurRad="38100" dist="23000" dir="5400000">
             <a:srgbClr val="000000">
               <a:alpha val="35000"/>
             </a:srgbClr>
@@ -7061,7 +9038,7 @@
         </a:effectLst>
         <a:sp3d/>
       </a:spPr>
-      <a:bodyPr rot="0" spcFirstLastPara="1" vertOverflow="overflow" horzOverflow="overflow" vert="horz" wrap="square" lIns="45719" tIns="45719" rIns="45719" bIns="45719" numCol="1" spcCol="38100" rtlCol="0" anchor="ctr">
+      <a:bodyPr rot="0" spcFirstLastPara="1" vertOverflow="overflow" horzOverflow="overflow" vert="horz" wrap="square" lIns="45718" tIns="45718" rIns="45718" bIns="45718" numCol="1" spcCol="38100" rtlCol="0" anchor="ctr" upright="0">
         <a:spAutoFit/>
       </a:bodyPr>
       <a:lstStyle>
@@ -7080,7 +9057,7 @@
           <a:buFontTx/>
           <a:buNone/>
           <a:tabLst/>
-          <a:defRPr kumimoji="0" sz="1400" b="0" i="0" u="none" strike="noStrike" cap="none" spc="0" normalizeH="0" baseline="0">
+          <a:defRPr b="0" baseline="0" cap="none" i="0" spc="0" strike="noStrike" sz="1400" u="none" kumimoji="0" normalizeH="0">
             <a:ln>
               <a:noFill/>
             </a:ln>
@@ -7092,7 +9069,7 @@
             <a:latin typeface="+mj-lt"/>
             <a:ea typeface="+mj-ea"/>
             <a:cs typeface="+mj-cs"/>
-            <a:sym typeface="Arial"/>
+            <a:sym typeface="Helvetica"/>
           </a:defRPr>
         </a:defPPr>
         <a:lvl1pPr marL="0" marR="0" indent="0" algn="l" defTabSz="914400" rtl="0" fontAlgn="auto" latinLnBrk="1" hangingPunct="0">
@@ -7110,7 +9087,7 @@
           <a:buFontTx/>
           <a:buNone/>
           <a:tabLst/>
-          <a:defRPr kumimoji="0" sz="1800" b="0" i="0" u="none" strike="noStrike" cap="none" spc="0" normalizeH="0" baseline="0">
+          <a:defRPr b="0" baseline="0" cap="none" i="0" spc="0" strike="noStrike" sz="1800" u="none" kumimoji="0" normalizeH="0">
             <a:ln>
               <a:noFill/>
             </a:ln>
@@ -7136,7 +9113,7 @@
           <a:buFontTx/>
           <a:buNone/>
           <a:tabLst/>
-          <a:defRPr kumimoji="0" sz="1800" b="0" i="0" u="none" strike="noStrike" cap="none" spc="0" normalizeH="0" baseline="0">
+          <a:defRPr b="0" baseline="0" cap="none" i="0" spc="0" strike="noStrike" sz="1800" u="none" kumimoji="0" normalizeH="0">
             <a:ln>
               <a:noFill/>
             </a:ln>
@@ -7162,7 +9139,7 @@
           <a:buFontTx/>
           <a:buNone/>
           <a:tabLst/>
-          <a:defRPr kumimoji="0" sz="1800" b="0" i="0" u="none" strike="noStrike" cap="none" spc="0" normalizeH="0" baseline="0">
+          <a:defRPr b="0" baseline="0" cap="none" i="0" spc="0" strike="noStrike" sz="1800" u="none" kumimoji="0" normalizeH="0">
             <a:ln>
               <a:noFill/>
             </a:ln>
@@ -7188,7 +9165,7 @@
           <a:buFontTx/>
           <a:buNone/>
           <a:tabLst/>
-          <a:defRPr kumimoji="0" sz="1800" b="0" i="0" u="none" strike="noStrike" cap="none" spc="0" normalizeH="0" baseline="0">
+          <a:defRPr b="0" baseline="0" cap="none" i="0" spc="0" strike="noStrike" sz="1800" u="none" kumimoji="0" normalizeH="0">
             <a:ln>
               <a:noFill/>
             </a:ln>
@@ -7214,7 +9191,7 @@
           <a:buFontTx/>
           <a:buNone/>
           <a:tabLst/>
-          <a:defRPr kumimoji="0" sz="1800" b="0" i="0" u="none" strike="noStrike" cap="none" spc="0" normalizeH="0" baseline="0">
+          <a:defRPr b="0" baseline="0" cap="none" i="0" spc="0" strike="noStrike" sz="1800" u="none" kumimoji="0" normalizeH="0">
             <a:ln>
               <a:noFill/>
             </a:ln>
@@ -7240,7 +9217,7 @@
           <a:buFontTx/>
           <a:buNone/>
           <a:tabLst/>
-          <a:defRPr kumimoji="0" sz="1800" b="0" i="0" u="none" strike="noStrike" cap="none" spc="0" normalizeH="0" baseline="0">
+          <a:defRPr b="0" baseline="0" cap="none" i="0" spc="0" strike="noStrike" sz="1800" u="none" kumimoji="0" normalizeH="0">
             <a:ln>
               <a:noFill/>
             </a:ln>
@@ -7266,7 +9243,7 @@
           <a:buFontTx/>
           <a:buNone/>
           <a:tabLst/>
-          <a:defRPr kumimoji="0" sz="1800" b="0" i="0" u="none" strike="noStrike" cap="none" spc="0" normalizeH="0" baseline="0">
+          <a:defRPr b="0" baseline="0" cap="none" i="0" spc="0" strike="noStrike" sz="1800" u="none" kumimoji="0" normalizeH="0">
             <a:ln>
               <a:noFill/>
             </a:ln>
@@ -7292,7 +9269,7 @@
           <a:buFontTx/>
           <a:buNone/>
           <a:tabLst/>
-          <a:defRPr kumimoji="0" sz="1800" b="0" i="0" u="none" strike="noStrike" cap="none" spc="0" normalizeH="0" baseline="0">
+          <a:defRPr b="0" baseline="0" cap="none" i="0" spc="0" strike="noStrike" sz="1800" u="none" kumimoji="0" normalizeH="0">
             <a:ln>
               <a:noFill/>
             </a:ln>
@@ -7318,7 +9295,7 @@
           <a:buFontTx/>
           <a:buNone/>
           <a:tabLst/>
-          <a:defRPr kumimoji="0" sz="1800" b="0" i="0" u="none" strike="noStrike" cap="none" spc="0" normalizeH="0" baseline="0">
+          <a:defRPr b="0" baseline="0" cap="none" i="0" spc="0" strike="noStrike" sz="1800" u="none" kumimoji="0" normalizeH="0">
             <a:ln>
               <a:noFill/>
             </a:ln>
@@ -7331,15 +9308,9 @@
         </a:lvl9pPr>
       </a:lstStyle>
       <a:style>
-        <a:lnRef idx="0">
-          <a:scrgbClr r="0" g="0" b="0"/>
-        </a:lnRef>
-        <a:fillRef idx="0">
-          <a:scrgbClr r="0" g="0" b="0"/>
-        </a:fillRef>
-        <a:effectRef idx="0">
-          <a:scrgbClr r="0" g="0" b="0"/>
-        </a:effectRef>
+        <a:lnRef idx="0"/>
+        <a:fillRef idx="0"/>
+        <a:effectRef idx="0"/>
         <a:fontRef idx="none"/>
       </a:style>
     </a:spDef>
@@ -7354,15 +9325,15 @@
           <a:round/>
         </a:ln>
         <a:effectLst>
-          <a:outerShdw blurRad="38100" dist="20000" dir="5400000" rotWithShape="0">
+          <a:outerShdw sx="100000" sy="100000" kx="0" ky="0" algn="b" rotWithShape="0" blurRad="38100" dist="23000" dir="5400000">
             <a:srgbClr val="000000">
-              <a:alpha val="38000"/>
+              <a:alpha val="35000"/>
             </a:srgbClr>
           </a:outerShdw>
         </a:effectLst>
         <a:sp3d/>
       </a:spPr>
-      <a:bodyPr rot="0" spcFirstLastPara="1" vertOverflow="overflow" horzOverflow="overflow" vert="horz" wrap="square" lIns="91439" tIns="45719" rIns="91439" bIns="45719" numCol="1" spcCol="38100" rtlCol="0" anchor="t">
+      <a:bodyPr rot="0" spcFirstLastPara="1" vertOverflow="overflow" horzOverflow="overflow" vert="horz" wrap="square" lIns="91439" tIns="45719" rIns="91439" bIns="45719" numCol="1" spcCol="38100" rtlCol="0" anchor="t" upright="0">
         <a:noAutofit/>
       </a:bodyPr>
       <a:lstStyle>
@@ -7381,7 +9352,7 @@
           <a:buFontTx/>
           <a:buNone/>
           <a:tabLst/>
-          <a:defRPr kumimoji="0" sz="1800" b="0" i="0" u="none" strike="noStrike" cap="none" spc="0" normalizeH="0" baseline="0">
+          <a:defRPr b="0" baseline="0" cap="none" i="0" spc="0" strike="noStrike" sz="1800" u="none" kumimoji="0" normalizeH="0">
             <a:ln>
               <a:noFill/>
             </a:ln>
@@ -7407,7 +9378,7 @@
           <a:buFontTx/>
           <a:buNone/>
           <a:tabLst/>
-          <a:defRPr kumimoji="0" sz="1800" b="0" i="0" u="none" strike="noStrike" cap="none" spc="0" normalizeH="0" baseline="0">
+          <a:defRPr b="0" baseline="0" cap="none" i="0" spc="0" strike="noStrike" sz="1800" u="none" kumimoji="0" normalizeH="0">
             <a:ln>
               <a:noFill/>
             </a:ln>
@@ -7433,7 +9404,7 @@
           <a:buFontTx/>
           <a:buNone/>
           <a:tabLst/>
-          <a:defRPr kumimoji="0" sz="1800" b="0" i="0" u="none" strike="noStrike" cap="none" spc="0" normalizeH="0" baseline="0">
+          <a:defRPr b="0" baseline="0" cap="none" i="0" spc="0" strike="noStrike" sz="1800" u="none" kumimoji="0" normalizeH="0">
             <a:ln>
               <a:noFill/>
             </a:ln>
@@ -7459,7 +9430,7 @@
           <a:buFontTx/>
           <a:buNone/>
           <a:tabLst/>
-          <a:defRPr kumimoji="0" sz="1800" b="0" i="0" u="none" strike="noStrike" cap="none" spc="0" normalizeH="0" baseline="0">
+          <a:defRPr b="0" baseline="0" cap="none" i="0" spc="0" strike="noStrike" sz="1800" u="none" kumimoji="0" normalizeH="0">
             <a:ln>
               <a:noFill/>
             </a:ln>
@@ -7485,7 +9456,7 @@
           <a:buFontTx/>
           <a:buNone/>
           <a:tabLst/>
-          <a:defRPr kumimoji="0" sz="1800" b="0" i="0" u="none" strike="noStrike" cap="none" spc="0" normalizeH="0" baseline="0">
+          <a:defRPr b="0" baseline="0" cap="none" i="0" spc="0" strike="noStrike" sz="1800" u="none" kumimoji="0" normalizeH="0">
             <a:ln>
               <a:noFill/>
             </a:ln>
@@ -7511,7 +9482,7 @@
           <a:buFontTx/>
           <a:buNone/>
           <a:tabLst/>
-          <a:defRPr kumimoji="0" sz="1800" b="0" i="0" u="none" strike="noStrike" cap="none" spc="0" normalizeH="0" baseline="0">
+          <a:defRPr b="0" baseline="0" cap="none" i="0" spc="0" strike="noStrike" sz="1800" u="none" kumimoji="0" normalizeH="0">
             <a:ln>
               <a:noFill/>
             </a:ln>
@@ -7537,7 +9508,7 @@
           <a:buFontTx/>
           <a:buNone/>
           <a:tabLst/>
-          <a:defRPr kumimoji="0" sz="1800" b="0" i="0" u="none" strike="noStrike" cap="none" spc="0" normalizeH="0" baseline="0">
+          <a:defRPr b="0" baseline="0" cap="none" i="0" spc="0" strike="noStrike" sz="1800" u="none" kumimoji="0" normalizeH="0">
             <a:ln>
               <a:noFill/>
             </a:ln>
@@ -7563,7 +9534,7 @@
           <a:buFontTx/>
           <a:buNone/>
           <a:tabLst/>
-          <a:defRPr kumimoji="0" sz="1800" b="0" i="0" u="none" strike="noStrike" cap="none" spc="0" normalizeH="0" baseline="0">
+          <a:defRPr b="0" baseline="0" cap="none" i="0" spc="0" strike="noStrike" sz="1800" u="none" kumimoji="0" normalizeH="0">
             <a:ln>
               <a:noFill/>
             </a:ln>
@@ -7589,7 +9560,7 @@
           <a:buFontTx/>
           <a:buNone/>
           <a:tabLst/>
-          <a:defRPr kumimoji="0" sz="1800" b="0" i="0" u="none" strike="noStrike" cap="none" spc="0" normalizeH="0" baseline="0">
+          <a:defRPr b="0" baseline="0" cap="none" i="0" spc="0" strike="noStrike" sz="1800" u="none" kumimoji="0" normalizeH="0">
             <a:ln>
               <a:noFill/>
             </a:ln>
@@ -7615,7 +9586,7 @@
           <a:buFontTx/>
           <a:buNone/>
           <a:tabLst/>
-          <a:defRPr kumimoji="0" sz="1800" b="0" i="0" u="none" strike="noStrike" cap="none" spc="0" normalizeH="0" baseline="0">
+          <a:defRPr b="0" baseline="0" cap="none" i="0" spc="0" strike="noStrike" sz="1800" u="none" kumimoji="0" normalizeH="0">
             <a:ln>
               <a:noFill/>
             </a:ln>
@@ -7628,15 +9599,9 @@
         </a:lvl9pPr>
       </a:lstStyle>
       <a:style>
-        <a:lnRef idx="0">
-          <a:scrgbClr r="0" g="0" b="0"/>
-        </a:lnRef>
-        <a:fillRef idx="0">
-          <a:scrgbClr r="0" g="0" b="0"/>
-        </a:fillRef>
-        <a:effectRef idx="0">
-          <a:scrgbClr r="0" g="0" b="0"/>
-        </a:effectRef>
+        <a:lnRef idx="0"/>
+        <a:fillRef idx="0"/>
+        <a:effectRef idx="0"/>
         <a:fontRef idx="none"/>
       </a:style>
     </a:lnDef>
@@ -7650,7 +9615,7 @@
         <a:effectLst/>
         <a:sp3d/>
       </a:spPr>
-      <a:bodyPr rot="0" spcFirstLastPara="1" vertOverflow="overflow" horzOverflow="overflow" vert="horz" wrap="square" lIns="45719" tIns="45719" rIns="45719" bIns="45719" numCol="1" spcCol="38100" rtlCol="0" anchor="t">
+      <a:bodyPr rot="0" spcFirstLastPara="1" vertOverflow="overflow" horzOverflow="overflow" vert="horz" wrap="square" lIns="45718" tIns="45718" rIns="45718" bIns="45718" numCol="1" spcCol="38100" rtlCol="0" anchor="t" upright="0">
         <a:spAutoFit/>
       </a:bodyPr>
       <a:lstStyle>
@@ -7669,7 +9634,7 @@
           <a:buFontTx/>
           <a:buNone/>
           <a:tabLst/>
-          <a:defRPr kumimoji="0" sz="1400" b="0" i="0" u="none" strike="noStrike" cap="none" spc="0" normalizeH="0" baseline="0">
+          <a:defRPr b="0" baseline="0" cap="none" i="0" spc="0" strike="noStrike" sz="1400" u="none" kumimoji="0" normalizeH="0">
             <a:ln>
               <a:noFill/>
             </a:ln>
@@ -7681,7 +9646,7 @@
             <a:latin typeface="+mj-lt"/>
             <a:ea typeface="+mj-ea"/>
             <a:cs typeface="+mj-cs"/>
-            <a:sym typeface="Arial"/>
+            <a:sym typeface="Helvetica"/>
           </a:defRPr>
         </a:defPPr>
         <a:lvl1pPr marL="0" marR="0" indent="0" algn="l" defTabSz="914400" rtl="0" fontAlgn="auto" latinLnBrk="1" hangingPunct="0">
@@ -7699,7 +9664,7 @@
           <a:buFontTx/>
           <a:buNone/>
           <a:tabLst/>
-          <a:defRPr kumimoji="0" sz="1800" b="0" i="0" u="none" strike="noStrike" cap="none" spc="0" normalizeH="0" baseline="0">
+          <a:defRPr b="0" baseline="0" cap="none" i="0" spc="0" strike="noStrike" sz="1800" u="none" kumimoji="0" normalizeH="0">
             <a:ln>
               <a:noFill/>
             </a:ln>
@@ -7725,7 +9690,7 @@
           <a:buFontTx/>
           <a:buNone/>
           <a:tabLst/>
-          <a:defRPr kumimoji="0" sz="1800" b="0" i="0" u="none" strike="noStrike" cap="none" spc="0" normalizeH="0" baseline="0">
+          <a:defRPr b="0" baseline="0" cap="none" i="0" spc="0" strike="noStrike" sz="1800" u="none" kumimoji="0" normalizeH="0">
             <a:ln>
               <a:noFill/>
             </a:ln>
@@ -7751,7 +9716,7 @@
           <a:buFontTx/>
           <a:buNone/>
           <a:tabLst/>
-          <a:defRPr kumimoji="0" sz="1800" b="0" i="0" u="none" strike="noStrike" cap="none" spc="0" normalizeH="0" baseline="0">
+          <a:defRPr b="0" baseline="0" cap="none" i="0" spc="0" strike="noStrike" sz="1800" u="none" kumimoji="0" normalizeH="0">
             <a:ln>
               <a:noFill/>
             </a:ln>
@@ -7777,7 +9742,7 @@
           <a:buFontTx/>
           <a:buNone/>
           <a:tabLst/>
-          <a:defRPr kumimoji="0" sz="1800" b="0" i="0" u="none" strike="noStrike" cap="none" spc="0" normalizeH="0" baseline="0">
+          <a:defRPr b="0" baseline="0" cap="none" i="0" spc="0" strike="noStrike" sz="1800" u="none" kumimoji="0" normalizeH="0">
             <a:ln>
               <a:noFill/>
             </a:ln>
@@ -7803,7 +9768,7 @@
           <a:buFontTx/>
           <a:buNone/>
           <a:tabLst/>
-          <a:defRPr kumimoji="0" sz="1800" b="0" i="0" u="none" strike="noStrike" cap="none" spc="0" normalizeH="0" baseline="0">
+          <a:defRPr b="0" baseline="0" cap="none" i="0" spc="0" strike="noStrike" sz="1800" u="none" kumimoji="0" normalizeH="0">
             <a:ln>
               <a:noFill/>
             </a:ln>
@@ -7829,7 +9794,7 @@
           <a:buFontTx/>
           <a:buNone/>
           <a:tabLst/>
-          <a:defRPr kumimoji="0" sz="1800" b="0" i="0" u="none" strike="noStrike" cap="none" spc="0" normalizeH="0" baseline="0">
+          <a:defRPr b="0" baseline="0" cap="none" i="0" spc="0" strike="noStrike" sz="1800" u="none" kumimoji="0" normalizeH="0">
             <a:ln>
               <a:noFill/>
             </a:ln>
@@ -7855,7 +9820,7 @@
           <a:buFontTx/>
           <a:buNone/>
           <a:tabLst/>
-          <a:defRPr kumimoji="0" sz="1800" b="0" i="0" u="none" strike="noStrike" cap="none" spc="0" normalizeH="0" baseline="0">
+          <a:defRPr b="0" baseline="0" cap="none" i="0" spc="0" strike="noStrike" sz="1800" u="none" kumimoji="0" normalizeH="0">
             <a:ln>
               <a:noFill/>
             </a:ln>
@@ -7881,7 +9846,7 @@
           <a:buFontTx/>
           <a:buNone/>
           <a:tabLst/>
-          <a:defRPr kumimoji="0" sz="1800" b="0" i="0" u="none" strike="noStrike" cap="none" spc="0" normalizeH="0" baseline="0">
+          <a:defRPr b="0" baseline="0" cap="none" i="0" spc="0" strike="noStrike" sz="1800" u="none" kumimoji="0" normalizeH="0">
             <a:ln>
               <a:noFill/>
             </a:ln>
@@ -7907,7 +9872,7 @@
           <a:buFontTx/>
           <a:buNone/>
           <a:tabLst/>
-          <a:defRPr kumimoji="0" sz="1800" b="0" i="0" u="none" strike="noStrike" cap="none" spc="0" normalizeH="0" baseline="0">
+          <a:defRPr b="0" baseline="0" cap="none" i="0" spc="0" strike="noStrike" sz="1800" u="none" kumimoji="0" normalizeH="0">
             <a:ln>
               <a:noFill/>
             </a:ln>
@@ -7920,19 +9885,12 @@
         </a:lvl9pPr>
       </a:lstStyle>
       <a:style>
-        <a:lnRef idx="0">
-          <a:scrgbClr r="0" g="0" b="0"/>
-        </a:lnRef>
-        <a:fillRef idx="0">
-          <a:scrgbClr r="0" g="0" b="0"/>
-        </a:fillRef>
-        <a:effectRef idx="0">
-          <a:scrgbClr r="0" g="0" b="0"/>
-        </a:effectRef>
+        <a:lnRef idx="0"/>
+        <a:fillRef idx="0"/>
+        <a:effectRef idx="0"/>
         <a:fontRef idx="none"/>
       </a:style>
     </a:txDef>
   </a:objectDefaults>
-  <a:extraClrSchemeLst/>
 </a:theme>
 </file>